--- a/manuscript/data_illustration.pptx
+++ b/manuscript/data_illustration.pptx
@@ -6,6 +6,7 @@
   </p:sldMasterIdLst>
   <p:sldIdLst>
     <p:sldId id="256" r:id="rId2"/>
+    <p:sldId id="257" r:id="rId3"/>
   </p:sldIdLst>
   <p:sldSz cx="12192000" cy="6858000"/>
   <p:notesSz cx="6858000" cy="9144000"/>
@@ -104,6 +105,11 @@
       </a:defRPr>
     </a:lvl9pPr>
   </p:defaultTextStyle>
+  <p:extLst>
+    <p:ext uri="{EFAFB233-063F-42B5-8137-9DF3F51BA10A}">
+      <p15:sldGuideLst xmlns:p15="http://schemas.microsoft.com/office/powerpoint/2012/main"/>
+    </p:ext>
+  </p:extLst>
 </p:presentation>
 </file>
 
@@ -254,7 +260,7 @@
           <a:p>
             <a:fld id="{CC73ECDD-14FF-46C4-9647-BB83FC899B6B}" type="datetimeFigureOut">
               <a:rPr lang="en-US" smtClean="0"/>
-              <a:t>8/10/2018</a:t>
+              <a:t>8/13/2018</a:t>
             </a:fld>
             <a:endParaRPr lang="en-US"/>
           </a:p>
@@ -452,7 +458,7 @@
           <a:p>
             <a:fld id="{CC73ECDD-14FF-46C4-9647-BB83FC899B6B}" type="datetimeFigureOut">
               <a:rPr lang="en-US" smtClean="0"/>
-              <a:t>8/10/2018</a:t>
+              <a:t>8/13/2018</a:t>
             </a:fld>
             <a:endParaRPr lang="en-US"/>
           </a:p>
@@ -660,7 +666,7 @@
           <a:p>
             <a:fld id="{CC73ECDD-14FF-46C4-9647-BB83FC899B6B}" type="datetimeFigureOut">
               <a:rPr lang="en-US" smtClean="0"/>
-              <a:t>8/10/2018</a:t>
+              <a:t>8/13/2018</a:t>
             </a:fld>
             <a:endParaRPr lang="en-US"/>
           </a:p>
@@ -858,7 +864,7 @@
           <a:p>
             <a:fld id="{CC73ECDD-14FF-46C4-9647-BB83FC899B6B}" type="datetimeFigureOut">
               <a:rPr lang="en-US" smtClean="0"/>
-              <a:t>8/10/2018</a:t>
+              <a:t>8/13/2018</a:t>
             </a:fld>
             <a:endParaRPr lang="en-US"/>
           </a:p>
@@ -1133,7 +1139,7 @@
           <a:p>
             <a:fld id="{CC73ECDD-14FF-46C4-9647-BB83FC899B6B}" type="datetimeFigureOut">
               <a:rPr lang="en-US" smtClean="0"/>
-              <a:t>8/10/2018</a:t>
+              <a:t>8/13/2018</a:t>
             </a:fld>
             <a:endParaRPr lang="en-US"/>
           </a:p>
@@ -1398,7 +1404,7 @@
           <a:p>
             <a:fld id="{CC73ECDD-14FF-46C4-9647-BB83FC899B6B}" type="datetimeFigureOut">
               <a:rPr lang="en-US" smtClean="0"/>
-              <a:t>8/10/2018</a:t>
+              <a:t>8/13/2018</a:t>
             </a:fld>
             <a:endParaRPr lang="en-US"/>
           </a:p>
@@ -1810,7 +1816,7 @@
           <a:p>
             <a:fld id="{CC73ECDD-14FF-46C4-9647-BB83FC899B6B}" type="datetimeFigureOut">
               <a:rPr lang="en-US" smtClean="0"/>
-              <a:t>8/10/2018</a:t>
+              <a:t>8/13/2018</a:t>
             </a:fld>
             <a:endParaRPr lang="en-US"/>
           </a:p>
@@ -1951,7 +1957,7 @@
           <a:p>
             <a:fld id="{CC73ECDD-14FF-46C4-9647-BB83FC899B6B}" type="datetimeFigureOut">
               <a:rPr lang="en-US" smtClean="0"/>
-              <a:t>8/10/2018</a:t>
+              <a:t>8/13/2018</a:t>
             </a:fld>
             <a:endParaRPr lang="en-US"/>
           </a:p>
@@ -2064,7 +2070,7 @@
           <a:p>
             <a:fld id="{CC73ECDD-14FF-46C4-9647-BB83FC899B6B}" type="datetimeFigureOut">
               <a:rPr lang="en-US" smtClean="0"/>
-              <a:t>8/10/2018</a:t>
+              <a:t>8/13/2018</a:t>
             </a:fld>
             <a:endParaRPr lang="en-US"/>
           </a:p>
@@ -2375,7 +2381,7 @@
           <a:p>
             <a:fld id="{CC73ECDD-14FF-46C4-9647-BB83FC899B6B}" type="datetimeFigureOut">
               <a:rPr lang="en-US" smtClean="0"/>
-              <a:t>8/10/2018</a:t>
+              <a:t>8/13/2018</a:t>
             </a:fld>
             <a:endParaRPr lang="en-US"/>
           </a:p>
@@ -2663,7 +2669,7 @@
           <a:p>
             <a:fld id="{CC73ECDD-14FF-46C4-9647-BB83FC899B6B}" type="datetimeFigureOut">
               <a:rPr lang="en-US" smtClean="0"/>
-              <a:t>8/10/2018</a:t>
+              <a:t>8/13/2018</a:t>
             </a:fld>
             <a:endParaRPr lang="en-US"/>
           </a:p>
@@ -2904,7 +2910,7 @@
           <a:p>
             <a:fld id="{CC73ECDD-14FF-46C4-9647-BB83FC899B6B}" type="datetimeFigureOut">
               <a:rPr lang="en-US" smtClean="0"/>
-              <a:t>8/10/2018</a:t>
+              <a:t>8/13/2018</a:t>
             </a:fld>
             <a:endParaRPr lang="en-US"/>
           </a:p>
@@ -5482,7 +5488,7 @@
           <p:spPr>
             <a:xfrm>
               <a:off x="6393865" y="4355952"/>
-              <a:ext cx="602637" cy="261610"/>
+              <a:ext cx="602637" cy="350360"/>
             </a:xfrm>
             <a:prstGeom prst="rect">
               <a:avLst/>
@@ -5498,7 +5504,7 @@
               <a:pPr algn="ctr"/>
               <a:r>
                 <a:rPr lang="en-US" sz="1100" dirty="0"/>
-                <a:t>2</a:t>
+                <a:t>1</a:t>
               </a:r>
             </a:p>
           </p:txBody>
@@ -5518,7 +5524,7 @@
           <p:spPr>
             <a:xfrm>
               <a:off x="6916894" y="4355952"/>
-              <a:ext cx="602637" cy="261610"/>
+              <a:ext cx="602637" cy="350360"/>
             </a:xfrm>
             <a:prstGeom prst="rect">
               <a:avLst/>
@@ -5534,7 +5540,7 @@
               <a:pPr algn="ctr"/>
               <a:r>
                 <a:rPr lang="en-US" sz="1100" dirty="0"/>
-                <a:t>2</a:t>
+                <a:t>1</a:t>
               </a:r>
             </a:p>
           </p:txBody>
@@ -6563,6 +6569,4487 @@
 </p:sld>
 </file>
 
+<file path=ppt/slides/slide2.xml><?xml version="1.0" encoding="utf-8"?>
+<p:sld xmlns:a="http://schemas.openxmlformats.org/drawingml/2006/main" xmlns:r="http://schemas.openxmlformats.org/officeDocument/2006/relationships" xmlns:p="http://schemas.openxmlformats.org/presentationml/2006/main">
+  <p:cSld>
+    <p:spTree>
+      <p:nvGrpSpPr>
+        <p:cNvPr id="1" name=""/>
+        <p:cNvGrpSpPr/>
+        <p:nvPr/>
+      </p:nvGrpSpPr>
+      <p:grpSpPr>
+        <a:xfrm>
+          <a:off x="0" y="0"/>
+          <a:ext cx="0" cy="0"/>
+          <a:chOff x="0" y="0"/>
+          <a:chExt cx="0" cy="0"/>
+        </a:xfrm>
+      </p:grpSpPr>
+      <p:graphicFrame>
+        <p:nvGraphicFramePr>
+          <p:cNvPr id="4" name="Table 3">
+            <a:extLst>
+              <a:ext uri="{FF2B5EF4-FFF2-40B4-BE49-F238E27FC236}">
+                <a16:creationId xmlns:a16="http://schemas.microsoft.com/office/drawing/2014/main" id="{72ED7C4D-3E3F-4D7A-A434-B322D0F118DD}"/>
+              </a:ext>
+            </a:extLst>
+          </p:cNvPr>
+          <p:cNvGraphicFramePr>
+            <a:graphicFrameLocks noGrp="1"/>
+          </p:cNvGraphicFramePr>
+          <p:nvPr>
+            <p:extLst>
+              <p:ext uri="{D42A27DB-BD31-4B8C-83A1-F6EECF244321}">
+                <p14:modId xmlns:p14="http://schemas.microsoft.com/office/powerpoint/2010/main" val="3452804479"/>
+              </p:ext>
+            </p:extLst>
+          </p:nvPr>
+        </p:nvGraphicFramePr>
+        <p:xfrm>
+          <a:off x="2075546" y="2256608"/>
+          <a:ext cx="9521372" cy="2966720"/>
+        </p:xfrm>
+        <a:graphic>
+          <a:graphicData uri="http://schemas.openxmlformats.org/drawingml/2006/table">
+            <a:tbl>
+              <a:tblPr firstRow="1" bandRow="1">
+                <a:tableStyleId>{5C22544A-7EE6-4342-B048-85BDC9FD1C3A}</a:tableStyleId>
+              </a:tblPr>
+              <a:tblGrid>
+                <a:gridCol w="1161140">
+                  <a:extLst>
+                    <a:ext uri="{9D8B030D-6E8A-4147-A177-3AD203B41FA5}">
+                      <a16:colId xmlns:a16="http://schemas.microsoft.com/office/drawing/2014/main" val="1739434284"/>
+                    </a:ext>
+                  </a:extLst>
+                </a:gridCol>
+                <a:gridCol w="1407885">
+                  <a:extLst>
+                    <a:ext uri="{9D8B030D-6E8A-4147-A177-3AD203B41FA5}">
+                      <a16:colId xmlns:a16="http://schemas.microsoft.com/office/drawing/2014/main" val="3843432906"/>
+                    </a:ext>
+                  </a:extLst>
+                </a:gridCol>
+                <a:gridCol w="1378858">
+                  <a:extLst>
+                    <a:ext uri="{9D8B030D-6E8A-4147-A177-3AD203B41FA5}">
+                      <a16:colId xmlns:a16="http://schemas.microsoft.com/office/drawing/2014/main" val="2254323359"/>
+                    </a:ext>
+                  </a:extLst>
+                </a:gridCol>
+                <a:gridCol w="1204685">
+                  <a:extLst>
+                    <a:ext uri="{9D8B030D-6E8A-4147-A177-3AD203B41FA5}">
+                      <a16:colId xmlns:a16="http://schemas.microsoft.com/office/drawing/2014/main" val="3195808770"/>
+                    </a:ext>
+                  </a:extLst>
+                </a:gridCol>
+                <a:gridCol w="1378857">
+                  <a:extLst>
+                    <a:ext uri="{9D8B030D-6E8A-4147-A177-3AD203B41FA5}">
+                      <a16:colId xmlns:a16="http://schemas.microsoft.com/office/drawing/2014/main" val="763800471"/>
+                    </a:ext>
+                  </a:extLst>
+                </a:gridCol>
+                <a:gridCol w="1436915">
+                  <a:extLst>
+                    <a:ext uri="{9D8B030D-6E8A-4147-A177-3AD203B41FA5}">
+                      <a16:colId xmlns:a16="http://schemas.microsoft.com/office/drawing/2014/main" val="2660815420"/>
+                    </a:ext>
+                  </a:extLst>
+                </a:gridCol>
+                <a:gridCol w="1553032">
+                  <a:extLst>
+                    <a:ext uri="{9D8B030D-6E8A-4147-A177-3AD203B41FA5}">
+                      <a16:colId xmlns:a16="http://schemas.microsoft.com/office/drawing/2014/main" val="815854330"/>
+                    </a:ext>
+                  </a:extLst>
+                </a:gridCol>
+              </a:tblGrid>
+              <a:tr h="370840">
+                <a:tc>
+                  <a:txBody>
+                    <a:bodyPr/>
+                    <a:lstStyle/>
+                    <a:p>
+                      <a:endParaRPr lang="en-US" dirty="0"/>
+                    </a:p>
+                  </a:txBody>
+                  <a:tcPr>
+                    <a:lnL w="12700" cap="flat" cmpd="sng" algn="ctr">
+                      <a:noFill/>
+                      <a:prstDash val="solid"/>
+                      <a:round/>
+                      <a:headEnd type="none" w="med" len="med"/>
+                      <a:tailEnd type="none" w="med" len="med"/>
+                    </a:lnL>
+                    <a:lnR w="12700" cap="flat" cmpd="sng" algn="ctr">
+                      <a:noFill/>
+                      <a:prstDash val="solid"/>
+                      <a:round/>
+                      <a:headEnd type="none" w="med" len="med"/>
+                      <a:tailEnd type="none" w="med" len="med"/>
+                    </a:lnR>
+                    <a:lnT w="12700" cap="flat" cmpd="sng" algn="ctr">
+                      <a:solidFill>
+                        <a:schemeClr val="tx1"/>
+                      </a:solidFill>
+                      <a:prstDash val="solid"/>
+                      <a:round/>
+                      <a:headEnd type="none" w="med" len="med"/>
+                      <a:tailEnd type="none" w="med" len="med"/>
+                    </a:lnT>
+                    <a:lnB w="12700" cap="flat" cmpd="sng" algn="ctr">
+                      <a:noFill/>
+                      <a:prstDash val="solid"/>
+                      <a:round/>
+                      <a:headEnd type="none" w="med" len="med"/>
+                      <a:tailEnd type="none" w="med" len="med"/>
+                    </a:lnB>
+                    <a:solidFill>
+                      <a:schemeClr val="accent1">
+                        <a:lumMod val="20000"/>
+                        <a:lumOff val="80000"/>
+                      </a:schemeClr>
+                    </a:solidFill>
+                  </a:tcPr>
+                </a:tc>
+                <a:tc>
+                  <a:txBody>
+                    <a:bodyPr/>
+                    <a:lstStyle/>
+                    <a:p>
+                      <a:endParaRPr lang="en-US" dirty="0"/>
+                    </a:p>
+                  </a:txBody>
+                  <a:tcPr>
+                    <a:lnL w="12700" cap="flat" cmpd="sng" algn="ctr">
+                      <a:noFill/>
+                      <a:prstDash val="solid"/>
+                      <a:round/>
+                      <a:headEnd type="none" w="med" len="med"/>
+                      <a:tailEnd type="none" w="med" len="med"/>
+                    </a:lnL>
+                    <a:lnR w="12700" cap="flat" cmpd="sng" algn="ctr">
+                      <a:noFill/>
+                      <a:prstDash val="solid"/>
+                      <a:round/>
+                      <a:headEnd type="none" w="med" len="med"/>
+                      <a:tailEnd type="none" w="med" len="med"/>
+                    </a:lnR>
+                    <a:lnT w="12700" cap="flat" cmpd="sng" algn="ctr">
+                      <a:solidFill>
+                        <a:schemeClr val="tx1"/>
+                      </a:solidFill>
+                      <a:prstDash val="solid"/>
+                      <a:round/>
+                      <a:headEnd type="none" w="med" len="med"/>
+                      <a:tailEnd type="none" w="med" len="med"/>
+                    </a:lnT>
+                    <a:lnB w="12700" cap="flat" cmpd="sng" algn="ctr">
+                      <a:noFill/>
+                      <a:prstDash val="solid"/>
+                      <a:round/>
+                      <a:headEnd type="none" w="med" len="med"/>
+                      <a:tailEnd type="none" w="med" len="med"/>
+                    </a:lnB>
+                    <a:solidFill>
+                      <a:schemeClr val="accent1">
+                        <a:lumMod val="20000"/>
+                        <a:lumOff val="80000"/>
+                      </a:schemeClr>
+                    </a:solidFill>
+                  </a:tcPr>
+                </a:tc>
+                <a:tc>
+                  <a:txBody>
+                    <a:bodyPr/>
+                    <a:lstStyle/>
+                    <a:p>
+                      <a:endParaRPr lang="en-US" dirty="0"/>
+                    </a:p>
+                  </a:txBody>
+                  <a:tcPr>
+                    <a:lnL w="12700" cap="flat" cmpd="sng" algn="ctr">
+                      <a:noFill/>
+                      <a:prstDash val="solid"/>
+                      <a:round/>
+                      <a:headEnd type="none" w="med" len="med"/>
+                      <a:tailEnd type="none" w="med" len="med"/>
+                    </a:lnL>
+                    <a:lnR w="12700" cap="flat" cmpd="sng" algn="ctr">
+                      <a:noFill/>
+                      <a:prstDash val="solid"/>
+                      <a:round/>
+                      <a:headEnd type="none" w="med" len="med"/>
+                      <a:tailEnd type="none" w="med" len="med"/>
+                    </a:lnR>
+                    <a:lnT w="12700" cap="flat" cmpd="sng" algn="ctr">
+                      <a:solidFill>
+                        <a:schemeClr val="tx1"/>
+                      </a:solidFill>
+                      <a:prstDash val="solid"/>
+                      <a:round/>
+                      <a:headEnd type="none" w="med" len="med"/>
+                      <a:tailEnd type="none" w="med" len="med"/>
+                    </a:lnT>
+                    <a:lnB w="12700" cap="flat" cmpd="sng" algn="ctr">
+                      <a:noFill/>
+                      <a:prstDash val="solid"/>
+                      <a:round/>
+                      <a:headEnd type="none" w="med" len="med"/>
+                      <a:tailEnd type="none" w="med" len="med"/>
+                    </a:lnB>
+                    <a:solidFill>
+                      <a:schemeClr val="accent1">
+                        <a:lumMod val="20000"/>
+                        <a:lumOff val="80000"/>
+                      </a:schemeClr>
+                    </a:solidFill>
+                  </a:tcPr>
+                </a:tc>
+                <a:tc>
+                  <a:txBody>
+                    <a:bodyPr/>
+                    <a:lstStyle/>
+                    <a:p>
+                      <a:endParaRPr lang="en-US" dirty="0"/>
+                    </a:p>
+                  </a:txBody>
+                  <a:tcPr>
+                    <a:lnL w="12700" cap="flat" cmpd="sng" algn="ctr">
+                      <a:noFill/>
+                      <a:prstDash val="solid"/>
+                      <a:round/>
+                      <a:headEnd type="none" w="med" len="med"/>
+                      <a:tailEnd type="none" w="med" len="med"/>
+                    </a:lnL>
+                    <a:lnR w="12700" cap="flat" cmpd="sng" algn="ctr">
+                      <a:noFill/>
+                      <a:prstDash val="solid"/>
+                      <a:round/>
+                      <a:headEnd type="none" w="med" len="med"/>
+                      <a:tailEnd type="none" w="med" len="med"/>
+                    </a:lnR>
+                    <a:lnT w="12700" cap="flat" cmpd="sng" algn="ctr">
+                      <a:solidFill>
+                        <a:schemeClr val="tx1"/>
+                      </a:solidFill>
+                      <a:prstDash val="solid"/>
+                      <a:round/>
+                      <a:headEnd type="none" w="med" len="med"/>
+                      <a:tailEnd type="none" w="med" len="med"/>
+                    </a:lnT>
+                    <a:lnB w="12700" cap="flat" cmpd="sng" algn="ctr">
+                      <a:noFill/>
+                      <a:prstDash val="solid"/>
+                      <a:round/>
+                      <a:headEnd type="none" w="med" len="med"/>
+                      <a:tailEnd type="none" w="med" len="med"/>
+                    </a:lnB>
+                    <a:solidFill>
+                      <a:schemeClr val="accent1">
+                        <a:lumMod val="20000"/>
+                        <a:lumOff val="80000"/>
+                      </a:schemeClr>
+                    </a:solidFill>
+                  </a:tcPr>
+                </a:tc>
+                <a:tc>
+                  <a:txBody>
+                    <a:bodyPr/>
+                    <a:lstStyle/>
+                    <a:p>
+                      <a:endParaRPr lang="en-US"/>
+                    </a:p>
+                  </a:txBody>
+                  <a:tcPr>
+                    <a:lnL w="12700" cap="flat" cmpd="sng" algn="ctr">
+                      <a:noFill/>
+                      <a:prstDash val="solid"/>
+                      <a:round/>
+                      <a:headEnd type="none" w="med" len="med"/>
+                      <a:tailEnd type="none" w="med" len="med"/>
+                    </a:lnL>
+                    <a:lnR w="12700" cap="flat" cmpd="sng" algn="ctr">
+                      <a:noFill/>
+                      <a:prstDash val="solid"/>
+                      <a:round/>
+                      <a:headEnd type="none" w="med" len="med"/>
+                      <a:tailEnd type="none" w="med" len="med"/>
+                    </a:lnR>
+                    <a:lnT w="12700" cap="flat" cmpd="sng" algn="ctr">
+                      <a:solidFill>
+                        <a:schemeClr val="tx1"/>
+                      </a:solidFill>
+                      <a:prstDash val="solid"/>
+                      <a:round/>
+                      <a:headEnd type="none" w="med" len="med"/>
+                      <a:tailEnd type="none" w="med" len="med"/>
+                    </a:lnT>
+                    <a:lnB w="12700" cap="flat" cmpd="sng" algn="ctr">
+                      <a:noFill/>
+                      <a:prstDash val="solid"/>
+                      <a:round/>
+                      <a:headEnd type="none" w="med" len="med"/>
+                      <a:tailEnd type="none" w="med" len="med"/>
+                    </a:lnB>
+                    <a:solidFill>
+                      <a:schemeClr val="accent1">
+                        <a:lumMod val="20000"/>
+                        <a:lumOff val="80000"/>
+                      </a:schemeClr>
+                    </a:solidFill>
+                  </a:tcPr>
+                </a:tc>
+                <a:tc>
+                  <a:txBody>
+                    <a:bodyPr/>
+                    <a:lstStyle/>
+                    <a:p>
+                      <a:endParaRPr lang="en-US" dirty="0"/>
+                    </a:p>
+                  </a:txBody>
+                  <a:tcPr>
+                    <a:lnL w="12700" cap="flat" cmpd="sng" algn="ctr">
+                      <a:noFill/>
+                      <a:prstDash val="solid"/>
+                      <a:round/>
+                      <a:headEnd type="none" w="med" len="med"/>
+                      <a:tailEnd type="none" w="med" len="med"/>
+                    </a:lnL>
+                    <a:lnR w="12700" cap="flat" cmpd="sng" algn="ctr">
+                      <a:noFill/>
+                      <a:prstDash val="solid"/>
+                      <a:round/>
+                      <a:headEnd type="none" w="med" len="med"/>
+                      <a:tailEnd type="none" w="med" len="med"/>
+                    </a:lnR>
+                    <a:lnT w="12700" cap="flat" cmpd="sng" algn="ctr">
+                      <a:solidFill>
+                        <a:schemeClr val="tx1"/>
+                      </a:solidFill>
+                      <a:prstDash val="solid"/>
+                      <a:round/>
+                      <a:headEnd type="none" w="med" len="med"/>
+                      <a:tailEnd type="none" w="med" len="med"/>
+                    </a:lnT>
+                    <a:lnB w="12700" cap="flat" cmpd="sng" algn="ctr">
+                      <a:noFill/>
+                      <a:prstDash val="solid"/>
+                      <a:round/>
+                      <a:headEnd type="none" w="med" len="med"/>
+                      <a:tailEnd type="none" w="med" len="med"/>
+                    </a:lnB>
+                    <a:solidFill>
+                      <a:schemeClr val="accent1">
+                        <a:lumMod val="20000"/>
+                        <a:lumOff val="80000"/>
+                      </a:schemeClr>
+                    </a:solidFill>
+                  </a:tcPr>
+                </a:tc>
+                <a:tc>
+                  <a:txBody>
+                    <a:bodyPr/>
+                    <a:lstStyle/>
+                    <a:p>
+                      <a:endParaRPr lang="en-US" dirty="0"/>
+                    </a:p>
+                  </a:txBody>
+                  <a:tcPr>
+                    <a:lnL w="12700" cap="flat" cmpd="sng" algn="ctr">
+                      <a:noFill/>
+                      <a:prstDash val="solid"/>
+                      <a:round/>
+                      <a:headEnd type="none" w="med" len="med"/>
+                      <a:tailEnd type="none" w="med" len="med"/>
+                    </a:lnL>
+                    <a:lnR w="12700" cap="flat" cmpd="sng" algn="ctr">
+                      <a:noFill/>
+                      <a:prstDash val="solid"/>
+                      <a:round/>
+                      <a:headEnd type="none" w="med" len="med"/>
+                      <a:tailEnd type="none" w="med" len="med"/>
+                    </a:lnR>
+                    <a:lnT w="12700" cap="flat" cmpd="sng" algn="ctr">
+                      <a:solidFill>
+                        <a:schemeClr val="tx1"/>
+                      </a:solidFill>
+                      <a:prstDash val="solid"/>
+                      <a:round/>
+                      <a:headEnd type="none" w="med" len="med"/>
+                      <a:tailEnd type="none" w="med" len="med"/>
+                    </a:lnT>
+                    <a:lnB w="12700" cap="flat" cmpd="sng" algn="ctr">
+                      <a:noFill/>
+                      <a:prstDash val="solid"/>
+                      <a:round/>
+                      <a:headEnd type="none" w="med" len="med"/>
+                      <a:tailEnd type="none" w="med" len="med"/>
+                    </a:lnB>
+                    <a:solidFill>
+                      <a:schemeClr val="accent1">
+                        <a:lumMod val="20000"/>
+                        <a:lumOff val="80000"/>
+                      </a:schemeClr>
+                    </a:solidFill>
+                  </a:tcPr>
+                </a:tc>
+                <a:extLst>
+                  <a:ext uri="{0D108BD9-81ED-4DB2-BD59-A6C34878D82A}">
+                    <a16:rowId xmlns:a16="http://schemas.microsoft.com/office/drawing/2014/main" val="1029656375"/>
+                  </a:ext>
+                </a:extLst>
+              </a:tr>
+              <a:tr h="370840">
+                <a:tc>
+                  <a:txBody>
+                    <a:bodyPr/>
+                    <a:lstStyle/>
+                    <a:p>
+                      <a:r>
+                        <a:rPr lang="en-US" dirty="0"/>
+                        <a:t>           0</a:t>
+                      </a:r>
+                    </a:p>
+                  </a:txBody>
+                  <a:tcPr>
+                    <a:lnL w="12700" cap="flat" cmpd="sng" algn="ctr">
+                      <a:noFill/>
+                      <a:prstDash val="solid"/>
+                      <a:round/>
+                      <a:headEnd type="none" w="med" len="med"/>
+                      <a:tailEnd type="none" w="med" len="med"/>
+                    </a:lnL>
+                    <a:lnR w="12700" cap="flat" cmpd="sng" algn="ctr">
+                      <a:noFill/>
+                      <a:prstDash val="solid"/>
+                      <a:round/>
+                      <a:headEnd type="none" w="med" len="med"/>
+                      <a:tailEnd type="none" w="med" len="med"/>
+                    </a:lnR>
+                    <a:lnT w="12700" cap="flat" cmpd="sng" algn="ctr">
+                      <a:noFill/>
+                      <a:prstDash val="solid"/>
+                      <a:round/>
+                      <a:headEnd type="none" w="med" len="med"/>
+                      <a:tailEnd type="none" w="med" len="med"/>
+                    </a:lnT>
+                    <a:lnB w="12700" cap="flat" cmpd="sng" algn="ctr">
+                      <a:solidFill>
+                        <a:schemeClr val="tx1"/>
+                      </a:solidFill>
+                      <a:prstDash val="solid"/>
+                      <a:round/>
+                      <a:headEnd type="none" w="med" len="med"/>
+                      <a:tailEnd type="none" w="med" len="med"/>
+                    </a:lnB>
+                    <a:solidFill>
+                      <a:schemeClr val="accent1">
+                        <a:lumMod val="20000"/>
+                        <a:lumOff val="80000"/>
+                      </a:schemeClr>
+                    </a:solidFill>
+                  </a:tcPr>
+                </a:tc>
+                <a:tc>
+                  <a:txBody>
+                    <a:bodyPr/>
+                    <a:lstStyle/>
+                    <a:p>
+                      <a:r>
+                        <a:rPr lang="en-US" dirty="0"/>
+                        <a:t> 1           0 </a:t>
+                      </a:r>
+                    </a:p>
+                  </a:txBody>
+                  <a:tcPr>
+                    <a:lnL w="12700" cap="flat" cmpd="sng" algn="ctr">
+                      <a:noFill/>
+                      <a:prstDash val="solid"/>
+                      <a:round/>
+                      <a:headEnd type="none" w="med" len="med"/>
+                      <a:tailEnd type="none" w="med" len="med"/>
+                    </a:lnL>
+                    <a:lnR w="12700" cap="flat" cmpd="sng" algn="ctr">
+                      <a:noFill/>
+                      <a:prstDash val="solid"/>
+                      <a:round/>
+                      <a:headEnd type="none" w="med" len="med"/>
+                      <a:tailEnd type="none" w="med" len="med"/>
+                    </a:lnR>
+                    <a:lnT w="12700" cap="flat" cmpd="sng" algn="ctr">
+                      <a:noFill/>
+                      <a:prstDash val="solid"/>
+                      <a:round/>
+                      <a:headEnd type="none" w="med" len="med"/>
+                      <a:tailEnd type="none" w="med" len="med"/>
+                    </a:lnT>
+                    <a:lnB w="12700" cap="flat" cmpd="sng" algn="ctr">
+                      <a:solidFill>
+                        <a:schemeClr val="tx1"/>
+                      </a:solidFill>
+                      <a:prstDash val="solid"/>
+                      <a:round/>
+                      <a:headEnd type="none" w="med" len="med"/>
+                      <a:tailEnd type="none" w="med" len="med"/>
+                    </a:lnB>
+                    <a:solidFill>
+                      <a:schemeClr val="accent1">
+                        <a:lumMod val="20000"/>
+                        <a:lumOff val="80000"/>
+                      </a:schemeClr>
+                    </a:solidFill>
+                  </a:tcPr>
+                </a:tc>
+                <a:tc>
+                  <a:txBody>
+                    <a:bodyPr/>
+                    <a:lstStyle/>
+                    <a:p>
+                      <a:r>
+                        <a:rPr lang="en-US" dirty="0"/>
+                        <a:t>1          0</a:t>
+                      </a:r>
+                    </a:p>
+                  </a:txBody>
+                  <a:tcPr>
+                    <a:lnL w="12700" cap="flat" cmpd="sng" algn="ctr">
+                      <a:noFill/>
+                      <a:prstDash val="solid"/>
+                      <a:round/>
+                      <a:headEnd type="none" w="med" len="med"/>
+                      <a:tailEnd type="none" w="med" len="med"/>
+                    </a:lnL>
+                    <a:lnR w="12700" cap="flat" cmpd="sng" algn="ctr">
+                      <a:noFill/>
+                      <a:prstDash val="solid"/>
+                      <a:round/>
+                      <a:headEnd type="none" w="med" len="med"/>
+                      <a:tailEnd type="none" w="med" len="med"/>
+                    </a:lnR>
+                    <a:lnT w="12700" cap="flat" cmpd="sng" algn="ctr">
+                      <a:noFill/>
+                      <a:prstDash val="solid"/>
+                      <a:round/>
+                      <a:headEnd type="none" w="med" len="med"/>
+                      <a:tailEnd type="none" w="med" len="med"/>
+                    </a:lnT>
+                    <a:lnB w="12700" cap="flat" cmpd="sng" algn="ctr">
+                      <a:solidFill>
+                        <a:schemeClr val="tx1"/>
+                      </a:solidFill>
+                      <a:prstDash val="solid"/>
+                      <a:round/>
+                      <a:headEnd type="none" w="med" len="med"/>
+                      <a:tailEnd type="none" w="med" len="med"/>
+                    </a:lnB>
+                    <a:solidFill>
+                      <a:schemeClr val="accent1">
+                        <a:lumMod val="20000"/>
+                        <a:lumOff val="80000"/>
+                      </a:schemeClr>
+                    </a:solidFill>
+                  </a:tcPr>
+                </a:tc>
+                <a:tc>
+                  <a:txBody>
+                    <a:bodyPr/>
+                    <a:lstStyle/>
+                    <a:p>
+                      <a:r>
+                        <a:rPr lang="en-US" dirty="0"/>
+                        <a:t>0           0</a:t>
+                      </a:r>
+                    </a:p>
+                  </a:txBody>
+                  <a:tcPr>
+                    <a:lnL w="12700" cap="flat" cmpd="sng" algn="ctr">
+                      <a:noFill/>
+                      <a:prstDash val="solid"/>
+                      <a:round/>
+                      <a:headEnd type="none" w="med" len="med"/>
+                      <a:tailEnd type="none" w="med" len="med"/>
+                    </a:lnL>
+                    <a:lnR w="12700" cap="flat" cmpd="sng" algn="ctr">
+                      <a:noFill/>
+                      <a:prstDash val="solid"/>
+                      <a:round/>
+                      <a:headEnd type="none" w="med" len="med"/>
+                      <a:tailEnd type="none" w="med" len="med"/>
+                    </a:lnR>
+                    <a:lnT w="12700" cap="flat" cmpd="sng" algn="ctr">
+                      <a:noFill/>
+                      <a:prstDash val="solid"/>
+                      <a:round/>
+                      <a:headEnd type="none" w="med" len="med"/>
+                      <a:tailEnd type="none" w="med" len="med"/>
+                    </a:lnT>
+                    <a:lnB w="12700" cap="flat" cmpd="sng" algn="ctr">
+                      <a:solidFill>
+                        <a:schemeClr val="tx1"/>
+                      </a:solidFill>
+                      <a:prstDash val="solid"/>
+                      <a:round/>
+                      <a:headEnd type="none" w="med" len="med"/>
+                      <a:tailEnd type="none" w="med" len="med"/>
+                    </a:lnB>
+                    <a:solidFill>
+                      <a:schemeClr val="accent1">
+                        <a:lumMod val="20000"/>
+                        <a:lumOff val="80000"/>
+                      </a:schemeClr>
+                    </a:solidFill>
+                  </a:tcPr>
+                </a:tc>
+                <a:tc>
+                  <a:txBody>
+                    <a:bodyPr/>
+                    <a:lstStyle/>
+                    <a:p>
+                      <a:r>
+                        <a:rPr lang="en-US" dirty="0"/>
+                        <a:t> 1           0</a:t>
+                      </a:r>
+                    </a:p>
+                  </a:txBody>
+                  <a:tcPr>
+                    <a:lnL w="12700" cap="flat" cmpd="sng" algn="ctr">
+                      <a:noFill/>
+                      <a:prstDash val="solid"/>
+                      <a:round/>
+                      <a:headEnd type="none" w="med" len="med"/>
+                      <a:tailEnd type="none" w="med" len="med"/>
+                    </a:lnL>
+                    <a:lnR w="12700" cap="flat" cmpd="sng" algn="ctr">
+                      <a:noFill/>
+                      <a:prstDash val="solid"/>
+                      <a:round/>
+                      <a:headEnd type="none" w="med" len="med"/>
+                      <a:tailEnd type="none" w="med" len="med"/>
+                    </a:lnR>
+                    <a:lnT w="12700" cap="flat" cmpd="sng" algn="ctr">
+                      <a:noFill/>
+                      <a:prstDash val="solid"/>
+                      <a:round/>
+                      <a:headEnd type="none" w="med" len="med"/>
+                      <a:tailEnd type="none" w="med" len="med"/>
+                    </a:lnT>
+                    <a:lnB w="12700" cap="flat" cmpd="sng" algn="ctr">
+                      <a:solidFill>
+                        <a:schemeClr val="tx1"/>
+                      </a:solidFill>
+                      <a:prstDash val="solid"/>
+                      <a:round/>
+                      <a:headEnd type="none" w="med" len="med"/>
+                      <a:tailEnd type="none" w="med" len="med"/>
+                    </a:lnB>
+                    <a:solidFill>
+                      <a:schemeClr val="accent1">
+                        <a:lumMod val="20000"/>
+                        <a:lumOff val="80000"/>
+                      </a:schemeClr>
+                    </a:solidFill>
+                  </a:tcPr>
+                </a:tc>
+                <a:tc>
+                  <a:txBody>
+                    <a:bodyPr/>
+                    <a:lstStyle/>
+                    <a:p>
+                      <a:r>
+                        <a:rPr lang="en-US" dirty="0"/>
+                        <a:t> 1          0</a:t>
+                      </a:r>
+                    </a:p>
+                  </a:txBody>
+                  <a:tcPr>
+                    <a:lnL w="12700" cap="flat" cmpd="sng" algn="ctr">
+                      <a:noFill/>
+                      <a:prstDash val="solid"/>
+                      <a:round/>
+                      <a:headEnd type="none" w="med" len="med"/>
+                      <a:tailEnd type="none" w="med" len="med"/>
+                    </a:lnL>
+                    <a:lnR w="12700" cap="flat" cmpd="sng" algn="ctr">
+                      <a:noFill/>
+                      <a:prstDash val="solid"/>
+                      <a:round/>
+                      <a:headEnd type="none" w="med" len="med"/>
+                      <a:tailEnd type="none" w="med" len="med"/>
+                    </a:lnR>
+                    <a:lnT w="12700" cap="flat" cmpd="sng" algn="ctr">
+                      <a:noFill/>
+                      <a:prstDash val="solid"/>
+                      <a:round/>
+                      <a:headEnd type="none" w="med" len="med"/>
+                      <a:tailEnd type="none" w="med" len="med"/>
+                    </a:lnT>
+                    <a:lnB w="12700" cap="flat" cmpd="sng" algn="ctr">
+                      <a:solidFill>
+                        <a:schemeClr val="tx1"/>
+                      </a:solidFill>
+                      <a:prstDash val="solid"/>
+                      <a:round/>
+                      <a:headEnd type="none" w="med" len="med"/>
+                      <a:tailEnd type="none" w="med" len="med"/>
+                    </a:lnB>
+                    <a:solidFill>
+                      <a:schemeClr val="accent1">
+                        <a:lumMod val="20000"/>
+                        <a:lumOff val="80000"/>
+                      </a:schemeClr>
+                    </a:solidFill>
+                  </a:tcPr>
+                </a:tc>
+                <a:tc>
+                  <a:txBody>
+                    <a:bodyPr/>
+                    <a:lstStyle/>
+                    <a:p>
+                      <a:r>
+                        <a:rPr lang="en-US" dirty="0"/>
+                        <a:t>1</a:t>
+                      </a:r>
+                    </a:p>
+                  </a:txBody>
+                  <a:tcPr>
+                    <a:lnL w="12700" cap="flat" cmpd="sng" algn="ctr">
+                      <a:noFill/>
+                      <a:prstDash val="solid"/>
+                      <a:round/>
+                      <a:headEnd type="none" w="med" len="med"/>
+                      <a:tailEnd type="none" w="med" len="med"/>
+                    </a:lnL>
+                    <a:lnR w="12700" cap="flat" cmpd="sng" algn="ctr">
+                      <a:noFill/>
+                      <a:prstDash val="solid"/>
+                      <a:round/>
+                      <a:headEnd type="none" w="med" len="med"/>
+                      <a:tailEnd type="none" w="med" len="med"/>
+                    </a:lnR>
+                    <a:lnT w="12700" cap="flat" cmpd="sng" algn="ctr">
+                      <a:noFill/>
+                      <a:prstDash val="solid"/>
+                      <a:round/>
+                      <a:headEnd type="none" w="med" len="med"/>
+                      <a:tailEnd type="none" w="med" len="med"/>
+                    </a:lnT>
+                    <a:lnB w="12700" cap="flat" cmpd="sng" algn="ctr">
+                      <a:solidFill>
+                        <a:schemeClr val="tx1"/>
+                      </a:solidFill>
+                      <a:prstDash val="solid"/>
+                      <a:round/>
+                      <a:headEnd type="none" w="med" len="med"/>
+                      <a:tailEnd type="none" w="med" len="med"/>
+                    </a:lnB>
+                    <a:solidFill>
+                      <a:schemeClr val="accent1">
+                        <a:lumMod val="20000"/>
+                        <a:lumOff val="80000"/>
+                      </a:schemeClr>
+                    </a:solidFill>
+                  </a:tcPr>
+                </a:tc>
+                <a:extLst>
+                  <a:ext uri="{0D108BD9-81ED-4DB2-BD59-A6C34878D82A}">
+                    <a16:rowId xmlns:a16="http://schemas.microsoft.com/office/drawing/2014/main" val="4112526131"/>
+                  </a:ext>
+                </a:extLst>
+              </a:tr>
+              <a:tr h="370840">
+                <a:tc>
+                  <a:txBody>
+                    <a:bodyPr/>
+                    <a:lstStyle/>
+                    <a:p>
+                      <a:endParaRPr lang="en-US" dirty="0"/>
+                    </a:p>
+                  </a:txBody>
+                  <a:tcPr>
+                    <a:lnL w="12700" cap="flat" cmpd="sng" algn="ctr">
+                      <a:noFill/>
+                      <a:prstDash val="solid"/>
+                      <a:round/>
+                      <a:headEnd type="none" w="med" len="med"/>
+                      <a:tailEnd type="none" w="med" len="med"/>
+                    </a:lnL>
+                    <a:lnR w="12700" cap="flat" cmpd="sng" algn="ctr">
+                      <a:noFill/>
+                      <a:prstDash val="solid"/>
+                      <a:round/>
+                      <a:headEnd type="none" w="med" len="med"/>
+                      <a:tailEnd type="none" w="med" len="med"/>
+                    </a:lnR>
+                    <a:lnT w="12700" cap="flat" cmpd="sng" algn="ctr">
+                      <a:solidFill>
+                        <a:schemeClr val="tx1"/>
+                      </a:solidFill>
+                      <a:prstDash val="solid"/>
+                      <a:round/>
+                      <a:headEnd type="none" w="med" len="med"/>
+                      <a:tailEnd type="none" w="med" len="med"/>
+                    </a:lnT>
+                    <a:lnB w="12700" cap="flat" cmpd="sng" algn="ctr">
+                      <a:noFill/>
+                      <a:prstDash val="solid"/>
+                      <a:round/>
+                      <a:headEnd type="none" w="med" len="med"/>
+                      <a:tailEnd type="none" w="med" len="med"/>
+                    </a:lnB>
+                    <a:solidFill>
+                      <a:schemeClr val="accent1">
+                        <a:lumMod val="20000"/>
+                        <a:lumOff val="80000"/>
+                      </a:schemeClr>
+                    </a:solidFill>
+                  </a:tcPr>
+                </a:tc>
+                <a:tc>
+                  <a:txBody>
+                    <a:bodyPr/>
+                    <a:lstStyle/>
+                    <a:p>
+                      <a:endParaRPr lang="en-US" dirty="0"/>
+                    </a:p>
+                  </a:txBody>
+                  <a:tcPr>
+                    <a:lnL w="12700" cap="flat" cmpd="sng" algn="ctr">
+                      <a:noFill/>
+                      <a:prstDash val="solid"/>
+                      <a:round/>
+                      <a:headEnd type="none" w="med" len="med"/>
+                      <a:tailEnd type="none" w="med" len="med"/>
+                    </a:lnL>
+                    <a:lnR w="12700" cap="flat" cmpd="sng" algn="ctr">
+                      <a:noFill/>
+                      <a:prstDash val="solid"/>
+                      <a:round/>
+                      <a:headEnd type="none" w="med" len="med"/>
+                      <a:tailEnd type="none" w="med" len="med"/>
+                    </a:lnR>
+                    <a:lnT w="12700" cap="flat" cmpd="sng" algn="ctr">
+                      <a:solidFill>
+                        <a:schemeClr val="tx1"/>
+                      </a:solidFill>
+                      <a:prstDash val="solid"/>
+                      <a:round/>
+                      <a:headEnd type="none" w="med" len="med"/>
+                      <a:tailEnd type="none" w="med" len="med"/>
+                    </a:lnT>
+                    <a:lnB w="12700" cap="flat" cmpd="sng" algn="ctr">
+                      <a:noFill/>
+                      <a:prstDash val="solid"/>
+                      <a:round/>
+                      <a:headEnd type="none" w="med" len="med"/>
+                      <a:tailEnd type="none" w="med" len="med"/>
+                    </a:lnB>
+                    <a:solidFill>
+                      <a:schemeClr val="accent1">
+                        <a:lumMod val="20000"/>
+                        <a:lumOff val="80000"/>
+                      </a:schemeClr>
+                    </a:solidFill>
+                  </a:tcPr>
+                </a:tc>
+                <a:tc>
+                  <a:txBody>
+                    <a:bodyPr/>
+                    <a:lstStyle/>
+                    <a:p>
+                      <a:endParaRPr lang="en-US" dirty="0"/>
+                    </a:p>
+                  </a:txBody>
+                  <a:tcPr>
+                    <a:lnL w="12700" cap="flat" cmpd="sng" algn="ctr">
+                      <a:noFill/>
+                      <a:prstDash val="solid"/>
+                      <a:round/>
+                      <a:headEnd type="none" w="med" len="med"/>
+                      <a:tailEnd type="none" w="med" len="med"/>
+                    </a:lnL>
+                    <a:lnR w="12700" cap="flat" cmpd="sng" algn="ctr">
+                      <a:noFill/>
+                      <a:prstDash val="solid"/>
+                      <a:round/>
+                      <a:headEnd type="none" w="med" len="med"/>
+                      <a:tailEnd type="none" w="med" len="med"/>
+                    </a:lnR>
+                    <a:lnT w="12700" cap="flat" cmpd="sng" algn="ctr">
+                      <a:solidFill>
+                        <a:schemeClr val="tx1"/>
+                      </a:solidFill>
+                      <a:prstDash val="solid"/>
+                      <a:round/>
+                      <a:headEnd type="none" w="med" len="med"/>
+                      <a:tailEnd type="none" w="med" len="med"/>
+                    </a:lnT>
+                    <a:lnB w="12700" cap="flat" cmpd="sng" algn="ctr">
+                      <a:noFill/>
+                      <a:prstDash val="solid"/>
+                      <a:round/>
+                      <a:headEnd type="none" w="med" len="med"/>
+                      <a:tailEnd type="none" w="med" len="med"/>
+                    </a:lnB>
+                    <a:solidFill>
+                      <a:schemeClr val="accent1">
+                        <a:lumMod val="20000"/>
+                        <a:lumOff val="80000"/>
+                      </a:schemeClr>
+                    </a:solidFill>
+                  </a:tcPr>
+                </a:tc>
+                <a:tc>
+                  <a:txBody>
+                    <a:bodyPr/>
+                    <a:lstStyle/>
+                    <a:p>
+                      <a:endParaRPr lang="en-US" dirty="0"/>
+                    </a:p>
+                  </a:txBody>
+                  <a:tcPr>
+                    <a:lnL w="12700" cap="flat" cmpd="sng" algn="ctr">
+                      <a:noFill/>
+                      <a:prstDash val="solid"/>
+                      <a:round/>
+                      <a:headEnd type="none" w="med" len="med"/>
+                      <a:tailEnd type="none" w="med" len="med"/>
+                    </a:lnL>
+                    <a:lnR w="12700" cap="flat" cmpd="sng" algn="ctr">
+                      <a:noFill/>
+                      <a:prstDash val="solid"/>
+                      <a:round/>
+                      <a:headEnd type="none" w="med" len="med"/>
+                      <a:tailEnd type="none" w="med" len="med"/>
+                    </a:lnR>
+                    <a:lnT w="12700" cap="flat" cmpd="sng" algn="ctr">
+                      <a:solidFill>
+                        <a:schemeClr val="tx1"/>
+                      </a:solidFill>
+                      <a:prstDash val="solid"/>
+                      <a:round/>
+                      <a:headEnd type="none" w="med" len="med"/>
+                      <a:tailEnd type="none" w="med" len="med"/>
+                    </a:lnT>
+                    <a:lnB w="12700" cap="flat" cmpd="sng" algn="ctr">
+                      <a:noFill/>
+                      <a:prstDash val="solid"/>
+                      <a:round/>
+                      <a:headEnd type="none" w="med" len="med"/>
+                      <a:tailEnd type="none" w="med" len="med"/>
+                    </a:lnB>
+                    <a:solidFill>
+                      <a:schemeClr val="accent1">
+                        <a:lumMod val="20000"/>
+                        <a:lumOff val="80000"/>
+                      </a:schemeClr>
+                    </a:solidFill>
+                  </a:tcPr>
+                </a:tc>
+                <a:tc>
+                  <a:txBody>
+                    <a:bodyPr/>
+                    <a:lstStyle/>
+                    <a:p>
+                      <a:endParaRPr lang="en-US" dirty="0"/>
+                    </a:p>
+                  </a:txBody>
+                  <a:tcPr>
+                    <a:lnL w="12700" cap="flat" cmpd="sng" algn="ctr">
+                      <a:noFill/>
+                      <a:prstDash val="solid"/>
+                      <a:round/>
+                      <a:headEnd type="none" w="med" len="med"/>
+                      <a:tailEnd type="none" w="med" len="med"/>
+                    </a:lnL>
+                    <a:lnR w="12700" cap="flat" cmpd="sng" algn="ctr">
+                      <a:noFill/>
+                      <a:prstDash val="solid"/>
+                      <a:round/>
+                      <a:headEnd type="none" w="med" len="med"/>
+                      <a:tailEnd type="none" w="med" len="med"/>
+                    </a:lnR>
+                    <a:lnT w="12700" cap="flat" cmpd="sng" algn="ctr">
+                      <a:solidFill>
+                        <a:schemeClr val="tx1"/>
+                      </a:solidFill>
+                      <a:prstDash val="solid"/>
+                      <a:round/>
+                      <a:headEnd type="none" w="med" len="med"/>
+                      <a:tailEnd type="none" w="med" len="med"/>
+                    </a:lnT>
+                    <a:lnB w="12700" cap="flat" cmpd="sng" algn="ctr">
+                      <a:noFill/>
+                      <a:prstDash val="solid"/>
+                      <a:round/>
+                      <a:headEnd type="none" w="med" len="med"/>
+                      <a:tailEnd type="none" w="med" len="med"/>
+                    </a:lnB>
+                    <a:solidFill>
+                      <a:schemeClr val="accent1">
+                        <a:lumMod val="20000"/>
+                        <a:lumOff val="80000"/>
+                      </a:schemeClr>
+                    </a:solidFill>
+                  </a:tcPr>
+                </a:tc>
+                <a:tc>
+                  <a:txBody>
+                    <a:bodyPr/>
+                    <a:lstStyle/>
+                    <a:p>
+                      <a:endParaRPr lang="en-US" dirty="0"/>
+                    </a:p>
+                  </a:txBody>
+                  <a:tcPr>
+                    <a:lnL w="12700" cap="flat" cmpd="sng" algn="ctr">
+                      <a:noFill/>
+                      <a:prstDash val="solid"/>
+                      <a:round/>
+                      <a:headEnd type="none" w="med" len="med"/>
+                      <a:tailEnd type="none" w="med" len="med"/>
+                    </a:lnL>
+                    <a:lnR w="12700" cap="flat" cmpd="sng" algn="ctr">
+                      <a:noFill/>
+                      <a:prstDash val="solid"/>
+                      <a:round/>
+                      <a:headEnd type="none" w="med" len="med"/>
+                      <a:tailEnd type="none" w="med" len="med"/>
+                    </a:lnR>
+                    <a:lnT w="12700" cap="flat" cmpd="sng" algn="ctr">
+                      <a:solidFill>
+                        <a:schemeClr val="tx1"/>
+                      </a:solidFill>
+                      <a:prstDash val="solid"/>
+                      <a:round/>
+                      <a:headEnd type="none" w="med" len="med"/>
+                      <a:tailEnd type="none" w="med" len="med"/>
+                    </a:lnT>
+                    <a:lnB w="12700" cap="flat" cmpd="sng" algn="ctr">
+                      <a:noFill/>
+                      <a:prstDash val="solid"/>
+                      <a:round/>
+                      <a:headEnd type="none" w="med" len="med"/>
+                      <a:tailEnd type="none" w="med" len="med"/>
+                    </a:lnB>
+                    <a:solidFill>
+                      <a:schemeClr val="accent1">
+                        <a:lumMod val="20000"/>
+                        <a:lumOff val="80000"/>
+                      </a:schemeClr>
+                    </a:solidFill>
+                  </a:tcPr>
+                </a:tc>
+                <a:tc>
+                  <a:txBody>
+                    <a:bodyPr/>
+                    <a:lstStyle/>
+                    <a:p>
+                      <a:endParaRPr lang="en-US" dirty="0"/>
+                    </a:p>
+                  </a:txBody>
+                  <a:tcPr>
+                    <a:lnL w="12700" cap="flat" cmpd="sng" algn="ctr">
+                      <a:noFill/>
+                      <a:prstDash val="solid"/>
+                      <a:round/>
+                      <a:headEnd type="none" w="med" len="med"/>
+                      <a:tailEnd type="none" w="med" len="med"/>
+                    </a:lnL>
+                    <a:lnR w="12700" cap="flat" cmpd="sng" algn="ctr">
+                      <a:noFill/>
+                      <a:prstDash val="solid"/>
+                      <a:round/>
+                      <a:headEnd type="none" w="med" len="med"/>
+                      <a:tailEnd type="none" w="med" len="med"/>
+                    </a:lnR>
+                    <a:lnT w="12700" cap="flat" cmpd="sng" algn="ctr">
+                      <a:solidFill>
+                        <a:schemeClr val="tx1"/>
+                      </a:solidFill>
+                      <a:prstDash val="solid"/>
+                      <a:round/>
+                      <a:headEnd type="none" w="med" len="med"/>
+                      <a:tailEnd type="none" w="med" len="med"/>
+                    </a:lnT>
+                    <a:lnB w="12700" cap="flat" cmpd="sng" algn="ctr">
+                      <a:noFill/>
+                      <a:prstDash val="solid"/>
+                      <a:round/>
+                      <a:headEnd type="none" w="med" len="med"/>
+                      <a:tailEnd type="none" w="med" len="med"/>
+                    </a:lnB>
+                    <a:solidFill>
+                      <a:schemeClr val="accent1">
+                        <a:lumMod val="20000"/>
+                        <a:lumOff val="80000"/>
+                      </a:schemeClr>
+                    </a:solidFill>
+                  </a:tcPr>
+                </a:tc>
+                <a:extLst>
+                  <a:ext uri="{0D108BD9-81ED-4DB2-BD59-A6C34878D82A}">
+                    <a16:rowId xmlns:a16="http://schemas.microsoft.com/office/drawing/2014/main" val="1318717153"/>
+                  </a:ext>
+                </a:extLst>
+              </a:tr>
+              <a:tr h="370840">
+                <a:tc>
+                  <a:txBody>
+                    <a:bodyPr/>
+                    <a:lstStyle/>
+                    <a:p>
+                      <a:endParaRPr lang="en-US" dirty="0"/>
+                    </a:p>
+                  </a:txBody>
+                  <a:tcPr>
+                    <a:lnL w="12700" cap="flat" cmpd="sng" algn="ctr">
+                      <a:noFill/>
+                      <a:prstDash val="solid"/>
+                      <a:round/>
+                      <a:headEnd type="none" w="med" len="med"/>
+                      <a:tailEnd type="none" w="med" len="med"/>
+                    </a:lnL>
+                    <a:lnR w="12700" cap="flat" cmpd="sng" algn="ctr">
+                      <a:noFill/>
+                      <a:prstDash val="solid"/>
+                      <a:round/>
+                      <a:headEnd type="none" w="med" len="med"/>
+                      <a:tailEnd type="none" w="med" len="med"/>
+                    </a:lnR>
+                    <a:lnT w="12700" cap="flat" cmpd="sng" algn="ctr">
+                      <a:noFill/>
+                      <a:prstDash val="solid"/>
+                      <a:round/>
+                      <a:headEnd type="none" w="med" len="med"/>
+                      <a:tailEnd type="none" w="med" len="med"/>
+                    </a:lnT>
+                    <a:lnB w="12700" cap="flat" cmpd="sng" algn="ctr">
+                      <a:noFill/>
+                      <a:prstDash val="solid"/>
+                      <a:round/>
+                      <a:headEnd type="none" w="med" len="med"/>
+                      <a:tailEnd type="none" w="med" len="med"/>
+                    </a:lnB>
+                    <a:solidFill>
+                      <a:schemeClr val="accent1">
+                        <a:lumMod val="20000"/>
+                        <a:lumOff val="80000"/>
+                      </a:schemeClr>
+                    </a:solidFill>
+                  </a:tcPr>
+                </a:tc>
+                <a:tc>
+                  <a:txBody>
+                    <a:bodyPr/>
+                    <a:lstStyle/>
+                    <a:p>
+                      <a:endParaRPr lang="en-US" dirty="0"/>
+                    </a:p>
+                  </a:txBody>
+                  <a:tcPr>
+                    <a:lnL w="12700" cap="flat" cmpd="sng" algn="ctr">
+                      <a:noFill/>
+                      <a:prstDash val="solid"/>
+                      <a:round/>
+                      <a:headEnd type="none" w="med" len="med"/>
+                      <a:tailEnd type="none" w="med" len="med"/>
+                    </a:lnL>
+                    <a:lnR w="12700" cap="flat" cmpd="sng" algn="ctr">
+                      <a:noFill/>
+                      <a:prstDash val="solid"/>
+                      <a:round/>
+                      <a:headEnd type="none" w="med" len="med"/>
+                      <a:tailEnd type="none" w="med" len="med"/>
+                    </a:lnR>
+                    <a:lnT w="12700" cap="flat" cmpd="sng" algn="ctr">
+                      <a:noFill/>
+                      <a:prstDash val="solid"/>
+                      <a:round/>
+                      <a:headEnd type="none" w="med" len="med"/>
+                      <a:tailEnd type="none" w="med" len="med"/>
+                    </a:lnT>
+                    <a:lnB w="12700" cap="flat" cmpd="sng" algn="ctr">
+                      <a:noFill/>
+                      <a:prstDash val="solid"/>
+                      <a:round/>
+                      <a:headEnd type="none" w="med" len="med"/>
+                      <a:tailEnd type="none" w="med" len="med"/>
+                    </a:lnB>
+                    <a:solidFill>
+                      <a:schemeClr val="accent1">
+                        <a:lumMod val="20000"/>
+                        <a:lumOff val="80000"/>
+                      </a:schemeClr>
+                    </a:solidFill>
+                  </a:tcPr>
+                </a:tc>
+                <a:tc>
+                  <a:txBody>
+                    <a:bodyPr/>
+                    <a:lstStyle/>
+                    <a:p>
+                      <a:endParaRPr lang="en-US" dirty="0"/>
+                    </a:p>
+                  </a:txBody>
+                  <a:tcPr>
+                    <a:lnL w="12700" cap="flat" cmpd="sng" algn="ctr">
+                      <a:noFill/>
+                      <a:prstDash val="solid"/>
+                      <a:round/>
+                      <a:headEnd type="none" w="med" len="med"/>
+                      <a:tailEnd type="none" w="med" len="med"/>
+                    </a:lnL>
+                    <a:lnR w="12700" cap="flat" cmpd="sng" algn="ctr">
+                      <a:noFill/>
+                      <a:prstDash val="solid"/>
+                      <a:round/>
+                      <a:headEnd type="none" w="med" len="med"/>
+                      <a:tailEnd type="none" w="med" len="med"/>
+                    </a:lnR>
+                    <a:lnT w="12700" cap="flat" cmpd="sng" algn="ctr">
+                      <a:noFill/>
+                      <a:prstDash val="solid"/>
+                      <a:round/>
+                      <a:headEnd type="none" w="med" len="med"/>
+                      <a:tailEnd type="none" w="med" len="med"/>
+                    </a:lnT>
+                    <a:lnB w="12700" cap="flat" cmpd="sng" algn="ctr">
+                      <a:noFill/>
+                      <a:prstDash val="solid"/>
+                      <a:round/>
+                      <a:headEnd type="none" w="med" len="med"/>
+                      <a:tailEnd type="none" w="med" len="med"/>
+                    </a:lnB>
+                    <a:solidFill>
+                      <a:schemeClr val="accent1">
+                        <a:lumMod val="20000"/>
+                        <a:lumOff val="80000"/>
+                      </a:schemeClr>
+                    </a:solidFill>
+                  </a:tcPr>
+                </a:tc>
+                <a:tc>
+                  <a:txBody>
+                    <a:bodyPr/>
+                    <a:lstStyle/>
+                    <a:p>
+                      <a:endParaRPr lang="en-US" dirty="0"/>
+                    </a:p>
+                  </a:txBody>
+                  <a:tcPr>
+                    <a:lnL w="12700" cap="flat" cmpd="sng" algn="ctr">
+                      <a:noFill/>
+                      <a:prstDash val="solid"/>
+                      <a:round/>
+                      <a:headEnd type="none" w="med" len="med"/>
+                      <a:tailEnd type="none" w="med" len="med"/>
+                    </a:lnL>
+                    <a:lnR w="12700" cap="flat" cmpd="sng" algn="ctr">
+                      <a:noFill/>
+                      <a:prstDash val="solid"/>
+                      <a:round/>
+                      <a:headEnd type="none" w="med" len="med"/>
+                      <a:tailEnd type="none" w="med" len="med"/>
+                    </a:lnR>
+                    <a:lnT w="12700" cap="flat" cmpd="sng" algn="ctr">
+                      <a:noFill/>
+                      <a:prstDash val="solid"/>
+                      <a:round/>
+                      <a:headEnd type="none" w="med" len="med"/>
+                      <a:tailEnd type="none" w="med" len="med"/>
+                    </a:lnT>
+                    <a:lnB w="12700" cap="flat" cmpd="sng" algn="ctr">
+                      <a:noFill/>
+                      <a:prstDash val="solid"/>
+                      <a:round/>
+                      <a:headEnd type="none" w="med" len="med"/>
+                      <a:tailEnd type="none" w="med" len="med"/>
+                    </a:lnB>
+                    <a:solidFill>
+                      <a:schemeClr val="accent1">
+                        <a:lumMod val="20000"/>
+                        <a:lumOff val="80000"/>
+                      </a:schemeClr>
+                    </a:solidFill>
+                  </a:tcPr>
+                </a:tc>
+                <a:tc>
+                  <a:txBody>
+                    <a:bodyPr/>
+                    <a:lstStyle/>
+                    <a:p>
+                      <a:endParaRPr lang="en-US" dirty="0"/>
+                    </a:p>
+                  </a:txBody>
+                  <a:tcPr>
+                    <a:lnL w="12700" cap="flat" cmpd="sng" algn="ctr">
+                      <a:noFill/>
+                      <a:prstDash val="solid"/>
+                      <a:round/>
+                      <a:headEnd type="none" w="med" len="med"/>
+                      <a:tailEnd type="none" w="med" len="med"/>
+                    </a:lnL>
+                    <a:lnR w="12700" cap="flat" cmpd="sng" algn="ctr">
+                      <a:noFill/>
+                      <a:prstDash val="solid"/>
+                      <a:round/>
+                      <a:headEnd type="none" w="med" len="med"/>
+                      <a:tailEnd type="none" w="med" len="med"/>
+                    </a:lnR>
+                    <a:lnT w="12700" cap="flat" cmpd="sng" algn="ctr">
+                      <a:noFill/>
+                      <a:prstDash val="solid"/>
+                      <a:round/>
+                      <a:headEnd type="none" w="med" len="med"/>
+                      <a:tailEnd type="none" w="med" len="med"/>
+                    </a:lnT>
+                    <a:lnB w="12700" cap="flat" cmpd="sng" algn="ctr">
+                      <a:noFill/>
+                      <a:prstDash val="solid"/>
+                      <a:round/>
+                      <a:headEnd type="none" w="med" len="med"/>
+                      <a:tailEnd type="none" w="med" len="med"/>
+                    </a:lnB>
+                    <a:solidFill>
+                      <a:schemeClr val="accent1">
+                        <a:lumMod val="20000"/>
+                        <a:lumOff val="80000"/>
+                      </a:schemeClr>
+                    </a:solidFill>
+                  </a:tcPr>
+                </a:tc>
+                <a:tc>
+                  <a:txBody>
+                    <a:bodyPr/>
+                    <a:lstStyle/>
+                    <a:p>
+                      <a:endParaRPr lang="en-US" dirty="0"/>
+                    </a:p>
+                  </a:txBody>
+                  <a:tcPr>
+                    <a:lnL w="12700" cap="flat" cmpd="sng" algn="ctr">
+                      <a:noFill/>
+                      <a:prstDash val="solid"/>
+                      <a:round/>
+                      <a:headEnd type="none" w="med" len="med"/>
+                      <a:tailEnd type="none" w="med" len="med"/>
+                    </a:lnL>
+                    <a:lnR w="12700" cap="flat" cmpd="sng" algn="ctr">
+                      <a:noFill/>
+                      <a:prstDash val="solid"/>
+                      <a:round/>
+                      <a:headEnd type="none" w="med" len="med"/>
+                      <a:tailEnd type="none" w="med" len="med"/>
+                    </a:lnR>
+                    <a:lnT w="12700" cap="flat" cmpd="sng" algn="ctr">
+                      <a:noFill/>
+                      <a:prstDash val="solid"/>
+                      <a:round/>
+                      <a:headEnd type="none" w="med" len="med"/>
+                      <a:tailEnd type="none" w="med" len="med"/>
+                    </a:lnT>
+                    <a:lnB w="12700" cap="flat" cmpd="sng" algn="ctr">
+                      <a:noFill/>
+                      <a:prstDash val="solid"/>
+                      <a:round/>
+                      <a:headEnd type="none" w="med" len="med"/>
+                      <a:tailEnd type="none" w="med" len="med"/>
+                    </a:lnB>
+                    <a:solidFill>
+                      <a:schemeClr val="accent1">
+                        <a:lumMod val="20000"/>
+                        <a:lumOff val="80000"/>
+                      </a:schemeClr>
+                    </a:solidFill>
+                  </a:tcPr>
+                </a:tc>
+                <a:tc>
+                  <a:txBody>
+                    <a:bodyPr/>
+                    <a:lstStyle/>
+                    <a:p>
+                      <a:endParaRPr lang="en-US" dirty="0"/>
+                    </a:p>
+                  </a:txBody>
+                  <a:tcPr>
+                    <a:lnL w="12700" cap="flat" cmpd="sng" algn="ctr">
+                      <a:noFill/>
+                      <a:prstDash val="solid"/>
+                      <a:round/>
+                      <a:headEnd type="none" w="med" len="med"/>
+                      <a:tailEnd type="none" w="med" len="med"/>
+                    </a:lnL>
+                    <a:lnR w="12700" cap="flat" cmpd="sng" algn="ctr">
+                      <a:noFill/>
+                      <a:prstDash val="solid"/>
+                      <a:round/>
+                      <a:headEnd type="none" w="med" len="med"/>
+                      <a:tailEnd type="none" w="med" len="med"/>
+                    </a:lnR>
+                    <a:lnT w="12700" cap="flat" cmpd="sng" algn="ctr">
+                      <a:noFill/>
+                      <a:prstDash val="solid"/>
+                      <a:round/>
+                      <a:headEnd type="none" w="med" len="med"/>
+                      <a:tailEnd type="none" w="med" len="med"/>
+                    </a:lnT>
+                    <a:lnB w="12700" cap="flat" cmpd="sng" algn="ctr">
+                      <a:noFill/>
+                      <a:prstDash val="solid"/>
+                      <a:round/>
+                      <a:headEnd type="none" w="med" len="med"/>
+                      <a:tailEnd type="none" w="med" len="med"/>
+                    </a:lnB>
+                    <a:solidFill>
+                      <a:schemeClr val="accent1">
+                        <a:lumMod val="20000"/>
+                        <a:lumOff val="80000"/>
+                      </a:schemeClr>
+                    </a:solidFill>
+                  </a:tcPr>
+                </a:tc>
+                <a:extLst>
+                  <a:ext uri="{0D108BD9-81ED-4DB2-BD59-A6C34878D82A}">
+                    <a16:rowId xmlns:a16="http://schemas.microsoft.com/office/drawing/2014/main" val="598262584"/>
+                  </a:ext>
+                </a:extLst>
+              </a:tr>
+              <a:tr h="370840">
+                <a:tc>
+                  <a:txBody>
+                    <a:bodyPr/>
+                    <a:lstStyle/>
+                    <a:p>
+                      <a:endParaRPr lang="en-US" dirty="0"/>
+                    </a:p>
+                  </a:txBody>
+                  <a:tcPr>
+                    <a:lnL w="12700" cap="flat" cmpd="sng" algn="ctr">
+                      <a:noFill/>
+                      <a:prstDash val="solid"/>
+                      <a:round/>
+                      <a:headEnd type="none" w="med" len="med"/>
+                      <a:tailEnd type="none" w="med" len="med"/>
+                    </a:lnL>
+                    <a:lnR w="12700" cap="flat" cmpd="sng" algn="ctr">
+                      <a:noFill/>
+                      <a:prstDash val="solid"/>
+                      <a:round/>
+                      <a:headEnd type="none" w="med" len="med"/>
+                      <a:tailEnd type="none" w="med" len="med"/>
+                    </a:lnR>
+                    <a:lnT w="12700" cap="flat" cmpd="sng" algn="ctr">
+                      <a:noFill/>
+                      <a:prstDash val="solid"/>
+                      <a:round/>
+                      <a:headEnd type="none" w="med" len="med"/>
+                      <a:tailEnd type="none" w="med" len="med"/>
+                    </a:lnT>
+                    <a:lnB w="12700" cap="flat" cmpd="sng" algn="ctr">
+                      <a:noFill/>
+                      <a:prstDash val="solid"/>
+                      <a:round/>
+                      <a:headEnd type="none" w="med" len="med"/>
+                      <a:tailEnd type="none" w="med" len="med"/>
+                    </a:lnB>
+                    <a:solidFill>
+                      <a:schemeClr val="accent1">
+                        <a:lumMod val="20000"/>
+                        <a:lumOff val="80000"/>
+                      </a:schemeClr>
+                    </a:solidFill>
+                  </a:tcPr>
+                </a:tc>
+                <a:tc>
+                  <a:txBody>
+                    <a:bodyPr/>
+                    <a:lstStyle/>
+                    <a:p>
+                      <a:endParaRPr lang="en-US" dirty="0"/>
+                    </a:p>
+                  </a:txBody>
+                  <a:tcPr>
+                    <a:lnL w="12700" cap="flat" cmpd="sng" algn="ctr">
+                      <a:noFill/>
+                      <a:prstDash val="solid"/>
+                      <a:round/>
+                      <a:headEnd type="none" w="med" len="med"/>
+                      <a:tailEnd type="none" w="med" len="med"/>
+                    </a:lnL>
+                    <a:lnR w="12700" cap="flat" cmpd="sng" algn="ctr">
+                      <a:noFill/>
+                      <a:prstDash val="solid"/>
+                      <a:round/>
+                      <a:headEnd type="none" w="med" len="med"/>
+                      <a:tailEnd type="none" w="med" len="med"/>
+                    </a:lnR>
+                    <a:lnT w="12700" cap="flat" cmpd="sng" algn="ctr">
+                      <a:noFill/>
+                      <a:prstDash val="solid"/>
+                      <a:round/>
+                      <a:headEnd type="none" w="med" len="med"/>
+                      <a:tailEnd type="none" w="med" len="med"/>
+                    </a:lnT>
+                    <a:lnB w="12700" cap="flat" cmpd="sng" algn="ctr">
+                      <a:noFill/>
+                      <a:prstDash val="solid"/>
+                      <a:round/>
+                      <a:headEnd type="none" w="med" len="med"/>
+                      <a:tailEnd type="none" w="med" len="med"/>
+                    </a:lnB>
+                    <a:solidFill>
+                      <a:schemeClr val="accent1">
+                        <a:lumMod val="20000"/>
+                        <a:lumOff val="80000"/>
+                      </a:schemeClr>
+                    </a:solidFill>
+                  </a:tcPr>
+                </a:tc>
+                <a:tc>
+                  <a:txBody>
+                    <a:bodyPr/>
+                    <a:lstStyle/>
+                    <a:p>
+                      <a:endParaRPr lang="en-US" dirty="0"/>
+                    </a:p>
+                  </a:txBody>
+                  <a:tcPr>
+                    <a:lnL w="12700" cap="flat" cmpd="sng" algn="ctr">
+                      <a:noFill/>
+                      <a:prstDash val="solid"/>
+                      <a:round/>
+                      <a:headEnd type="none" w="med" len="med"/>
+                      <a:tailEnd type="none" w="med" len="med"/>
+                    </a:lnL>
+                    <a:lnR w="12700" cap="flat" cmpd="sng" algn="ctr">
+                      <a:noFill/>
+                      <a:prstDash val="solid"/>
+                      <a:round/>
+                      <a:headEnd type="none" w="med" len="med"/>
+                      <a:tailEnd type="none" w="med" len="med"/>
+                    </a:lnR>
+                    <a:lnT w="12700" cap="flat" cmpd="sng" algn="ctr">
+                      <a:noFill/>
+                      <a:prstDash val="solid"/>
+                      <a:round/>
+                      <a:headEnd type="none" w="med" len="med"/>
+                      <a:tailEnd type="none" w="med" len="med"/>
+                    </a:lnT>
+                    <a:lnB w="12700" cap="flat" cmpd="sng" algn="ctr">
+                      <a:noFill/>
+                      <a:prstDash val="solid"/>
+                      <a:round/>
+                      <a:headEnd type="none" w="med" len="med"/>
+                      <a:tailEnd type="none" w="med" len="med"/>
+                    </a:lnB>
+                    <a:solidFill>
+                      <a:schemeClr val="accent1">
+                        <a:lumMod val="20000"/>
+                        <a:lumOff val="80000"/>
+                      </a:schemeClr>
+                    </a:solidFill>
+                  </a:tcPr>
+                </a:tc>
+                <a:tc>
+                  <a:txBody>
+                    <a:bodyPr/>
+                    <a:lstStyle/>
+                    <a:p>
+                      <a:endParaRPr lang="en-US" dirty="0"/>
+                    </a:p>
+                  </a:txBody>
+                  <a:tcPr>
+                    <a:lnL w="12700" cap="flat" cmpd="sng" algn="ctr">
+                      <a:noFill/>
+                      <a:prstDash val="solid"/>
+                      <a:round/>
+                      <a:headEnd type="none" w="med" len="med"/>
+                      <a:tailEnd type="none" w="med" len="med"/>
+                    </a:lnL>
+                    <a:lnR w="12700" cap="flat" cmpd="sng" algn="ctr">
+                      <a:noFill/>
+                      <a:prstDash val="solid"/>
+                      <a:round/>
+                      <a:headEnd type="none" w="med" len="med"/>
+                      <a:tailEnd type="none" w="med" len="med"/>
+                    </a:lnR>
+                    <a:lnT w="12700" cap="flat" cmpd="sng" algn="ctr">
+                      <a:noFill/>
+                      <a:prstDash val="solid"/>
+                      <a:round/>
+                      <a:headEnd type="none" w="med" len="med"/>
+                      <a:tailEnd type="none" w="med" len="med"/>
+                    </a:lnT>
+                    <a:lnB w="12700" cap="flat" cmpd="sng" algn="ctr">
+                      <a:noFill/>
+                      <a:prstDash val="solid"/>
+                      <a:round/>
+                      <a:headEnd type="none" w="med" len="med"/>
+                      <a:tailEnd type="none" w="med" len="med"/>
+                    </a:lnB>
+                    <a:solidFill>
+                      <a:schemeClr val="accent1">
+                        <a:lumMod val="20000"/>
+                        <a:lumOff val="80000"/>
+                      </a:schemeClr>
+                    </a:solidFill>
+                  </a:tcPr>
+                </a:tc>
+                <a:tc>
+                  <a:txBody>
+                    <a:bodyPr/>
+                    <a:lstStyle/>
+                    <a:p>
+                      <a:endParaRPr lang="en-US" dirty="0"/>
+                    </a:p>
+                  </a:txBody>
+                  <a:tcPr>
+                    <a:lnL w="12700" cap="flat" cmpd="sng" algn="ctr">
+                      <a:noFill/>
+                      <a:prstDash val="solid"/>
+                      <a:round/>
+                      <a:headEnd type="none" w="med" len="med"/>
+                      <a:tailEnd type="none" w="med" len="med"/>
+                    </a:lnL>
+                    <a:lnR w="12700" cap="flat" cmpd="sng" algn="ctr">
+                      <a:noFill/>
+                      <a:prstDash val="solid"/>
+                      <a:round/>
+                      <a:headEnd type="none" w="med" len="med"/>
+                      <a:tailEnd type="none" w="med" len="med"/>
+                    </a:lnR>
+                    <a:lnT w="12700" cap="flat" cmpd="sng" algn="ctr">
+                      <a:noFill/>
+                      <a:prstDash val="solid"/>
+                      <a:round/>
+                      <a:headEnd type="none" w="med" len="med"/>
+                      <a:tailEnd type="none" w="med" len="med"/>
+                    </a:lnT>
+                    <a:lnB w="12700" cap="flat" cmpd="sng" algn="ctr">
+                      <a:noFill/>
+                      <a:prstDash val="solid"/>
+                      <a:round/>
+                      <a:headEnd type="none" w="med" len="med"/>
+                      <a:tailEnd type="none" w="med" len="med"/>
+                    </a:lnB>
+                    <a:solidFill>
+                      <a:schemeClr val="accent1">
+                        <a:lumMod val="20000"/>
+                        <a:lumOff val="80000"/>
+                      </a:schemeClr>
+                    </a:solidFill>
+                  </a:tcPr>
+                </a:tc>
+                <a:tc>
+                  <a:txBody>
+                    <a:bodyPr/>
+                    <a:lstStyle/>
+                    <a:p>
+                      <a:endParaRPr lang="en-US" dirty="0"/>
+                    </a:p>
+                  </a:txBody>
+                  <a:tcPr>
+                    <a:lnL w="12700" cap="flat" cmpd="sng" algn="ctr">
+                      <a:noFill/>
+                      <a:prstDash val="solid"/>
+                      <a:round/>
+                      <a:headEnd type="none" w="med" len="med"/>
+                      <a:tailEnd type="none" w="med" len="med"/>
+                    </a:lnL>
+                    <a:lnR w="12700" cap="flat" cmpd="sng" algn="ctr">
+                      <a:noFill/>
+                      <a:prstDash val="solid"/>
+                      <a:round/>
+                      <a:headEnd type="none" w="med" len="med"/>
+                      <a:tailEnd type="none" w="med" len="med"/>
+                    </a:lnR>
+                    <a:lnT w="12700" cap="flat" cmpd="sng" algn="ctr">
+                      <a:noFill/>
+                      <a:prstDash val="solid"/>
+                      <a:round/>
+                      <a:headEnd type="none" w="med" len="med"/>
+                      <a:tailEnd type="none" w="med" len="med"/>
+                    </a:lnT>
+                    <a:lnB w="12700" cap="flat" cmpd="sng" algn="ctr">
+                      <a:noFill/>
+                      <a:prstDash val="solid"/>
+                      <a:round/>
+                      <a:headEnd type="none" w="med" len="med"/>
+                      <a:tailEnd type="none" w="med" len="med"/>
+                    </a:lnB>
+                    <a:solidFill>
+                      <a:schemeClr val="accent1">
+                        <a:lumMod val="20000"/>
+                        <a:lumOff val="80000"/>
+                      </a:schemeClr>
+                    </a:solidFill>
+                  </a:tcPr>
+                </a:tc>
+                <a:tc>
+                  <a:txBody>
+                    <a:bodyPr/>
+                    <a:lstStyle/>
+                    <a:p>
+                      <a:endParaRPr lang="en-US" dirty="0"/>
+                    </a:p>
+                  </a:txBody>
+                  <a:tcPr>
+                    <a:lnL w="12700" cap="flat" cmpd="sng" algn="ctr">
+                      <a:noFill/>
+                      <a:prstDash val="solid"/>
+                      <a:round/>
+                      <a:headEnd type="none" w="med" len="med"/>
+                      <a:tailEnd type="none" w="med" len="med"/>
+                    </a:lnL>
+                    <a:lnR w="12700" cap="flat" cmpd="sng" algn="ctr">
+                      <a:noFill/>
+                      <a:prstDash val="solid"/>
+                      <a:round/>
+                      <a:headEnd type="none" w="med" len="med"/>
+                      <a:tailEnd type="none" w="med" len="med"/>
+                    </a:lnR>
+                    <a:lnT w="12700" cap="flat" cmpd="sng" algn="ctr">
+                      <a:noFill/>
+                      <a:prstDash val="solid"/>
+                      <a:round/>
+                      <a:headEnd type="none" w="med" len="med"/>
+                      <a:tailEnd type="none" w="med" len="med"/>
+                    </a:lnT>
+                    <a:lnB w="12700" cap="flat" cmpd="sng" algn="ctr">
+                      <a:noFill/>
+                      <a:prstDash val="solid"/>
+                      <a:round/>
+                      <a:headEnd type="none" w="med" len="med"/>
+                      <a:tailEnd type="none" w="med" len="med"/>
+                    </a:lnB>
+                    <a:solidFill>
+                      <a:schemeClr val="accent1">
+                        <a:lumMod val="20000"/>
+                        <a:lumOff val="80000"/>
+                      </a:schemeClr>
+                    </a:solidFill>
+                  </a:tcPr>
+                </a:tc>
+                <a:extLst>
+                  <a:ext uri="{0D108BD9-81ED-4DB2-BD59-A6C34878D82A}">
+                    <a16:rowId xmlns:a16="http://schemas.microsoft.com/office/drawing/2014/main" val="2499338161"/>
+                  </a:ext>
+                </a:extLst>
+              </a:tr>
+              <a:tr h="370840">
+                <a:tc>
+                  <a:txBody>
+                    <a:bodyPr/>
+                    <a:lstStyle/>
+                    <a:p>
+                      <a:r>
+                        <a:rPr lang="en-US" dirty="0"/>
+                        <a:t>         No</a:t>
+                      </a:r>
+                    </a:p>
+                  </a:txBody>
+                  <a:tcPr>
+                    <a:lnL w="12700" cap="flat" cmpd="sng" algn="ctr">
+                      <a:noFill/>
+                      <a:prstDash val="solid"/>
+                      <a:round/>
+                      <a:headEnd type="none" w="med" len="med"/>
+                      <a:tailEnd type="none" w="med" len="med"/>
+                    </a:lnL>
+                    <a:lnR w="12700" cap="flat" cmpd="sng" algn="ctr">
+                      <a:noFill/>
+                      <a:prstDash val="solid"/>
+                      <a:round/>
+                      <a:headEnd type="none" w="med" len="med"/>
+                      <a:tailEnd type="none" w="med" len="med"/>
+                    </a:lnR>
+                    <a:lnT w="12700" cap="flat" cmpd="sng" algn="ctr">
+                      <a:noFill/>
+                      <a:prstDash val="solid"/>
+                      <a:round/>
+                      <a:headEnd type="none" w="med" len="med"/>
+                      <a:tailEnd type="none" w="med" len="med"/>
+                    </a:lnT>
+                    <a:lnB w="12700" cap="flat" cmpd="sng" algn="ctr">
+                      <a:solidFill>
+                        <a:schemeClr val="tx1"/>
+                      </a:solidFill>
+                      <a:prstDash val="solid"/>
+                      <a:round/>
+                      <a:headEnd type="none" w="med" len="med"/>
+                      <a:tailEnd type="none" w="med" len="med"/>
+                    </a:lnB>
+                    <a:solidFill>
+                      <a:schemeClr val="accent1">
+                        <a:lumMod val="20000"/>
+                        <a:lumOff val="80000"/>
+                      </a:schemeClr>
+                    </a:solidFill>
+                  </a:tcPr>
+                </a:tc>
+                <a:tc>
+                  <a:txBody>
+                    <a:bodyPr/>
+                    <a:lstStyle/>
+                    <a:p>
+                      <a:r>
+                        <a:rPr lang="en-US" dirty="0"/>
+                        <a:t>Yes       No </a:t>
+                      </a:r>
+                    </a:p>
+                  </a:txBody>
+                  <a:tcPr>
+                    <a:lnL w="12700" cap="flat" cmpd="sng" algn="ctr">
+                      <a:noFill/>
+                      <a:prstDash val="solid"/>
+                      <a:round/>
+                      <a:headEnd type="none" w="med" len="med"/>
+                      <a:tailEnd type="none" w="med" len="med"/>
+                    </a:lnL>
+                    <a:lnR w="12700" cap="flat" cmpd="sng" algn="ctr">
+                      <a:noFill/>
+                      <a:prstDash val="solid"/>
+                      <a:round/>
+                      <a:headEnd type="none" w="med" len="med"/>
+                      <a:tailEnd type="none" w="med" len="med"/>
+                    </a:lnR>
+                    <a:lnT w="12700" cap="flat" cmpd="sng" algn="ctr">
+                      <a:noFill/>
+                      <a:prstDash val="solid"/>
+                      <a:round/>
+                      <a:headEnd type="none" w="med" len="med"/>
+                      <a:tailEnd type="none" w="med" len="med"/>
+                    </a:lnT>
+                    <a:lnB w="12700" cap="flat" cmpd="sng" algn="ctr">
+                      <a:solidFill>
+                        <a:schemeClr val="tx1"/>
+                      </a:solidFill>
+                      <a:prstDash val="solid"/>
+                      <a:round/>
+                      <a:headEnd type="none" w="med" len="med"/>
+                      <a:tailEnd type="none" w="med" len="med"/>
+                    </a:lnB>
+                    <a:solidFill>
+                      <a:schemeClr val="accent1">
+                        <a:lumMod val="20000"/>
+                        <a:lumOff val="80000"/>
+                      </a:schemeClr>
+                    </a:solidFill>
+                  </a:tcPr>
+                </a:tc>
+                <a:tc>
+                  <a:txBody>
+                    <a:bodyPr/>
+                    <a:lstStyle/>
+                    <a:p>
+                      <a:r>
+                        <a:rPr lang="en-US" dirty="0"/>
+                        <a:t>Yes      </a:t>
+                      </a:r>
+                      <a:r>
+                        <a:rPr lang="en-US" dirty="0" err="1"/>
+                        <a:t>Yes</a:t>
+                      </a:r>
+                      <a:endParaRPr lang="en-US" dirty="0"/>
+                    </a:p>
+                  </a:txBody>
+                  <a:tcPr>
+                    <a:lnL w="12700" cap="flat" cmpd="sng" algn="ctr">
+                      <a:noFill/>
+                      <a:prstDash val="solid"/>
+                      <a:round/>
+                      <a:headEnd type="none" w="med" len="med"/>
+                      <a:tailEnd type="none" w="med" len="med"/>
+                    </a:lnL>
+                    <a:lnR w="12700" cap="flat" cmpd="sng" algn="ctr">
+                      <a:noFill/>
+                      <a:prstDash val="solid"/>
+                      <a:round/>
+                      <a:headEnd type="none" w="med" len="med"/>
+                      <a:tailEnd type="none" w="med" len="med"/>
+                    </a:lnR>
+                    <a:lnT w="12700" cap="flat" cmpd="sng" algn="ctr">
+                      <a:noFill/>
+                      <a:prstDash val="solid"/>
+                      <a:round/>
+                      <a:headEnd type="none" w="med" len="med"/>
+                      <a:tailEnd type="none" w="med" len="med"/>
+                    </a:lnT>
+                    <a:lnB w="12700" cap="flat" cmpd="sng" algn="ctr">
+                      <a:solidFill>
+                        <a:schemeClr val="tx1"/>
+                      </a:solidFill>
+                      <a:prstDash val="solid"/>
+                      <a:round/>
+                      <a:headEnd type="none" w="med" len="med"/>
+                      <a:tailEnd type="none" w="med" len="med"/>
+                    </a:lnB>
+                    <a:solidFill>
+                      <a:schemeClr val="accent1">
+                        <a:lumMod val="20000"/>
+                        <a:lumOff val="80000"/>
+                      </a:schemeClr>
+                    </a:solidFill>
+                  </a:tcPr>
+                </a:tc>
+                <a:tc>
+                  <a:txBody>
+                    <a:bodyPr/>
+                    <a:lstStyle/>
+                    <a:p>
+                      <a:r>
+                        <a:rPr lang="en-US" dirty="0"/>
+                        <a:t>No      </a:t>
+                      </a:r>
+                      <a:r>
+                        <a:rPr lang="en-US" dirty="0" err="1"/>
+                        <a:t>No</a:t>
+                      </a:r>
+                      <a:endParaRPr lang="en-US" dirty="0"/>
+                    </a:p>
+                  </a:txBody>
+                  <a:tcPr>
+                    <a:lnL w="12700" cap="flat" cmpd="sng" algn="ctr">
+                      <a:noFill/>
+                      <a:prstDash val="solid"/>
+                      <a:round/>
+                      <a:headEnd type="none" w="med" len="med"/>
+                      <a:tailEnd type="none" w="med" len="med"/>
+                    </a:lnL>
+                    <a:lnR w="12700" cap="flat" cmpd="sng" algn="ctr">
+                      <a:noFill/>
+                      <a:prstDash val="solid"/>
+                      <a:round/>
+                      <a:headEnd type="none" w="med" len="med"/>
+                      <a:tailEnd type="none" w="med" len="med"/>
+                    </a:lnR>
+                    <a:lnT w="12700" cap="flat" cmpd="sng" algn="ctr">
+                      <a:noFill/>
+                      <a:prstDash val="solid"/>
+                      <a:round/>
+                      <a:headEnd type="none" w="med" len="med"/>
+                      <a:tailEnd type="none" w="med" len="med"/>
+                    </a:lnT>
+                    <a:lnB w="12700" cap="flat" cmpd="sng" algn="ctr">
+                      <a:solidFill>
+                        <a:schemeClr val="tx1"/>
+                      </a:solidFill>
+                      <a:prstDash val="solid"/>
+                      <a:round/>
+                      <a:headEnd type="none" w="med" len="med"/>
+                      <a:tailEnd type="none" w="med" len="med"/>
+                    </a:lnB>
+                    <a:solidFill>
+                      <a:schemeClr val="accent1">
+                        <a:lumMod val="20000"/>
+                        <a:lumOff val="80000"/>
+                      </a:schemeClr>
+                    </a:solidFill>
+                  </a:tcPr>
+                </a:tc>
+                <a:tc>
+                  <a:txBody>
+                    <a:bodyPr/>
+                    <a:lstStyle/>
+                    <a:p>
+                      <a:r>
+                        <a:rPr lang="en-US" dirty="0"/>
+                        <a:t>Yes       No</a:t>
+                      </a:r>
+                    </a:p>
+                  </a:txBody>
+                  <a:tcPr>
+                    <a:lnL w="12700" cap="flat" cmpd="sng" algn="ctr">
+                      <a:noFill/>
+                      <a:prstDash val="solid"/>
+                      <a:round/>
+                      <a:headEnd type="none" w="med" len="med"/>
+                      <a:tailEnd type="none" w="med" len="med"/>
+                    </a:lnL>
+                    <a:lnR w="12700" cap="flat" cmpd="sng" algn="ctr">
+                      <a:noFill/>
+                      <a:prstDash val="solid"/>
+                      <a:round/>
+                      <a:headEnd type="none" w="med" len="med"/>
+                      <a:tailEnd type="none" w="med" len="med"/>
+                    </a:lnR>
+                    <a:lnT w="12700" cap="flat" cmpd="sng" algn="ctr">
+                      <a:noFill/>
+                      <a:prstDash val="solid"/>
+                      <a:round/>
+                      <a:headEnd type="none" w="med" len="med"/>
+                      <a:tailEnd type="none" w="med" len="med"/>
+                    </a:lnT>
+                    <a:lnB w="12700" cap="flat" cmpd="sng" algn="ctr">
+                      <a:solidFill>
+                        <a:schemeClr val="tx1"/>
+                      </a:solidFill>
+                      <a:prstDash val="solid"/>
+                      <a:round/>
+                      <a:headEnd type="none" w="med" len="med"/>
+                      <a:tailEnd type="none" w="med" len="med"/>
+                    </a:lnB>
+                    <a:solidFill>
+                      <a:schemeClr val="accent1">
+                        <a:lumMod val="20000"/>
+                        <a:lumOff val="80000"/>
+                      </a:schemeClr>
+                    </a:solidFill>
+                  </a:tcPr>
+                </a:tc>
+                <a:tc>
+                  <a:txBody>
+                    <a:bodyPr/>
+                    <a:lstStyle/>
+                    <a:p>
+                      <a:r>
+                        <a:rPr lang="en-US" dirty="0"/>
+                        <a:t>No         Yes</a:t>
+                      </a:r>
+                    </a:p>
+                  </a:txBody>
+                  <a:tcPr>
+                    <a:lnL w="12700" cap="flat" cmpd="sng" algn="ctr">
+                      <a:noFill/>
+                      <a:prstDash val="solid"/>
+                      <a:round/>
+                      <a:headEnd type="none" w="med" len="med"/>
+                      <a:tailEnd type="none" w="med" len="med"/>
+                    </a:lnL>
+                    <a:lnR w="12700" cap="flat" cmpd="sng" algn="ctr">
+                      <a:noFill/>
+                      <a:prstDash val="solid"/>
+                      <a:round/>
+                      <a:headEnd type="none" w="med" len="med"/>
+                      <a:tailEnd type="none" w="med" len="med"/>
+                    </a:lnR>
+                    <a:lnT w="12700" cap="flat" cmpd="sng" algn="ctr">
+                      <a:noFill/>
+                      <a:prstDash val="solid"/>
+                      <a:round/>
+                      <a:headEnd type="none" w="med" len="med"/>
+                      <a:tailEnd type="none" w="med" len="med"/>
+                    </a:lnT>
+                    <a:lnB w="12700" cap="flat" cmpd="sng" algn="ctr">
+                      <a:solidFill>
+                        <a:schemeClr val="tx1"/>
+                      </a:solidFill>
+                      <a:prstDash val="solid"/>
+                      <a:round/>
+                      <a:headEnd type="none" w="med" len="med"/>
+                      <a:tailEnd type="none" w="med" len="med"/>
+                    </a:lnB>
+                    <a:solidFill>
+                      <a:schemeClr val="accent1">
+                        <a:lumMod val="20000"/>
+                        <a:lumOff val="80000"/>
+                      </a:schemeClr>
+                    </a:solidFill>
+                  </a:tcPr>
+                </a:tc>
+                <a:tc>
+                  <a:txBody>
+                    <a:bodyPr/>
+                    <a:lstStyle/>
+                    <a:p>
+                      <a:r>
+                        <a:rPr lang="en-US" dirty="0"/>
+                        <a:t>Yes</a:t>
+                      </a:r>
+                    </a:p>
+                  </a:txBody>
+                  <a:tcPr>
+                    <a:lnL w="12700" cap="flat" cmpd="sng" algn="ctr">
+                      <a:noFill/>
+                      <a:prstDash val="solid"/>
+                      <a:round/>
+                      <a:headEnd type="none" w="med" len="med"/>
+                      <a:tailEnd type="none" w="med" len="med"/>
+                    </a:lnL>
+                    <a:lnR w="12700" cap="flat" cmpd="sng" algn="ctr">
+                      <a:noFill/>
+                      <a:prstDash val="solid"/>
+                      <a:round/>
+                      <a:headEnd type="none" w="med" len="med"/>
+                      <a:tailEnd type="none" w="med" len="med"/>
+                    </a:lnR>
+                    <a:lnT w="12700" cap="flat" cmpd="sng" algn="ctr">
+                      <a:noFill/>
+                      <a:prstDash val="solid"/>
+                      <a:round/>
+                      <a:headEnd type="none" w="med" len="med"/>
+                      <a:tailEnd type="none" w="med" len="med"/>
+                    </a:lnT>
+                    <a:lnB w="12700" cap="flat" cmpd="sng" algn="ctr">
+                      <a:solidFill>
+                        <a:schemeClr val="tx1"/>
+                      </a:solidFill>
+                      <a:prstDash val="solid"/>
+                      <a:round/>
+                      <a:headEnd type="none" w="med" len="med"/>
+                      <a:tailEnd type="none" w="med" len="med"/>
+                    </a:lnB>
+                    <a:solidFill>
+                      <a:schemeClr val="accent1">
+                        <a:lumMod val="20000"/>
+                        <a:lumOff val="80000"/>
+                      </a:schemeClr>
+                    </a:solidFill>
+                  </a:tcPr>
+                </a:tc>
+                <a:extLst>
+                  <a:ext uri="{0D108BD9-81ED-4DB2-BD59-A6C34878D82A}">
+                    <a16:rowId xmlns:a16="http://schemas.microsoft.com/office/drawing/2014/main" val="2260372004"/>
+                  </a:ext>
+                </a:extLst>
+              </a:tr>
+              <a:tr h="370840">
+                <a:tc>
+                  <a:txBody>
+                    <a:bodyPr/>
+                    <a:lstStyle/>
+                    <a:p>
+                      <a:endParaRPr lang="en-US" dirty="0"/>
+                    </a:p>
+                  </a:txBody>
+                  <a:tcPr>
+                    <a:lnL w="12700" cap="flat" cmpd="sng" algn="ctr">
+                      <a:noFill/>
+                      <a:prstDash val="solid"/>
+                      <a:round/>
+                      <a:headEnd type="none" w="med" len="med"/>
+                      <a:tailEnd type="none" w="med" len="med"/>
+                    </a:lnL>
+                    <a:lnR w="12700" cap="flat" cmpd="sng" algn="ctr">
+                      <a:noFill/>
+                      <a:prstDash val="solid"/>
+                      <a:round/>
+                      <a:headEnd type="none" w="med" len="med"/>
+                      <a:tailEnd type="none" w="med" len="med"/>
+                    </a:lnR>
+                    <a:lnT w="12700" cap="flat" cmpd="sng" algn="ctr">
+                      <a:solidFill>
+                        <a:schemeClr val="tx1"/>
+                      </a:solidFill>
+                      <a:prstDash val="solid"/>
+                      <a:round/>
+                      <a:headEnd type="none" w="med" len="med"/>
+                      <a:tailEnd type="none" w="med" len="med"/>
+                    </a:lnT>
+                    <a:lnB w="12700" cap="flat" cmpd="sng" algn="ctr">
+                      <a:noFill/>
+                      <a:prstDash val="solid"/>
+                      <a:round/>
+                      <a:headEnd type="none" w="med" len="med"/>
+                      <a:tailEnd type="none" w="med" len="med"/>
+                    </a:lnB>
+                    <a:solidFill>
+                      <a:schemeClr val="accent1">
+                        <a:lumMod val="20000"/>
+                        <a:lumOff val="80000"/>
+                      </a:schemeClr>
+                    </a:solidFill>
+                  </a:tcPr>
+                </a:tc>
+                <a:tc>
+                  <a:txBody>
+                    <a:bodyPr/>
+                    <a:lstStyle/>
+                    <a:p>
+                      <a:endParaRPr lang="en-US" dirty="0"/>
+                    </a:p>
+                  </a:txBody>
+                  <a:tcPr>
+                    <a:lnL w="12700" cap="flat" cmpd="sng" algn="ctr">
+                      <a:noFill/>
+                      <a:prstDash val="solid"/>
+                      <a:round/>
+                      <a:headEnd type="none" w="med" len="med"/>
+                      <a:tailEnd type="none" w="med" len="med"/>
+                    </a:lnL>
+                    <a:lnR w="12700" cap="flat" cmpd="sng" algn="ctr">
+                      <a:noFill/>
+                      <a:prstDash val="solid"/>
+                      <a:round/>
+                      <a:headEnd type="none" w="med" len="med"/>
+                      <a:tailEnd type="none" w="med" len="med"/>
+                    </a:lnR>
+                    <a:lnT w="12700" cap="flat" cmpd="sng" algn="ctr">
+                      <a:solidFill>
+                        <a:schemeClr val="tx1"/>
+                      </a:solidFill>
+                      <a:prstDash val="solid"/>
+                      <a:round/>
+                      <a:headEnd type="none" w="med" len="med"/>
+                      <a:tailEnd type="none" w="med" len="med"/>
+                    </a:lnT>
+                    <a:lnB w="12700" cap="flat" cmpd="sng" algn="ctr">
+                      <a:noFill/>
+                      <a:prstDash val="solid"/>
+                      <a:round/>
+                      <a:headEnd type="none" w="med" len="med"/>
+                      <a:tailEnd type="none" w="med" len="med"/>
+                    </a:lnB>
+                    <a:solidFill>
+                      <a:schemeClr val="accent1">
+                        <a:lumMod val="20000"/>
+                        <a:lumOff val="80000"/>
+                      </a:schemeClr>
+                    </a:solidFill>
+                  </a:tcPr>
+                </a:tc>
+                <a:tc>
+                  <a:txBody>
+                    <a:bodyPr/>
+                    <a:lstStyle/>
+                    <a:p>
+                      <a:endParaRPr lang="en-US" dirty="0"/>
+                    </a:p>
+                  </a:txBody>
+                  <a:tcPr>
+                    <a:lnL w="12700" cap="flat" cmpd="sng" algn="ctr">
+                      <a:noFill/>
+                      <a:prstDash val="solid"/>
+                      <a:round/>
+                      <a:headEnd type="none" w="med" len="med"/>
+                      <a:tailEnd type="none" w="med" len="med"/>
+                    </a:lnL>
+                    <a:lnR w="12700" cap="flat" cmpd="sng" algn="ctr">
+                      <a:noFill/>
+                      <a:prstDash val="solid"/>
+                      <a:round/>
+                      <a:headEnd type="none" w="med" len="med"/>
+                      <a:tailEnd type="none" w="med" len="med"/>
+                    </a:lnR>
+                    <a:lnT w="12700" cap="flat" cmpd="sng" algn="ctr">
+                      <a:solidFill>
+                        <a:schemeClr val="tx1"/>
+                      </a:solidFill>
+                      <a:prstDash val="solid"/>
+                      <a:round/>
+                      <a:headEnd type="none" w="med" len="med"/>
+                      <a:tailEnd type="none" w="med" len="med"/>
+                    </a:lnT>
+                    <a:lnB w="12700" cap="flat" cmpd="sng" algn="ctr">
+                      <a:noFill/>
+                      <a:prstDash val="solid"/>
+                      <a:round/>
+                      <a:headEnd type="none" w="med" len="med"/>
+                      <a:tailEnd type="none" w="med" len="med"/>
+                    </a:lnB>
+                    <a:solidFill>
+                      <a:schemeClr val="accent1">
+                        <a:lumMod val="20000"/>
+                        <a:lumOff val="80000"/>
+                      </a:schemeClr>
+                    </a:solidFill>
+                  </a:tcPr>
+                </a:tc>
+                <a:tc>
+                  <a:txBody>
+                    <a:bodyPr/>
+                    <a:lstStyle/>
+                    <a:p>
+                      <a:endParaRPr lang="en-US" dirty="0"/>
+                    </a:p>
+                  </a:txBody>
+                  <a:tcPr>
+                    <a:lnL w="12700" cap="flat" cmpd="sng" algn="ctr">
+                      <a:noFill/>
+                      <a:prstDash val="solid"/>
+                      <a:round/>
+                      <a:headEnd type="none" w="med" len="med"/>
+                      <a:tailEnd type="none" w="med" len="med"/>
+                    </a:lnL>
+                    <a:lnR w="12700" cap="flat" cmpd="sng" algn="ctr">
+                      <a:noFill/>
+                      <a:prstDash val="solid"/>
+                      <a:round/>
+                      <a:headEnd type="none" w="med" len="med"/>
+                      <a:tailEnd type="none" w="med" len="med"/>
+                    </a:lnR>
+                    <a:lnT w="12700" cap="flat" cmpd="sng" algn="ctr">
+                      <a:solidFill>
+                        <a:schemeClr val="tx1"/>
+                      </a:solidFill>
+                      <a:prstDash val="solid"/>
+                      <a:round/>
+                      <a:headEnd type="none" w="med" len="med"/>
+                      <a:tailEnd type="none" w="med" len="med"/>
+                    </a:lnT>
+                    <a:lnB w="12700" cap="flat" cmpd="sng" algn="ctr">
+                      <a:noFill/>
+                      <a:prstDash val="solid"/>
+                      <a:round/>
+                      <a:headEnd type="none" w="med" len="med"/>
+                      <a:tailEnd type="none" w="med" len="med"/>
+                    </a:lnB>
+                    <a:solidFill>
+                      <a:schemeClr val="accent1">
+                        <a:lumMod val="20000"/>
+                        <a:lumOff val="80000"/>
+                      </a:schemeClr>
+                    </a:solidFill>
+                  </a:tcPr>
+                </a:tc>
+                <a:tc>
+                  <a:txBody>
+                    <a:bodyPr/>
+                    <a:lstStyle/>
+                    <a:p>
+                      <a:endParaRPr lang="en-US" dirty="0"/>
+                    </a:p>
+                  </a:txBody>
+                  <a:tcPr>
+                    <a:lnL w="12700" cap="flat" cmpd="sng" algn="ctr">
+                      <a:noFill/>
+                      <a:prstDash val="solid"/>
+                      <a:round/>
+                      <a:headEnd type="none" w="med" len="med"/>
+                      <a:tailEnd type="none" w="med" len="med"/>
+                    </a:lnL>
+                    <a:lnR w="12700" cap="flat" cmpd="sng" algn="ctr">
+                      <a:noFill/>
+                      <a:prstDash val="solid"/>
+                      <a:round/>
+                      <a:headEnd type="none" w="med" len="med"/>
+                      <a:tailEnd type="none" w="med" len="med"/>
+                    </a:lnR>
+                    <a:lnT w="12700" cap="flat" cmpd="sng" algn="ctr">
+                      <a:solidFill>
+                        <a:schemeClr val="tx1"/>
+                      </a:solidFill>
+                      <a:prstDash val="solid"/>
+                      <a:round/>
+                      <a:headEnd type="none" w="med" len="med"/>
+                      <a:tailEnd type="none" w="med" len="med"/>
+                    </a:lnT>
+                    <a:lnB w="12700" cap="flat" cmpd="sng" algn="ctr">
+                      <a:noFill/>
+                      <a:prstDash val="solid"/>
+                      <a:round/>
+                      <a:headEnd type="none" w="med" len="med"/>
+                      <a:tailEnd type="none" w="med" len="med"/>
+                    </a:lnB>
+                    <a:solidFill>
+                      <a:schemeClr val="accent1">
+                        <a:lumMod val="20000"/>
+                        <a:lumOff val="80000"/>
+                      </a:schemeClr>
+                    </a:solidFill>
+                  </a:tcPr>
+                </a:tc>
+                <a:tc>
+                  <a:txBody>
+                    <a:bodyPr/>
+                    <a:lstStyle/>
+                    <a:p>
+                      <a:endParaRPr lang="en-US" dirty="0"/>
+                    </a:p>
+                  </a:txBody>
+                  <a:tcPr>
+                    <a:lnL w="12700" cap="flat" cmpd="sng" algn="ctr">
+                      <a:noFill/>
+                      <a:prstDash val="solid"/>
+                      <a:round/>
+                      <a:headEnd type="none" w="med" len="med"/>
+                      <a:tailEnd type="none" w="med" len="med"/>
+                    </a:lnL>
+                    <a:lnR w="12700" cap="flat" cmpd="sng" algn="ctr">
+                      <a:noFill/>
+                      <a:prstDash val="solid"/>
+                      <a:round/>
+                      <a:headEnd type="none" w="med" len="med"/>
+                      <a:tailEnd type="none" w="med" len="med"/>
+                    </a:lnR>
+                    <a:lnT w="12700" cap="flat" cmpd="sng" algn="ctr">
+                      <a:solidFill>
+                        <a:schemeClr val="tx1"/>
+                      </a:solidFill>
+                      <a:prstDash val="solid"/>
+                      <a:round/>
+                      <a:headEnd type="none" w="med" len="med"/>
+                      <a:tailEnd type="none" w="med" len="med"/>
+                    </a:lnT>
+                    <a:lnB w="12700" cap="flat" cmpd="sng" algn="ctr">
+                      <a:noFill/>
+                      <a:prstDash val="solid"/>
+                      <a:round/>
+                      <a:headEnd type="none" w="med" len="med"/>
+                      <a:tailEnd type="none" w="med" len="med"/>
+                    </a:lnB>
+                    <a:solidFill>
+                      <a:schemeClr val="accent1">
+                        <a:lumMod val="20000"/>
+                        <a:lumOff val="80000"/>
+                      </a:schemeClr>
+                    </a:solidFill>
+                  </a:tcPr>
+                </a:tc>
+                <a:tc>
+                  <a:txBody>
+                    <a:bodyPr/>
+                    <a:lstStyle/>
+                    <a:p>
+                      <a:endParaRPr lang="en-US" dirty="0"/>
+                    </a:p>
+                  </a:txBody>
+                  <a:tcPr>
+                    <a:lnL w="12700" cap="flat" cmpd="sng" algn="ctr">
+                      <a:noFill/>
+                      <a:prstDash val="solid"/>
+                      <a:round/>
+                      <a:headEnd type="none" w="med" len="med"/>
+                      <a:tailEnd type="none" w="med" len="med"/>
+                    </a:lnL>
+                    <a:lnR w="12700" cap="flat" cmpd="sng" algn="ctr">
+                      <a:noFill/>
+                      <a:prstDash val="solid"/>
+                      <a:round/>
+                      <a:headEnd type="none" w="med" len="med"/>
+                      <a:tailEnd type="none" w="med" len="med"/>
+                    </a:lnR>
+                    <a:lnT w="12700" cap="flat" cmpd="sng" algn="ctr">
+                      <a:solidFill>
+                        <a:schemeClr val="tx1"/>
+                      </a:solidFill>
+                      <a:prstDash val="solid"/>
+                      <a:round/>
+                      <a:headEnd type="none" w="med" len="med"/>
+                      <a:tailEnd type="none" w="med" len="med"/>
+                    </a:lnT>
+                    <a:lnB w="12700" cap="flat" cmpd="sng" algn="ctr">
+                      <a:noFill/>
+                      <a:prstDash val="solid"/>
+                      <a:round/>
+                      <a:headEnd type="none" w="med" len="med"/>
+                      <a:tailEnd type="none" w="med" len="med"/>
+                    </a:lnB>
+                    <a:solidFill>
+                      <a:schemeClr val="accent1">
+                        <a:lumMod val="20000"/>
+                        <a:lumOff val="80000"/>
+                      </a:schemeClr>
+                    </a:solidFill>
+                  </a:tcPr>
+                </a:tc>
+                <a:extLst>
+                  <a:ext uri="{0D108BD9-81ED-4DB2-BD59-A6C34878D82A}">
+                    <a16:rowId xmlns:a16="http://schemas.microsoft.com/office/drawing/2014/main" val="1448555206"/>
+                  </a:ext>
+                </a:extLst>
+              </a:tr>
+              <a:tr h="370840">
+                <a:tc>
+                  <a:txBody>
+                    <a:bodyPr/>
+                    <a:lstStyle/>
+                    <a:p>
+                      <a:r>
+                        <a:rPr lang="en-US" dirty="0"/>
+                        <a:t>           1</a:t>
+                      </a:r>
+                    </a:p>
+                  </a:txBody>
+                  <a:tcPr>
+                    <a:lnL w="12700" cap="flat" cmpd="sng" algn="ctr">
+                      <a:noFill/>
+                      <a:prstDash val="solid"/>
+                      <a:round/>
+                      <a:headEnd type="none" w="med" len="med"/>
+                      <a:tailEnd type="none" w="med" len="med"/>
+                    </a:lnL>
+                    <a:lnR w="12700" cap="flat" cmpd="sng" algn="ctr">
+                      <a:noFill/>
+                      <a:prstDash val="solid"/>
+                      <a:round/>
+                      <a:headEnd type="none" w="med" len="med"/>
+                      <a:tailEnd type="none" w="med" len="med"/>
+                    </a:lnR>
+                    <a:lnT w="12700" cap="flat" cmpd="sng" algn="ctr">
+                      <a:noFill/>
+                      <a:prstDash val="solid"/>
+                      <a:round/>
+                      <a:headEnd type="none" w="med" len="med"/>
+                      <a:tailEnd type="none" w="med" len="med"/>
+                    </a:lnT>
+                    <a:lnB w="12700" cap="flat" cmpd="sng" algn="ctr">
+                      <a:solidFill>
+                        <a:schemeClr val="tx1"/>
+                      </a:solidFill>
+                      <a:prstDash val="solid"/>
+                      <a:round/>
+                      <a:headEnd type="none" w="med" len="med"/>
+                      <a:tailEnd type="none" w="med" len="med"/>
+                    </a:lnB>
+                    <a:solidFill>
+                      <a:schemeClr val="accent1">
+                        <a:lumMod val="20000"/>
+                        <a:lumOff val="80000"/>
+                      </a:schemeClr>
+                    </a:solidFill>
+                  </a:tcPr>
+                </a:tc>
+                <a:tc>
+                  <a:txBody>
+                    <a:bodyPr/>
+                    <a:lstStyle/>
+                    <a:p>
+                      <a:r>
+                        <a:rPr lang="en-US" dirty="0"/>
+                        <a:t> 0           1 </a:t>
+                      </a:r>
+                    </a:p>
+                  </a:txBody>
+                  <a:tcPr>
+                    <a:lnL w="12700" cap="flat" cmpd="sng" algn="ctr">
+                      <a:noFill/>
+                      <a:prstDash val="solid"/>
+                      <a:round/>
+                      <a:headEnd type="none" w="med" len="med"/>
+                      <a:tailEnd type="none" w="med" len="med"/>
+                    </a:lnL>
+                    <a:lnR w="12700" cap="flat" cmpd="sng" algn="ctr">
+                      <a:noFill/>
+                      <a:prstDash val="solid"/>
+                      <a:round/>
+                      <a:headEnd type="none" w="med" len="med"/>
+                      <a:tailEnd type="none" w="med" len="med"/>
+                    </a:lnR>
+                    <a:lnT w="12700" cap="flat" cmpd="sng" algn="ctr">
+                      <a:noFill/>
+                      <a:prstDash val="solid"/>
+                      <a:round/>
+                      <a:headEnd type="none" w="med" len="med"/>
+                      <a:tailEnd type="none" w="med" len="med"/>
+                    </a:lnT>
+                    <a:lnB w="12700" cap="flat" cmpd="sng" algn="ctr">
+                      <a:solidFill>
+                        <a:schemeClr val="tx1"/>
+                      </a:solidFill>
+                      <a:prstDash val="solid"/>
+                      <a:round/>
+                      <a:headEnd type="none" w="med" len="med"/>
+                      <a:tailEnd type="none" w="med" len="med"/>
+                    </a:lnB>
+                    <a:solidFill>
+                      <a:schemeClr val="accent1">
+                        <a:lumMod val="20000"/>
+                        <a:lumOff val="80000"/>
+                      </a:schemeClr>
+                    </a:solidFill>
+                  </a:tcPr>
+                </a:tc>
+                <a:tc>
+                  <a:txBody>
+                    <a:bodyPr/>
+                    <a:lstStyle/>
+                    <a:p>
+                      <a:r>
+                        <a:rPr lang="en-US" dirty="0"/>
+                        <a:t>0          0</a:t>
+                      </a:r>
+                    </a:p>
+                  </a:txBody>
+                  <a:tcPr>
+                    <a:lnL w="12700" cap="flat" cmpd="sng" algn="ctr">
+                      <a:noFill/>
+                      <a:prstDash val="solid"/>
+                      <a:round/>
+                      <a:headEnd type="none" w="med" len="med"/>
+                      <a:tailEnd type="none" w="med" len="med"/>
+                    </a:lnL>
+                    <a:lnR w="12700" cap="flat" cmpd="sng" algn="ctr">
+                      <a:noFill/>
+                      <a:prstDash val="solid"/>
+                      <a:round/>
+                      <a:headEnd type="none" w="med" len="med"/>
+                      <a:tailEnd type="none" w="med" len="med"/>
+                    </a:lnR>
+                    <a:lnT w="12700" cap="flat" cmpd="sng" algn="ctr">
+                      <a:noFill/>
+                      <a:prstDash val="solid"/>
+                      <a:round/>
+                      <a:headEnd type="none" w="med" len="med"/>
+                      <a:tailEnd type="none" w="med" len="med"/>
+                    </a:lnT>
+                    <a:lnB w="12700" cap="flat" cmpd="sng" algn="ctr">
+                      <a:solidFill>
+                        <a:schemeClr val="tx1"/>
+                      </a:solidFill>
+                      <a:prstDash val="solid"/>
+                      <a:round/>
+                      <a:headEnd type="none" w="med" len="med"/>
+                      <a:tailEnd type="none" w="med" len="med"/>
+                    </a:lnB>
+                    <a:solidFill>
+                      <a:schemeClr val="accent1">
+                        <a:lumMod val="20000"/>
+                        <a:lumOff val="80000"/>
+                      </a:schemeClr>
+                    </a:solidFill>
+                  </a:tcPr>
+                </a:tc>
+                <a:tc>
+                  <a:txBody>
+                    <a:bodyPr/>
+                    <a:lstStyle/>
+                    <a:p>
+                      <a:r>
+                        <a:rPr lang="en-US" dirty="0"/>
+                        <a:t>1           2</a:t>
+                      </a:r>
+                    </a:p>
+                  </a:txBody>
+                  <a:tcPr>
+                    <a:lnL w="12700" cap="flat" cmpd="sng" algn="ctr">
+                      <a:noFill/>
+                      <a:prstDash val="solid"/>
+                      <a:round/>
+                      <a:headEnd type="none" w="med" len="med"/>
+                      <a:tailEnd type="none" w="med" len="med"/>
+                    </a:lnL>
+                    <a:lnR w="12700" cap="flat" cmpd="sng" algn="ctr">
+                      <a:noFill/>
+                      <a:prstDash val="solid"/>
+                      <a:round/>
+                      <a:headEnd type="none" w="med" len="med"/>
+                      <a:tailEnd type="none" w="med" len="med"/>
+                    </a:lnR>
+                    <a:lnT w="12700" cap="flat" cmpd="sng" algn="ctr">
+                      <a:noFill/>
+                      <a:prstDash val="solid"/>
+                      <a:round/>
+                      <a:headEnd type="none" w="med" len="med"/>
+                      <a:tailEnd type="none" w="med" len="med"/>
+                    </a:lnT>
+                    <a:lnB w="12700" cap="flat" cmpd="sng" algn="ctr">
+                      <a:solidFill>
+                        <a:schemeClr val="tx1"/>
+                      </a:solidFill>
+                      <a:prstDash val="solid"/>
+                      <a:round/>
+                      <a:headEnd type="none" w="med" len="med"/>
+                      <a:tailEnd type="none" w="med" len="med"/>
+                    </a:lnB>
+                    <a:solidFill>
+                      <a:schemeClr val="accent1">
+                        <a:lumMod val="20000"/>
+                        <a:lumOff val="80000"/>
+                      </a:schemeClr>
+                    </a:solidFill>
+                  </a:tcPr>
+                </a:tc>
+                <a:tc>
+                  <a:txBody>
+                    <a:bodyPr/>
+                    <a:lstStyle/>
+                    <a:p>
+                      <a:r>
+                        <a:rPr lang="en-US" dirty="0"/>
+                        <a:t>  3           2</a:t>
+                      </a:r>
+                    </a:p>
+                  </a:txBody>
+                  <a:tcPr>
+                    <a:lnL w="12700" cap="flat" cmpd="sng" algn="ctr">
+                      <a:noFill/>
+                      <a:prstDash val="solid"/>
+                      <a:round/>
+                      <a:headEnd type="none" w="med" len="med"/>
+                      <a:tailEnd type="none" w="med" len="med"/>
+                    </a:lnL>
+                    <a:lnR w="12700" cap="flat" cmpd="sng" algn="ctr">
+                      <a:noFill/>
+                      <a:prstDash val="solid"/>
+                      <a:round/>
+                      <a:headEnd type="none" w="med" len="med"/>
+                      <a:tailEnd type="none" w="med" len="med"/>
+                    </a:lnR>
+                    <a:lnT w="12700" cap="flat" cmpd="sng" algn="ctr">
+                      <a:noFill/>
+                      <a:prstDash val="solid"/>
+                      <a:round/>
+                      <a:headEnd type="none" w="med" len="med"/>
+                      <a:tailEnd type="none" w="med" len="med"/>
+                    </a:lnT>
+                    <a:lnB w="12700" cap="flat" cmpd="sng" algn="ctr">
+                      <a:solidFill>
+                        <a:schemeClr val="tx1"/>
+                      </a:solidFill>
+                      <a:prstDash val="solid"/>
+                      <a:round/>
+                      <a:headEnd type="none" w="med" len="med"/>
+                      <a:tailEnd type="none" w="med" len="med"/>
+                    </a:lnB>
+                    <a:solidFill>
+                      <a:schemeClr val="accent1">
+                        <a:lumMod val="20000"/>
+                        <a:lumOff val="80000"/>
+                      </a:schemeClr>
+                    </a:solidFill>
+                  </a:tcPr>
+                </a:tc>
+                <a:tc>
+                  <a:txBody>
+                    <a:bodyPr/>
+                    <a:lstStyle/>
+                    <a:p>
+                      <a:r>
+                        <a:rPr lang="en-US" dirty="0"/>
+                        <a:t> 1          0</a:t>
+                      </a:r>
+                    </a:p>
+                  </a:txBody>
+                  <a:tcPr>
+                    <a:lnL w="12700" cap="flat" cmpd="sng" algn="ctr">
+                      <a:noFill/>
+                      <a:prstDash val="solid"/>
+                      <a:round/>
+                      <a:headEnd type="none" w="med" len="med"/>
+                      <a:tailEnd type="none" w="med" len="med"/>
+                    </a:lnL>
+                    <a:lnR w="12700" cap="flat" cmpd="sng" algn="ctr">
+                      <a:noFill/>
+                      <a:prstDash val="solid"/>
+                      <a:round/>
+                      <a:headEnd type="none" w="med" len="med"/>
+                      <a:tailEnd type="none" w="med" len="med"/>
+                    </a:lnR>
+                    <a:lnT w="12700" cap="flat" cmpd="sng" algn="ctr">
+                      <a:noFill/>
+                      <a:prstDash val="solid"/>
+                      <a:round/>
+                      <a:headEnd type="none" w="med" len="med"/>
+                      <a:tailEnd type="none" w="med" len="med"/>
+                    </a:lnT>
+                    <a:lnB w="12700" cap="flat" cmpd="sng" algn="ctr">
+                      <a:solidFill>
+                        <a:schemeClr val="tx1"/>
+                      </a:solidFill>
+                      <a:prstDash val="solid"/>
+                      <a:round/>
+                      <a:headEnd type="none" w="med" len="med"/>
+                      <a:tailEnd type="none" w="med" len="med"/>
+                    </a:lnB>
+                    <a:solidFill>
+                      <a:schemeClr val="accent1">
+                        <a:lumMod val="20000"/>
+                        <a:lumOff val="80000"/>
+                      </a:schemeClr>
+                    </a:solidFill>
+                  </a:tcPr>
+                </a:tc>
+                <a:tc>
+                  <a:txBody>
+                    <a:bodyPr/>
+                    <a:lstStyle/>
+                    <a:p>
+                      <a:r>
+                        <a:rPr lang="en-US" dirty="0"/>
+                        <a:t>0</a:t>
+                      </a:r>
+                    </a:p>
+                  </a:txBody>
+                  <a:tcPr>
+                    <a:lnL w="12700" cap="flat" cmpd="sng" algn="ctr">
+                      <a:noFill/>
+                      <a:prstDash val="solid"/>
+                      <a:round/>
+                      <a:headEnd type="none" w="med" len="med"/>
+                      <a:tailEnd type="none" w="med" len="med"/>
+                    </a:lnL>
+                    <a:lnR w="12700" cap="flat" cmpd="sng" algn="ctr">
+                      <a:noFill/>
+                      <a:prstDash val="solid"/>
+                      <a:round/>
+                      <a:headEnd type="none" w="med" len="med"/>
+                      <a:tailEnd type="none" w="med" len="med"/>
+                    </a:lnR>
+                    <a:lnT w="12700" cap="flat" cmpd="sng" algn="ctr">
+                      <a:noFill/>
+                      <a:prstDash val="solid"/>
+                      <a:round/>
+                      <a:headEnd type="none" w="med" len="med"/>
+                      <a:tailEnd type="none" w="med" len="med"/>
+                    </a:lnT>
+                    <a:lnB w="12700" cap="flat" cmpd="sng" algn="ctr">
+                      <a:solidFill>
+                        <a:schemeClr val="tx1"/>
+                      </a:solidFill>
+                      <a:prstDash val="solid"/>
+                      <a:round/>
+                      <a:headEnd type="none" w="med" len="med"/>
+                      <a:tailEnd type="none" w="med" len="med"/>
+                    </a:lnB>
+                    <a:solidFill>
+                      <a:schemeClr val="accent1">
+                        <a:lumMod val="20000"/>
+                        <a:lumOff val="80000"/>
+                      </a:schemeClr>
+                    </a:solidFill>
+                  </a:tcPr>
+                </a:tc>
+                <a:extLst>
+                  <a:ext uri="{0D108BD9-81ED-4DB2-BD59-A6C34878D82A}">
+                    <a16:rowId xmlns:a16="http://schemas.microsoft.com/office/drawing/2014/main" val="3907963640"/>
+                  </a:ext>
+                </a:extLst>
+              </a:tr>
+            </a:tbl>
+          </a:graphicData>
+        </a:graphic>
+      </p:graphicFrame>
+      <p:sp>
+        <p:nvSpPr>
+          <p:cNvPr id="5" name="Isosceles Triangle 4">
+            <a:extLst>
+              <a:ext uri="{FF2B5EF4-FFF2-40B4-BE49-F238E27FC236}">
+                <a16:creationId xmlns:a16="http://schemas.microsoft.com/office/drawing/2014/main" id="{80908913-1DBC-4E83-BD0D-12F39FBD5EB9}"/>
+              </a:ext>
+            </a:extLst>
+          </p:cNvPr>
+          <p:cNvSpPr/>
+          <p:nvPr/>
+        </p:nvSpPr>
+        <p:spPr>
+          <a:xfrm>
+            <a:off x="3454398" y="1872342"/>
+            <a:ext cx="1306287" cy="384266"/>
+          </a:xfrm>
+          <a:prstGeom prst="triangle">
+            <a:avLst/>
+          </a:prstGeom>
+          <a:solidFill>
+            <a:srgbClr val="FF0000"/>
+          </a:solidFill>
+        </p:spPr>
+        <p:style>
+          <a:lnRef idx="2">
+            <a:schemeClr val="accent1">
+              <a:shade val="50000"/>
+            </a:schemeClr>
+          </a:lnRef>
+          <a:fillRef idx="1">
+            <a:schemeClr val="accent1"/>
+          </a:fillRef>
+          <a:effectRef idx="0">
+            <a:schemeClr val="accent1"/>
+          </a:effectRef>
+          <a:fontRef idx="minor">
+            <a:schemeClr val="lt1"/>
+          </a:fontRef>
+        </p:style>
+        <p:txBody>
+          <a:bodyPr rtlCol="0" anchor="ctr"/>
+          <a:lstStyle/>
+          <a:p>
+            <a:pPr algn="ctr"/>
+            <a:endParaRPr lang="en-US"/>
+          </a:p>
+        </p:txBody>
+      </p:sp>
+      <p:sp>
+        <p:nvSpPr>
+          <p:cNvPr id="6" name="Isosceles Triangle 5">
+            <a:extLst>
+              <a:ext uri="{FF2B5EF4-FFF2-40B4-BE49-F238E27FC236}">
+                <a16:creationId xmlns:a16="http://schemas.microsoft.com/office/drawing/2014/main" id="{50D64286-6788-4DE8-9032-C1DCF2A1FDEB}"/>
+              </a:ext>
+            </a:extLst>
+          </p:cNvPr>
+          <p:cNvSpPr/>
+          <p:nvPr/>
+        </p:nvSpPr>
+        <p:spPr>
+          <a:xfrm>
+            <a:off x="4789707" y="1437822"/>
+            <a:ext cx="2728688" cy="807720"/>
+          </a:xfrm>
+          <a:prstGeom prst="triangle">
+            <a:avLst/>
+          </a:prstGeom>
+          <a:solidFill>
+            <a:srgbClr val="FF0000"/>
+          </a:solidFill>
+        </p:spPr>
+        <p:style>
+          <a:lnRef idx="2">
+            <a:schemeClr val="accent1">
+              <a:shade val="50000"/>
+            </a:schemeClr>
+          </a:lnRef>
+          <a:fillRef idx="1">
+            <a:schemeClr val="accent1"/>
+          </a:fillRef>
+          <a:effectRef idx="0">
+            <a:schemeClr val="accent1"/>
+          </a:effectRef>
+          <a:fontRef idx="minor">
+            <a:schemeClr val="lt1"/>
+          </a:fontRef>
+        </p:style>
+        <p:txBody>
+          <a:bodyPr rtlCol="0" anchor="ctr"/>
+          <a:lstStyle/>
+          <a:p>
+            <a:pPr algn="ctr"/>
+            <a:endParaRPr lang="en-US"/>
+          </a:p>
+        </p:txBody>
+      </p:sp>
+      <p:sp>
+        <p:nvSpPr>
+          <p:cNvPr id="7" name="Isosceles Triangle 6">
+            <a:extLst>
+              <a:ext uri="{FF2B5EF4-FFF2-40B4-BE49-F238E27FC236}">
+                <a16:creationId xmlns:a16="http://schemas.microsoft.com/office/drawing/2014/main" id="{4D196D5B-5A69-4CCF-ADE1-38AA5BE8B604}"/>
+              </a:ext>
+            </a:extLst>
+          </p:cNvPr>
+          <p:cNvSpPr/>
+          <p:nvPr/>
+        </p:nvSpPr>
+        <p:spPr>
+          <a:xfrm>
+            <a:off x="8897251" y="1861276"/>
+            <a:ext cx="1335321" cy="384266"/>
+          </a:xfrm>
+          <a:prstGeom prst="triangle">
+            <a:avLst/>
+          </a:prstGeom>
+          <a:solidFill>
+            <a:srgbClr val="FF0000"/>
+          </a:solidFill>
+        </p:spPr>
+        <p:style>
+          <a:lnRef idx="2">
+            <a:schemeClr val="accent1">
+              <a:shade val="50000"/>
+            </a:schemeClr>
+          </a:lnRef>
+          <a:fillRef idx="1">
+            <a:schemeClr val="accent1"/>
+          </a:fillRef>
+          <a:effectRef idx="0">
+            <a:schemeClr val="accent1"/>
+          </a:effectRef>
+          <a:fontRef idx="minor">
+            <a:schemeClr val="lt1"/>
+          </a:fontRef>
+        </p:style>
+        <p:txBody>
+          <a:bodyPr rtlCol="0" anchor="ctr"/>
+          <a:lstStyle/>
+          <a:p>
+            <a:pPr algn="ctr"/>
+            <a:endParaRPr lang="en-US"/>
+          </a:p>
+        </p:txBody>
+      </p:sp>
+      <p:sp>
+        <p:nvSpPr>
+          <p:cNvPr id="10" name="Flowchart: Connector 9">
+            <a:extLst>
+              <a:ext uri="{FF2B5EF4-FFF2-40B4-BE49-F238E27FC236}">
+                <a16:creationId xmlns:a16="http://schemas.microsoft.com/office/drawing/2014/main" id="{145F6489-0006-4F0C-9C55-D27993997C1F}"/>
+              </a:ext>
+            </a:extLst>
+          </p:cNvPr>
+          <p:cNvSpPr/>
+          <p:nvPr/>
+        </p:nvSpPr>
+        <p:spPr>
+          <a:xfrm>
+            <a:off x="3367319" y="2180227"/>
+            <a:ext cx="116114" cy="130629"/>
+          </a:xfrm>
+          <a:prstGeom prst="flowChartConnector">
+            <a:avLst/>
+          </a:prstGeom>
+          <a:solidFill>
+            <a:schemeClr val="tx1"/>
+          </a:solidFill>
+        </p:spPr>
+        <p:style>
+          <a:lnRef idx="2">
+            <a:schemeClr val="accent1">
+              <a:shade val="50000"/>
+            </a:schemeClr>
+          </a:lnRef>
+          <a:fillRef idx="1">
+            <a:schemeClr val="accent1"/>
+          </a:fillRef>
+          <a:effectRef idx="0">
+            <a:schemeClr val="accent1"/>
+          </a:effectRef>
+          <a:fontRef idx="minor">
+            <a:schemeClr val="lt1"/>
+          </a:fontRef>
+        </p:style>
+        <p:txBody>
+          <a:bodyPr rtlCol="0" anchor="ctr"/>
+          <a:lstStyle/>
+          <a:p>
+            <a:pPr algn="ctr"/>
+            <a:endParaRPr lang="en-US"/>
+          </a:p>
+        </p:txBody>
+      </p:sp>
+      <p:sp>
+        <p:nvSpPr>
+          <p:cNvPr id="11" name="Flowchart: Connector 10">
+            <a:extLst>
+              <a:ext uri="{FF2B5EF4-FFF2-40B4-BE49-F238E27FC236}">
+                <a16:creationId xmlns:a16="http://schemas.microsoft.com/office/drawing/2014/main" id="{09DF07A3-596B-4E50-988F-CE4A60E0E5A8}"/>
+              </a:ext>
+            </a:extLst>
+          </p:cNvPr>
+          <p:cNvSpPr/>
+          <p:nvPr/>
+        </p:nvSpPr>
+        <p:spPr>
+          <a:xfrm>
+            <a:off x="4709889" y="2180226"/>
+            <a:ext cx="152400" cy="130629"/>
+          </a:xfrm>
+          <a:prstGeom prst="flowChartConnector">
+            <a:avLst/>
+          </a:prstGeom>
+          <a:solidFill>
+            <a:schemeClr val="tx1"/>
+          </a:solidFill>
+        </p:spPr>
+        <p:style>
+          <a:lnRef idx="2">
+            <a:schemeClr val="accent1">
+              <a:shade val="50000"/>
+            </a:schemeClr>
+          </a:lnRef>
+          <a:fillRef idx="1">
+            <a:schemeClr val="accent1"/>
+          </a:fillRef>
+          <a:effectRef idx="0">
+            <a:schemeClr val="accent1"/>
+          </a:effectRef>
+          <a:fontRef idx="minor">
+            <a:schemeClr val="lt1"/>
+          </a:fontRef>
+        </p:style>
+        <p:txBody>
+          <a:bodyPr rtlCol="0" anchor="ctr"/>
+          <a:lstStyle/>
+          <a:p>
+            <a:pPr algn="ctr"/>
+            <a:endParaRPr lang="en-US"/>
+          </a:p>
+        </p:txBody>
+      </p:sp>
+      <p:sp>
+        <p:nvSpPr>
+          <p:cNvPr id="12" name="Flowchart: Connector 11">
+            <a:extLst>
+              <a:ext uri="{FF2B5EF4-FFF2-40B4-BE49-F238E27FC236}">
+                <a16:creationId xmlns:a16="http://schemas.microsoft.com/office/drawing/2014/main" id="{98C70FE6-D940-4B09-A6C2-7C24DEA0341F}"/>
+              </a:ext>
+            </a:extLst>
+          </p:cNvPr>
+          <p:cNvSpPr/>
+          <p:nvPr/>
+        </p:nvSpPr>
+        <p:spPr>
+          <a:xfrm>
+            <a:off x="8810168" y="2175327"/>
+            <a:ext cx="116114" cy="130629"/>
+          </a:xfrm>
+          <a:prstGeom prst="flowChartConnector">
+            <a:avLst/>
+          </a:prstGeom>
+          <a:solidFill>
+            <a:schemeClr val="tx1"/>
+          </a:solidFill>
+        </p:spPr>
+        <p:style>
+          <a:lnRef idx="2">
+            <a:schemeClr val="accent1">
+              <a:shade val="50000"/>
+            </a:schemeClr>
+          </a:lnRef>
+          <a:fillRef idx="1">
+            <a:schemeClr val="accent1"/>
+          </a:fillRef>
+          <a:effectRef idx="0">
+            <a:schemeClr val="accent1"/>
+          </a:effectRef>
+          <a:fontRef idx="minor">
+            <a:schemeClr val="lt1"/>
+          </a:fontRef>
+        </p:style>
+        <p:txBody>
+          <a:bodyPr rtlCol="0" anchor="ctr"/>
+          <a:lstStyle/>
+          <a:p>
+            <a:pPr algn="ctr"/>
+            <a:endParaRPr lang="en-US"/>
+          </a:p>
+        </p:txBody>
+      </p:sp>
+      <p:sp>
+        <p:nvSpPr>
+          <p:cNvPr id="13" name="Flowchart: Connector 12">
+            <a:extLst>
+              <a:ext uri="{FF2B5EF4-FFF2-40B4-BE49-F238E27FC236}">
+                <a16:creationId xmlns:a16="http://schemas.microsoft.com/office/drawing/2014/main" id="{ED21E9CE-DD11-4DA5-B4BD-2C76B1C93F1B}"/>
+              </a:ext>
+            </a:extLst>
+          </p:cNvPr>
+          <p:cNvSpPr/>
+          <p:nvPr/>
+        </p:nvSpPr>
+        <p:spPr>
+          <a:xfrm>
+            <a:off x="7431312" y="2180226"/>
+            <a:ext cx="116114" cy="120833"/>
+          </a:xfrm>
+          <a:prstGeom prst="flowChartConnector">
+            <a:avLst/>
+          </a:prstGeom>
+          <a:solidFill>
+            <a:schemeClr val="tx1"/>
+          </a:solidFill>
+        </p:spPr>
+        <p:style>
+          <a:lnRef idx="2">
+            <a:schemeClr val="accent1">
+              <a:shade val="50000"/>
+            </a:schemeClr>
+          </a:lnRef>
+          <a:fillRef idx="1">
+            <a:schemeClr val="accent1"/>
+          </a:fillRef>
+          <a:effectRef idx="0">
+            <a:schemeClr val="accent1"/>
+          </a:effectRef>
+          <a:fontRef idx="minor">
+            <a:schemeClr val="lt1"/>
+          </a:fontRef>
+        </p:style>
+        <p:txBody>
+          <a:bodyPr rtlCol="0" anchor="ctr"/>
+          <a:lstStyle/>
+          <a:p>
+            <a:pPr algn="ctr"/>
+            <a:endParaRPr lang="en-US"/>
+          </a:p>
+        </p:txBody>
+      </p:sp>
+      <p:sp>
+        <p:nvSpPr>
+          <p:cNvPr id="14" name="Flowchart: Connector 13">
+            <a:extLst>
+              <a:ext uri="{FF2B5EF4-FFF2-40B4-BE49-F238E27FC236}">
+                <a16:creationId xmlns:a16="http://schemas.microsoft.com/office/drawing/2014/main" id="{EC6D7BF6-FB67-432E-A69D-A327926A0144}"/>
+              </a:ext>
+            </a:extLst>
+          </p:cNvPr>
+          <p:cNvSpPr/>
+          <p:nvPr/>
+        </p:nvSpPr>
+        <p:spPr>
+          <a:xfrm>
+            <a:off x="10174515" y="2170430"/>
+            <a:ext cx="116114" cy="130629"/>
+          </a:xfrm>
+          <a:prstGeom prst="flowChartConnector">
+            <a:avLst/>
+          </a:prstGeom>
+          <a:solidFill>
+            <a:schemeClr val="tx1"/>
+          </a:solidFill>
+        </p:spPr>
+        <p:style>
+          <a:lnRef idx="2">
+            <a:schemeClr val="accent1">
+              <a:shade val="50000"/>
+            </a:schemeClr>
+          </a:lnRef>
+          <a:fillRef idx="1">
+            <a:schemeClr val="accent1"/>
+          </a:fillRef>
+          <a:effectRef idx="0">
+            <a:schemeClr val="accent1"/>
+          </a:effectRef>
+          <a:fontRef idx="minor">
+            <a:schemeClr val="lt1"/>
+          </a:fontRef>
+        </p:style>
+        <p:txBody>
+          <a:bodyPr rtlCol="0" anchor="ctr"/>
+          <a:lstStyle/>
+          <a:p>
+            <a:pPr algn="ctr"/>
+            <a:endParaRPr lang="en-US"/>
+          </a:p>
+        </p:txBody>
+      </p:sp>
+      <p:cxnSp>
+        <p:nvCxnSpPr>
+          <p:cNvPr id="18" name="Straight Connector 17">
+            <a:extLst>
+              <a:ext uri="{FF2B5EF4-FFF2-40B4-BE49-F238E27FC236}">
+                <a16:creationId xmlns:a16="http://schemas.microsoft.com/office/drawing/2014/main" id="{DCE71A5C-0F81-4C39-9D11-1D6EBF18739A}"/>
+              </a:ext>
+            </a:extLst>
+          </p:cNvPr>
+          <p:cNvCxnSpPr>
+            <a:cxnSpLocks/>
+          </p:cNvCxnSpPr>
+          <p:nvPr/>
+        </p:nvCxnSpPr>
+        <p:spPr>
+          <a:xfrm>
+            <a:off x="3135086" y="1885766"/>
+            <a:ext cx="0" cy="3337562"/>
+          </a:xfrm>
+          <a:prstGeom prst="line">
+            <a:avLst/>
+          </a:prstGeom>
+          <a:ln w="9525" cap="flat" cmpd="sng" algn="ctr">
+            <a:solidFill>
+              <a:schemeClr val="accent1"/>
+            </a:solidFill>
+            <a:prstDash val="dash"/>
+            <a:round/>
+            <a:headEnd type="none" w="med" len="med"/>
+            <a:tailEnd type="none" w="med" len="med"/>
+          </a:ln>
+        </p:spPr>
+        <p:style>
+          <a:lnRef idx="0">
+            <a:scrgbClr r="0" g="0" b="0"/>
+          </a:lnRef>
+          <a:fillRef idx="0">
+            <a:scrgbClr r="0" g="0" b="0"/>
+          </a:fillRef>
+          <a:effectRef idx="0">
+            <a:scrgbClr r="0" g="0" b="0"/>
+          </a:effectRef>
+          <a:fontRef idx="minor">
+            <a:schemeClr val="tx1"/>
+          </a:fontRef>
+        </p:style>
+      </p:cxnSp>
+      <p:cxnSp>
+        <p:nvCxnSpPr>
+          <p:cNvPr id="19" name="Straight Connector 18">
+            <a:extLst>
+              <a:ext uri="{FF2B5EF4-FFF2-40B4-BE49-F238E27FC236}">
+                <a16:creationId xmlns:a16="http://schemas.microsoft.com/office/drawing/2014/main" id="{29B7DFF0-B4EA-4390-BE7B-5DB883FD745D}"/>
+              </a:ext>
+            </a:extLst>
+          </p:cNvPr>
+          <p:cNvCxnSpPr>
+            <a:cxnSpLocks/>
+          </p:cNvCxnSpPr>
+          <p:nvPr/>
+        </p:nvCxnSpPr>
+        <p:spPr>
+          <a:xfrm>
+            <a:off x="3780973" y="1885766"/>
+            <a:ext cx="0" cy="3337562"/>
+          </a:xfrm>
+          <a:prstGeom prst="line">
+            <a:avLst/>
+          </a:prstGeom>
+          <a:ln w="9525" cap="flat" cmpd="sng" algn="ctr">
+            <a:solidFill>
+              <a:schemeClr val="accent1"/>
+            </a:solidFill>
+            <a:prstDash val="dash"/>
+            <a:round/>
+            <a:headEnd type="none" w="med" len="med"/>
+            <a:tailEnd type="none" w="med" len="med"/>
+          </a:ln>
+        </p:spPr>
+        <p:style>
+          <a:lnRef idx="0">
+            <a:scrgbClr r="0" g="0" b="0"/>
+          </a:lnRef>
+          <a:fillRef idx="0">
+            <a:scrgbClr r="0" g="0" b="0"/>
+          </a:fillRef>
+          <a:effectRef idx="0">
+            <a:scrgbClr r="0" g="0" b="0"/>
+          </a:effectRef>
+          <a:fontRef idx="minor">
+            <a:schemeClr val="tx1"/>
+          </a:fontRef>
+        </p:style>
+      </p:cxnSp>
+      <p:cxnSp>
+        <p:nvCxnSpPr>
+          <p:cNvPr id="20" name="Straight Connector 19">
+            <a:extLst>
+              <a:ext uri="{FF2B5EF4-FFF2-40B4-BE49-F238E27FC236}">
+                <a16:creationId xmlns:a16="http://schemas.microsoft.com/office/drawing/2014/main" id="{16CF1499-0C4F-4791-BBBA-0114D87233BB}"/>
+              </a:ext>
+            </a:extLst>
+          </p:cNvPr>
+          <p:cNvCxnSpPr>
+            <a:cxnSpLocks/>
+          </p:cNvCxnSpPr>
+          <p:nvPr/>
+        </p:nvCxnSpPr>
+        <p:spPr>
+          <a:xfrm>
+            <a:off x="4426858" y="1885766"/>
+            <a:ext cx="0" cy="3337562"/>
+          </a:xfrm>
+          <a:prstGeom prst="line">
+            <a:avLst/>
+          </a:prstGeom>
+          <a:ln w="9525" cap="flat" cmpd="sng" algn="ctr">
+            <a:solidFill>
+              <a:schemeClr val="accent1"/>
+            </a:solidFill>
+            <a:prstDash val="dash"/>
+            <a:round/>
+            <a:headEnd type="none" w="med" len="med"/>
+            <a:tailEnd type="none" w="med" len="med"/>
+          </a:ln>
+        </p:spPr>
+        <p:style>
+          <a:lnRef idx="0">
+            <a:scrgbClr r="0" g="0" b="0"/>
+          </a:lnRef>
+          <a:fillRef idx="0">
+            <a:scrgbClr r="0" g="0" b="0"/>
+          </a:fillRef>
+          <a:effectRef idx="0">
+            <a:scrgbClr r="0" g="0" b="0"/>
+          </a:effectRef>
+          <a:fontRef idx="minor">
+            <a:schemeClr val="tx1"/>
+          </a:fontRef>
+        </p:style>
+      </p:cxnSp>
+      <p:cxnSp>
+        <p:nvCxnSpPr>
+          <p:cNvPr id="21" name="Straight Connector 20">
+            <a:extLst>
+              <a:ext uri="{FF2B5EF4-FFF2-40B4-BE49-F238E27FC236}">
+                <a16:creationId xmlns:a16="http://schemas.microsoft.com/office/drawing/2014/main" id="{F04C275A-9D66-4293-860A-93CEB60BA8D1}"/>
+              </a:ext>
+            </a:extLst>
+          </p:cNvPr>
+          <p:cNvCxnSpPr>
+            <a:cxnSpLocks/>
+          </p:cNvCxnSpPr>
+          <p:nvPr/>
+        </p:nvCxnSpPr>
+        <p:spPr>
+          <a:xfrm>
+            <a:off x="5167086" y="1885766"/>
+            <a:ext cx="0" cy="3337562"/>
+          </a:xfrm>
+          <a:prstGeom prst="line">
+            <a:avLst/>
+          </a:prstGeom>
+          <a:ln w="9525" cap="flat" cmpd="sng" algn="ctr">
+            <a:solidFill>
+              <a:schemeClr val="accent1"/>
+            </a:solidFill>
+            <a:prstDash val="dash"/>
+            <a:round/>
+            <a:headEnd type="none" w="med" len="med"/>
+            <a:tailEnd type="none" w="med" len="med"/>
+          </a:ln>
+        </p:spPr>
+        <p:style>
+          <a:lnRef idx="0">
+            <a:scrgbClr r="0" g="0" b="0"/>
+          </a:lnRef>
+          <a:fillRef idx="0">
+            <a:scrgbClr r="0" g="0" b="0"/>
+          </a:fillRef>
+          <a:effectRef idx="0">
+            <a:scrgbClr r="0" g="0" b="0"/>
+          </a:effectRef>
+          <a:fontRef idx="minor">
+            <a:schemeClr val="tx1"/>
+          </a:fontRef>
+        </p:style>
+      </p:cxnSp>
+      <p:cxnSp>
+        <p:nvCxnSpPr>
+          <p:cNvPr id="22" name="Straight Connector 21">
+            <a:extLst>
+              <a:ext uri="{FF2B5EF4-FFF2-40B4-BE49-F238E27FC236}">
+                <a16:creationId xmlns:a16="http://schemas.microsoft.com/office/drawing/2014/main" id="{1EDF230C-ECAB-43DF-AE84-423BDD8D2D58}"/>
+              </a:ext>
+            </a:extLst>
+          </p:cNvPr>
+          <p:cNvCxnSpPr>
+            <a:cxnSpLocks/>
+          </p:cNvCxnSpPr>
+          <p:nvPr/>
+        </p:nvCxnSpPr>
+        <p:spPr>
+          <a:xfrm>
+            <a:off x="2510972" y="1885766"/>
+            <a:ext cx="0" cy="3337562"/>
+          </a:xfrm>
+          <a:prstGeom prst="line">
+            <a:avLst/>
+          </a:prstGeom>
+          <a:ln w="9525" cap="flat" cmpd="sng" algn="ctr">
+            <a:solidFill>
+              <a:schemeClr val="accent5"/>
+            </a:solidFill>
+            <a:prstDash val="dash"/>
+            <a:round/>
+            <a:headEnd type="none" w="med" len="med"/>
+            <a:tailEnd type="none" w="med" len="med"/>
+          </a:ln>
+        </p:spPr>
+        <p:style>
+          <a:lnRef idx="0">
+            <a:scrgbClr r="0" g="0" b="0"/>
+          </a:lnRef>
+          <a:fillRef idx="0">
+            <a:scrgbClr r="0" g="0" b="0"/>
+          </a:fillRef>
+          <a:effectRef idx="0">
+            <a:scrgbClr r="0" g="0" b="0"/>
+          </a:effectRef>
+          <a:fontRef idx="minor">
+            <a:schemeClr val="tx1"/>
+          </a:fontRef>
+        </p:style>
+      </p:cxnSp>
+      <p:cxnSp>
+        <p:nvCxnSpPr>
+          <p:cNvPr id="23" name="Straight Connector 22">
+            <a:extLst>
+              <a:ext uri="{FF2B5EF4-FFF2-40B4-BE49-F238E27FC236}">
+                <a16:creationId xmlns:a16="http://schemas.microsoft.com/office/drawing/2014/main" id="{8044BEE2-1078-4849-9F54-4F4AE66A02B9}"/>
+              </a:ext>
+            </a:extLst>
+          </p:cNvPr>
+          <p:cNvCxnSpPr>
+            <a:cxnSpLocks/>
+          </p:cNvCxnSpPr>
+          <p:nvPr/>
+        </p:nvCxnSpPr>
+        <p:spPr>
+          <a:xfrm flipH="1">
+            <a:off x="9245599" y="1885766"/>
+            <a:ext cx="1" cy="3337562"/>
+          </a:xfrm>
+          <a:prstGeom prst="line">
+            <a:avLst/>
+          </a:prstGeom>
+          <a:ln w="9525" cap="flat" cmpd="sng" algn="ctr">
+            <a:solidFill>
+              <a:schemeClr val="accent1"/>
+            </a:solidFill>
+            <a:prstDash val="dash"/>
+            <a:round/>
+            <a:headEnd type="none" w="med" len="med"/>
+            <a:tailEnd type="none" w="med" len="med"/>
+          </a:ln>
+        </p:spPr>
+        <p:style>
+          <a:lnRef idx="0">
+            <a:scrgbClr r="0" g="0" b="0"/>
+          </a:lnRef>
+          <a:fillRef idx="0">
+            <a:scrgbClr r="0" g="0" b="0"/>
+          </a:fillRef>
+          <a:effectRef idx="0">
+            <a:scrgbClr r="0" g="0" b="0"/>
+          </a:effectRef>
+          <a:fontRef idx="minor">
+            <a:schemeClr val="tx1"/>
+          </a:fontRef>
+        </p:style>
+      </p:cxnSp>
+      <p:cxnSp>
+        <p:nvCxnSpPr>
+          <p:cNvPr id="24" name="Straight Connector 23">
+            <a:extLst>
+              <a:ext uri="{FF2B5EF4-FFF2-40B4-BE49-F238E27FC236}">
+                <a16:creationId xmlns:a16="http://schemas.microsoft.com/office/drawing/2014/main" id="{CE1FC551-A4C9-4DAA-852A-E3B79130D0EC}"/>
+              </a:ext>
+            </a:extLst>
+          </p:cNvPr>
+          <p:cNvCxnSpPr>
+            <a:cxnSpLocks/>
+          </p:cNvCxnSpPr>
+          <p:nvPr/>
+        </p:nvCxnSpPr>
+        <p:spPr>
+          <a:xfrm>
+            <a:off x="8454572" y="1885766"/>
+            <a:ext cx="0" cy="3337562"/>
+          </a:xfrm>
+          <a:prstGeom prst="line">
+            <a:avLst/>
+          </a:prstGeom>
+          <a:ln w="9525" cap="flat" cmpd="sng" algn="ctr">
+            <a:solidFill>
+              <a:schemeClr val="accent1"/>
+            </a:solidFill>
+            <a:prstDash val="dash"/>
+            <a:round/>
+            <a:headEnd type="none" w="med" len="med"/>
+            <a:tailEnd type="none" w="med" len="med"/>
+          </a:ln>
+        </p:spPr>
+        <p:style>
+          <a:lnRef idx="0">
+            <a:scrgbClr r="0" g="0" b="0"/>
+          </a:lnRef>
+          <a:fillRef idx="0">
+            <a:scrgbClr r="0" g="0" b="0"/>
+          </a:fillRef>
+          <a:effectRef idx="0">
+            <a:scrgbClr r="0" g="0" b="0"/>
+          </a:effectRef>
+          <a:fontRef idx="minor">
+            <a:schemeClr val="tx1"/>
+          </a:fontRef>
+        </p:style>
+      </p:cxnSp>
+      <p:cxnSp>
+        <p:nvCxnSpPr>
+          <p:cNvPr id="25" name="Straight Connector 24">
+            <a:extLst>
+              <a:ext uri="{FF2B5EF4-FFF2-40B4-BE49-F238E27FC236}">
+                <a16:creationId xmlns:a16="http://schemas.microsoft.com/office/drawing/2014/main" id="{3918D28B-0673-41D3-95C2-E5454EBA446F}"/>
+              </a:ext>
+            </a:extLst>
+          </p:cNvPr>
+          <p:cNvCxnSpPr>
+            <a:cxnSpLocks/>
+          </p:cNvCxnSpPr>
+          <p:nvPr/>
+        </p:nvCxnSpPr>
+        <p:spPr>
+          <a:xfrm>
+            <a:off x="7837715" y="1885766"/>
+            <a:ext cx="0" cy="3337562"/>
+          </a:xfrm>
+          <a:prstGeom prst="line">
+            <a:avLst/>
+          </a:prstGeom>
+          <a:ln w="9525" cap="flat" cmpd="sng" algn="ctr">
+            <a:solidFill>
+              <a:schemeClr val="accent1"/>
+            </a:solidFill>
+            <a:prstDash val="dash"/>
+            <a:round/>
+            <a:headEnd type="none" w="med" len="med"/>
+            <a:tailEnd type="none" w="med" len="med"/>
+          </a:ln>
+        </p:spPr>
+        <p:style>
+          <a:lnRef idx="0">
+            <a:scrgbClr r="0" g="0" b="0"/>
+          </a:lnRef>
+          <a:fillRef idx="0">
+            <a:scrgbClr r="0" g="0" b="0"/>
+          </a:fillRef>
+          <a:effectRef idx="0">
+            <a:scrgbClr r="0" g="0" b="0"/>
+          </a:effectRef>
+          <a:fontRef idx="minor">
+            <a:schemeClr val="tx1"/>
+          </a:fontRef>
+        </p:style>
+      </p:cxnSp>
+      <p:cxnSp>
+        <p:nvCxnSpPr>
+          <p:cNvPr id="26" name="Straight Connector 25">
+            <a:extLst>
+              <a:ext uri="{FF2B5EF4-FFF2-40B4-BE49-F238E27FC236}">
+                <a16:creationId xmlns:a16="http://schemas.microsoft.com/office/drawing/2014/main" id="{DB5F3F34-B8EE-47BB-A0AF-155B3802F287}"/>
+              </a:ext>
+            </a:extLst>
+          </p:cNvPr>
+          <p:cNvCxnSpPr>
+            <a:cxnSpLocks/>
+          </p:cNvCxnSpPr>
+          <p:nvPr/>
+        </p:nvCxnSpPr>
+        <p:spPr>
+          <a:xfrm>
+            <a:off x="7104744" y="1885766"/>
+            <a:ext cx="0" cy="3337562"/>
+          </a:xfrm>
+          <a:prstGeom prst="line">
+            <a:avLst/>
+          </a:prstGeom>
+          <a:ln w="9525" cap="flat" cmpd="sng" algn="ctr">
+            <a:solidFill>
+              <a:schemeClr val="accent1"/>
+            </a:solidFill>
+            <a:prstDash val="dash"/>
+            <a:round/>
+            <a:headEnd type="none" w="med" len="med"/>
+            <a:tailEnd type="none" w="med" len="med"/>
+          </a:ln>
+        </p:spPr>
+        <p:style>
+          <a:lnRef idx="0">
+            <a:scrgbClr r="0" g="0" b="0"/>
+          </a:lnRef>
+          <a:fillRef idx="0">
+            <a:scrgbClr r="0" g="0" b="0"/>
+          </a:fillRef>
+          <a:effectRef idx="0">
+            <a:scrgbClr r="0" g="0" b="0"/>
+          </a:effectRef>
+          <a:fontRef idx="minor">
+            <a:schemeClr val="tx1"/>
+          </a:fontRef>
+        </p:style>
+      </p:cxnSp>
+      <p:cxnSp>
+        <p:nvCxnSpPr>
+          <p:cNvPr id="27" name="Straight Connector 26">
+            <a:extLst>
+              <a:ext uri="{FF2B5EF4-FFF2-40B4-BE49-F238E27FC236}">
+                <a16:creationId xmlns:a16="http://schemas.microsoft.com/office/drawing/2014/main" id="{D4E9E8B5-C65B-4F98-A8AD-D85F9DA96CF3}"/>
+              </a:ext>
+            </a:extLst>
+          </p:cNvPr>
+          <p:cNvCxnSpPr>
+            <a:cxnSpLocks/>
+          </p:cNvCxnSpPr>
+          <p:nvPr/>
+        </p:nvCxnSpPr>
+        <p:spPr>
+          <a:xfrm>
+            <a:off x="6473372" y="1885766"/>
+            <a:ext cx="0" cy="3337562"/>
+          </a:xfrm>
+          <a:prstGeom prst="line">
+            <a:avLst/>
+          </a:prstGeom>
+          <a:ln w="9525" cap="flat" cmpd="sng" algn="ctr">
+            <a:solidFill>
+              <a:schemeClr val="accent1"/>
+            </a:solidFill>
+            <a:prstDash val="dash"/>
+            <a:round/>
+            <a:headEnd type="none" w="med" len="med"/>
+            <a:tailEnd type="none" w="med" len="med"/>
+          </a:ln>
+        </p:spPr>
+        <p:style>
+          <a:lnRef idx="0">
+            <a:scrgbClr r="0" g="0" b="0"/>
+          </a:lnRef>
+          <a:fillRef idx="0">
+            <a:scrgbClr r="0" g="0" b="0"/>
+          </a:fillRef>
+          <a:effectRef idx="0">
+            <a:scrgbClr r="0" g="0" b="0"/>
+          </a:effectRef>
+          <a:fontRef idx="minor">
+            <a:schemeClr val="tx1"/>
+          </a:fontRef>
+        </p:style>
+      </p:cxnSp>
+      <p:cxnSp>
+        <p:nvCxnSpPr>
+          <p:cNvPr id="28" name="Straight Connector 27">
+            <a:extLst>
+              <a:ext uri="{FF2B5EF4-FFF2-40B4-BE49-F238E27FC236}">
+                <a16:creationId xmlns:a16="http://schemas.microsoft.com/office/drawing/2014/main" id="{8F9D51B3-6521-4395-9199-B3E01B210973}"/>
+              </a:ext>
+            </a:extLst>
+          </p:cNvPr>
+          <p:cNvCxnSpPr>
+            <a:cxnSpLocks/>
+          </p:cNvCxnSpPr>
+          <p:nvPr/>
+        </p:nvCxnSpPr>
+        <p:spPr>
+          <a:xfrm>
+            <a:off x="5812972" y="1885766"/>
+            <a:ext cx="0" cy="3337562"/>
+          </a:xfrm>
+          <a:prstGeom prst="line">
+            <a:avLst/>
+          </a:prstGeom>
+          <a:ln w="9525" cap="flat" cmpd="sng" algn="ctr">
+            <a:solidFill>
+              <a:schemeClr val="accent1"/>
+            </a:solidFill>
+            <a:prstDash val="dash"/>
+            <a:round/>
+            <a:headEnd type="none" w="med" len="med"/>
+            <a:tailEnd type="none" w="med" len="med"/>
+          </a:ln>
+        </p:spPr>
+        <p:style>
+          <a:lnRef idx="0">
+            <a:scrgbClr r="0" g="0" b="0"/>
+          </a:lnRef>
+          <a:fillRef idx="0">
+            <a:scrgbClr r="0" g="0" b="0"/>
+          </a:fillRef>
+          <a:effectRef idx="0">
+            <a:scrgbClr r="0" g="0" b="0"/>
+          </a:effectRef>
+          <a:fontRef idx="minor">
+            <a:schemeClr val="tx1"/>
+          </a:fontRef>
+        </p:style>
+      </p:cxnSp>
+      <p:cxnSp>
+        <p:nvCxnSpPr>
+          <p:cNvPr id="29" name="Straight Connector 28">
+            <a:extLst>
+              <a:ext uri="{FF2B5EF4-FFF2-40B4-BE49-F238E27FC236}">
+                <a16:creationId xmlns:a16="http://schemas.microsoft.com/office/drawing/2014/main" id="{62163603-FC7B-4C70-8474-ACC7935659E3}"/>
+              </a:ext>
+            </a:extLst>
+          </p:cNvPr>
+          <p:cNvCxnSpPr>
+            <a:cxnSpLocks/>
+          </p:cNvCxnSpPr>
+          <p:nvPr/>
+        </p:nvCxnSpPr>
+        <p:spPr>
+          <a:xfrm>
+            <a:off x="10580914" y="1885766"/>
+            <a:ext cx="0" cy="3337562"/>
+          </a:xfrm>
+          <a:prstGeom prst="line">
+            <a:avLst/>
+          </a:prstGeom>
+          <a:ln w="9525" cap="flat" cmpd="sng" algn="ctr">
+            <a:solidFill>
+              <a:schemeClr val="accent1"/>
+            </a:solidFill>
+            <a:prstDash val="dash"/>
+            <a:round/>
+            <a:headEnd type="none" w="med" len="med"/>
+            <a:tailEnd type="none" w="med" len="med"/>
+          </a:ln>
+        </p:spPr>
+        <p:style>
+          <a:lnRef idx="0">
+            <a:scrgbClr r="0" g="0" b="0"/>
+          </a:lnRef>
+          <a:fillRef idx="0">
+            <a:scrgbClr r="0" g="0" b="0"/>
+          </a:fillRef>
+          <a:effectRef idx="0">
+            <a:scrgbClr r="0" g="0" b="0"/>
+          </a:effectRef>
+          <a:fontRef idx="minor">
+            <a:schemeClr val="tx1"/>
+          </a:fontRef>
+        </p:style>
+      </p:cxnSp>
+      <p:cxnSp>
+        <p:nvCxnSpPr>
+          <p:cNvPr id="30" name="Straight Connector 29">
+            <a:extLst>
+              <a:ext uri="{FF2B5EF4-FFF2-40B4-BE49-F238E27FC236}">
+                <a16:creationId xmlns:a16="http://schemas.microsoft.com/office/drawing/2014/main" id="{C57731E3-A3C5-4F00-8816-C1DB958110C9}"/>
+              </a:ext>
+            </a:extLst>
+          </p:cNvPr>
+          <p:cNvCxnSpPr>
+            <a:cxnSpLocks/>
+          </p:cNvCxnSpPr>
+          <p:nvPr/>
+        </p:nvCxnSpPr>
+        <p:spPr>
+          <a:xfrm>
+            <a:off x="9876972" y="1885766"/>
+            <a:ext cx="0" cy="3337562"/>
+          </a:xfrm>
+          <a:prstGeom prst="line">
+            <a:avLst/>
+          </a:prstGeom>
+          <a:ln w="9525" cap="flat" cmpd="sng" algn="ctr">
+            <a:solidFill>
+              <a:schemeClr val="accent1"/>
+            </a:solidFill>
+            <a:prstDash val="dash"/>
+            <a:round/>
+            <a:headEnd type="none" w="med" len="med"/>
+            <a:tailEnd type="none" w="med" len="med"/>
+          </a:ln>
+        </p:spPr>
+        <p:style>
+          <a:lnRef idx="0">
+            <a:scrgbClr r="0" g="0" b="0"/>
+          </a:lnRef>
+          <a:fillRef idx="0">
+            <a:scrgbClr r="0" g="0" b="0"/>
+          </a:fillRef>
+          <a:effectRef idx="0">
+            <a:scrgbClr r="0" g="0" b="0"/>
+          </a:effectRef>
+          <a:fontRef idx="minor">
+            <a:schemeClr val="tx1"/>
+          </a:fontRef>
+        </p:style>
+      </p:cxnSp>
+      <p:sp>
+        <p:nvSpPr>
+          <p:cNvPr id="44" name="TextBox 43">
+            <a:extLst>
+              <a:ext uri="{FF2B5EF4-FFF2-40B4-BE49-F238E27FC236}">
+                <a16:creationId xmlns:a16="http://schemas.microsoft.com/office/drawing/2014/main" id="{98388A38-D657-4714-BCF2-C5D9BA8E351D}"/>
+              </a:ext>
+            </a:extLst>
+          </p:cNvPr>
+          <p:cNvSpPr txBox="1"/>
+          <p:nvPr/>
+        </p:nvSpPr>
+        <p:spPr>
+          <a:xfrm>
+            <a:off x="7104744" y="654422"/>
+            <a:ext cx="2140855" cy="646331"/>
+          </a:xfrm>
+          <a:prstGeom prst="rect">
+            <a:avLst/>
+          </a:prstGeom>
+          <a:noFill/>
+        </p:spPr>
+        <p:txBody>
+          <a:bodyPr wrap="square" rtlCol="0">
+            <a:spAutoFit/>
+          </a:bodyPr>
+          <a:lstStyle/>
+          <a:p>
+            <a:pPr algn="ctr"/>
+            <a:r>
+              <a:rPr lang="en-US" dirty="0"/>
+              <a:t>TAD Boundary</a:t>
+            </a:r>
+          </a:p>
+          <a:p>
+            <a:pPr algn="ctr"/>
+            <a:r>
+              <a:rPr lang="en-US" dirty="0"/>
+              <a:t>Point</a:t>
+            </a:r>
+          </a:p>
+        </p:txBody>
+      </p:sp>
+      <p:cxnSp>
+        <p:nvCxnSpPr>
+          <p:cNvPr id="46" name="Straight Arrow Connector 45">
+            <a:extLst>
+              <a:ext uri="{FF2B5EF4-FFF2-40B4-BE49-F238E27FC236}">
+                <a16:creationId xmlns:a16="http://schemas.microsoft.com/office/drawing/2014/main" id="{898F03E8-F91E-4189-A3FE-A0DB840D04DC}"/>
+              </a:ext>
+            </a:extLst>
+          </p:cNvPr>
+          <p:cNvCxnSpPr>
+            <a:stCxn id="44" idx="2"/>
+          </p:cNvCxnSpPr>
+          <p:nvPr/>
+        </p:nvCxnSpPr>
+        <p:spPr>
+          <a:xfrm>
+            <a:off x="8175172" y="1300753"/>
+            <a:ext cx="634996" cy="752656"/>
+          </a:xfrm>
+          <a:prstGeom prst="straightConnector1">
+            <a:avLst/>
+          </a:prstGeom>
+          <a:ln>
+            <a:tailEnd type="triangle"/>
+          </a:ln>
+        </p:spPr>
+        <p:style>
+          <a:lnRef idx="1">
+            <a:schemeClr val="accent1"/>
+          </a:lnRef>
+          <a:fillRef idx="0">
+            <a:schemeClr val="accent1"/>
+          </a:fillRef>
+          <a:effectRef idx="0">
+            <a:schemeClr val="accent1"/>
+          </a:effectRef>
+          <a:fontRef idx="minor">
+            <a:schemeClr val="tx1"/>
+          </a:fontRef>
+        </p:style>
+      </p:cxnSp>
+      <p:cxnSp>
+        <p:nvCxnSpPr>
+          <p:cNvPr id="47" name="Straight Arrow Connector 46">
+            <a:extLst>
+              <a:ext uri="{FF2B5EF4-FFF2-40B4-BE49-F238E27FC236}">
+                <a16:creationId xmlns:a16="http://schemas.microsoft.com/office/drawing/2014/main" id="{E7795A87-F643-46A6-94A6-61DDA0B27A54}"/>
+              </a:ext>
+            </a:extLst>
+          </p:cNvPr>
+          <p:cNvCxnSpPr>
+            <a:cxnSpLocks/>
+          </p:cNvCxnSpPr>
+          <p:nvPr/>
+        </p:nvCxnSpPr>
+        <p:spPr>
+          <a:xfrm flipH="1">
+            <a:off x="7561934" y="1308691"/>
+            <a:ext cx="613237" cy="752656"/>
+          </a:xfrm>
+          <a:prstGeom prst="straightConnector1">
+            <a:avLst/>
+          </a:prstGeom>
+          <a:ln>
+            <a:tailEnd type="triangle"/>
+          </a:ln>
+        </p:spPr>
+        <p:style>
+          <a:lnRef idx="1">
+            <a:schemeClr val="accent1"/>
+          </a:lnRef>
+          <a:fillRef idx="0">
+            <a:schemeClr val="accent1"/>
+          </a:fillRef>
+          <a:effectRef idx="0">
+            <a:schemeClr val="accent1"/>
+          </a:effectRef>
+          <a:fontRef idx="minor">
+            <a:schemeClr val="tx1"/>
+          </a:fontRef>
+        </p:style>
+      </p:cxnSp>
+      <p:sp>
+        <p:nvSpPr>
+          <p:cNvPr id="49" name="Right Brace 48">
+            <a:extLst>
+              <a:ext uri="{FF2B5EF4-FFF2-40B4-BE49-F238E27FC236}">
+                <a16:creationId xmlns:a16="http://schemas.microsoft.com/office/drawing/2014/main" id="{87771782-0516-4143-9AF0-A37AA1FA47B9}"/>
+              </a:ext>
+            </a:extLst>
+          </p:cNvPr>
+          <p:cNvSpPr/>
+          <p:nvPr/>
+        </p:nvSpPr>
+        <p:spPr>
+          <a:xfrm rot="16200000">
+            <a:off x="5840183" y="-108310"/>
+            <a:ext cx="613235" cy="2721423"/>
+          </a:xfrm>
+          <a:prstGeom prst="rightBrace">
+            <a:avLst/>
+          </a:prstGeom>
+        </p:spPr>
+        <p:style>
+          <a:lnRef idx="1">
+            <a:schemeClr val="accent1"/>
+          </a:lnRef>
+          <a:fillRef idx="0">
+            <a:schemeClr val="accent1"/>
+          </a:fillRef>
+          <a:effectRef idx="0">
+            <a:schemeClr val="accent1"/>
+          </a:effectRef>
+          <a:fontRef idx="minor">
+            <a:schemeClr val="tx1"/>
+          </a:fontRef>
+        </p:style>
+        <p:txBody>
+          <a:bodyPr rtlCol="0" anchor="ctr"/>
+          <a:lstStyle/>
+          <a:p>
+            <a:pPr algn="ctr"/>
+            <a:endParaRPr lang="en-US"/>
+          </a:p>
+        </p:txBody>
+      </p:sp>
+      <p:sp>
+        <p:nvSpPr>
+          <p:cNvPr id="50" name="TextBox 49">
+            <a:extLst>
+              <a:ext uri="{FF2B5EF4-FFF2-40B4-BE49-F238E27FC236}">
+                <a16:creationId xmlns:a16="http://schemas.microsoft.com/office/drawing/2014/main" id="{3E014F6F-C7E7-4FC4-A0EB-11F79A319923}"/>
+              </a:ext>
+            </a:extLst>
+          </p:cNvPr>
+          <p:cNvSpPr txBox="1"/>
+          <p:nvPr/>
+        </p:nvSpPr>
+        <p:spPr>
+          <a:xfrm>
+            <a:off x="5185222" y="507917"/>
+            <a:ext cx="1937658" cy="369332"/>
+          </a:xfrm>
+          <a:prstGeom prst="rect">
+            <a:avLst/>
+          </a:prstGeom>
+          <a:noFill/>
+        </p:spPr>
+        <p:txBody>
+          <a:bodyPr wrap="square" rtlCol="0">
+            <a:spAutoFit/>
+          </a:bodyPr>
+          <a:lstStyle/>
+          <a:p>
+            <a:pPr algn="ctr"/>
+            <a:r>
+              <a:rPr lang="en-US" dirty="0"/>
+              <a:t>TAD</a:t>
+            </a:r>
+          </a:p>
+        </p:txBody>
+      </p:sp>
+      <p:sp>
+        <p:nvSpPr>
+          <p:cNvPr id="51" name="TextBox 50">
+            <a:extLst>
+              <a:ext uri="{FF2B5EF4-FFF2-40B4-BE49-F238E27FC236}">
+                <a16:creationId xmlns:a16="http://schemas.microsoft.com/office/drawing/2014/main" id="{8FACBAE2-57F3-47CB-BA02-87717BF8F382}"/>
+              </a:ext>
+            </a:extLst>
+          </p:cNvPr>
+          <p:cNvSpPr txBox="1"/>
+          <p:nvPr/>
+        </p:nvSpPr>
+        <p:spPr>
+          <a:xfrm>
+            <a:off x="870862" y="2028853"/>
+            <a:ext cx="1436914" cy="369332"/>
+          </a:xfrm>
+          <a:prstGeom prst="rect">
+            <a:avLst/>
+          </a:prstGeom>
+          <a:noFill/>
+        </p:spPr>
+        <p:txBody>
+          <a:bodyPr wrap="square" rtlCol="0">
+            <a:spAutoFit/>
+          </a:bodyPr>
+          <a:lstStyle/>
+          <a:p>
+            <a:r>
+              <a:rPr lang="en-US" dirty="0"/>
+              <a:t>Genome</a:t>
+            </a:r>
+          </a:p>
+        </p:txBody>
+      </p:sp>
+      <p:sp>
+        <p:nvSpPr>
+          <p:cNvPr id="52" name="Right Brace 51">
+            <a:extLst>
+              <a:ext uri="{FF2B5EF4-FFF2-40B4-BE49-F238E27FC236}">
+                <a16:creationId xmlns:a16="http://schemas.microsoft.com/office/drawing/2014/main" id="{5E6F2D54-C77A-40E9-87CD-2CF867F61861}"/>
+              </a:ext>
+            </a:extLst>
+          </p:cNvPr>
+          <p:cNvSpPr/>
+          <p:nvPr/>
+        </p:nvSpPr>
+        <p:spPr>
+          <a:xfrm rot="5400000" flipH="1">
+            <a:off x="2740525" y="1329466"/>
+            <a:ext cx="165008" cy="624114"/>
+          </a:xfrm>
+          <a:prstGeom prst="rightBrace">
+            <a:avLst/>
+          </a:prstGeom>
+        </p:spPr>
+        <p:style>
+          <a:lnRef idx="1">
+            <a:schemeClr val="accent1"/>
+          </a:lnRef>
+          <a:fillRef idx="0">
+            <a:schemeClr val="accent1"/>
+          </a:fillRef>
+          <a:effectRef idx="0">
+            <a:schemeClr val="accent1"/>
+          </a:effectRef>
+          <a:fontRef idx="minor">
+            <a:schemeClr val="tx1"/>
+          </a:fontRef>
+        </p:style>
+        <p:txBody>
+          <a:bodyPr rtlCol="0" anchor="ctr"/>
+          <a:lstStyle/>
+          <a:p>
+            <a:pPr algn="ctr"/>
+            <a:endParaRPr lang="en-US"/>
+          </a:p>
+        </p:txBody>
+      </p:sp>
+      <p:sp>
+        <p:nvSpPr>
+          <p:cNvPr id="53" name="TextBox 52">
+            <a:extLst>
+              <a:ext uri="{FF2B5EF4-FFF2-40B4-BE49-F238E27FC236}">
+                <a16:creationId xmlns:a16="http://schemas.microsoft.com/office/drawing/2014/main" id="{D1F49B77-3D13-4AFA-88E9-4F27A40759C7}"/>
+              </a:ext>
+            </a:extLst>
+          </p:cNvPr>
+          <p:cNvSpPr txBox="1"/>
+          <p:nvPr/>
+        </p:nvSpPr>
+        <p:spPr>
+          <a:xfrm>
+            <a:off x="2510972" y="903607"/>
+            <a:ext cx="624114" cy="646331"/>
+          </a:xfrm>
+          <a:prstGeom prst="rect">
+            <a:avLst/>
+          </a:prstGeom>
+          <a:noFill/>
+        </p:spPr>
+        <p:txBody>
+          <a:bodyPr wrap="square" rtlCol="0">
+            <a:spAutoFit/>
+          </a:bodyPr>
+          <a:lstStyle/>
+          <a:p>
+            <a:pPr algn="ctr"/>
+            <a:r>
+              <a:rPr lang="en-US" dirty="0"/>
+              <a:t>X kb bin</a:t>
+            </a:r>
+          </a:p>
+        </p:txBody>
+      </p:sp>
+      <p:sp>
+        <p:nvSpPr>
+          <p:cNvPr id="54" name="TextBox 53">
+            <a:extLst>
+              <a:ext uri="{FF2B5EF4-FFF2-40B4-BE49-F238E27FC236}">
+                <a16:creationId xmlns:a16="http://schemas.microsoft.com/office/drawing/2014/main" id="{73E70350-E4B1-41F3-9B2A-69D08F7E358B}"/>
+              </a:ext>
+            </a:extLst>
+          </p:cNvPr>
+          <p:cNvSpPr txBox="1"/>
+          <p:nvPr/>
+        </p:nvSpPr>
+        <p:spPr>
+          <a:xfrm>
+            <a:off x="664029" y="2772507"/>
+            <a:ext cx="1436914" cy="369332"/>
+          </a:xfrm>
+          <a:prstGeom prst="rect">
+            <a:avLst/>
+          </a:prstGeom>
+          <a:noFill/>
+        </p:spPr>
+        <p:txBody>
+          <a:bodyPr wrap="square" rtlCol="0">
+            <a:spAutoFit/>
+          </a:bodyPr>
+          <a:lstStyle/>
+          <a:p>
+            <a:r>
+              <a:rPr lang="en-US" dirty="0"/>
+              <a:t>Outcome Y</a:t>
+            </a:r>
+          </a:p>
+        </p:txBody>
+      </p:sp>
+      <p:sp>
+        <p:nvSpPr>
+          <p:cNvPr id="55" name="TextBox 54">
+            <a:extLst>
+              <a:ext uri="{FF2B5EF4-FFF2-40B4-BE49-F238E27FC236}">
+                <a16:creationId xmlns:a16="http://schemas.microsoft.com/office/drawing/2014/main" id="{AEE6F3B4-BEA5-4A1E-88AD-AF2990BD9504}"/>
+              </a:ext>
+            </a:extLst>
+          </p:cNvPr>
+          <p:cNvSpPr txBox="1"/>
+          <p:nvPr/>
+        </p:nvSpPr>
+        <p:spPr>
+          <a:xfrm>
+            <a:off x="602341" y="3243438"/>
+            <a:ext cx="1436914" cy="646331"/>
+          </a:xfrm>
+          <a:prstGeom prst="rect">
+            <a:avLst/>
+          </a:prstGeom>
+          <a:noFill/>
+        </p:spPr>
+        <p:txBody>
+          <a:bodyPr wrap="square" rtlCol="0">
+            <a:spAutoFit/>
+          </a:bodyPr>
+          <a:lstStyle/>
+          <a:p>
+            <a:pPr algn="ctr"/>
+            <a:r>
+              <a:rPr lang="en-US" dirty="0"/>
+              <a:t>Feature Xᵢ Region</a:t>
+            </a:r>
+          </a:p>
+        </p:txBody>
+      </p:sp>
+      <p:sp>
+        <p:nvSpPr>
+          <p:cNvPr id="56" name="TextBox 55">
+            <a:extLst>
+              <a:ext uri="{FF2B5EF4-FFF2-40B4-BE49-F238E27FC236}">
+                <a16:creationId xmlns:a16="http://schemas.microsoft.com/office/drawing/2014/main" id="{F308DA5C-3CF0-4C37-896E-1B25D67E8831}"/>
+              </a:ext>
+            </a:extLst>
+          </p:cNvPr>
+          <p:cNvSpPr txBox="1"/>
+          <p:nvPr/>
+        </p:nvSpPr>
+        <p:spPr>
+          <a:xfrm>
+            <a:off x="602341" y="3857112"/>
+            <a:ext cx="1436914" cy="1200329"/>
+          </a:xfrm>
+          <a:prstGeom prst="rect">
+            <a:avLst/>
+          </a:prstGeom>
+          <a:noFill/>
+        </p:spPr>
+        <p:txBody>
+          <a:bodyPr wrap="square" rtlCol="0">
+            <a:spAutoFit/>
+          </a:bodyPr>
+          <a:lstStyle/>
+          <a:p>
+            <a:pPr algn="ctr"/>
+            <a:r>
+              <a:rPr lang="en-US" dirty="0"/>
+              <a:t>Overlap Predictor Xᵢ</a:t>
+            </a:r>
+          </a:p>
+          <a:p>
+            <a:pPr algn="ctr"/>
+            <a:r>
+              <a:rPr lang="en-US" dirty="0"/>
+              <a:t>(Categorical)</a:t>
+            </a:r>
+          </a:p>
+          <a:p>
+            <a:endParaRPr lang="en-US" dirty="0"/>
+          </a:p>
+        </p:txBody>
+      </p:sp>
+      <p:sp>
+        <p:nvSpPr>
+          <p:cNvPr id="57" name="Rectangle 56">
+            <a:extLst>
+              <a:ext uri="{FF2B5EF4-FFF2-40B4-BE49-F238E27FC236}">
+                <a16:creationId xmlns:a16="http://schemas.microsoft.com/office/drawing/2014/main" id="{DF50C16F-D9C3-4389-AD7A-F73848F02AC1}"/>
+              </a:ext>
+            </a:extLst>
+          </p:cNvPr>
+          <p:cNvSpPr/>
+          <p:nvPr/>
+        </p:nvSpPr>
+        <p:spPr>
+          <a:xfrm>
+            <a:off x="4717144" y="3488476"/>
+            <a:ext cx="798281" cy="130629"/>
+          </a:xfrm>
+          <a:prstGeom prst="rect">
+            <a:avLst/>
+          </a:prstGeom>
+          <a:solidFill>
+            <a:schemeClr val="accent6"/>
+          </a:solidFill>
+        </p:spPr>
+        <p:style>
+          <a:lnRef idx="2">
+            <a:schemeClr val="accent1">
+              <a:shade val="50000"/>
+            </a:schemeClr>
+          </a:lnRef>
+          <a:fillRef idx="1">
+            <a:schemeClr val="accent1"/>
+          </a:fillRef>
+          <a:effectRef idx="0">
+            <a:schemeClr val="accent1"/>
+          </a:effectRef>
+          <a:fontRef idx="minor">
+            <a:schemeClr val="lt1"/>
+          </a:fontRef>
+        </p:style>
+        <p:txBody>
+          <a:bodyPr rtlCol="0" anchor="ctr"/>
+          <a:lstStyle/>
+          <a:p>
+            <a:pPr algn="ctr"/>
+            <a:endParaRPr lang="en-US"/>
+          </a:p>
+        </p:txBody>
+      </p:sp>
+      <p:sp>
+        <p:nvSpPr>
+          <p:cNvPr id="58" name="Rectangle 57">
+            <a:extLst>
+              <a:ext uri="{FF2B5EF4-FFF2-40B4-BE49-F238E27FC236}">
+                <a16:creationId xmlns:a16="http://schemas.microsoft.com/office/drawing/2014/main" id="{3CB19E23-1E6A-46F1-8032-3BCA433FAB64}"/>
+              </a:ext>
+            </a:extLst>
+          </p:cNvPr>
+          <p:cNvSpPr/>
+          <p:nvPr/>
+        </p:nvSpPr>
+        <p:spPr>
+          <a:xfrm>
+            <a:off x="3258459" y="3504270"/>
+            <a:ext cx="449940" cy="114835"/>
+          </a:xfrm>
+          <a:prstGeom prst="rect">
+            <a:avLst/>
+          </a:prstGeom>
+          <a:solidFill>
+            <a:schemeClr val="accent6"/>
+          </a:solidFill>
+        </p:spPr>
+        <p:style>
+          <a:lnRef idx="2">
+            <a:schemeClr val="accent1">
+              <a:shade val="50000"/>
+            </a:schemeClr>
+          </a:lnRef>
+          <a:fillRef idx="1">
+            <a:schemeClr val="accent1"/>
+          </a:fillRef>
+          <a:effectRef idx="0">
+            <a:schemeClr val="accent1"/>
+          </a:effectRef>
+          <a:fontRef idx="minor">
+            <a:schemeClr val="lt1"/>
+          </a:fontRef>
+        </p:style>
+        <p:txBody>
+          <a:bodyPr rtlCol="0" anchor="ctr"/>
+          <a:lstStyle/>
+          <a:p>
+            <a:pPr algn="ctr"/>
+            <a:endParaRPr lang="en-US"/>
+          </a:p>
+        </p:txBody>
+      </p:sp>
+      <p:sp>
+        <p:nvSpPr>
+          <p:cNvPr id="60" name="Rectangle 59">
+            <a:extLst>
+              <a:ext uri="{FF2B5EF4-FFF2-40B4-BE49-F238E27FC236}">
+                <a16:creationId xmlns:a16="http://schemas.microsoft.com/office/drawing/2014/main" id="{0A9DCF34-A323-471C-A163-4B2299E7743C}"/>
+              </a:ext>
+            </a:extLst>
+          </p:cNvPr>
+          <p:cNvSpPr/>
+          <p:nvPr/>
+        </p:nvSpPr>
+        <p:spPr>
+          <a:xfrm>
+            <a:off x="9550396" y="3484309"/>
+            <a:ext cx="707577" cy="130629"/>
+          </a:xfrm>
+          <a:prstGeom prst="rect">
+            <a:avLst/>
+          </a:prstGeom>
+          <a:solidFill>
+            <a:schemeClr val="accent6"/>
+          </a:solidFill>
+        </p:spPr>
+        <p:style>
+          <a:lnRef idx="2">
+            <a:schemeClr val="accent1">
+              <a:shade val="50000"/>
+            </a:schemeClr>
+          </a:lnRef>
+          <a:fillRef idx="1">
+            <a:schemeClr val="accent1"/>
+          </a:fillRef>
+          <a:effectRef idx="0">
+            <a:schemeClr val="accent1"/>
+          </a:effectRef>
+          <a:fontRef idx="minor">
+            <a:schemeClr val="lt1"/>
+          </a:fontRef>
+        </p:style>
+        <p:txBody>
+          <a:bodyPr rtlCol="0" anchor="ctr"/>
+          <a:lstStyle/>
+          <a:p>
+            <a:pPr algn="ctr"/>
+            <a:endParaRPr lang="en-US"/>
+          </a:p>
+        </p:txBody>
+      </p:sp>
+      <p:sp>
+        <p:nvSpPr>
+          <p:cNvPr id="74" name="TextBox 73">
+            <a:extLst>
+              <a:ext uri="{FF2B5EF4-FFF2-40B4-BE49-F238E27FC236}">
+                <a16:creationId xmlns:a16="http://schemas.microsoft.com/office/drawing/2014/main" id="{7B8F363D-9DFD-47ED-AC20-77D1D1F9D78F}"/>
+              </a:ext>
+            </a:extLst>
+          </p:cNvPr>
+          <p:cNvSpPr txBox="1"/>
+          <p:nvPr/>
+        </p:nvSpPr>
+        <p:spPr>
+          <a:xfrm>
+            <a:off x="602341" y="4752700"/>
+            <a:ext cx="1436914" cy="1200329"/>
+          </a:xfrm>
+          <a:prstGeom prst="rect">
+            <a:avLst/>
+          </a:prstGeom>
+          <a:noFill/>
+        </p:spPr>
+        <p:txBody>
+          <a:bodyPr wrap="square" rtlCol="0">
+            <a:spAutoFit/>
+          </a:bodyPr>
+          <a:lstStyle/>
+          <a:p>
+            <a:pPr algn="ctr"/>
+            <a:r>
+              <a:rPr lang="en-US" dirty="0"/>
+              <a:t>Distance Predictor Xᵢ</a:t>
+            </a:r>
+          </a:p>
+          <a:p>
+            <a:pPr algn="ctr"/>
+            <a:r>
+              <a:rPr lang="en-US" dirty="0"/>
+              <a:t>(Continuous)</a:t>
+            </a:r>
+          </a:p>
+          <a:p>
+            <a:endParaRPr lang="en-US" dirty="0"/>
+          </a:p>
+        </p:txBody>
+      </p:sp>
+    </p:spTree>
+    <p:extLst>
+      <p:ext uri="{BB962C8B-B14F-4D97-AF65-F5344CB8AC3E}">
+        <p14:creationId xmlns:p14="http://schemas.microsoft.com/office/powerpoint/2010/main" val="2891112625"/>
+      </p:ext>
+    </p:extLst>
+  </p:cSld>
+  <p:clrMapOvr>
+    <a:masterClrMapping/>
+  </p:clrMapOvr>
+</p:sld>
+</file>
+
 <file path=ppt/theme/theme1.xml><?xml version="1.0" encoding="utf-8"?>
 <a:theme xmlns:a="http://schemas.openxmlformats.org/drawingml/2006/main" name="Office Theme">
   <a:themeElements>

--- a/manuscript/data_illustration.pptx
+++ b/manuscript/data_illustration.pptx
@@ -9418,8 +9418,8 @@
         </p:nvSpPr>
         <p:spPr>
           <a:xfrm>
-            <a:off x="3454398" y="1872342"/>
-            <a:ext cx="1306287" cy="384266"/>
+            <a:off x="3309262" y="1872342"/>
+            <a:ext cx="1799767" cy="384266"/>
           </a:xfrm>
           <a:prstGeom prst="triangle">
             <a:avLst/>
@@ -9467,8 +9467,8 @@
         </p:nvSpPr>
         <p:spPr>
           <a:xfrm>
-            <a:off x="4789707" y="1437822"/>
-            <a:ext cx="2728688" cy="807720"/>
+            <a:off x="5087252" y="1437822"/>
+            <a:ext cx="2184398" cy="807720"/>
           </a:xfrm>
           <a:prstGeom prst="triangle">
             <a:avLst/>
@@ -9516,7 +9516,7 @@
         </p:nvSpPr>
         <p:spPr>
           <a:xfrm>
-            <a:off x="8897251" y="1861276"/>
+            <a:off x="9100453" y="1861276"/>
             <a:ext cx="1335321" cy="384266"/>
           </a:xfrm>
           <a:prstGeom prst="triangle">
@@ -9565,7 +9565,105 @@
         </p:nvSpPr>
         <p:spPr>
           <a:xfrm>
-            <a:off x="3367319" y="2180227"/>
+            <a:off x="3338295" y="2180227"/>
+            <a:ext cx="145142" cy="125729"/>
+          </a:xfrm>
+          <a:prstGeom prst="flowChartConnector">
+            <a:avLst/>
+          </a:prstGeom>
+          <a:solidFill>
+            <a:schemeClr val="tx1"/>
+          </a:solidFill>
+        </p:spPr>
+        <p:style>
+          <a:lnRef idx="2">
+            <a:schemeClr val="accent1">
+              <a:shade val="50000"/>
+            </a:schemeClr>
+          </a:lnRef>
+          <a:fillRef idx="1">
+            <a:schemeClr val="accent1"/>
+          </a:fillRef>
+          <a:effectRef idx="0">
+            <a:schemeClr val="accent1"/>
+          </a:effectRef>
+          <a:fontRef idx="minor">
+            <a:schemeClr val="lt1"/>
+          </a:fontRef>
+        </p:style>
+        <p:txBody>
+          <a:bodyPr rtlCol="0" anchor="ctr"/>
+          <a:lstStyle/>
+          <a:p>
+            <a:pPr algn="ctr"/>
+            <a:endParaRPr lang="en-US"/>
+          </a:p>
+        </p:txBody>
+      </p:sp>
+      <p:sp>
+        <p:nvSpPr>
+          <p:cNvPr id="11" name="Flowchart: Connector 10">
+            <a:extLst>
+              <a:ext uri="{FF2B5EF4-FFF2-40B4-BE49-F238E27FC236}">
+                <a16:creationId xmlns:a16="http://schemas.microsoft.com/office/drawing/2014/main" id="{09DF07A3-596B-4E50-988F-CE4A60E0E5A8}"/>
+              </a:ext>
+            </a:extLst>
+          </p:cNvPr>
+          <p:cNvSpPr/>
+          <p:nvPr/>
+        </p:nvSpPr>
+        <p:spPr>
+          <a:xfrm>
+            <a:off x="4972962" y="2165187"/>
+            <a:ext cx="152400" cy="130629"/>
+          </a:xfrm>
+          <a:prstGeom prst="flowChartConnector">
+            <a:avLst/>
+          </a:prstGeom>
+          <a:solidFill>
+            <a:schemeClr val="tx1"/>
+          </a:solidFill>
+        </p:spPr>
+        <p:style>
+          <a:lnRef idx="2">
+            <a:schemeClr val="accent1">
+              <a:shade val="50000"/>
+            </a:schemeClr>
+          </a:lnRef>
+          <a:fillRef idx="1">
+            <a:schemeClr val="accent1"/>
+          </a:fillRef>
+          <a:effectRef idx="0">
+            <a:schemeClr val="accent1"/>
+          </a:effectRef>
+          <a:fontRef idx="minor">
+            <a:schemeClr val="lt1"/>
+          </a:fontRef>
+        </p:style>
+        <p:txBody>
+          <a:bodyPr rtlCol="0" anchor="ctr"/>
+          <a:lstStyle/>
+          <a:p>
+            <a:pPr algn="ctr"/>
+            <a:endParaRPr lang="en-US"/>
+          </a:p>
+        </p:txBody>
+      </p:sp>
+      <p:sp>
+        <p:nvSpPr>
+          <p:cNvPr id="12" name="Flowchart: Connector 11">
+            <a:extLst>
+              <a:ext uri="{FF2B5EF4-FFF2-40B4-BE49-F238E27FC236}">
+                <a16:creationId xmlns:a16="http://schemas.microsoft.com/office/drawing/2014/main" id="{98C70FE6-D940-4B09-A6C2-7C24DEA0341F}"/>
+              </a:ext>
+            </a:extLst>
+          </p:cNvPr>
+          <p:cNvSpPr/>
+          <p:nvPr/>
+        </p:nvSpPr>
+        <p:spPr>
+          <a:xfrm>
+            <a:off x="9032165" y="2175327"/>
             <a:ext cx="116114" cy="130629"/>
           </a:xfrm>
           <a:prstGeom prst="flowChartConnector">
@@ -9602,104 +9700,6 @@
       </p:sp>
       <p:sp>
         <p:nvSpPr>
-          <p:cNvPr id="11" name="Flowchart: Connector 10">
-            <a:extLst>
-              <a:ext uri="{FF2B5EF4-FFF2-40B4-BE49-F238E27FC236}">
-                <a16:creationId xmlns:a16="http://schemas.microsoft.com/office/drawing/2014/main" id="{09DF07A3-596B-4E50-988F-CE4A60E0E5A8}"/>
-              </a:ext>
-            </a:extLst>
-          </p:cNvPr>
-          <p:cNvSpPr/>
-          <p:nvPr/>
-        </p:nvSpPr>
-        <p:spPr>
-          <a:xfrm>
-            <a:off x="4709889" y="2180226"/>
-            <a:ext cx="152400" cy="130629"/>
-          </a:xfrm>
-          <a:prstGeom prst="flowChartConnector">
-            <a:avLst/>
-          </a:prstGeom>
-          <a:solidFill>
-            <a:schemeClr val="tx1"/>
-          </a:solidFill>
-        </p:spPr>
-        <p:style>
-          <a:lnRef idx="2">
-            <a:schemeClr val="accent1">
-              <a:shade val="50000"/>
-            </a:schemeClr>
-          </a:lnRef>
-          <a:fillRef idx="1">
-            <a:schemeClr val="accent1"/>
-          </a:fillRef>
-          <a:effectRef idx="0">
-            <a:schemeClr val="accent1"/>
-          </a:effectRef>
-          <a:fontRef idx="minor">
-            <a:schemeClr val="lt1"/>
-          </a:fontRef>
-        </p:style>
-        <p:txBody>
-          <a:bodyPr rtlCol="0" anchor="ctr"/>
-          <a:lstStyle/>
-          <a:p>
-            <a:pPr algn="ctr"/>
-            <a:endParaRPr lang="en-US"/>
-          </a:p>
-        </p:txBody>
-      </p:sp>
-      <p:sp>
-        <p:nvSpPr>
-          <p:cNvPr id="12" name="Flowchart: Connector 11">
-            <a:extLst>
-              <a:ext uri="{FF2B5EF4-FFF2-40B4-BE49-F238E27FC236}">
-                <a16:creationId xmlns:a16="http://schemas.microsoft.com/office/drawing/2014/main" id="{98C70FE6-D940-4B09-A6C2-7C24DEA0341F}"/>
-              </a:ext>
-            </a:extLst>
-          </p:cNvPr>
-          <p:cNvSpPr/>
-          <p:nvPr/>
-        </p:nvSpPr>
-        <p:spPr>
-          <a:xfrm>
-            <a:off x="8810168" y="2175327"/>
-            <a:ext cx="116114" cy="130629"/>
-          </a:xfrm>
-          <a:prstGeom prst="flowChartConnector">
-            <a:avLst/>
-          </a:prstGeom>
-          <a:solidFill>
-            <a:schemeClr val="tx1"/>
-          </a:solidFill>
-        </p:spPr>
-        <p:style>
-          <a:lnRef idx="2">
-            <a:schemeClr val="accent1">
-              <a:shade val="50000"/>
-            </a:schemeClr>
-          </a:lnRef>
-          <a:fillRef idx="1">
-            <a:schemeClr val="accent1"/>
-          </a:fillRef>
-          <a:effectRef idx="0">
-            <a:schemeClr val="accent1"/>
-          </a:effectRef>
-          <a:fontRef idx="minor">
-            <a:schemeClr val="lt1"/>
-          </a:fontRef>
-        </p:style>
-        <p:txBody>
-          <a:bodyPr rtlCol="0" anchor="ctr"/>
-          <a:lstStyle/>
-          <a:p>
-            <a:pPr algn="ctr"/>
-            <a:endParaRPr lang="en-US"/>
-          </a:p>
-        </p:txBody>
-      </p:sp>
-      <p:sp>
-        <p:nvSpPr>
           <p:cNvPr id="13" name="Flowchart: Connector 12">
             <a:extLst>
               <a:ext uri="{FF2B5EF4-FFF2-40B4-BE49-F238E27FC236}">
@@ -9712,7 +9712,7 @@
         </p:nvSpPr>
         <p:spPr>
           <a:xfrm>
-            <a:off x="7431312" y="2180226"/>
+            <a:off x="7224485" y="2180226"/>
             <a:ext cx="116114" cy="120833"/>
           </a:xfrm>
           <a:prstGeom prst="flowChartConnector">
@@ -9761,7 +9761,7 @@
         </p:nvSpPr>
         <p:spPr>
           <a:xfrm>
-            <a:off x="10174515" y="2170430"/>
+            <a:off x="10344718" y="2167754"/>
             <a:ext cx="116114" cy="130629"/>
           </a:xfrm>
           <a:prstGeom prst="flowChartConnector">
@@ -10421,7 +10421,7 @@
         </p:nvSpPr>
         <p:spPr>
           <a:xfrm>
-            <a:off x="7104744" y="654422"/>
+            <a:off x="7104744" y="682990"/>
             <a:ext cx="2140855" cy="646331"/>
           </a:xfrm>
           <a:prstGeom prst="rect">
@@ -10460,13 +10460,13 @@
             </a:extLst>
           </p:cNvPr>
           <p:cNvCxnSpPr>
-            <a:stCxn id="44" idx="2"/>
+            <a:cxnSpLocks/>
           </p:cNvCxnSpPr>
           <p:nvPr/>
         </p:nvCxnSpPr>
         <p:spPr>
           <a:xfrm>
-            <a:off x="8175172" y="1300753"/>
+            <a:off x="8369300" y="1300753"/>
             <a:ext cx="634996" cy="752656"/>
           </a:xfrm>
           <a:prstGeom prst="straightConnector1">
@@ -10507,7 +10507,7 @@
         </p:nvCxnSpPr>
         <p:spPr>
           <a:xfrm flipH="1">
-            <a:off x="7561934" y="1308691"/>
+            <a:off x="7385940" y="1308691"/>
             <a:ext cx="613237" cy="752656"/>
           </a:xfrm>
           <a:prstGeom prst="straightConnector1">
@@ -10546,8 +10546,8 @@
         </p:nvSpPr>
         <p:spPr>
           <a:xfrm rot="16200000">
-            <a:off x="5840183" y="-108310"/>
-            <a:ext cx="613235" cy="2721423"/>
+            <a:off x="5872835" y="160201"/>
+            <a:ext cx="613235" cy="2184399"/>
           </a:xfrm>
           <a:prstGeom prst="rightBrace">
             <a:avLst/>
@@ -10590,7 +10590,7 @@
         </p:nvSpPr>
         <p:spPr>
           <a:xfrm>
-            <a:off x="5185222" y="507917"/>
+            <a:off x="5210622" y="535224"/>
             <a:ext cx="1937658" cy="369332"/>
           </a:xfrm>
           <a:prstGeom prst="rect">
@@ -10956,7 +10956,7 @@
         </p:nvSpPr>
         <p:spPr>
           <a:xfrm>
-            <a:off x="9550396" y="3484309"/>
+            <a:off x="9768113" y="3488475"/>
             <a:ext cx="707577" cy="130629"/>
           </a:xfrm>
           <a:prstGeom prst="rect">

--- a/manuscript/data_illustration.pptx
+++ b/manuscript/data_illustration.pptx
@@ -7,6 +7,10 @@
   <p:sldIdLst>
     <p:sldId id="256" r:id="rId2"/>
     <p:sldId id="257" r:id="rId3"/>
+    <p:sldId id="261" r:id="rId4"/>
+    <p:sldId id="259" r:id="rId5"/>
+    <p:sldId id="260" r:id="rId6"/>
+    <p:sldId id="258" r:id="rId7"/>
   </p:sldIdLst>
   <p:sldSz cx="12192000" cy="6858000"/>
   <p:notesSz cx="6858000" cy="9144000"/>
@@ -260,7 +264,7 @@
           <a:p>
             <a:fld id="{CC73ECDD-14FF-46C4-9647-BB83FC899B6B}" type="datetimeFigureOut">
               <a:rPr lang="en-US" smtClean="0"/>
-              <a:t>8/13/2018</a:t>
+              <a:t>8/29/2018</a:t>
             </a:fld>
             <a:endParaRPr lang="en-US"/>
           </a:p>
@@ -458,7 +462,7 @@
           <a:p>
             <a:fld id="{CC73ECDD-14FF-46C4-9647-BB83FC899B6B}" type="datetimeFigureOut">
               <a:rPr lang="en-US" smtClean="0"/>
-              <a:t>8/13/2018</a:t>
+              <a:t>8/29/2018</a:t>
             </a:fld>
             <a:endParaRPr lang="en-US"/>
           </a:p>
@@ -666,7 +670,7 @@
           <a:p>
             <a:fld id="{CC73ECDD-14FF-46C4-9647-BB83FC899B6B}" type="datetimeFigureOut">
               <a:rPr lang="en-US" smtClean="0"/>
-              <a:t>8/13/2018</a:t>
+              <a:t>8/29/2018</a:t>
             </a:fld>
             <a:endParaRPr lang="en-US"/>
           </a:p>
@@ -864,7 +868,7 @@
           <a:p>
             <a:fld id="{CC73ECDD-14FF-46C4-9647-BB83FC899B6B}" type="datetimeFigureOut">
               <a:rPr lang="en-US" smtClean="0"/>
-              <a:t>8/13/2018</a:t>
+              <a:t>8/29/2018</a:t>
             </a:fld>
             <a:endParaRPr lang="en-US"/>
           </a:p>
@@ -1139,7 +1143,7 @@
           <a:p>
             <a:fld id="{CC73ECDD-14FF-46C4-9647-BB83FC899B6B}" type="datetimeFigureOut">
               <a:rPr lang="en-US" smtClean="0"/>
-              <a:t>8/13/2018</a:t>
+              <a:t>8/29/2018</a:t>
             </a:fld>
             <a:endParaRPr lang="en-US"/>
           </a:p>
@@ -1404,7 +1408,7 @@
           <a:p>
             <a:fld id="{CC73ECDD-14FF-46C4-9647-BB83FC899B6B}" type="datetimeFigureOut">
               <a:rPr lang="en-US" smtClean="0"/>
-              <a:t>8/13/2018</a:t>
+              <a:t>8/29/2018</a:t>
             </a:fld>
             <a:endParaRPr lang="en-US"/>
           </a:p>
@@ -1816,7 +1820,7 @@
           <a:p>
             <a:fld id="{CC73ECDD-14FF-46C4-9647-BB83FC899B6B}" type="datetimeFigureOut">
               <a:rPr lang="en-US" smtClean="0"/>
-              <a:t>8/13/2018</a:t>
+              <a:t>8/29/2018</a:t>
             </a:fld>
             <a:endParaRPr lang="en-US"/>
           </a:p>
@@ -1957,7 +1961,7 @@
           <a:p>
             <a:fld id="{CC73ECDD-14FF-46C4-9647-BB83FC899B6B}" type="datetimeFigureOut">
               <a:rPr lang="en-US" smtClean="0"/>
-              <a:t>8/13/2018</a:t>
+              <a:t>8/29/2018</a:t>
             </a:fld>
             <a:endParaRPr lang="en-US"/>
           </a:p>
@@ -2070,7 +2074,7 @@
           <a:p>
             <a:fld id="{CC73ECDD-14FF-46C4-9647-BB83FC899B6B}" type="datetimeFigureOut">
               <a:rPr lang="en-US" smtClean="0"/>
-              <a:t>8/13/2018</a:t>
+              <a:t>8/29/2018</a:t>
             </a:fld>
             <a:endParaRPr lang="en-US"/>
           </a:p>
@@ -2381,7 +2385,7 @@
           <a:p>
             <a:fld id="{CC73ECDD-14FF-46C4-9647-BB83FC899B6B}" type="datetimeFigureOut">
               <a:rPr lang="en-US" smtClean="0"/>
-              <a:t>8/13/2018</a:t>
+              <a:t>8/29/2018</a:t>
             </a:fld>
             <a:endParaRPr lang="en-US"/>
           </a:p>
@@ -2669,7 +2673,7 @@
           <a:p>
             <a:fld id="{CC73ECDD-14FF-46C4-9647-BB83FC899B6B}" type="datetimeFigureOut">
               <a:rPr lang="en-US" smtClean="0"/>
-              <a:t>8/13/2018</a:t>
+              <a:t>8/29/2018</a:t>
             </a:fld>
             <a:endParaRPr lang="en-US"/>
           </a:p>
@@ -2910,7 +2914,7 @@
           <a:p>
             <a:fld id="{CC73ECDD-14FF-46C4-9647-BB83FC899B6B}" type="datetimeFigureOut">
               <a:rPr lang="en-US" smtClean="0"/>
-              <a:t>8/13/2018</a:t>
+              <a:t>8/29/2018</a:t>
             </a:fld>
             <a:endParaRPr lang="en-US"/>
           </a:p>
@@ -6601,14 +6605,14 @@
           <p:nvPr>
             <p:extLst>
               <p:ext uri="{D42A27DB-BD31-4B8C-83A1-F6EECF244321}">
-                <p14:modId xmlns:p14="http://schemas.microsoft.com/office/powerpoint/2010/main" val="3452804479"/>
+                <p14:modId xmlns:p14="http://schemas.microsoft.com/office/powerpoint/2010/main" val="1483339908"/>
               </p:ext>
             </p:extLst>
           </p:nvPr>
         </p:nvGraphicFramePr>
         <p:xfrm>
-          <a:off x="2075546" y="2256608"/>
-          <a:ext cx="9521372" cy="2966720"/>
+          <a:off x="2075546" y="1721384"/>
+          <a:ext cx="9521372" cy="4450080"/>
         </p:xfrm>
         <a:graphic>
           <a:graphicData uri="http://schemas.openxmlformats.org/drawingml/2006/table">
@@ -8346,10 +8350,7 @@
                     <a:bodyPr/>
                     <a:lstStyle/>
                     <a:p>
-                      <a:r>
-                        <a:rPr lang="en-US" dirty="0"/>
-                        <a:t>         No</a:t>
-                      </a:r>
+                      <a:endParaRPr lang="en-US" dirty="0"/>
                     </a:p>
                   </a:txBody>
                   <a:tcPr>
@@ -8396,10 +8397,7 @@
                     <a:bodyPr/>
                     <a:lstStyle/>
                     <a:p>
-                      <a:r>
-                        <a:rPr lang="en-US" dirty="0"/>
-                        <a:t>Yes       No </a:t>
-                      </a:r>
+                      <a:endParaRPr lang="en-US" dirty="0"/>
                     </a:p>
                   </a:txBody>
                   <a:tcPr>
@@ -8446,14 +8444,6 @@
                     <a:bodyPr/>
                     <a:lstStyle/>
                     <a:p>
-                      <a:r>
-                        <a:rPr lang="en-US" dirty="0"/>
-                        <a:t>Yes      </a:t>
-                      </a:r>
-                      <a:r>
-                        <a:rPr lang="en-US" dirty="0" err="1"/>
-                        <a:t>Yes</a:t>
-                      </a:r>
                       <a:endParaRPr lang="en-US" dirty="0"/>
                     </a:p>
                   </a:txBody>
@@ -8501,14 +8491,6 @@
                     <a:bodyPr/>
                     <a:lstStyle/>
                     <a:p>
-                      <a:r>
-                        <a:rPr lang="en-US" dirty="0"/>
-                        <a:t>No      </a:t>
-                      </a:r>
-                      <a:r>
-                        <a:rPr lang="en-US" dirty="0" err="1"/>
-                        <a:t>No</a:t>
-                      </a:r>
                       <a:endParaRPr lang="en-US" dirty="0"/>
                     </a:p>
                   </a:txBody>
@@ -8556,10 +8538,7 @@
                     <a:bodyPr/>
                     <a:lstStyle/>
                     <a:p>
-                      <a:r>
-                        <a:rPr lang="en-US" dirty="0"/>
-                        <a:t>Yes       No</a:t>
-                      </a:r>
+                      <a:endParaRPr lang="en-US" dirty="0"/>
                     </a:p>
                   </a:txBody>
                   <a:tcPr>
@@ -8606,10 +8585,7 @@
                     <a:bodyPr/>
                     <a:lstStyle/>
                     <a:p>
-                      <a:r>
-                        <a:rPr lang="en-US" dirty="0"/>
-                        <a:t>No         Yes</a:t>
-                      </a:r>
+                      <a:endParaRPr lang="en-US" dirty="0"/>
                     </a:p>
                   </a:txBody>
                   <a:tcPr>
@@ -8656,10 +8632,7 @@
                     <a:bodyPr/>
                     <a:lstStyle/>
                     <a:p>
-                      <a:r>
-                        <a:rPr lang="en-US" dirty="0"/>
-                        <a:t>Yes</a:t>
-                      </a:r>
+                      <a:endParaRPr lang="en-US" dirty="0"/>
                     </a:p>
                   </a:txBody>
                   <a:tcPr>
@@ -9051,6 +9024,699 @@
                     <a:p>
                       <a:r>
                         <a:rPr lang="en-US" dirty="0"/>
+                        <a:t>           0</a:t>
+                      </a:r>
+                    </a:p>
+                  </a:txBody>
+                  <a:tcPr>
+                    <a:lnL w="12700" cap="flat" cmpd="sng" algn="ctr">
+                      <a:noFill/>
+                      <a:prstDash val="solid"/>
+                      <a:round/>
+                      <a:headEnd type="none" w="med" len="med"/>
+                      <a:tailEnd type="none" w="med" len="med"/>
+                    </a:lnL>
+                    <a:lnR w="12700" cap="flat" cmpd="sng" algn="ctr">
+                      <a:noFill/>
+                      <a:prstDash val="solid"/>
+                      <a:round/>
+                      <a:headEnd type="none" w="med" len="med"/>
+                      <a:tailEnd type="none" w="med" len="med"/>
+                    </a:lnR>
+                    <a:lnT w="12700" cap="flat" cmpd="sng" algn="ctr">
+                      <a:noFill/>
+                      <a:prstDash val="solid"/>
+                      <a:round/>
+                      <a:headEnd type="none" w="med" len="med"/>
+                      <a:tailEnd type="none" w="med" len="med"/>
+                    </a:lnT>
+                    <a:lnB w="12700" cap="flat" cmpd="sng" algn="ctr">
+                      <a:solidFill>
+                        <a:schemeClr val="tx1"/>
+                      </a:solidFill>
+                      <a:prstDash val="solid"/>
+                      <a:round/>
+                      <a:headEnd type="none" w="med" len="med"/>
+                      <a:tailEnd type="none" w="med" len="med"/>
+                    </a:lnB>
+                    <a:solidFill>
+                      <a:schemeClr val="accent1">
+                        <a:lumMod val="20000"/>
+                        <a:lumOff val="80000"/>
+                      </a:schemeClr>
+                    </a:solidFill>
+                  </a:tcPr>
+                </a:tc>
+                <a:tc>
+                  <a:txBody>
+                    <a:bodyPr/>
+                    <a:lstStyle/>
+                    <a:p>
+                      <a:r>
+                        <a:rPr lang="en-US" dirty="0"/>
+                        <a:t> 1           0</a:t>
+                      </a:r>
+                    </a:p>
+                  </a:txBody>
+                  <a:tcPr>
+                    <a:lnL w="12700" cap="flat" cmpd="sng" algn="ctr">
+                      <a:noFill/>
+                      <a:prstDash val="solid"/>
+                      <a:round/>
+                      <a:headEnd type="none" w="med" len="med"/>
+                      <a:tailEnd type="none" w="med" len="med"/>
+                    </a:lnL>
+                    <a:lnR w="12700" cap="flat" cmpd="sng" algn="ctr">
+                      <a:noFill/>
+                      <a:prstDash val="solid"/>
+                      <a:round/>
+                      <a:headEnd type="none" w="med" len="med"/>
+                      <a:tailEnd type="none" w="med" len="med"/>
+                    </a:lnR>
+                    <a:lnT w="12700" cap="flat" cmpd="sng" algn="ctr">
+                      <a:noFill/>
+                      <a:prstDash val="solid"/>
+                      <a:round/>
+                      <a:headEnd type="none" w="med" len="med"/>
+                      <a:tailEnd type="none" w="med" len="med"/>
+                    </a:lnT>
+                    <a:lnB w="12700" cap="flat" cmpd="sng" algn="ctr">
+                      <a:solidFill>
+                        <a:schemeClr val="tx1"/>
+                      </a:solidFill>
+                      <a:prstDash val="solid"/>
+                      <a:round/>
+                      <a:headEnd type="none" w="med" len="med"/>
+                      <a:tailEnd type="none" w="med" len="med"/>
+                    </a:lnB>
+                    <a:solidFill>
+                      <a:schemeClr val="accent1">
+                        <a:lumMod val="20000"/>
+                        <a:lumOff val="80000"/>
+                      </a:schemeClr>
+                    </a:solidFill>
+                  </a:tcPr>
+                </a:tc>
+                <a:tc>
+                  <a:txBody>
+                    <a:bodyPr/>
+                    <a:lstStyle/>
+                    <a:p>
+                      <a:r>
+                        <a:rPr lang="en-US" dirty="0"/>
+                        <a:t>.7          .5</a:t>
+                      </a:r>
+                    </a:p>
+                  </a:txBody>
+                  <a:tcPr>
+                    <a:lnL w="12700" cap="flat" cmpd="sng" algn="ctr">
+                      <a:noFill/>
+                      <a:prstDash val="solid"/>
+                      <a:round/>
+                      <a:headEnd type="none" w="med" len="med"/>
+                      <a:tailEnd type="none" w="med" len="med"/>
+                    </a:lnL>
+                    <a:lnR w="12700" cap="flat" cmpd="sng" algn="ctr">
+                      <a:noFill/>
+                      <a:prstDash val="solid"/>
+                      <a:round/>
+                      <a:headEnd type="none" w="med" len="med"/>
+                      <a:tailEnd type="none" w="med" len="med"/>
+                    </a:lnR>
+                    <a:lnT w="12700" cap="flat" cmpd="sng" algn="ctr">
+                      <a:noFill/>
+                      <a:prstDash val="solid"/>
+                      <a:round/>
+                      <a:headEnd type="none" w="med" len="med"/>
+                      <a:tailEnd type="none" w="med" len="med"/>
+                    </a:lnT>
+                    <a:lnB w="12700" cap="flat" cmpd="sng" algn="ctr">
+                      <a:solidFill>
+                        <a:schemeClr val="tx1"/>
+                      </a:solidFill>
+                      <a:prstDash val="solid"/>
+                      <a:round/>
+                      <a:headEnd type="none" w="med" len="med"/>
+                      <a:tailEnd type="none" w="med" len="med"/>
+                    </a:lnB>
+                    <a:solidFill>
+                      <a:schemeClr val="accent1">
+                        <a:lumMod val="20000"/>
+                        <a:lumOff val="80000"/>
+                      </a:schemeClr>
+                    </a:solidFill>
+                  </a:tcPr>
+                </a:tc>
+                <a:tc>
+                  <a:txBody>
+                    <a:bodyPr/>
+                    <a:lstStyle/>
+                    <a:p>
+                      <a:r>
+                        <a:rPr lang="en-US" dirty="0"/>
+                        <a:t>0          0</a:t>
+                      </a:r>
+                    </a:p>
+                  </a:txBody>
+                  <a:tcPr>
+                    <a:lnL w="12700" cap="flat" cmpd="sng" algn="ctr">
+                      <a:noFill/>
+                      <a:prstDash val="solid"/>
+                      <a:round/>
+                      <a:headEnd type="none" w="med" len="med"/>
+                      <a:tailEnd type="none" w="med" len="med"/>
+                    </a:lnL>
+                    <a:lnR w="12700" cap="flat" cmpd="sng" algn="ctr">
+                      <a:noFill/>
+                      <a:prstDash val="solid"/>
+                      <a:round/>
+                      <a:headEnd type="none" w="med" len="med"/>
+                      <a:tailEnd type="none" w="med" len="med"/>
+                    </a:lnR>
+                    <a:lnT w="12700" cap="flat" cmpd="sng" algn="ctr">
+                      <a:noFill/>
+                      <a:prstDash val="solid"/>
+                      <a:round/>
+                      <a:headEnd type="none" w="med" len="med"/>
+                      <a:tailEnd type="none" w="med" len="med"/>
+                    </a:lnT>
+                    <a:lnB w="12700" cap="flat" cmpd="sng" algn="ctr">
+                      <a:solidFill>
+                        <a:schemeClr val="tx1"/>
+                      </a:solidFill>
+                      <a:prstDash val="solid"/>
+                      <a:round/>
+                      <a:headEnd type="none" w="med" len="med"/>
+                      <a:tailEnd type="none" w="med" len="med"/>
+                    </a:lnB>
+                    <a:solidFill>
+                      <a:schemeClr val="accent1">
+                        <a:lumMod val="20000"/>
+                        <a:lumOff val="80000"/>
+                      </a:schemeClr>
+                    </a:solidFill>
+                  </a:tcPr>
+                </a:tc>
+                <a:tc>
+                  <a:txBody>
+                    <a:bodyPr/>
+                    <a:lstStyle/>
+                    <a:p>
+                      <a:r>
+                        <a:rPr lang="en-US" dirty="0"/>
+                        <a:t>  0           0</a:t>
+                      </a:r>
+                    </a:p>
+                  </a:txBody>
+                  <a:tcPr>
+                    <a:lnL w="12700" cap="flat" cmpd="sng" algn="ctr">
+                      <a:noFill/>
+                      <a:prstDash val="solid"/>
+                      <a:round/>
+                      <a:headEnd type="none" w="med" len="med"/>
+                      <a:tailEnd type="none" w="med" len="med"/>
+                    </a:lnL>
+                    <a:lnR w="12700" cap="flat" cmpd="sng" algn="ctr">
+                      <a:noFill/>
+                      <a:prstDash val="solid"/>
+                      <a:round/>
+                      <a:headEnd type="none" w="med" len="med"/>
+                      <a:tailEnd type="none" w="med" len="med"/>
+                    </a:lnR>
+                    <a:lnT w="12700" cap="flat" cmpd="sng" algn="ctr">
+                      <a:noFill/>
+                      <a:prstDash val="solid"/>
+                      <a:round/>
+                      <a:headEnd type="none" w="med" len="med"/>
+                      <a:tailEnd type="none" w="med" len="med"/>
+                    </a:lnT>
+                    <a:lnB w="12700" cap="flat" cmpd="sng" algn="ctr">
+                      <a:solidFill>
+                        <a:schemeClr val="tx1"/>
+                      </a:solidFill>
+                      <a:prstDash val="solid"/>
+                      <a:round/>
+                      <a:headEnd type="none" w="med" len="med"/>
+                      <a:tailEnd type="none" w="med" len="med"/>
+                    </a:lnB>
+                    <a:solidFill>
+                      <a:schemeClr val="accent1">
+                        <a:lumMod val="20000"/>
+                        <a:lumOff val="80000"/>
+                      </a:schemeClr>
+                    </a:solidFill>
+                  </a:tcPr>
+                </a:tc>
+                <a:tc>
+                  <a:txBody>
+                    <a:bodyPr/>
+                    <a:lstStyle/>
+                    <a:p>
+                      <a:r>
+                        <a:rPr lang="en-US" dirty="0"/>
+                        <a:t>  0           .2</a:t>
+                      </a:r>
+                    </a:p>
+                  </a:txBody>
+                  <a:tcPr>
+                    <a:lnL w="12700" cap="flat" cmpd="sng" algn="ctr">
+                      <a:noFill/>
+                      <a:prstDash val="solid"/>
+                      <a:round/>
+                      <a:headEnd type="none" w="med" len="med"/>
+                      <a:tailEnd type="none" w="med" len="med"/>
+                    </a:lnL>
+                    <a:lnR w="12700" cap="flat" cmpd="sng" algn="ctr">
+                      <a:noFill/>
+                      <a:prstDash val="solid"/>
+                      <a:round/>
+                      <a:headEnd type="none" w="med" len="med"/>
+                      <a:tailEnd type="none" w="med" len="med"/>
+                    </a:lnR>
+                    <a:lnT w="12700" cap="flat" cmpd="sng" algn="ctr">
+                      <a:noFill/>
+                      <a:prstDash val="solid"/>
+                      <a:round/>
+                      <a:headEnd type="none" w="med" len="med"/>
+                      <a:tailEnd type="none" w="med" len="med"/>
+                    </a:lnT>
+                    <a:lnB w="12700" cap="flat" cmpd="sng" algn="ctr">
+                      <a:solidFill>
+                        <a:schemeClr val="tx1"/>
+                      </a:solidFill>
+                      <a:prstDash val="solid"/>
+                      <a:round/>
+                      <a:headEnd type="none" w="med" len="med"/>
+                      <a:tailEnd type="none" w="med" len="med"/>
+                    </a:lnB>
+                    <a:solidFill>
+                      <a:schemeClr val="accent1">
+                        <a:lumMod val="20000"/>
+                        <a:lumOff val="80000"/>
+                      </a:schemeClr>
+                    </a:solidFill>
+                  </a:tcPr>
+                </a:tc>
+                <a:tc>
+                  <a:txBody>
+                    <a:bodyPr/>
+                    <a:lstStyle/>
+                    <a:p>
+                      <a:r>
+                        <a:rPr lang="en-US" dirty="0"/>
+                        <a:t>.8</a:t>
+                      </a:r>
+                    </a:p>
+                  </a:txBody>
+                  <a:tcPr>
+                    <a:lnL w="12700" cap="flat" cmpd="sng" algn="ctr">
+                      <a:noFill/>
+                      <a:prstDash val="solid"/>
+                      <a:round/>
+                      <a:headEnd type="none" w="med" len="med"/>
+                      <a:tailEnd type="none" w="med" len="med"/>
+                    </a:lnL>
+                    <a:lnR w="12700" cap="flat" cmpd="sng" algn="ctr">
+                      <a:noFill/>
+                      <a:prstDash val="solid"/>
+                      <a:round/>
+                      <a:headEnd type="none" w="med" len="med"/>
+                      <a:tailEnd type="none" w="med" len="med"/>
+                    </a:lnR>
+                    <a:lnT w="12700" cap="flat" cmpd="sng" algn="ctr">
+                      <a:noFill/>
+                      <a:prstDash val="solid"/>
+                      <a:round/>
+                      <a:headEnd type="none" w="med" len="med"/>
+                      <a:tailEnd type="none" w="med" len="med"/>
+                    </a:lnT>
+                    <a:lnB w="12700" cap="flat" cmpd="sng" algn="ctr">
+                      <a:solidFill>
+                        <a:schemeClr val="tx1"/>
+                      </a:solidFill>
+                      <a:prstDash val="solid"/>
+                      <a:round/>
+                      <a:headEnd type="none" w="med" len="med"/>
+                      <a:tailEnd type="none" w="med" len="med"/>
+                    </a:lnB>
+                    <a:solidFill>
+                      <a:schemeClr val="accent1">
+                        <a:lumMod val="20000"/>
+                        <a:lumOff val="80000"/>
+                      </a:schemeClr>
+                    </a:solidFill>
+                  </a:tcPr>
+                </a:tc>
+                <a:extLst>
+                  <a:ext uri="{0D108BD9-81ED-4DB2-BD59-A6C34878D82A}">
+                    <a16:rowId xmlns:a16="http://schemas.microsoft.com/office/drawing/2014/main" val="3907963640"/>
+                  </a:ext>
+                </a:extLst>
+              </a:tr>
+              <a:tr h="370840">
+                <a:tc>
+                  <a:txBody>
+                    <a:bodyPr/>
+                    <a:lstStyle/>
+                    <a:p>
+                      <a:endParaRPr lang="en-US" dirty="0"/>
+                    </a:p>
+                  </a:txBody>
+                  <a:tcPr>
+                    <a:lnL w="12700" cap="flat" cmpd="sng" algn="ctr">
+                      <a:noFill/>
+                      <a:prstDash val="solid"/>
+                      <a:round/>
+                      <a:headEnd type="none" w="med" len="med"/>
+                      <a:tailEnd type="none" w="med" len="med"/>
+                    </a:lnL>
+                    <a:lnR w="12700" cap="flat" cmpd="sng" algn="ctr">
+                      <a:noFill/>
+                      <a:prstDash val="solid"/>
+                      <a:round/>
+                      <a:headEnd type="none" w="med" len="med"/>
+                      <a:tailEnd type="none" w="med" len="med"/>
+                    </a:lnR>
+                    <a:lnT w="12700" cap="flat" cmpd="sng" algn="ctr">
+                      <a:solidFill>
+                        <a:schemeClr val="tx1"/>
+                      </a:solidFill>
+                      <a:prstDash val="solid"/>
+                      <a:round/>
+                      <a:headEnd type="none" w="med" len="med"/>
+                      <a:tailEnd type="none" w="med" len="med"/>
+                    </a:lnT>
+                    <a:lnB w="12700" cap="flat" cmpd="sng" algn="ctr">
+                      <a:noFill/>
+                      <a:prstDash val="solid"/>
+                      <a:round/>
+                      <a:headEnd type="none" w="med" len="med"/>
+                      <a:tailEnd type="none" w="med" len="med"/>
+                    </a:lnB>
+                    <a:solidFill>
+                      <a:schemeClr val="accent1">
+                        <a:lumMod val="20000"/>
+                        <a:lumOff val="80000"/>
+                      </a:schemeClr>
+                    </a:solidFill>
+                  </a:tcPr>
+                </a:tc>
+                <a:tc>
+                  <a:txBody>
+                    <a:bodyPr/>
+                    <a:lstStyle/>
+                    <a:p>
+                      <a:endParaRPr lang="en-US" dirty="0"/>
+                    </a:p>
+                  </a:txBody>
+                  <a:tcPr>
+                    <a:lnL w="12700" cap="flat" cmpd="sng" algn="ctr">
+                      <a:noFill/>
+                      <a:prstDash val="solid"/>
+                      <a:round/>
+                      <a:headEnd type="none" w="med" len="med"/>
+                      <a:tailEnd type="none" w="med" len="med"/>
+                    </a:lnL>
+                    <a:lnR w="12700" cap="flat" cmpd="sng" algn="ctr">
+                      <a:noFill/>
+                      <a:prstDash val="solid"/>
+                      <a:round/>
+                      <a:headEnd type="none" w="med" len="med"/>
+                      <a:tailEnd type="none" w="med" len="med"/>
+                    </a:lnR>
+                    <a:lnT w="12700" cap="flat" cmpd="sng" algn="ctr">
+                      <a:solidFill>
+                        <a:schemeClr val="tx1"/>
+                      </a:solidFill>
+                      <a:prstDash val="solid"/>
+                      <a:round/>
+                      <a:headEnd type="none" w="med" len="med"/>
+                      <a:tailEnd type="none" w="med" len="med"/>
+                    </a:lnT>
+                    <a:lnB w="12700" cap="flat" cmpd="sng" algn="ctr">
+                      <a:noFill/>
+                      <a:prstDash val="solid"/>
+                      <a:round/>
+                      <a:headEnd type="none" w="med" len="med"/>
+                      <a:tailEnd type="none" w="med" len="med"/>
+                    </a:lnB>
+                    <a:solidFill>
+                      <a:schemeClr val="accent1">
+                        <a:lumMod val="20000"/>
+                        <a:lumOff val="80000"/>
+                      </a:schemeClr>
+                    </a:solidFill>
+                  </a:tcPr>
+                </a:tc>
+                <a:tc>
+                  <a:txBody>
+                    <a:bodyPr/>
+                    <a:lstStyle/>
+                    <a:p>
+                      <a:endParaRPr lang="en-US" dirty="0"/>
+                    </a:p>
+                  </a:txBody>
+                  <a:tcPr>
+                    <a:lnL w="12700" cap="flat" cmpd="sng" algn="ctr">
+                      <a:noFill/>
+                      <a:prstDash val="solid"/>
+                      <a:round/>
+                      <a:headEnd type="none" w="med" len="med"/>
+                      <a:tailEnd type="none" w="med" len="med"/>
+                    </a:lnL>
+                    <a:lnR w="12700" cap="flat" cmpd="sng" algn="ctr">
+                      <a:noFill/>
+                      <a:prstDash val="solid"/>
+                      <a:round/>
+                      <a:headEnd type="none" w="med" len="med"/>
+                      <a:tailEnd type="none" w="med" len="med"/>
+                    </a:lnR>
+                    <a:lnT w="12700" cap="flat" cmpd="sng" algn="ctr">
+                      <a:solidFill>
+                        <a:schemeClr val="tx1"/>
+                      </a:solidFill>
+                      <a:prstDash val="solid"/>
+                      <a:round/>
+                      <a:headEnd type="none" w="med" len="med"/>
+                      <a:tailEnd type="none" w="med" len="med"/>
+                    </a:lnT>
+                    <a:lnB w="12700" cap="flat" cmpd="sng" algn="ctr">
+                      <a:noFill/>
+                      <a:prstDash val="solid"/>
+                      <a:round/>
+                      <a:headEnd type="none" w="med" len="med"/>
+                      <a:tailEnd type="none" w="med" len="med"/>
+                    </a:lnB>
+                    <a:solidFill>
+                      <a:schemeClr val="accent1">
+                        <a:lumMod val="20000"/>
+                        <a:lumOff val="80000"/>
+                      </a:schemeClr>
+                    </a:solidFill>
+                  </a:tcPr>
+                </a:tc>
+                <a:tc>
+                  <a:txBody>
+                    <a:bodyPr/>
+                    <a:lstStyle/>
+                    <a:p>
+                      <a:endParaRPr lang="en-US" dirty="0"/>
+                    </a:p>
+                  </a:txBody>
+                  <a:tcPr>
+                    <a:lnL w="12700" cap="flat" cmpd="sng" algn="ctr">
+                      <a:noFill/>
+                      <a:prstDash val="solid"/>
+                      <a:round/>
+                      <a:headEnd type="none" w="med" len="med"/>
+                      <a:tailEnd type="none" w="med" len="med"/>
+                    </a:lnL>
+                    <a:lnR w="12700" cap="flat" cmpd="sng" algn="ctr">
+                      <a:noFill/>
+                      <a:prstDash val="solid"/>
+                      <a:round/>
+                      <a:headEnd type="none" w="med" len="med"/>
+                      <a:tailEnd type="none" w="med" len="med"/>
+                    </a:lnR>
+                    <a:lnT w="12700" cap="flat" cmpd="sng" algn="ctr">
+                      <a:solidFill>
+                        <a:schemeClr val="tx1"/>
+                      </a:solidFill>
+                      <a:prstDash val="solid"/>
+                      <a:round/>
+                      <a:headEnd type="none" w="med" len="med"/>
+                      <a:tailEnd type="none" w="med" len="med"/>
+                    </a:lnT>
+                    <a:lnB w="12700" cap="flat" cmpd="sng" algn="ctr">
+                      <a:noFill/>
+                      <a:prstDash val="solid"/>
+                      <a:round/>
+                      <a:headEnd type="none" w="med" len="med"/>
+                      <a:tailEnd type="none" w="med" len="med"/>
+                    </a:lnB>
+                    <a:solidFill>
+                      <a:schemeClr val="accent1">
+                        <a:lumMod val="20000"/>
+                        <a:lumOff val="80000"/>
+                      </a:schemeClr>
+                    </a:solidFill>
+                  </a:tcPr>
+                </a:tc>
+                <a:tc>
+                  <a:txBody>
+                    <a:bodyPr/>
+                    <a:lstStyle/>
+                    <a:p>
+                      <a:endParaRPr lang="en-US" dirty="0"/>
+                    </a:p>
+                  </a:txBody>
+                  <a:tcPr>
+                    <a:lnL w="12700" cap="flat" cmpd="sng" algn="ctr">
+                      <a:noFill/>
+                      <a:prstDash val="solid"/>
+                      <a:round/>
+                      <a:headEnd type="none" w="med" len="med"/>
+                      <a:tailEnd type="none" w="med" len="med"/>
+                    </a:lnL>
+                    <a:lnR w="12700" cap="flat" cmpd="sng" algn="ctr">
+                      <a:noFill/>
+                      <a:prstDash val="solid"/>
+                      <a:round/>
+                      <a:headEnd type="none" w="med" len="med"/>
+                      <a:tailEnd type="none" w="med" len="med"/>
+                    </a:lnR>
+                    <a:lnT w="12700" cap="flat" cmpd="sng" algn="ctr">
+                      <a:solidFill>
+                        <a:schemeClr val="tx1"/>
+                      </a:solidFill>
+                      <a:prstDash val="solid"/>
+                      <a:round/>
+                      <a:headEnd type="none" w="med" len="med"/>
+                      <a:tailEnd type="none" w="med" len="med"/>
+                    </a:lnT>
+                    <a:lnB w="12700" cap="flat" cmpd="sng" algn="ctr">
+                      <a:noFill/>
+                      <a:prstDash val="solid"/>
+                      <a:round/>
+                      <a:headEnd type="none" w="med" len="med"/>
+                      <a:tailEnd type="none" w="med" len="med"/>
+                    </a:lnB>
+                    <a:solidFill>
+                      <a:schemeClr val="accent1">
+                        <a:lumMod val="20000"/>
+                        <a:lumOff val="80000"/>
+                      </a:schemeClr>
+                    </a:solidFill>
+                  </a:tcPr>
+                </a:tc>
+                <a:tc>
+                  <a:txBody>
+                    <a:bodyPr/>
+                    <a:lstStyle/>
+                    <a:p>
+                      <a:endParaRPr lang="en-US" dirty="0"/>
+                    </a:p>
+                  </a:txBody>
+                  <a:tcPr>
+                    <a:lnL w="12700" cap="flat" cmpd="sng" algn="ctr">
+                      <a:noFill/>
+                      <a:prstDash val="solid"/>
+                      <a:round/>
+                      <a:headEnd type="none" w="med" len="med"/>
+                      <a:tailEnd type="none" w="med" len="med"/>
+                    </a:lnL>
+                    <a:lnR w="12700" cap="flat" cmpd="sng" algn="ctr">
+                      <a:noFill/>
+                      <a:prstDash val="solid"/>
+                      <a:round/>
+                      <a:headEnd type="none" w="med" len="med"/>
+                      <a:tailEnd type="none" w="med" len="med"/>
+                    </a:lnR>
+                    <a:lnT w="12700" cap="flat" cmpd="sng" algn="ctr">
+                      <a:solidFill>
+                        <a:schemeClr val="tx1"/>
+                      </a:solidFill>
+                      <a:prstDash val="solid"/>
+                      <a:round/>
+                      <a:headEnd type="none" w="med" len="med"/>
+                      <a:tailEnd type="none" w="med" len="med"/>
+                    </a:lnT>
+                    <a:lnB w="12700" cap="flat" cmpd="sng" algn="ctr">
+                      <a:noFill/>
+                      <a:prstDash val="solid"/>
+                      <a:round/>
+                      <a:headEnd type="none" w="med" len="med"/>
+                      <a:tailEnd type="none" w="med" len="med"/>
+                    </a:lnB>
+                    <a:solidFill>
+                      <a:schemeClr val="accent1">
+                        <a:lumMod val="20000"/>
+                        <a:lumOff val="80000"/>
+                      </a:schemeClr>
+                    </a:solidFill>
+                  </a:tcPr>
+                </a:tc>
+                <a:tc>
+                  <a:txBody>
+                    <a:bodyPr/>
+                    <a:lstStyle/>
+                    <a:p>
+                      <a:endParaRPr lang="en-US" dirty="0"/>
+                    </a:p>
+                  </a:txBody>
+                  <a:tcPr>
+                    <a:lnL w="12700" cap="flat" cmpd="sng" algn="ctr">
+                      <a:noFill/>
+                      <a:prstDash val="solid"/>
+                      <a:round/>
+                      <a:headEnd type="none" w="med" len="med"/>
+                      <a:tailEnd type="none" w="med" len="med"/>
+                    </a:lnL>
+                    <a:lnR w="12700" cap="flat" cmpd="sng" algn="ctr">
+                      <a:noFill/>
+                      <a:prstDash val="solid"/>
+                      <a:round/>
+                      <a:headEnd type="none" w="med" len="med"/>
+                      <a:tailEnd type="none" w="med" len="med"/>
+                    </a:lnR>
+                    <a:lnT w="12700" cap="flat" cmpd="sng" algn="ctr">
+                      <a:solidFill>
+                        <a:schemeClr val="tx1"/>
+                      </a:solidFill>
+                      <a:prstDash val="solid"/>
+                      <a:round/>
+                      <a:headEnd type="none" w="med" len="med"/>
+                      <a:tailEnd type="none" w="med" len="med"/>
+                    </a:lnT>
+                    <a:lnB w="12700" cap="flat" cmpd="sng" algn="ctr">
+                      <a:noFill/>
+                      <a:prstDash val="solid"/>
+                      <a:round/>
+                      <a:headEnd type="none" w="med" len="med"/>
+                      <a:tailEnd type="none" w="med" len="med"/>
+                    </a:lnB>
+                    <a:solidFill>
+                      <a:schemeClr val="accent1">
+                        <a:lumMod val="20000"/>
+                        <a:lumOff val="80000"/>
+                      </a:schemeClr>
+                    </a:solidFill>
+                  </a:tcPr>
+                </a:tc>
+                <a:extLst>
+                  <a:ext uri="{0D108BD9-81ED-4DB2-BD59-A6C34878D82A}">
+                    <a16:rowId xmlns:a16="http://schemas.microsoft.com/office/drawing/2014/main" val="81524654"/>
+                  </a:ext>
+                </a:extLst>
+              </a:tr>
+              <a:tr h="370840">
+                <a:tc>
+                  <a:txBody>
+                    <a:bodyPr/>
+                    <a:lstStyle/>
+                    <a:p>
+                      <a:r>
+                        <a:rPr lang="en-US" dirty="0"/>
                         <a:t>           1</a:t>
                       </a:r>
                     </a:p>
@@ -9151,7 +9817,7 @@
                     <a:p>
                       <a:r>
                         <a:rPr lang="en-US" dirty="0"/>
-                        <a:t>0          0</a:t>
+                        <a:t>0           0</a:t>
                       </a:r>
                     </a:p>
                   </a:txBody>
@@ -9301,7 +9967,7 @@
                     <a:p>
                       <a:r>
                         <a:rPr lang="en-US" dirty="0"/>
-                        <a:t> 1          0</a:t>
+                        <a:t> 1           0</a:t>
                       </a:r>
                     </a:p>
                   </a:txBody>
@@ -9396,7 +10062,700 @@
                 </a:tc>
                 <a:extLst>
                   <a:ext uri="{0D108BD9-81ED-4DB2-BD59-A6C34878D82A}">
-                    <a16:rowId xmlns:a16="http://schemas.microsoft.com/office/drawing/2014/main" val="3907963640"/>
+                    <a16:rowId xmlns:a16="http://schemas.microsoft.com/office/drawing/2014/main" val="1895869310"/>
+                  </a:ext>
+                </a:extLst>
+              </a:tr>
+              <a:tr h="370840">
+                <a:tc>
+                  <a:txBody>
+                    <a:bodyPr/>
+                    <a:lstStyle/>
+                    <a:p>
+                      <a:endParaRPr lang="en-US" dirty="0"/>
+                    </a:p>
+                  </a:txBody>
+                  <a:tcPr>
+                    <a:lnL w="12700" cap="flat" cmpd="sng" algn="ctr">
+                      <a:noFill/>
+                      <a:prstDash val="solid"/>
+                      <a:round/>
+                      <a:headEnd type="none" w="med" len="med"/>
+                      <a:tailEnd type="none" w="med" len="med"/>
+                    </a:lnL>
+                    <a:lnR w="12700" cap="flat" cmpd="sng" algn="ctr">
+                      <a:noFill/>
+                      <a:prstDash val="solid"/>
+                      <a:round/>
+                      <a:headEnd type="none" w="med" len="med"/>
+                      <a:tailEnd type="none" w="med" len="med"/>
+                    </a:lnR>
+                    <a:lnT w="12700" cap="flat" cmpd="sng" algn="ctr">
+                      <a:solidFill>
+                        <a:schemeClr val="tx1"/>
+                      </a:solidFill>
+                      <a:prstDash val="solid"/>
+                      <a:round/>
+                      <a:headEnd type="none" w="med" len="med"/>
+                      <a:tailEnd type="none" w="med" len="med"/>
+                    </a:lnT>
+                    <a:lnB w="12700" cap="flat" cmpd="sng" algn="ctr">
+                      <a:noFill/>
+                      <a:prstDash val="solid"/>
+                      <a:round/>
+                      <a:headEnd type="none" w="med" len="med"/>
+                      <a:tailEnd type="none" w="med" len="med"/>
+                    </a:lnB>
+                    <a:solidFill>
+                      <a:schemeClr val="accent1">
+                        <a:lumMod val="20000"/>
+                        <a:lumOff val="80000"/>
+                      </a:schemeClr>
+                    </a:solidFill>
+                  </a:tcPr>
+                </a:tc>
+                <a:tc>
+                  <a:txBody>
+                    <a:bodyPr/>
+                    <a:lstStyle/>
+                    <a:p>
+                      <a:endParaRPr lang="en-US" dirty="0"/>
+                    </a:p>
+                  </a:txBody>
+                  <a:tcPr>
+                    <a:lnL w="12700" cap="flat" cmpd="sng" algn="ctr">
+                      <a:noFill/>
+                      <a:prstDash val="solid"/>
+                      <a:round/>
+                      <a:headEnd type="none" w="med" len="med"/>
+                      <a:tailEnd type="none" w="med" len="med"/>
+                    </a:lnL>
+                    <a:lnR w="12700" cap="flat" cmpd="sng" algn="ctr">
+                      <a:noFill/>
+                      <a:prstDash val="solid"/>
+                      <a:round/>
+                      <a:headEnd type="none" w="med" len="med"/>
+                      <a:tailEnd type="none" w="med" len="med"/>
+                    </a:lnR>
+                    <a:lnT w="12700" cap="flat" cmpd="sng" algn="ctr">
+                      <a:solidFill>
+                        <a:schemeClr val="tx1"/>
+                      </a:solidFill>
+                      <a:prstDash val="solid"/>
+                      <a:round/>
+                      <a:headEnd type="none" w="med" len="med"/>
+                      <a:tailEnd type="none" w="med" len="med"/>
+                    </a:lnT>
+                    <a:lnB w="12700" cap="flat" cmpd="sng" algn="ctr">
+                      <a:noFill/>
+                      <a:prstDash val="solid"/>
+                      <a:round/>
+                      <a:headEnd type="none" w="med" len="med"/>
+                      <a:tailEnd type="none" w="med" len="med"/>
+                    </a:lnB>
+                    <a:solidFill>
+                      <a:schemeClr val="accent1">
+                        <a:lumMod val="20000"/>
+                        <a:lumOff val="80000"/>
+                      </a:schemeClr>
+                    </a:solidFill>
+                  </a:tcPr>
+                </a:tc>
+                <a:tc>
+                  <a:txBody>
+                    <a:bodyPr/>
+                    <a:lstStyle/>
+                    <a:p>
+                      <a:endParaRPr lang="en-US" dirty="0"/>
+                    </a:p>
+                  </a:txBody>
+                  <a:tcPr>
+                    <a:lnL w="12700" cap="flat" cmpd="sng" algn="ctr">
+                      <a:noFill/>
+                      <a:prstDash val="solid"/>
+                      <a:round/>
+                      <a:headEnd type="none" w="med" len="med"/>
+                      <a:tailEnd type="none" w="med" len="med"/>
+                    </a:lnL>
+                    <a:lnR w="12700" cap="flat" cmpd="sng" algn="ctr">
+                      <a:noFill/>
+                      <a:prstDash val="solid"/>
+                      <a:round/>
+                      <a:headEnd type="none" w="med" len="med"/>
+                      <a:tailEnd type="none" w="med" len="med"/>
+                    </a:lnR>
+                    <a:lnT w="12700" cap="flat" cmpd="sng" algn="ctr">
+                      <a:solidFill>
+                        <a:schemeClr val="tx1"/>
+                      </a:solidFill>
+                      <a:prstDash val="solid"/>
+                      <a:round/>
+                      <a:headEnd type="none" w="med" len="med"/>
+                      <a:tailEnd type="none" w="med" len="med"/>
+                    </a:lnT>
+                    <a:lnB w="12700" cap="flat" cmpd="sng" algn="ctr">
+                      <a:noFill/>
+                      <a:prstDash val="solid"/>
+                      <a:round/>
+                      <a:headEnd type="none" w="med" len="med"/>
+                      <a:tailEnd type="none" w="med" len="med"/>
+                    </a:lnB>
+                    <a:solidFill>
+                      <a:schemeClr val="accent1">
+                        <a:lumMod val="20000"/>
+                        <a:lumOff val="80000"/>
+                      </a:schemeClr>
+                    </a:solidFill>
+                  </a:tcPr>
+                </a:tc>
+                <a:tc>
+                  <a:txBody>
+                    <a:bodyPr/>
+                    <a:lstStyle/>
+                    <a:p>
+                      <a:endParaRPr lang="en-US" dirty="0"/>
+                    </a:p>
+                  </a:txBody>
+                  <a:tcPr>
+                    <a:lnL w="12700" cap="flat" cmpd="sng" algn="ctr">
+                      <a:noFill/>
+                      <a:prstDash val="solid"/>
+                      <a:round/>
+                      <a:headEnd type="none" w="med" len="med"/>
+                      <a:tailEnd type="none" w="med" len="med"/>
+                    </a:lnL>
+                    <a:lnR w="12700" cap="flat" cmpd="sng" algn="ctr">
+                      <a:noFill/>
+                      <a:prstDash val="solid"/>
+                      <a:round/>
+                      <a:headEnd type="none" w="med" len="med"/>
+                      <a:tailEnd type="none" w="med" len="med"/>
+                    </a:lnR>
+                    <a:lnT w="12700" cap="flat" cmpd="sng" algn="ctr">
+                      <a:solidFill>
+                        <a:schemeClr val="tx1"/>
+                      </a:solidFill>
+                      <a:prstDash val="solid"/>
+                      <a:round/>
+                      <a:headEnd type="none" w="med" len="med"/>
+                      <a:tailEnd type="none" w="med" len="med"/>
+                    </a:lnT>
+                    <a:lnB w="12700" cap="flat" cmpd="sng" algn="ctr">
+                      <a:noFill/>
+                      <a:prstDash val="solid"/>
+                      <a:round/>
+                      <a:headEnd type="none" w="med" len="med"/>
+                      <a:tailEnd type="none" w="med" len="med"/>
+                    </a:lnB>
+                    <a:solidFill>
+                      <a:schemeClr val="accent1">
+                        <a:lumMod val="20000"/>
+                        <a:lumOff val="80000"/>
+                      </a:schemeClr>
+                    </a:solidFill>
+                  </a:tcPr>
+                </a:tc>
+                <a:tc>
+                  <a:txBody>
+                    <a:bodyPr/>
+                    <a:lstStyle/>
+                    <a:p>
+                      <a:endParaRPr lang="en-US" dirty="0"/>
+                    </a:p>
+                  </a:txBody>
+                  <a:tcPr>
+                    <a:lnL w="12700" cap="flat" cmpd="sng" algn="ctr">
+                      <a:noFill/>
+                      <a:prstDash val="solid"/>
+                      <a:round/>
+                      <a:headEnd type="none" w="med" len="med"/>
+                      <a:tailEnd type="none" w="med" len="med"/>
+                    </a:lnL>
+                    <a:lnR w="12700" cap="flat" cmpd="sng" algn="ctr">
+                      <a:noFill/>
+                      <a:prstDash val="solid"/>
+                      <a:round/>
+                      <a:headEnd type="none" w="med" len="med"/>
+                      <a:tailEnd type="none" w="med" len="med"/>
+                    </a:lnR>
+                    <a:lnT w="12700" cap="flat" cmpd="sng" algn="ctr">
+                      <a:solidFill>
+                        <a:schemeClr val="tx1"/>
+                      </a:solidFill>
+                      <a:prstDash val="solid"/>
+                      <a:round/>
+                      <a:headEnd type="none" w="med" len="med"/>
+                      <a:tailEnd type="none" w="med" len="med"/>
+                    </a:lnT>
+                    <a:lnB w="12700" cap="flat" cmpd="sng" algn="ctr">
+                      <a:noFill/>
+                      <a:prstDash val="solid"/>
+                      <a:round/>
+                      <a:headEnd type="none" w="med" len="med"/>
+                      <a:tailEnd type="none" w="med" len="med"/>
+                    </a:lnB>
+                    <a:solidFill>
+                      <a:schemeClr val="accent1">
+                        <a:lumMod val="20000"/>
+                        <a:lumOff val="80000"/>
+                      </a:schemeClr>
+                    </a:solidFill>
+                  </a:tcPr>
+                </a:tc>
+                <a:tc>
+                  <a:txBody>
+                    <a:bodyPr/>
+                    <a:lstStyle/>
+                    <a:p>
+                      <a:endParaRPr lang="en-US" dirty="0"/>
+                    </a:p>
+                  </a:txBody>
+                  <a:tcPr>
+                    <a:lnL w="12700" cap="flat" cmpd="sng" algn="ctr">
+                      <a:noFill/>
+                      <a:prstDash val="solid"/>
+                      <a:round/>
+                      <a:headEnd type="none" w="med" len="med"/>
+                      <a:tailEnd type="none" w="med" len="med"/>
+                    </a:lnL>
+                    <a:lnR w="12700" cap="flat" cmpd="sng" algn="ctr">
+                      <a:noFill/>
+                      <a:prstDash val="solid"/>
+                      <a:round/>
+                      <a:headEnd type="none" w="med" len="med"/>
+                      <a:tailEnd type="none" w="med" len="med"/>
+                    </a:lnR>
+                    <a:lnT w="12700" cap="flat" cmpd="sng" algn="ctr">
+                      <a:solidFill>
+                        <a:schemeClr val="tx1"/>
+                      </a:solidFill>
+                      <a:prstDash val="solid"/>
+                      <a:round/>
+                      <a:headEnd type="none" w="med" len="med"/>
+                      <a:tailEnd type="none" w="med" len="med"/>
+                    </a:lnT>
+                    <a:lnB w="12700" cap="flat" cmpd="sng" algn="ctr">
+                      <a:noFill/>
+                      <a:prstDash val="solid"/>
+                      <a:round/>
+                      <a:headEnd type="none" w="med" len="med"/>
+                      <a:tailEnd type="none" w="med" len="med"/>
+                    </a:lnB>
+                    <a:solidFill>
+                      <a:schemeClr val="accent1">
+                        <a:lumMod val="20000"/>
+                        <a:lumOff val="80000"/>
+                      </a:schemeClr>
+                    </a:solidFill>
+                  </a:tcPr>
+                </a:tc>
+                <a:tc>
+                  <a:txBody>
+                    <a:bodyPr/>
+                    <a:lstStyle/>
+                    <a:p>
+                      <a:endParaRPr lang="en-US" dirty="0"/>
+                    </a:p>
+                  </a:txBody>
+                  <a:tcPr>
+                    <a:lnL w="12700" cap="flat" cmpd="sng" algn="ctr">
+                      <a:noFill/>
+                      <a:prstDash val="solid"/>
+                      <a:round/>
+                      <a:headEnd type="none" w="med" len="med"/>
+                      <a:tailEnd type="none" w="med" len="med"/>
+                    </a:lnL>
+                    <a:lnR w="12700" cap="flat" cmpd="sng" algn="ctr">
+                      <a:noFill/>
+                      <a:prstDash val="solid"/>
+                      <a:round/>
+                      <a:headEnd type="none" w="med" len="med"/>
+                      <a:tailEnd type="none" w="med" len="med"/>
+                    </a:lnR>
+                    <a:lnT w="12700" cap="flat" cmpd="sng" algn="ctr">
+                      <a:solidFill>
+                        <a:schemeClr val="tx1"/>
+                      </a:solidFill>
+                      <a:prstDash val="solid"/>
+                      <a:round/>
+                      <a:headEnd type="none" w="med" len="med"/>
+                      <a:tailEnd type="none" w="med" len="med"/>
+                    </a:lnT>
+                    <a:lnB w="12700" cap="flat" cmpd="sng" algn="ctr">
+                      <a:noFill/>
+                      <a:prstDash val="solid"/>
+                      <a:round/>
+                      <a:headEnd type="none" w="med" len="med"/>
+                      <a:tailEnd type="none" w="med" len="med"/>
+                    </a:lnB>
+                    <a:solidFill>
+                      <a:schemeClr val="accent1">
+                        <a:lumMod val="20000"/>
+                        <a:lumOff val="80000"/>
+                      </a:schemeClr>
+                    </a:solidFill>
+                  </a:tcPr>
+                </a:tc>
+                <a:extLst>
+                  <a:ext uri="{0D108BD9-81ED-4DB2-BD59-A6C34878D82A}">
+                    <a16:rowId xmlns:a16="http://schemas.microsoft.com/office/drawing/2014/main" val="3951605750"/>
+                  </a:ext>
+                </a:extLst>
+              </a:tr>
+              <a:tr h="370840">
+                <a:tc>
+                  <a:txBody>
+                    <a:bodyPr/>
+                    <a:lstStyle/>
+                    <a:p>
+                      <a:r>
+                        <a:rPr lang="en-US" dirty="0"/>
+                        <a:t>           0</a:t>
+                      </a:r>
+                    </a:p>
+                  </a:txBody>
+                  <a:tcPr>
+                    <a:lnL w="12700" cap="flat" cmpd="sng" algn="ctr">
+                      <a:noFill/>
+                      <a:prstDash val="solid"/>
+                      <a:round/>
+                      <a:headEnd type="none" w="med" len="med"/>
+                      <a:tailEnd type="none" w="med" len="med"/>
+                    </a:lnL>
+                    <a:lnR w="12700" cap="flat" cmpd="sng" algn="ctr">
+                      <a:noFill/>
+                      <a:prstDash val="solid"/>
+                      <a:round/>
+                      <a:headEnd type="none" w="med" len="med"/>
+                      <a:tailEnd type="none" w="med" len="med"/>
+                    </a:lnR>
+                    <a:lnT w="12700" cap="flat" cmpd="sng" algn="ctr">
+                      <a:noFill/>
+                      <a:prstDash val="solid"/>
+                      <a:round/>
+                      <a:headEnd type="none" w="med" len="med"/>
+                      <a:tailEnd type="none" w="med" len="med"/>
+                    </a:lnT>
+                    <a:lnB w="12700" cap="flat" cmpd="sng" algn="ctr">
+                      <a:solidFill>
+                        <a:schemeClr val="tx1"/>
+                      </a:solidFill>
+                      <a:prstDash val="solid"/>
+                      <a:round/>
+                      <a:headEnd type="none" w="med" len="med"/>
+                      <a:tailEnd type="none" w="med" len="med"/>
+                    </a:lnB>
+                    <a:solidFill>
+                      <a:schemeClr val="accent1">
+                        <a:lumMod val="20000"/>
+                        <a:lumOff val="80000"/>
+                      </a:schemeClr>
+                    </a:solidFill>
+                  </a:tcPr>
+                </a:tc>
+                <a:tc>
+                  <a:txBody>
+                    <a:bodyPr/>
+                    <a:lstStyle/>
+                    <a:p>
+                      <a:r>
+                        <a:rPr lang="en-US" dirty="0"/>
+                        <a:t> 9           0</a:t>
+                      </a:r>
+                    </a:p>
+                  </a:txBody>
+                  <a:tcPr>
+                    <a:lnL w="12700" cap="flat" cmpd="sng" algn="ctr">
+                      <a:noFill/>
+                      <a:prstDash val="solid"/>
+                      <a:round/>
+                      <a:headEnd type="none" w="med" len="med"/>
+                      <a:tailEnd type="none" w="med" len="med"/>
+                    </a:lnL>
+                    <a:lnR w="12700" cap="flat" cmpd="sng" algn="ctr">
+                      <a:noFill/>
+                      <a:prstDash val="solid"/>
+                      <a:round/>
+                      <a:headEnd type="none" w="med" len="med"/>
+                      <a:tailEnd type="none" w="med" len="med"/>
+                    </a:lnR>
+                    <a:lnT w="12700" cap="flat" cmpd="sng" algn="ctr">
+                      <a:noFill/>
+                      <a:prstDash val="solid"/>
+                      <a:round/>
+                      <a:headEnd type="none" w="med" len="med"/>
+                      <a:tailEnd type="none" w="med" len="med"/>
+                    </a:lnT>
+                    <a:lnB w="12700" cap="flat" cmpd="sng" algn="ctr">
+                      <a:solidFill>
+                        <a:schemeClr val="tx1"/>
+                      </a:solidFill>
+                      <a:prstDash val="solid"/>
+                      <a:round/>
+                      <a:headEnd type="none" w="med" len="med"/>
+                      <a:tailEnd type="none" w="med" len="med"/>
+                    </a:lnB>
+                    <a:solidFill>
+                      <a:schemeClr val="accent1">
+                        <a:lumMod val="20000"/>
+                        <a:lumOff val="80000"/>
+                      </a:schemeClr>
+                    </a:solidFill>
+                  </a:tcPr>
+                </a:tc>
+                <a:tc>
+                  <a:txBody>
+                    <a:bodyPr/>
+                    <a:lstStyle/>
+                    <a:p>
+                      <a:r>
+                        <a:rPr lang="en-US" dirty="0"/>
+                        <a:t> 7          5</a:t>
+                      </a:r>
+                    </a:p>
+                  </a:txBody>
+                  <a:tcPr>
+                    <a:lnL w="12700" cap="flat" cmpd="sng" algn="ctr">
+                      <a:noFill/>
+                      <a:prstDash val="solid"/>
+                      <a:round/>
+                      <a:headEnd type="none" w="med" len="med"/>
+                      <a:tailEnd type="none" w="med" len="med"/>
+                    </a:lnL>
+                    <a:lnR w="12700" cap="flat" cmpd="sng" algn="ctr">
+                      <a:noFill/>
+                      <a:prstDash val="solid"/>
+                      <a:round/>
+                      <a:headEnd type="none" w="med" len="med"/>
+                      <a:tailEnd type="none" w="med" len="med"/>
+                    </a:lnR>
+                    <a:lnT w="12700" cap="flat" cmpd="sng" algn="ctr">
+                      <a:noFill/>
+                      <a:prstDash val="solid"/>
+                      <a:round/>
+                      <a:headEnd type="none" w="med" len="med"/>
+                      <a:tailEnd type="none" w="med" len="med"/>
+                    </a:lnT>
+                    <a:lnB w="12700" cap="flat" cmpd="sng" algn="ctr">
+                      <a:solidFill>
+                        <a:schemeClr val="tx1"/>
+                      </a:solidFill>
+                      <a:prstDash val="solid"/>
+                      <a:round/>
+                      <a:headEnd type="none" w="med" len="med"/>
+                      <a:tailEnd type="none" w="med" len="med"/>
+                    </a:lnB>
+                    <a:solidFill>
+                      <a:schemeClr val="accent1">
+                        <a:lumMod val="20000"/>
+                        <a:lumOff val="80000"/>
+                      </a:schemeClr>
+                    </a:solidFill>
+                  </a:tcPr>
+                </a:tc>
+                <a:tc>
+                  <a:txBody>
+                    <a:bodyPr/>
+                    <a:lstStyle/>
+                    <a:p>
+                      <a:r>
+                        <a:rPr lang="en-US" dirty="0"/>
+                        <a:t>0          0</a:t>
+                      </a:r>
+                    </a:p>
+                  </a:txBody>
+                  <a:tcPr>
+                    <a:lnL w="12700" cap="flat" cmpd="sng" algn="ctr">
+                      <a:noFill/>
+                      <a:prstDash val="solid"/>
+                      <a:round/>
+                      <a:headEnd type="none" w="med" len="med"/>
+                      <a:tailEnd type="none" w="med" len="med"/>
+                    </a:lnL>
+                    <a:lnR w="12700" cap="flat" cmpd="sng" algn="ctr">
+                      <a:noFill/>
+                      <a:prstDash val="solid"/>
+                      <a:round/>
+                      <a:headEnd type="none" w="med" len="med"/>
+                      <a:tailEnd type="none" w="med" len="med"/>
+                    </a:lnR>
+                    <a:lnT w="12700" cap="flat" cmpd="sng" algn="ctr">
+                      <a:noFill/>
+                      <a:prstDash val="solid"/>
+                      <a:round/>
+                      <a:headEnd type="none" w="med" len="med"/>
+                      <a:tailEnd type="none" w="med" len="med"/>
+                    </a:lnT>
+                    <a:lnB w="12700" cap="flat" cmpd="sng" algn="ctr">
+                      <a:solidFill>
+                        <a:schemeClr val="tx1"/>
+                      </a:solidFill>
+                      <a:prstDash val="solid"/>
+                      <a:round/>
+                      <a:headEnd type="none" w="med" len="med"/>
+                      <a:tailEnd type="none" w="med" len="med"/>
+                    </a:lnB>
+                    <a:solidFill>
+                      <a:schemeClr val="accent1">
+                        <a:lumMod val="20000"/>
+                        <a:lumOff val="80000"/>
+                      </a:schemeClr>
+                    </a:solidFill>
+                  </a:tcPr>
+                </a:tc>
+                <a:tc>
+                  <a:txBody>
+                    <a:bodyPr/>
+                    <a:lstStyle/>
+                    <a:p>
+                      <a:r>
+                        <a:rPr lang="en-US" dirty="0"/>
+                        <a:t>  0           0</a:t>
+                      </a:r>
+                    </a:p>
+                  </a:txBody>
+                  <a:tcPr>
+                    <a:lnL w="12700" cap="flat" cmpd="sng" algn="ctr">
+                      <a:noFill/>
+                      <a:prstDash val="solid"/>
+                      <a:round/>
+                      <a:headEnd type="none" w="med" len="med"/>
+                      <a:tailEnd type="none" w="med" len="med"/>
+                    </a:lnL>
+                    <a:lnR w="12700" cap="flat" cmpd="sng" algn="ctr">
+                      <a:noFill/>
+                      <a:prstDash val="solid"/>
+                      <a:round/>
+                      <a:headEnd type="none" w="med" len="med"/>
+                      <a:tailEnd type="none" w="med" len="med"/>
+                    </a:lnR>
+                    <a:lnT w="12700" cap="flat" cmpd="sng" algn="ctr">
+                      <a:noFill/>
+                      <a:prstDash val="solid"/>
+                      <a:round/>
+                      <a:headEnd type="none" w="med" len="med"/>
+                      <a:tailEnd type="none" w="med" len="med"/>
+                    </a:lnT>
+                    <a:lnB w="12700" cap="flat" cmpd="sng" algn="ctr">
+                      <a:solidFill>
+                        <a:schemeClr val="tx1"/>
+                      </a:solidFill>
+                      <a:prstDash val="solid"/>
+                      <a:round/>
+                      <a:headEnd type="none" w="med" len="med"/>
+                      <a:tailEnd type="none" w="med" len="med"/>
+                    </a:lnB>
+                    <a:solidFill>
+                      <a:schemeClr val="accent1">
+                        <a:lumMod val="20000"/>
+                        <a:lumOff val="80000"/>
+                      </a:schemeClr>
+                    </a:solidFill>
+                  </a:tcPr>
+                </a:tc>
+                <a:tc>
+                  <a:txBody>
+                    <a:bodyPr/>
+                    <a:lstStyle/>
+                    <a:p>
+                      <a:r>
+                        <a:rPr lang="en-US" dirty="0"/>
+                        <a:t>  0           2</a:t>
+                      </a:r>
+                    </a:p>
+                  </a:txBody>
+                  <a:tcPr>
+                    <a:lnL w="12700" cap="flat" cmpd="sng" algn="ctr">
+                      <a:noFill/>
+                      <a:prstDash val="solid"/>
+                      <a:round/>
+                      <a:headEnd type="none" w="med" len="med"/>
+                      <a:tailEnd type="none" w="med" len="med"/>
+                    </a:lnL>
+                    <a:lnR w="12700" cap="flat" cmpd="sng" algn="ctr">
+                      <a:noFill/>
+                      <a:prstDash val="solid"/>
+                      <a:round/>
+                      <a:headEnd type="none" w="med" len="med"/>
+                      <a:tailEnd type="none" w="med" len="med"/>
+                    </a:lnR>
+                    <a:lnT w="12700" cap="flat" cmpd="sng" algn="ctr">
+                      <a:noFill/>
+                      <a:prstDash val="solid"/>
+                      <a:round/>
+                      <a:headEnd type="none" w="med" len="med"/>
+                      <a:tailEnd type="none" w="med" len="med"/>
+                    </a:lnT>
+                    <a:lnB w="12700" cap="flat" cmpd="sng" algn="ctr">
+                      <a:solidFill>
+                        <a:schemeClr val="tx1"/>
+                      </a:solidFill>
+                      <a:prstDash val="solid"/>
+                      <a:round/>
+                      <a:headEnd type="none" w="med" len="med"/>
+                      <a:tailEnd type="none" w="med" len="med"/>
+                    </a:lnB>
+                    <a:solidFill>
+                      <a:schemeClr val="accent1">
+                        <a:lumMod val="20000"/>
+                        <a:lumOff val="80000"/>
+                      </a:schemeClr>
+                    </a:solidFill>
+                  </a:tcPr>
+                </a:tc>
+                <a:tc>
+                  <a:txBody>
+                    <a:bodyPr/>
+                    <a:lstStyle/>
+                    <a:p>
+                      <a:r>
+                        <a:rPr lang="en-US" dirty="0"/>
+                        <a:t>8</a:t>
+                      </a:r>
+                    </a:p>
+                  </a:txBody>
+                  <a:tcPr>
+                    <a:lnL w="12700" cap="flat" cmpd="sng" algn="ctr">
+                      <a:noFill/>
+                      <a:prstDash val="solid"/>
+                      <a:round/>
+                      <a:headEnd type="none" w="med" len="med"/>
+                      <a:tailEnd type="none" w="med" len="med"/>
+                    </a:lnL>
+                    <a:lnR w="12700" cap="flat" cmpd="sng" algn="ctr">
+                      <a:noFill/>
+                      <a:prstDash val="solid"/>
+                      <a:round/>
+                      <a:headEnd type="none" w="med" len="med"/>
+                      <a:tailEnd type="none" w="med" len="med"/>
+                    </a:lnR>
+                    <a:lnT w="12700" cap="flat" cmpd="sng" algn="ctr">
+                      <a:noFill/>
+                      <a:prstDash val="solid"/>
+                      <a:round/>
+                      <a:headEnd type="none" w="med" len="med"/>
+                      <a:tailEnd type="none" w="med" len="med"/>
+                    </a:lnT>
+                    <a:lnB w="12700" cap="flat" cmpd="sng" algn="ctr">
+                      <a:solidFill>
+                        <a:schemeClr val="tx1"/>
+                      </a:solidFill>
+                      <a:prstDash val="solid"/>
+                      <a:round/>
+                      <a:headEnd type="none" w="med" len="med"/>
+                      <a:tailEnd type="none" w="med" len="med"/>
+                    </a:lnB>
+                    <a:solidFill>
+                      <a:schemeClr val="accent1">
+                        <a:lumMod val="20000"/>
+                        <a:lumOff val="80000"/>
+                      </a:schemeClr>
+                    </a:solidFill>
+                  </a:tcPr>
+                </a:tc>
+                <a:extLst>
+                  <a:ext uri="{0D108BD9-81ED-4DB2-BD59-A6C34878D82A}">
+                    <a16:rowId xmlns:a16="http://schemas.microsoft.com/office/drawing/2014/main" val="653266801"/>
                   </a:ext>
                 </a:extLst>
               </a:tr>
@@ -9418,8 +10777,8 @@
         </p:nvSpPr>
         <p:spPr>
           <a:xfrm>
-            <a:off x="3309262" y="1872342"/>
-            <a:ext cx="1799767" cy="384266"/>
+            <a:off x="3432634" y="1320667"/>
+            <a:ext cx="1386113" cy="384266"/>
           </a:xfrm>
           <a:prstGeom prst="triangle">
             <a:avLst/>
@@ -9467,8 +10826,8 @@
         </p:nvSpPr>
         <p:spPr>
           <a:xfrm>
-            <a:off x="5087252" y="1437822"/>
-            <a:ext cx="2184398" cy="807720"/>
+            <a:off x="4853792" y="902598"/>
+            <a:ext cx="2642832" cy="807720"/>
           </a:xfrm>
           <a:prstGeom prst="triangle">
             <a:avLst/>
@@ -9516,7 +10875,7 @@
         </p:nvSpPr>
         <p:spPr>
           <a:xfrm>
-            <a:off x="9100453" y="1861276"/>
+            <a:off x="8873996" y="1326052"/>
             <a:ext cx="1335321" cy="384266"/>
           </a:xfrm>
           <a:prstGeom prst="triangle">
@@ -9524,251 +10883,6 @@
           </a:prstGeom>
           <a:solidFill>
             <a:srgbClr val="FF0000"/>
-          </a:solidFill>
-        </p:spPr>
-        <p:style>
-          <a:lnRef idx="2">
-            <a:schemeClr val="accent1">
-              <a:shade val="50000"/>
-            </a:schemeClr>
-          </a:lnRef>
-          <a:fillRef idx="1">
-            <a:schemeClr val="accent1"/>
-          </a:fillRef>
-          <a:effectRef idx="0">
-            <a:schemeClr val="accent1"/>
-          </a:effectRef>
-          <a:fontRef idx="minor">
-            <a:schemeClr val="lt1"/>
-          </a:fontRef>
-        </p:style>
-        <p:txBody>
-          <a:bodyPr rtlCol="0" anchor="ctr"/>
-          <a:lstStyle/>
-          <a:p>
-            <a:pPr algn="ctr"/>
-            <a:endParaRPr lang="en-US"/>
-          </a:p>
-        </p:txBody>
-      </p:sp>
-      <p:sp>
-        <p:nvSpPr>
-          <p:cNvPr id="10" name="Flowchart: Connector 9">
-            <a:extLst>
-              <a:ext uri="{FF2B5EF4-FFF2-40B4-BE49-F238E27FC236}">
-                <a16:creationId xmlns:a16="http://schemas.microsoft.com/office/drawing/2014/main" id="{145F6489-0006-4F0C-9C55-D27993997C1F}"/>
-              </a:ext>
-            </a:extLst>
-          </p:cNvPr>
-          <p:cNvSpPr/>
-          <p:nvPr/>
-        </p:nvSpPr>
-        <p:spPr>
-          <a:xfrm>
-            <a:off x="3338295" y="2180227"/>
-            <a:ext cx="145142" cy="125729"/>
-          </a:xfrm>
-          <a:prstGeom prst="flowChartConnector">
-            <a:avLst/>
-          </a:prstGeom>
-          <a:solidFill>
-            <a:schemeClr val="tx1"/>
-          </a:solidFill>
-        </p:spPr>
-        <p:style>
-          <a:lnRef idx="2">
-            <a:schemeClr val="accent1">
-              <a:shade val="50000"/>
-            </a:schemeClr>
-          </a:lnRef>
-          <a:fillRef idx="1">
-            <a:schemeClr val="accent1"/>
-          </a:fillRef>
-          <a:effectRef idx="0">
-            <a:schemeClr val="accent1"/>
-          </a:effectRef>
-          <a:fontRef idx="minor">
-            <a:schemeClr val="lt1"/>
-          </a:fontRef>
-        </p:style>
-        <p:txBody>
-          <a:bodyPr rtlCol="0" anchor="ctr"/>
-          <a:lstStyle/>
-          <a:p>
-            <a:pPr algn="ctr"/>
-            <a:endParaRPr lang="en-US"/>
-          </a:p>
-        </p:txBody>
-      </p:sp>
-      <p:sp>
-        <p:nvSpPr>
-          <p:cNvPr id="11" name="Flowchart: Connector 10">
-            <a:extLst>
-              <a:ext uri="{FF2B5EF4-FFF2-40B4-BE49-F238E27FC236}">
-                <a16:creationId xmlns:a16="http://schemas.microsoft.com/office/drawing/2014/main" id="{09DF07A3-596B-4E50-988F-CE4A60E0E5A8}"/>
-              </a:ext>
-            </a:extLst>
-          </p:cNvPr>
-          <p:cNvSpPr/>
-          <p:nvPr/>
-        </p:nvSpPr>
-        <p:spPr>
-          <a:xfrm>
-            <a:off x="4972962" y="2165187"/>
-            <a:ext cx="152400" cy="130629"/>
-          </a:xfrm>
-          <a:prstGeom prst="flowChartConnector">
-            <a:avLst/>
-          </a:prstGeom>
-          <a:solidFill>
-            <a:schemeClr val="tx1"/>
-          </a:solidFill>
-        </p:spPr>
-        <p:style>
-          <a:lnRef idx="2">
-            <a:schemeClr val="accent1">
-              <a:shade val="50000"/>
-            </a:schemeClr>
-          </a:lnRef>
-          <a:fillRef idx="1">
-            <a:schemeClr val="accent1"/>
-          </a:fillRef>
-          <a:effectRef idx="0">
-            <a:schemeClr val="accent1"/>
-          </a:effectRef>
-          <a:fontRef idx="minor">
-            <a:schemeClr val="lt1"/>
-          </a:fontRef>
-        </p:style>
-        <p:txBody>
-          <a:bodyPr rtlCol="0" anchor="ctr"/>
-          <a:lstStyle/>
-          <a:p>
-            <a:pPr algn="ctr"/>
-            <a:endParaRPr lang="en-US"/>
-          </a:p>
-        </p:txBody>
-      </p:sp>
-      <p:sp>
-        <p:nvSpPr>
-          <p:cNvPr id="12" name="Flowchart: Connector 11">
-            <a:extLst>
-              <a:ext uri="{FF2B5EF4-FFF2-40B4-BE49-F238E27FC236}">
-                <a16:creationId xmlns:a16="http://schemas.microsoft.com/office/drawing/2014/main" id="{98C70FE6-D940-4B09-A6C2-7C24DEA0341F}"/>
-              </a:ext>
-            </a:extLst>
-          </p:cNvPr>
-          <p:cNvSpPr/>
-          <p:nvPr/>
-        </p:nvSpPr>
-        <p:spPr>
-          <a:xfrm>
-            <a:off x="9032165" y="2175327"/>
-            <a:ext cx="116114" cy="130629"/>
-          </a:xfrm>
-          <a:prstGeom prst="flowChartConnector">
-            <a:avLst/>
-          </a:prstGeom>
-          <a:solidFill>
-            <a:schemeClr val="tx1"/>
-          </a:solidFill>
-        </p:spPr>
-        <p:style>
-          <a:lnRef idx="2">
-            <a:schemeClr val="accent1">
-              <a:shade val="50000"/>
-            </a:schemeClr>
-          </a:lnRef>
-          <a:fillRef idx="1">
-            <a:schemeClr val="accent1"/>
-          </a:fillRef>
-          <a:effectRef idx="0">
-            <a:schemeClr val="accent1"/>
-          </a:effectRef>
-          <a:fontRef idx="minor">
-            <a:schemeClr val="lt1"/>
-          </a:fontRef>
-        </p:style>
-        <p:txBody>
-          <a:bodyPr rtlCol="0" anchor="ctr"/>
-          <a:lstStyle/>
-          <a:p>
-            <a:pPr algn="ctr"/>
-            <a:endParaRPr lang="en-US"/>
-          </a:p>
-        </p:txBody>
-      </p:sp>
-      <p:sp>
-        <p:nvSpPr>
-          <p:cNvPr id="13" name="Flowchart: Connector 12">
-            <a:extLst>
-              <a:ext uri="{FF2B5EF4-FFF2-40B4-BE49-F238E27FC236}">
-                <a16:creationId xmlns:a16="http://schemas.microsoft.com/office/drawing/2014/main" id="{ED21E9CE-DD11-4DA5-B4BD-2C76B1C93F1B}"/>
-              </a:ext>
-            </a:extLst>
-          </p:cNvPr>
-          <p:cNvSpPr/>
-          <p:nvPr/>
-        </p:nvSpPr>
-        <p:spPr>
-          <a:xfrm>
-            <a:off x="7224485" y="2180226"/>
-            <a:ext cx="116114" cy="120833"/>
-          </a:xfrm>
-          <a:prstGeom prst="flowChartConnector">
-            <a:avLst/>
-          </a:prstGeom>
-          <a:solidFill>
-            <a:schemeClr val="tx1"/>
-          </a:solidFill>
-        </p:spPr>
-        <p:style>
-          <a:lnRef idx="2">
-            <a:schemeClr val="accent1">
-              <a:shade val="50000"/>
-            </a:schemeClr>
-          </a:lnRef>
-          <a:fillRef idx="1">
-            <a:schemeClr val="accent1"/>
-          </a:fillRef>
-          <a:effectRef idx="0">
-            <a:schemeClr val="accent1"/>
-          </a:effectRef>
-          <a:fontRef idx="minor">
-            <a:schemeClr val="lt1"/>
-          </a:fontRef>
-        </p:style>
-        <p:txBody>
-          <a:bodyPr rtlCol="0" anchor="ctr"/>
-          <a:lstStyle/>
-          <a:p>
-            <a:pPr algn="ctr"/>
-            <a:endParaRPr lang="en-US"/>
-          </a:p>
-        </p:txBody>
-      </p:sp>
-      <p:sp>
-        <p:nvSpPr>
-          <p:cNvPr id="14" name="Flowchart: Connector 13">
-            <a:extLst>
-              <a:ext uri="{FF2B5EF4-FFF2-40B4-BE49-F238E27FC236}">
-                <a16:creationId xmlns:a16="http://schemas.microsoft.com/office/drawing/2014/main" id="{EC6D7BF6-FB67-432E-A69D-A327926A0144}"/>
-              </a:ext>
-            </a:extLst>
-          </p:cNvPr>
-          <p:cNvSpPr/>
-          <p:nvPr/>
-        </p:nvSpPr>
-        <p:spPr>
-          <a:xfrm>
-            <a:off x="10344718" y="2167754"/>
-            <a:ext cx="116114" cy="130629"/>
-          </a:xfrm>
-          <a:prstGeom prst="flowChartConnector">
-            <a:avLst/>
-          </a:prstGeom>
-          <a:solidFill>
-            <a:schemeClr val="tx1"/>
           </a:solidFill>
         </p:spPr>
         <p:style>
@@ -9812,8 +10926,8 @@
         </p:nvCxnSpPr>
         <p:spPr>
           <a:xfrm>
-            <a:off x="3135086" y="1885766"/>
-            <a:ext cx="0" cy="3337562"/>
+            <a:off x="3135086" y="1350542"/>
+            <a:ext cx="0" cy="4820922"/>
           </a:xfrm>
           <a:prstGeom prst="line">
             <a:avLst/>
@@ -9859,8 +10973,8 @@
         </p:nvCxnSpPr>
         <p:spPr>
           <a:xfrm>
-            <a:off x="3780973" y="1885766"/>
-            <a:ext cx="0" cy="3337562"/>
+            <a:off x="3780973" y="1350542"/>
+            <a:ext cx="0" cy="4820922"/>
           </a:xfrm>
           <a:prstGeom prst="line">
             <a:avLst/>
@@ -9906,8 +11020,8 @@
         </p:nvCxnSpPr>
         <p:spPr>
           <a:xfrm>
-            <a:off x="4426858" y="1885766"/>
-            <a:ext cx="0" cy="3337562"/>
+            <a:off x="4426858" y="1350542"/>
+            <a:ext cx="0" cy="4820922"/>
           </a:xfrm>
           <a:prstGeom prst="line">
             <a:avLst/>
@@ -9953,8 +11067,8 @@
         </p:nvCxnSpPr>
         <p:spPr>
           <a:xfrm>
-            <a:off x="5167086" y="1885766"/>
-            <a:ext cx="0" cy="3337562"/>
+            <a:off x="5167086" y="1350542"/>
+            <a:ext cx="0" cy="4820922"/>
           </a:xfrm>
           <a:prstGeom prst="line">
             <a:avLst/>
@@ -10000,8 +11114,8 @@
         </p:nvCxnSpPr>
         <p:spPr>
           <a:xfrm>
-            <a:off x="2510972" y="1885766"/>
-            <a:ext cx="0" cy="3337562"/>
+            <a:off x="2510972" y="1350542"/>
+            <a:ext cx="0" cy="4820922"/>
           </a:xfrm>
           <a:prstGeom prst="line">
             <a:avLst/>
@@ -10047,8 +11161,8 @@
         </p:nvCxnSpPr>
         <p:spPr>
           <a:xfrm flipH="1">
-            <a:off x="9245599" y="1885766"/>
-            <a:ext cx="1" cy="3337562"/>
+            <a:off x="9245599" y="1350542"/>
+            <a:ext cx="2" cy="4820922"/>
           </a:xfrm>
           <a:prstGeom prst="line">
             <a:avLst/>
@@ -10094,8 +11208,8 @@
         </p:nvCxnSpPr>
         <p:spPr>
           <a:xfrm>
-            <a:off x="8454572" y="1885766"/>
-            <a:ext cx="0" cy="3337562"/>
+            <a:off x="8454572" y="1350542"/>
+            <a:ext cx="0" cy="4820922"/>
           </a:xfrm>
           <a:prstGeom prst="line">
             <a:avLst/>
@@ -10141,8 +11255,8 @@
         </p:nvCxnSpPr>
         <p:spPr>
           <a:xfrm>
-            <a:off x="7837715" y="1885766"/>
-            <a:ext cx="0" cy="3337562"/>
+            <a:off x="7837715" y="1350542"/>
+            <a:ext cx="0" cy="4820922"/>
           </a:xfrm>
           <a:prstGeom prst="line">
             <a:avLst/>
@@ -10188,8 +11302,8 @@
         </p:nvCxnSpPr>
         <p:spPr>
           <a:xfrm>
-            <a:off x="7104744" y="1885766"/>
-            <a:ext cx="0" cy="3337562"/>
+            <a:off x="7104744" y="1350542"/>
+            <a:ext cx="0" cy="4820922"/>
           </a:xfrm>
           <a:prstGeom prst="line">
             <a:avLst/>
@@ -10235,8 +11349,8 @@
         </p:nvCxnSpPr>
         <p:spPr>
           <a:xfrm>
-            <a:off x="6473372" y="1885766"/>
-            <a:ext cx="0" cy="3337562"/>
+            <a:off x="6473372" y="1350542"/>
+            <a:ext cx="0" cy="4820922"/>
           </a:xfrm>
           <a:prstGeom prst="line">
             <a:avLst/>
@@ -10282,8 +11396,8 @@
         </p:nvCxnSpPr>
         <p:spPr>
           <a:xfrm>
-            <a:off x="5812972" y="1885766"/>
-            <a:ext cx="0" cy="3337562"/>
+            <a:off x="5812972" y="1350542"/>
+            <a:ext cx="0" cy="4820922"/>
           </a:xfrm>
           <a:prstGeom prst="line">
             <a:avLst/>
@@ -10329,8 +11443,8 @@
         </p:nvCxnSpPr>
         <p:spPr>
           <a:xfrm>
-            <a:off x="10580914" y="1885766"/>
-            <a:ext cx="0" cy="3337562"/>
+            <a:off x="10580914" y="1350542"/>
+            <a:ext cx="0" cy="4820922"/>
           </a:xfrm>
           <a:prstGeom prst="line">
             <a:avLst/>
@@ -10376,8 +11490,8 @@
         </p:nvCxnSpPr>
         <p:spPr>
           <a:xfrm>
-            <a:off x="9876972" y="1885766"/>
-            <a:ext cx="0" cy="3337562"/>
+            <a:off x="9876972" y="1350542"/>
+            <a:ext cx="0" cy="4820922"/>
           </a:xfrm>
           <a:prstGeom prst="line">
             <a:avLst/>
@@ -10421,7 +11535,7 @@
         </p:nvSpPr>
         <p:spPr>
           <a:xfrm>
-            <a:off x="7104744" y="682990"/>
+            <a:off x="7104744" y="147766"/>
             <a:ext cx="2140855" cy="646331"/>
           </a:xfrm>
           <a:prstGeom prst="rect">
@@ -10466,8 +11580,8 @@
         </p:nvCxnSpPr>
         <p:spPr>
           <a:xfrm>
-            <a:off x="8369300" y="1300753"/>
-            <a:ext cx="634996" cy="752656"/>
+            <a:off x="8369300" y="765529"/>
+            <a:ext cx="317507" cy="688699"/>
           </a:xfrm>
           <a:prstGeom prst="straightConnector1">
             <a:avLst/>
@@ -10507,8 +11621,8 @@
         </p:nvCxnSpPr>
         <p:spPr>
           <a:xfrm flipH="1">
-            <a:off x="7385940" y="1308691"/>
-            <a:ext cx="613237" cy="752656"/>
+            <a:off x="7609441" y="773467"/>
+            <a:ext cx="389737" cy="693097"/>
           </a:xfrm>
           <a:prstGeom prst="straightConnector1">
             <a:avLst/>
@@ -10546,7 +11660,7 @@
         </p:nvSpPr>
         <p:spPr>
           <a:xfrm rot="16200000">
-            <a:off x="5872835" y="160201"/>
+            <a:off x="5872835" y="-375023"/>
             <a:ext cx="613235" cy="2184399"/>
           </a:xfrm>
           <a:prstGeom prst="rightBrace">
@@ -10590,7 +11704,7 @@
         </p:nvSpPr>
         <p:spPr>
           <a:xfrm>
-            <a:off x="5210622" y="535224"/>
+            <a:off x="5210622" y="0"/>
             <a:ext cx="1937658" cy="369332"/>
           </a:xfrm>
           <a:prstGeom prst="rect">
@@ -10626,7 +11740,7 @@
         </p:nvSpPr>
         <p:spPr>
           <a:xfrm>
-            <a:off x="870862" y="2028853"/>
+            <a:off x="870862" y="1493629"/>
             <a:ext cx="1436914" cy="369332"/>
           </a:xfrm>
           <a:prstGeom prst="rect">
@@ -10661,7 +11775,7 @@
         </p:nvSpPr>
         <p:spPr>
           <a:xfrm rot="5400000" flipH="1">
-            <a:off x="2740525" y="1329466"/>
+            <a:off x="2740525" y="794242"/>
             <a:ext cx="165008" cy="624114"/>
           </a:xfrm>
           <a:prstGeom prst="rightBrace">
@@ -10705,8 +11819,8 @@
         </p:nvSpPr>
         <p:spPr>
           <a:xfrm>
-            <a:off x="2510972" y="903607"/>
-            <a:ext cx="624114" cy="646331"/>
+            <a:off x="2409374" y="369238"/>
+            <a:ext cx="827310" cy="646331"/>
           </a:xfrm>
           <a:prstGeom prst="rect">
             <a:avLst/>
@@ -10722,7 +11836,7 @@
             <a:pPr algn="ctr"/>
             <a:r>
               <a:rPr lang="en-US" dirty="0"/>
-              <a:t>X kb bin</a:t>
+              <a:t>10 kb bin</a:t>
             </a:r>
           </a:p>
         </p:txBody>
@@ -10741,7 +11855,7 @@
         </p:nvSpPr>
         <p:spPr>
           <a:xfrm>
-            <a:off x="664029" y="2772507"/>
+            <a:off x="664029" y="2237283"/>
             <a:ext cx="1436914" cy="369332"/>
           </a:xfrm>
           <a:prstGeom prst="rect">
@@ -10776,7 +11890,7 @@
         </p:nvSpPr>
         <p:spPr>
           <a:xfrm>
-            <a:off x="602341" y="3243438"/>
+            <a:off x="602341" y="2938995"/>
             <a:ext cx="1436914" cy="646331"/>
           </a:xfrm>
           <a:prstGeom prst="rect">
@@ -10800,52 +11914,6 @@
       </p:sp>
       <p:sp>
         <p:nvSpPr>
-          <p:cNvPr id="56" name="TextBox 55">
-            <a:extLst>
-              <a:ext uri="{FF2B5EF4-FFF2-40B4-BE49-F238E27FC236}">
-                <a16:creationId xmlns:a16="http://schemas.microsoft.com/office/drawing/2014/main" id="{F308DA5C-3CF0-4C37-896E-1B25D67E8831}"/>
-              </a:ext>
-            </a:extLst>
-          </p:cNvPr>
-          <p:cNvSpPr txBox="1"/>
-          <p:nvPr/>
-        </p:nvSpPr>
-        <p:spPr>
-          <a:xfrm>
-            <a:off x="602341" y="3857112"/>
-            <a:ext cx="1436914" cy="1200329"/>
-          </a:xfrm>
-          <a:prstGeom prst="rect">
-            <a:avLst/>
-          </a:prstGeom>
-          <a:noFill/>
-        </p:spPr>
-        <p:txBody>
-          <a:bodyPr wrap="square" rtlCol="0">
-            <a:spAutoFit/>
-          </a:bodyPr>
-          <a:lstStyle/>
-          <a:p>
-            <a:pPr algn="ctr"/>
-            <a:r>
-              <a:rPr lang="en-US" dirty="0"/>
-              <a:t>Overlap Predictor Xᵢ</a:t>
-            </a:r>
-          </a:p>
-          <a:p>
-            <a:pPr algn="ctr"/>
-            <a:r>
-              <a:rPr lang="en-US" dirty="0"/>
-              <a:t>(Categorical)</a:t>
-            </a:r>
-          </a:p>
-          <a:p>
-            <a:endParaRPr lang="en-US" dirty="0"/>
-          </a:p>
-        </p:txBody>
-      </p:sp>
-      <p:sp>
-        <p:nvSpPr>
           <p:cNvPr id="57" name="Rectangle 56">
             <a:extLst>
               <a:ext uri="{FF2B5EF4-FFF2-40B4-BE49-F238E27FC236}">
@@ -10858,8 +11926,8 @@
         </p:nvSpPr>
         <p:spPr>
           <a:xfrm>
-            <a:off x="4717144" y="3488476"/>
-            <a:ext cx="798281" cy="130629"/>
+            <a:off x="4717145" y="3131532"/>
+            <a:ext cx="763484" cy="130629"/>
           </a:xfrm>
           <a:prstGeom prst="rect">
             <a:avLst/>
@@ -10907,7 +11975,7 @@
         </p:nvSpPr>
         <p:spPr>
           <a:xfrm>
-            <a:off x="3258459" y="3504270"/>
+            <a:off x="3243948" y="3147326"/>
             <a:ext cx="449940" cy="114835"/>
           </a:xfrm>
           <a:prstGeom prst="rect">
@@ -10956,8 +12024,8 @@
         </p:nvSpPr>
         <p:spPr>
           <a:xfrm>
-            <a:off x="9768113" y="3488475"/>
-            <a:ext cx="707577" cy="130629"/>
+            <a:off x="9756606" y="3147326"/>
+            <a:ext cx="590845" cy="114835"/>
           </a:xfrm>
           <a:prstGeom prst="rect">
             <a:avLst/>
@@ -11005,8 +12073,8 @@
         </p:nvSpPr>
         <p:spPr>
           <a:xfrm>
-            <a:off x="602341" y="4752700"/>
-            <a:ext cx="1436914" cy="1200329"/>
+            <a:off x="602341" y="4718040"/>
+            <a:ext cx="1436914" cy="646331"/>
           </a:xfrm>
           <a:prstGeom prst="rect">
             <a:avLst/>
@@ -11024,16 +12092,237 @@
               <a:rPr lang="en-US" dirty="0"/>
               <a:t>Distance Predictor Xᵢ</a:t>
             </a:r>
+            <a:r>
+              <a:rPr lang="en-US" baseline="-25000" dirty="0"/>
+              <a:t>1</a:t>
+            </a:r>
           </a:p>
+        </p:txBody>
+      </p:sp>
+      <p:pic>
+        <p:nvPicPr>
+          <p:cNvPr id="9" name="Picture 8">
+            <a:extLst>
+              <a:ext uri="{FF2B5EF4-FFF2-40B4-BE49-F238E27FC236}">
+                <a16:creationId xmlns:a16="http://schemas.microsoft.com/office/drawing/2014/main" id="{7D52D3AA-7AA2-43B4-9842-54473CDBC0DB}"/>
+              </a:ext>
+            </a:extLst>
+          </p:cNvPr>
+          <p:cNvPicPr>
+            <a:picLocks noChangeAspect="1"/>
+          </p:cNvPicPr>
+          <p:nvPr/>
+        </p:nvPicPr>
+        <p:blipFill>
+          <a:blip r:embed="rId2"/>
+          <a:stretch>
+            <a:fillRect/>
+          </a:stretch>
+        </p:blipFill>
+        <p:spPr>
+          <a:xfrm>
+            <a:off x="10110434" y="1575065"/>
+            <a:ext cx="237019" cy="248307"/>
+          </a:xfrm>
+          <a:prstGeom prst="rect">
+            <a:avLst/>
+          </a:prstGeom>
+        </p:spPr>
+      </p:pic>
+      <p:pic>
+        <p:nvPicPr>
+          <p:cNvPr id="15" name="Picture 14">
+            <a:extLst>
+              <a:ext uri="{FF2B5EF4-FFF2-40B4-BE49-F238E27FC236}">
+                <a16:creationId xmlns:a16="http://schemas.microsoft.com/office/drawing/2014/main" id="{944BAEA0-AA47-41CF-8190-ABF28B277D1C}"/>
+              </a:ext>
+            </a:extLst>
+          </p:cNvPr>
+          <p:cNvPicPr>
+            <a:picLocks noChangeAspect="1"/>
+          </p:cNvPicPr>
+          <p:nvPr/>
+        </p:nvPicPr>
+        <p:blipFill>
+          <a:blip r:embed="rId3"/>
+          <a:stretch>
+            <a:fillRect/>
+          </a:stretch>
+        </p:blipFill>
+        <p:spPr>
+          <a:xfrm>
+            <a:off x="3313751" y="1562999"/>
+            <a:ext cx="260720" cy="274090"/>
+          </a:xfrm>
+          <a:prstGeom prst="rect">
+            <a:avLst/>
+          </a:prstGeom>
+        </p:spPr>
+      </p:pic>
+      <p:pic>
+        <p:nvPicPr>
+          <p:cNvPr id="16" name="Picture 15">
+            <a:extLst>
+              <a:ext uri="{FF2B5EF4-FFF2-40B4-BE49-F238E27FC236}">
+                <a16:creationId xmlns:a16="http://schemas.microsoft.com/office/drawing/2014/main" id="{F79111EC-8D52-4D40-A80A-A667B0EC2B2A}"/>
+              </a:ext>
+            </a:extLst>
+          </p:cNvPr>
+          <p:cNvPicPr>
+            <a:picLocks noChangeAspect="1"/>
+          </p:cNvPicPr>
+          <p:nvPr/>
+        </p:nvPicPr>
+        <p:blipFill>
+          <a:blip r:embed="rId3"/>
+          <a:stretch>
+            <a:fillRect/>
+          </a:stretch>
+        </p:blipFill>
+        <p:spPr>
+          <a:xfrm>
+            <a:off x="4717144" y="1575065"/>
+            <a:ext cx="237765" cy="249958"/>
+          </a:xfrm>
+          <a:prstGeom prst="rect">
+            <a:avLst/>
+          </a:prstGeom>
+        </p:spPr>
+      </p:pic>
+      <p:pic>
+        <p:nvPicPr>
+          <p:cNvPr id="17" name="Picture 16">
+            <a:extLst>
+              <a:ext uri="{FF2B5EF4-FFF2-40B4-BE49-F238E27FC236}">
+                <a16:creationId xmlns:a16="http://schemas.microsoft.com/office/drawing/2014/main" id="{F736312C-88C2-4E95-B2B5-C27864C4F90C}"/>
+              </a:ext>
+            </a:extLst>
+          </p:cNvPr>
+          <p:cNvPicPr>
+            <a:picLocks noChangeAspect="1"/>
+          </p:cNvPicPr>
+          <p:nvPr/>
+        </p:nvPicPr>
+        <p:blipFill>
+          <a:blip r:embed="rId3"/>
+          <a:stretch>
+            <a:fillRect/>
+          </a:stretch>
+        </p:blipFill>
+        <p:spPr>
+          <a:xfrm>
+            <a:off x="7391930" y="1575065"/>
+            <a:ext cx="237765" cy="249958"/>
+          </a:xfrm>
+          <a:prstGeom prst="rect">
+            <a:avLst/>
+          </a:prstGeom>
+        </p:spPr>
+      </p:pic>
+      <p:pic>
+        <p:nvPicPr>
+          <p:cNvPr id="31" name="Picture 30">
+            <a:extLst>
+              <a:ext uri="{FF2B5EF4-FFF2-40B4-BE49-F238E27FC236}">
+                <a16:creationId xmlns:a16="http://schemas.microsoft.com/office/drawing/2014/main" id="{8A22AA04-B4B9-4B2D-A34E-54FA8EBCD5F2}"/>
+              </a:ext>
+            </a:extLst>
+          </p:cNvPr>
+          <p:cNvPicPr>
+            <a:picLocks noChangeAspect="1"/>
+          </p:cNvPicPr>
+          <p:nvPr/>
+        </p:nvPicPr>
+        <p:blipFill>
+          <a:blip r:embed="rId3"/>
+          <a:stretch>
+            <a:fillRect/>
+          </a:stretch>
+        </p:blipFill>
+        <p:spPr>
+          <a:xfrm>
+            <a:off x="8692148" y="1575065"/>
+            <a:ext cx="237765" cy="249958"/>
+          </a:xfrm>
+          <a:prstGeom prst="rect">
+            <a:avLst/>
+          </a:prstGeom>
+        </p:spPr>
+      </p:pic>
+      <p:sp>
+        <p:nvSpPr>
+          <p:cNvPr id="37" name="TextBox 36">
+            <a:extLst>
+              <a:ext uri="{FF2B5EF4-FFF2-40B4-BE49-F238E27FC236}">
+                <a16:creationId xmlns:a16="http://schemas.microsoft.com/office/drawing/2014/main" id="{A1BEE914-6E77-40EB-8484-4F0901B4D235}"/>
+              </a:ext>
+            </a:extLst>
+          </p:cNvPr>
+          <p:cNvSpPr txBox="1"/>
+          <p:nvPr/>
+        </p:nvSpPr>
+        <p:spPr>
+          <a:xfrm>
+            <a:off x="602341" y="5525133"/>
+            <a:ext cx="1436914" cy="646331"/>
+          </a:xfrm>
+          <a:prstGeom prst="rect">
+            <a:avLst/>
+          </a:prstGeom>
+          <a:noFill/>
+        </p:spPr>
+        <p:txBody>
+          <a:bodyPr wrap="square" rtlCol="0">
+            <a:spAutoFit/>
+          </a:bodyPr>
+          <a:lstStyle/>
           <a:p>
             <a:pPr algn="ctr"/>
             <a:r>
               <a:rPr lang="en-US" dirty="0"/>
-              <a:t>(Continuous)</a:t>
+              <a:t>Overlap Predictor Xᵢ</a:t>
+            </a:r>
+            <a:r>
+              <a:rPr lang="en-US" baseline="-25000" dirty="0"/>
+              <a:t>2</a:t>
             </a:r>
           </a:p>
+        </p:txBody>
+      </p:sp>
+      <p:sp>
+        <p:nvSpPr>
+          <p:cNvPr id="65" name="TextBox 64">
+            <a:extLst>
+              <a:ext uri="{FF2B5EF4-FFF2-40B4-BE49-F238E27FC236}">
+                <a16:creationId xmlns:a16="http://schemas.microsoft.com/office/drawing/2014/main" id="{43854F46-3E37-485C-889B-59C3967E4E63}"/>
+              </a:ext>
+            </a:extLst>
+          </p:cNvPr>
+          <p:cNvSpPr txBox="1"/>
+          <p:nvPr/>
+        </p:nvSpPr>
+        <p:spPr>
+          <a:xfrm>
+            <a:off x="602341" y="3946424"/>
+            <a:ext cx="1436914" cy="646331"/>
+          </a:xfrm>
+          <a:prstGeom prst="rect">
+            <a:avLst/>
+          </a:prstGeom>
+          <a:noFill/>
+        </p:spPr>
+        <p:txBody>
+          <a:bodyPr wrap="square" rtlCol="0">
+            <a:spAutoFit/>
+          </a:bodyPr>
+          <a:lstStyle/>
           <a:p>
-            <a:endParaRPr lang="en-US" dirty="0"/>
+            <a:pPr algn="ctr"/>
+            <a:r>
+              <a:rPr lang="en-US" dirty="0"/>
+              <a:t>Mourad Predictor Xᵢ</a:t>
+            </a:r>
+            <a:endParaRPr lang="en-US" baseline="-25000" dirty="0"/>
           </a:p>
         </p:txBody>
       </p:sp>
@@ -11041,6 +12330,6615 @@
     <p:extLst>
       <p:ext uri="{BB962C8B-B14F-4D97-AF65-F5344CB8AC3E}">
         <p14:creationId xmlns:p14="http://schemas.microsoft.com/office/powerpoint/2010/main" val="2891112625"/>
+      </p:ext>
+    </p:extLst>
+  </p:cSld>
+  <p:clrMapOvr>
+    <a:masterClrMapping/>
+  </p:clrMapOvr>
+</p:sld>
+</file>
+
+<file path=ppt/slides/slide3.xml><?xml version="1.0" encoding="utf-8"?>
+<p:sld xmlns:a="http://schemas.openxmlformats.org/drawingml/2006/main" xmlns:r="http://schemas.openxmlformats.org/officeDocument/2006/relationships" xmlns:p="http://schemas.openxmlformats.org/presentationml/2006/main">
+  <p:cSld>
+    <p:spTree>
+      <p:nvGrpSpPr>
+        <p:cNvPr id="1" name=""/>
+        <p:cNvGrpSpPr/>
+        <p:nvPr/>
+      </p:nvGrpSpPr>
+      <p:grpSpPr>
+        <a:xfrm>
+          <a:off x="0" y="0"/>
+          <a:ext cx="0" cy="0"/>
+          <a:chOff x="0" y="0"/>
+          <a:chExt cx="0" cy="0"/>
+        </a:xfrm>
+      </p:grpSpPr>
+      <p:graphicFrame>
+        <p:nvGraphicFramePr>
+          <p:cNvPr id="4" name="Table 3">
+            <a:extLst>
+              <a:ext uri="{FF2B5EF4-FFF2-40B4-BE49-F238E27FC236}">
+                <a16:creationId xmlns:a16="http://schemas.microsoft.com/office/drawing/2014/main" id="{0189BEB3-D658-4F84-A128-53DBAE60FAAC}"/>
+              </a:ext>
+            </a:extLst>
+          </p:cNvPr>
+          <p:cNvGraphicFramePr>
+            <a:graphicFrameLocks noGrp="1"/>
+          </p:cNvGraphicFramePr>
+          <p:nvPr>
+            <p:extLst>
+              <p:ext uri="{D42A27DB-BD31-4B8C-83A1-F6EECF244321}">
+                <p14:modId xmlns:p14="http://schemas.microsoft.com/office/powerpoint/2010/main" val="567176830"/>
+              </p:ext>
+            </p:extLst>
+          </p:nvPr>
+        </p:nvGraphicFramePr>
+        <p:xfrm>
+          <a:off x="2046518" y="2142299"/>
+          <a:ext cx="9521372" cy="4450080"/>
+        </p:xfrm>
+        <a:graphic>
+          <a:graphicData uri="http://schemas.openxmlformats.org/drawingml/2006/table">
+            <a:tbl>
+              <a:tblPr firstRow="1" bandRow="1">
+                <a:tableStyleId>{5C22544A-7EE6-4342-B048-85BDC9FD1C3A}</a:tableStyleId>
+              </a:tblPr>
+              <a:tblGrid>
+                <a:gridCol w="1161140">
+                  <a:extLst>
+                    <a:ext uri="{9D8B030D-6E8A-4147-A177-3AD203B41FA5}">
+                      <a16:colId xmlns:a16="http://schemas.microsoft.com/office/drawing/2014/main" val="1739434284"/>
+                    </a:ext>
+                  </a:extLst>
+                </a:gridCol>
+                <a:gridCol w="1407885">
+                  <a:extLst>
+                    <a:ext uri="{9D8B030D-6E8A-4147-A177-3AD203B41FA5}">
+                      <a16:colId xmlns:a16="http://schemas.microsoft.com/office/drawing/2014/main" val="3843432906"/>
+                    </a:ext>
+                  </a:extLst>
+                </a:gridCol>
+                <a:gridCol w="1378858">
+                  <a:extLst>
+                    <a:ext uri="{9D8B030D-6E8A-4147-A177-3AD203B41FA5}">
+                      <a16:colId xmlns:a16="http://schemas.microsoft.com/office/drawing/2014/main" val="2254323359"/>
+                    </a:ext>
+                  </a:extLst>
+                </a:gridCol>
+                <a:gridCol w="1204685">
+                  <a:extLst>
+                    <a:ext uri="{9D8B030D-6E8A-4147-A177-3AD203B41FA5}">
+                      <a16:colId xmlns:a16="http://schemas.microsoft.com/office/drawing/2014/main" val="3195808770"/>
+                    </a:ext>
+                  </a:extLst>
+                </a:gridCol>
+                <a:gridCol w="1378857">
+                  <a:extLst>
+                    <a:ext uri="{9D8B030D-6E8A-4147-A177-3AD203B41FA5}">
+                      <a16:colId xmlns:a16="http://schemas.microsoft.com/office/drawing/2014/main" val="763800471"/>
+                    </a:ext>
+                  </a:extLst>
+                </a:gridCol>
+                <a:gridCol w="1436915">
+                  <a:extLst>
+                    <a:ext uri="{9D8B030D-6E8A-4147-A177-3AD203B41FA5}">
+                      <a16:colId xmlns:a16="http://schemas.microsoft.com/office/drawing/2014/main" val="2660815420"/>
+                    </a:ext>
+                  </a:extLst>
+                </a:gridCol>
+                <a:gridCol w="1553032">
+                  <a:extLst>
+                    <a:ext uri="{9D8B030D-6E8A-4147-A177-3AD203B41FA5}">
+                      <a16:colId xmlns:a16="http://schemas.microsoft.com/office/drawing/2014/main" val="815854330"/>
+                    </a:ext>
+                  </a:extLst>
+                </a:gridCol>
+              </a:tblGrid>
+              <a:tr h="370840">
+                <a:tc>
+                  <a:txBody>
+                    <a:bodyPr/>
+                    <a:lstStyle/>
+                    <a:p>
+                      <a:endParaRPr lang="en-US" dirty="0"/>
+                    </a:p>
+                  </a:txBody>
+                  <a:tcPr>
+                    <a:lnL w="12700" cap="flat" cmpd="sng" algn="ctr">
+                      <a:noFill/>
+                      <a:prstDash val="solid"/>
+                      <a:round/>
+                      <a:headEnd type="none" w="med" len="med"/>
+                      <a:tailEnd type="none" w="med" len="med"/>
+                    </a:lnL>
+                    <a:lnR w="12700" cap="flat" cmpd="sng" algn="ctr">
+                      <a:noFill/>
+                      <a:prstDash val="solid"/>
+                      <a:round/>
+                      <a:headEnd type="none" w="med" len="med"/>
+                      <a:tailEnd type="none" w="med" len="med"/>
+                    </a:lnR>
+                    <a:lnT w="12700" cap="flat" cmpd="sng" algn="ctr">
+                      <a:solidFill>
+                        <a:schemeClr val="tx1"/>
+                      </a:solidFill>
+                      <a:prstDash val="solid"/>
+                      <a:round/>
+                      <a:headEnd type="none" w="med" len="med"/>
+                      <a:tailEnd type="none" w="med" len="med"/>
+                    </a:lnT>
+                    <a:lnB w="12700" cap="flat" cmpd="sng" algn="ctr">
+                      <a:noFill/>
+                      <a:prstDash val="solid"/>
+                      <a:round/>
+                      <a:headEnd type="none" w="med" len="med"/>
+                      <a:tailEnd type="none" w="med" len="med"/>
+                    </a:lnB>
+                    <a:solidFill>
+                      <a:schemeClr val="accent1">
+                        <a:lumMod val="20000"/>
+                        <a:lumOff val="80000"/>
+                      </a:schemeClr>
+                    </a:solidFill>
+                  </a:tcPr>
+                </a:tc>
+                <a:tc>
+                  <a:txBody>
+                    <a:bodyPr/>
+                    <a:lstStyle/>
+                    <a:p>
+                      <a:endParaRPr lang="en-US" dirty="0"/>
+                    </a:p>
+                  </a:txBody>
+                  <a:tcPr>
+                    <a:lnL w="12700" cap="flat" cmpd="sng" algn="ctr">
+                      <a:noFill/>
+                      <a:prstDash val="solid"/>
+                      <a:round/>
+                      <a:headEnd type="none" w="med" len="med"/>
+                      <a:tailEnd type="none" w="med" len="med"/>
+                    </a:lnL>
+                    <a:lnR w="12700" cap="flat" cmpd="sng" algn="ctr">
+                      <a:noFill/>
+                      <a:prstDash val="solid"/>
+                      <a:round/>
+                      <a:headEnd type="none" w="med" len="med"/>
+                      <a:tailEnd type="none" w="med" len="med"/>
+                    </a:lnR>
+                    <a:lnT w="12700" cap="flat" cmpd="sng" algn="ctr">
+                      <a:solidFill>
+                        <a:schemeClr val="tx1"/>
+                      </a:solidFill>
+                      <a:prstDash val="solid"/>
+                      <a:round/>
+                      <a:headEnd type="none" w="med" len="med"/>
+                      <a:tailEnd type="none" w="med" len="med"/>
+                    </a:lnT>
+                    <a:lnB w="12700" cap="flat" cmpd="sng" algn="ctr">
+                      <a:noFill/>
+                      <a:prstDash val="solid"/>
+                      <a:round/>
+                      <a:headEnd type="none" w="med" len="med"/>
+                      <a:tailEnd type="none" w="med" len="med"/>
+                    </a:lnB>
+                    <a:solidFill>
+                      <a:schemeClr val="accent1">
+                        <a:lumMod val="20000"/>
+                        <a:lumOff val="80000"/>
+                      </a:schemeClr>
+                    </a:solidFill>
+                  </a:tcPr>
+                </a:tc>
+                <a:tc>
+                  <a:txBody>
+                    <a:bodyPr/>
+                    <a:lstStyle/>
+                    <a:p>
+                      <a:endParaRPr lang="en-US" dirty="0"/>
+                    </a:p>
+                  </a:txBody>
+                  <a:tcPr>
+                    <a:lnL w="12700" cap="flat" cmpd="sng" algn="ctr">
+                      <a:noFill/>
+                      <a:prstDash val="solid"/>
+                      <a:round/>
+                      <a:headEnd type="none" w="med" len="med"/>
+                      <a:tailEnd type="none" w="med" len="med"/>
+                    </a:lnL>
+                    <a:lnR w="12700" cap="flat" cmpd="sng" algn="ctr">
+                      <a:noFill/>
+                      <a:prstDash val="solid"/>
+                      <a:round/>
+                      <a:headEnd type="none" w="med" len="med"/>
+                      <a:tailEnd type="none" w="med" len="med"/>
+                    </a:lnR>
+                    <a:lnT w="12700" cap="flat" cmpd="sng" algn="ctr">
+                      <a:solidFill>
+                        <a:schemeClr val="tx1"/>
+                      </a:solidFill>
+                      <a:prstDash val="solid"/>
+                      <a:round/>
+                      <a:headEnd type="none" w="med" len="med"/>
+                      <a:tailEnd type="none" w="med" len="med"/>
+                    </a:lnT>
+                    <a:lnB w="12700" cap="flat" cmpd="sng" algn="ctr">
+                      <a:noFill/>
+                      <a:prstDash val="solid"/>
+                      <a:round/>
+                      <a:headEnd type="none" w="med" len="med"/>
+                      <a:tailEnd type="none" w="med" len="med"/>
+                    </a:lnB>
+                    <a:solidFill>
+                      <a:schemeClr val="accent1">
+                        <a:lumMod val="20000"/>
+                        <a:lumOff val="80000"/>
+                      </a:schemeClr>
+                    </a:solidFill>
+                  </a:tcPr>
+                </a:tc>
+                <a:tc>
+                  <a:txBody>
+                    <a:bodyPr/>
+                    <a:lstStyle/>
+                    <a:p>
+                      <a:endParaRPr lang="en-US" dirty="0"/>
+                    </a:p>
+                  </a:txBody>
+                  <a:tcPr>
+                    <a:lnL w="12700" cap="flat" cmpd="sng" algn="ctr">
+                      <a:noFill/>
+                      <a:prstDash val="solid"/>
+                      <a:round/>
+                      <a:headEnd type="none" w="med" len="med"/>
+                      <a:tailEnd type="none" w="med" len="med"/>
+                    </a:lnL>
+                    <a:lnR w="12700" cap="flat" cmpd="sng" algn="ctr">
+                      <a:noFill/>
+                      <a:prstDash val="solid"/>
+                      <a:round/>
+                      <a:headEnd type="none" w="med" len="med"/>
+                      <a:tailEnd type="none" w="med" len="med"/>
+                    </a:lnR>
+                    <a:lnT w="12700" cap="flat" cmpd="sng" algn="ctr">
+                      <a:solidFill>
+                        <a:schemeClr val="tx1"/>
+                      </a:solidFill>
+                      <a:prstDash val="solid"/>
+                      <a:round/>
+                      <a:headEnd type="none" w="med" len="med"/>
+                      <a:tailEnd type="none" w="med" len="med"/>
+                    </a:lnT>
+                    <a:lnB w="12700" cap="flat" cmpd="sng" algn="ctr">
+                      <a:noFill/>
+                      <a:prstDash val="solid"/>
+                      <a:round/>
+                      <a:headEnd type="none" w="med" len="med"/>
+                      <a:tailEnd type="none" w="med" len="med"/>
+                    </a:lnB>
+                    <a:solidFill>
+                      <a:schemeClr val="accent1">
+                        <a:lumMod val="20000"/>
+                        <a:lumOff val="80000"/>
+                      </a:schemeClr>
+                    </a:solidFill>
+                  </a:tcPr>
+                </a:tc>
+                <a:tc>
+                  <a:txBody>
+                    <a:bodyPr/>
+                    <a:lstStyle/>
+                    <a:p>
+                      <a:endParaRPr lang="en-US"/>
+                    </a:p>
+                  </a:txBody>
+                  <a:tcPr>
+                    <a:lnL w="12700" cap="flat" cmpd="sng" algn="ctr">
+                      <a:noFill/>
+                      <a:prstDash val="solid"/>
+                      <a:round/>
+                      <a:headEnd type="none" w="med" len="med"/>
+                      <a:tailEnd type="none" w="med" len="med"/>
+                    </a:lnL>
+                    <a:lnR w="12700" cap="flat" cmpd="sng" algn="ctr">
+                      <a:noFill/>
+                      <a:prstDash val="solid"/>
+                      <a:round/>
+                      <a:headEnd type="none" w="med" len="med"/>
+                      <a:tailEnd type="none" w="med" len="med"/>
+                    </a:lnR>
+                    <a:lnT w="12700" cap="flat" cmpd="sng" algn="ctr">
+                      <a:solidFill>
+                        <a:schemeClr val="tx1"/>
+                      </a:solidFill>
+                      <a:prstDash val="solid"/>
+                      <a:round/>
+                      <a:headEnd type="none" w="med" len="med"/>
+                      <a:tailEnd type="none" w="med" len="med"/>
+                    </a:lnT>
+                    <a:lnB w="12700" cap="flat" cmpd="sng" algn="ctr">
+                      <a:noFill/>
+                      <a:prstDash val="solid"/>
+                      <a:round/>
+                      <a:headEnd type="none" w="med" len="med"/>
+                      <a:tailEnd type="none" w="med" len="med"/>
+                    </a:lnB>
+                    <a:solidFill>
+                      <a:schemeClr val="accent1">
+                        <a:lumMod val="20000"/>
+                        <a:lumOff val="80000"/>
+                      </a:schemeClr>
+                    </a:solidFill>
+                  </a:tcPr>
+                </a:tc>
+                <a:tc>
+                  <a:txBody>
+                    <a:bodyPr/>
+                    <a:lstStyle/>
+                    <a:p>
+                      <a:endParaRPr lang="en-US" dirty="0"/>
+                    </a:p>
+                  </a:txBody>
+                  <a:tcPr>
+                    <a:lnL w="12700" cap="flat" cmpd="sng" algn="ctr">
+                      <a:noFill/>
+                      <a:prstDash val="solid"/>
+                      <a:round/>
+                      <a:headEnd type="none" w="med" len="med"/>
+                      <a:tailEnd type="none" w="med" len="med"/>
+                    </a:lnL>
+                    <a:lnR w="12700" cap="flat" cmpd="sng" algn="ctr">
+                      <a:noFill/>
+                      <a:prstDash val="solid"/>
+                      <a:round/>
+                      <a:headEnd type="none" w="med" len="med"/>
+                      <a:tailEnd type="none" w="med" len="med"/>
+                    </a:lnR>
+                    <a:lnT w="12700" cap="flat" cmpd="sng" algn="ctr">
+                      <a:solidFill>
+                        <a:schemeClr val="tx1"/>
+                      </a:solidFill>
+                      <a:prstDash val="solid"/>
+                      <a:round/>
+                      <a:headEnd type="none" w="med" len="med"/>
+                      <a:tailEnd type="none" w="med" len="med"/>
+                    </a:lnT>
+                    <a:lnB w="12700" cap="flat" cmpd="sng" algn="ctr">
+                      <a:noFill/>
+                      <a:prstDash val="solid"/>
+                      <a:round/>
+                      <a:headEnd type="none" w="med" len="med"/>
+                      <a:tailEnd type="none" w="med" len="med"/>
+                    </a:lnB>
+                    <a:solidFill>
+                      <a:schemeClr val="accent1">
+                        <a:lumMod val="20000"/>
+                        <a:lumOff val="80000"/>
+                      </a:schemeClr>
+                    </a:solidFill>
+                  </a:tcPr>
+                </a:tc>
+                <a:tc>
+                  <a:txBody>
+                    <a:bodyPr/>
+                    <a:lstStyle/>
+                    <a:p>
+                      <a:endParaRPr lang="en-US" dirty="0"/>
+                    </a:p>
+                  </a:txBody>
+                  <a:tcPr>
+                    <a:lnL w="12700" cap="flat" cmpd="sng" algn="ctr">
+                      <a:noFill/>
+                      <a:prstDash val="solid"/>
+                      <a:round/>
+                      <a:headEnd type="none" w="med" len="med"/>
+                      <a:tailEnd type="none" w="med" len="med"/>
+                    </a:lnL>
+                    <a:lnR w="12700" cap="flat" cmpd="sng" algn="ctr">
+                      <a:noFill/>
+                      <a:prstDash val="solid"/>
+                      <a:round/>
+                      <a:headEnd type="none" w="med" len="med"/>
+                      <a:tailEnd type="none" w="med" len="med"/>
+                    </a:lnR>
+                    <a:lnT w="12700" cap="flat" cmpd="sng" algn="ctr">
+                      <a:solidFill>
+                        <a:schemeClr val="tx1"/>
+                      </a:solidFill>
+                      <a:prstDash val="solid"/>
+                      <a:round/>
+                      <a:headEnd type="none" w="med" len="med"/>
+                      <a:tailEnd type="none" w="med" len="med"/>
+                    </a:lnT>
+                    <a:lnB w="12700" cap="flat" cmpd="sng" algn="ctr">
+                      <a:noFill/>
+                      <a:prstDash val="solid"/>
+                      <a:round/>
+                      <a:headEnd type="none" w="med" len="med"/>
+                      <a:tailEnd type="none" w="med" len="med"/>
+                    </a:lnB>
+                    <a:solidFill>
+                      <a:schemeClr val="accent1">
+                        <a:lumMod val="20000"/>
+                        <a:lumOff val="80000"/>
+                      </a:schemeClr>
+                    </a:solidFill>
+                  </a:tcPr>
+                </a:tc>
+                <a:extLst>
+                  <a:ext uri="{0D108BD9-81ED-4DB2-BD59-A6C34878D82A}">
+                    <a16:rowId xmlns:a16="http://schemas.microsoft.com/office/drawing/2014/main" val="1029656375"/>
+                  </a:ext>
+                </a:extLst>
+              </a:tr>
+              <a:tr h="370840">
+                <a:tc>
+                  <a:txBody>
+                    <a:bodyPr/>
+                    <a:lstStyle/>
+                    <a:p>
+                      <a:r>
+                        <a:rPr lang="en-US" dirty="0"/>
+                        <a:t>           0</a:t>
+                      </a:r>
+                    </a:p>
+                  </a:txBody>
+                  <a:tcPr>
+                    <a:lnL w="12700" cap="flat" cmpd="sng" algn="ctr">
+                      <a:noFill/>
+                      <a:prstDash val="solid"/>
+                      <a:round/>
+                      <a:headEnd type="none" w="med" len="med"/>
+                      <a:tailEnd type="none" w="med" len="med"/>
+                    </a:lnL>
+                    <a:lnR w="12700" cap="flat" cmpd="sng" algn="ctr">
+                      <a:noFill/>
+                      <a:prstDash val="solid"/>
+                      <a:round/>
+                      <a:headEnd type="none" w="med" len="med"/>
+                      <a:tailEnd type="none" w="med" len="med"/>
+                    </a:lnR>
+                    <a:lnT w="12700" cap="flat" cmpd="sng" algn="ctr">
+                      <a:noFill/>
+                      <a:prstDash val="solid"/>
+                      <a:round/>
+                      <a:headEnd type="none" w="med" len="med"/>
+                      <a:tailEnd type="none" w="med" len="med"/>
+                    </a:lnT>
+                    <a:lnB w="12700" cap="flat" cmpd="sng" algn="ctr">
+                      <a:solidFill>
+                        <a:schemeClr val="tx1"/>
+                      </a:solidFill>
+                      <a:prstDash val="solid"/>
+                      <a:round/>
+                      <a:headEnd type="none" w="med" len="med"/>
+                      <a:tailEnd type="none" w="med" len="med"/>
+                    </a:lnB>
+                    <a:solidFill>
+                      <a:schemeClr val="accent1">
+                        <a:lumMod val="20000"/>
+                        <a:lumOff val="80000"/>
+                      </a:schemeClr>
+                    </a:solidFill>
+                  </a:tcPr>
+                </a:tc>
+                <a:tc>
+                  <a:txBody>
+                    <a:bodyPr/>
+                    <a:lstStyle/>
+                    <a:p>
+                      <a:r>
+                        <a:rPr lang="en-US" dirty="0"/>
+                        <a:t> 1           0 </a:t>
+                      </a:r>
+                    </a:p>
+                  </a:txBody>
+                  <a:tcPr>
+                    <a:lnL w="12700" cap="flat" cmpd="sng" algn="ctr">
+                      <a:noFill/>
+                      <a:prstDash val="solid"/>
+                      <a:round/>
+                      <a:headEnd type="none" w="med" len="med"/>
+                      <a:tailEnd type="none" w="med" len="med"/>
+                    </a:lnL>
+                    <a:lnR w="12700" cap="flat" cmpd="sng" algn="ctr">
+                      <a:noFill/>
+                      <a:prstDash val="solid"/>
+                      <a:round/>
+                      <a:headEnd type="none" w="med" len="med"/>
+                      <a:tailEnd type="none" w="med" len="med"/>
+                    </a:lnR>
+                    <a:lnT w="12700" cap="flat" cmpd="sng" algn="ctr">
+                      <a:noFill/>
+                      <a:prstDash val="solid"/>
+                      <a:round/>
+                      <a:headEnd type="none" w="med" len="med"/>
+                      <a:tailEnd type="none" w="med" len="med"/>
+                    </a:lnT>
+                    <a:lnB w="12700" cap="flat" cmpd="sng" algn="ctr">
+                      <a:solidFill>
+                        <a:schemeClr val="tx1"/>
+                      </a:solidFill>
+                      <a:prstDash val="solid"/>
+                      <a:round/>
+                      <a:headEnd type="none" w="med" len="med"/>
+                      <a:tailEnd type="none" w="med" len="med"/>
+                    </a:lnB>
+                    <a:solidFill>
+                      <a:schemeClr val="accent1">
+                        <a:lumMod val="20000"/>
+                        <a:lumOff val="80000"/>
+                      </a:schemeClr>
+                    </a:solidFill>
+                  </a:tcPr>
+                </a:tc>
+                <a:tc>
+                  <a:txBody>
+                    <a:bodyPr/>
+                    <a:lstStyle/>
+                    <a:p>
+                      <a:r>
+                        <a:rPr lang="en-US" dirty="0"/>
+                        <a:t>1          0</a:t>
+                      </a:r>
+                    </a:p>
+                  </a:txBody>
+                  <a:tcPr>
+                    <a:lnL w="12700" cap="flat" cmpd="sng" algn="ctr">
+                      <a:noFill/>
+                      <a:prstDash val="solid"/>
+                      <a:round/>
+                      <a:headEnd type="none" w="med" len="med"/>
+                      <a:tailEnd type="none" w="med" len="med"/>
+                    </a:lnL>
+                    <a:lnR w="12700" cap="flat" cmpd="sng" algn="ctr">
+                      <a:noFill/>
+                      <a:prstDash val="solid"/>
+                      <a:round/>
+                      <a:headEnd type="none" w="med" len="med"/>
+                      <a:tailEnd type="none" w="med" len="med"/>
+                    </a:lnR>
+                    <a:lnT w="12700" cap="flat" cmpd="sng" algn="ctr">
+                      <a:noFill/>
+                      <a:prstDash val="solid"/>
+                      <a:round/>
+                      <a:headEnd type="none" w="med" len="med"/>
+                      <a:tailEnd type="none" w="med" len="med"/>
+                    </a:lnT>
+                    <a:lnB w="12700" cap="flat" cmpd="sng" algn="ctr">
+                      <a:solidFill>
+                        <a:schemeClr val="tx1"/>
+                      </a:solidFill>
+                      <a:prstDash val="solid"/>
+                      <a:round/>
+                      <a:headEnd type="none" w="med" len="med"/>
+                      <a:tailEnd type="none" w="med" len="med"/>
+                    </a:lnB>
+                    <a:solidFill>
+                      <a:schemeClr val="accent1">
+                        <a:lumMod val="20000"/>
+                        <a:lumOff val="80000"/>
+                      </a:schemeClr>
+                    </a:solidFill>
+                  </a:tcPr>
+                </a:tc>
+                <a:tc>
+                  <a:txBody>
+                    <a:bodyPr/>
+                    <a:lstStyle/>
+                    <a:p>
+                      <a:r>
+                        <a:rPr lang="en-US" dirty="0"/>
+                        <a:t>0           0</a:t>
+                      </a:r>
+                    </a:p>
+                  </a:txBody>
+                  <a:tcPr>
+                    <a:lnL w="12700" cap="flat" cmpd="sng" algn="ctr">
+                      <a:noFill/>
+                      <a:prstDash val="solid"/>
+                      <a:round/>
+                      <a:headEnd type="none" w="med" len="med"/>
+                      <a:tailEnd type="none" w="med" len="med"/>
+                    </a:lnL>
+                    <a:lnR w="12700" cap="flat" cmpd="sng" algn="ctr">
+                      <a:noFill/>
+                      <a:prstDash val="solid"/>
+                      <a:round/>
+                      <a:headEnd type="none" w="med" len="med"/>
+                      <a:tailEnd type="none" w="med" len="med"/>
+                    </a:lnR>
+                    <a:lnT w="12700" cap="flat" cmpd="sng" algn="ctr">
+                      <a:noFill/>
+                      <a:prstDash val="solid"/>
+                      <a:round/>
+                      <a:headEnd type="none" w="med" len="med"/>
+                      <a:tailEnd type="none" w="med" len="med"/>
+                    </a:lnT>
+                    <a:lnB w="12700" cap="flat" cmpd="sng" algn="ctr">
+                      <a:solidFill>
+                        <a:schemeClr val="tx1"/>
+                      </a:solidFill>
+                      <a:prstDash val="solid"/>
+                      <a:round/>
+                      <a:headEnd type="none" w="med" len="med"/>
+                      <a:tailEnd type="none" w="med" len="med"/>
+                    </a:lnB>
+                    <a:solidFill>
+                      <a:schemeClr val="accent1">
+                        <a:lumMod val="20000"/>
+                        <a:lumOff val="80000"/>
+                      </a:schemeClr>
+                    </a:solidFill>
+                  </a:tcPr>
+                </a:tc>
+                <a:tc>
+                  <a:txBody>
+                    <a:bodyPr/>
+                    <a:lstStyle/>
+                    <a:p>
+                      <a:r>
+                        <a:rPr lang="en-US" dirty="0"/>
+                        <a:t> 1           </a:t>
+                      </a:r>
+                    </a:p>
+                  </a:txBody>
+                  <a:tcPr>
+                    <a:lnL w="12700" cap="flat" cmpd="sng" algn="ctr">
+                      <a:noFill/>
+                      <a:prstDash val="solid"/>
+                      <a:round/>
+                      <a:headEnd type="none" w="med" len="med"/>
+                      <a:tailEnd type="none" w="med" len="med"/>
+                    </a:lnL>
+                    <a:lnR w="12700" cap="flat" cmpd="sng" algn="ctr">
+                      <a:noFill/>
+                      <a:prstDash val="solid"/>
+                      <a:round/>
+                      <a:headEnd type="none" w="med" len="med"/>
+                      <a:tailEnd type="none" w="med" len="med"/>
+                    </a:lnR>
+                    <a:lnT w="12700" cap="flat" cmpd="sng" algn="ctr">
+                      <a:noFill/>
+                      <a:prstDash val="solid"/>
+                      <a:round/>
+                      <a:headEnd type="none" w="med" len="med"/>
+                      <a:tailEnd type="none" w="med" len="med"/>
+                    </a:lnT>
+                    <a:lnB w="12700" cap="flat" cmpd="sng" algn="ctr">
+                      <a:solidFill>
+                        <a:schemeClr val="tx1"/>
+                      </a:solidFill>
+                      <a:prstDash val="solid"/>
+                      <a:round/>
+                      <a:headEnd type="none" w="med" len="med"/>
+                      <a:tailEnd type="none" w="med" len="med"/>
+                    </a:lnB>
+                    <a:solidFill>
+                      <a:schemeClr val="accent1">
+                        <a:lumMod val="20000"/>
+                        <a:lumOff val="80000"/>
+                      </a:schemeClr>
+                    </a:solidFill>
+                  </a:tcPr>
+                </a:tc>
+                <a:tc>
+                  <a:txBody>
+                    <a:bodyPr/>
+                    <a:lstStyle/>
+                    <a:p>
+                      <a:r>
+                        <a:rPr lang="en-US" dirty="0"/>
+                        <a:t> 1          0</a:t>
+                      </a:r>
+                    </a:p>
+                  </a:txBody>
+                  <a:tcPr>
+                    <a:lnL w="12700" cap="flat" cmpd="sng" algn="ctr">
+                      <a:noFill/>
+                      <a:prstDash val="solid"/>
+                      <a:round/>
+                      <a:headEnd type="none" w="med" len="med"/>
+                      <a:tailEnd type="none" w="med" len="med"/>
+                    </a:lnL>
+                    <a:lnR w="12700" cap="flat" cmpd="sng" algn="ctr">
+                      <a:noFill/>
+                      <a:prstDash val="solid"/>
+                      <a:round/>
+                      <a:headEnd type="none" w="med" len="med"/>
+                      <a:tailEnd type="none" w="med" len="med"/>
+                    </a:lnR>
+                    <a:lnT w="12700" cap="flat" cmpd="sng" algn="ctr">
+                      <a:noFill/>
+                      <a:prstDash val="solid"/>
+                      <a:round/>
+                      <a:headEnd type="none" w="med" len="med"/>
+                      <a:tailEnd type="none" w="med" len="med"/>
+                    </a:lnT>
+                    <a:lnB w="12700" cap="flat" cmpd="sng" algn="ctr">
+                      <a:solidFill>
+                        <a:schemeClr val="tx1"/>
+                      </a:solidFill>
+                      <a:prstDash val="solid"/>
+                      <a:round/>
+                      <a:headEnd type="none" w="med" len="med"/>
+                      <a:tailEnd type="none" w="med" len="med"/>
+                    </a:lnB>
+                    <a:solidFill>
+                      <a:schemeClr val="accent1">
+                        <a:lumMod val="20000"/>
+                        <a:lumOff val="80000"/>
+                      </a:schemeClr>
+                    </a:solidFill>
+                  </a:tcPr>
+                </a:tc>
+                <a:tc>
+                  <a:txBody>
+                    <a:bodyPr/>
+                    <a:lstStyle/>
+                    <a:p>
+                      <a:r>
+                        <a:rPr lang="en-US" dirty="0"/>
+                        <a:t>1</a:t>
+                      </a:r>
+                    </a:p>
+                  </a:txBody>
+                  <a:tcPr>
+                    <a:lnL w="12700" cap="flat" cmpd="sng" algn="ctr">
+                      <a:noFill/>
+                      <a:prstDash val="solid"/>
+                      <a:round/>
+                      <a:headEnd type="none" w="med" len="med"/>
+                      <a:tailEnd type="none" w="med" len="med"/>
+                    </a:lnL>
+                    <a:lnR w="12700" cap="flat" cmpd="sng" algn="ctr">
+                      <a:noFill/>
+                      <a:prstDash val="solid"/>
+                      <a:round/>
+                      <a:headEnd type="none" w="med" len="med"/>
+                      <a:tailEnd type="none" w="med" len="med"/>
+                    </a:lnR>
+                    <a:lnT w="12700" cap="flat" cmpd="sng" algn="ctr">
+                      <a:noFill/>
+                      <a:prstDash val="solid"/>
+                      <a:round/>
+                      <a:headEnd type="none" w="med" len="med"/>
+                      <a:tailEnd type="none" w="med" len="med"/>
+                    </a:lnT>
+                    <a:lnB w="12700" cap="flat" cmpd="sng" algn="ctr">
+                      <a:solidFill>
+                        <a:schemeClr val="tx1"/>
+                      </a:solidFill>
+                      <a:prstDash val="solid"/>
+                      <a:round/>
+                      <a:headEnd type="none" w="med" len="med"/>
+                      <a:tailEnd type="none" w="med" len="med"/>
+                    </a:lnB>
+                    <a:solidFill>
+                      <a:schemeClr val="accent1">
+                        <a:lumMod val="20000"/>
+                        <a:lumOff val="80000"/>
+                      </a:schemeClr>
+                    </a:solidFill>
+                  </a:tcPr>
+                </a:tc>
+                <a:extLst>
+                  <a:ext uri="{0D108BD9-81ED-4DB2-BD59-A6C34878D82A}">
+                    <a16:rowId xmlns:a16="http://schemas.microsoft.com/office/drawing/2014/main" val="4112526131"/>
+                  </a:ext>
+                </a:extLst>
+              </a:tr>
+              <a:tr h="370840">
+                <a:tc>
+                  <a:txBody>
+                    <a:bodyPr/>
+                    <a:lstStyle/>
+                    <a:p>
+                      <a:endParaRPr lang="en-US" dirty="0"/>
+                    </a:p>
+                  </a:txBody>
+                  <a:tcPr>
+                    <a:lnL w="12700" cap="flat" cmpd="sng" algn="ctr">
+                      <a:noFill/>
+                      <a:prstDash val="solid"/>
+                      <a:round/>
+                      <a:headEnd type="none" w="med" len="med"/>
+                      <a:tailEnd type="none" w="med" len="med"/>
+                    </a:lnL>
+                    <a:lnR w="12700" cap="flat" cmpd="sng" algn="ctr">
+                      <a:noFill/>
+                      <a:prstDash val="solid"/>
+                      <a:round/>
+                      <a:headEnd type="none" w="med" len="med"/>
+                      <a:tailEnd type="none" w="med" len="med"/>
+                    </a:lnR>
+                    <a:lnT w="12700" cap="flat" cmpd="sng" algn="ctr">
+                      <a:solidFill>
+                        <a:schemeClr val="tx1"/>
+                      </a:solidFill>
+                      <a:prstDash val="solid"/>
+                      <a:round/>
+                      <a:headEnd type="none" w="med" len="med"/>
+                      <a:tailEnd type="none" w="med" len="med"/>
+                    </a:lnT>
+                    <a:lnB w="12700" cap="flat" cmpd="sng" algn="ctr">
+                      <a:noFill/>
+                      <a:prstDash val="solid"/>
+                      <a:round/>
+                      <a:headEnd type="none" w="med" len="med"/>
+                      <a:tailEnd type="none" w="med" len="med"/>
+                    </a:lnB>
+                    <a:solidFill>
+                      <a:schemeClr val="accent1">
+                        <a:lumMod val="20000"/>
+                        <a:lumOff val="80000"/>
+                      </a:schemeClr>
+                    </a:solidFill>
+                  </a:tcPr>
+                </a:tc>
+                <a:tc>
+                  <a:txBody>
+                    <a:bodyPr/>
+                    <a:lstStyle/>
+                    <a:p>
+                      <a:endParaRPr lang="en-US" dirty="0"/>
+                    </a:p>
+                  </a:txBody>
+                  <a:tcPr>
+                    <a:lnL w="12700" cap="flat" cmpd="sng" algn="ctr">
+                      <a:noFill/>
+                      <a:prstDash val="solid"/>
+                      <a:round/>
+                      <a:headEnd type="none" w="med" len="med"/>
+                      <a:tailEnd type="none" w="med" len="med"/>
+                    </a:lnL>
+                    <a:lnR w="12700" cap="flat" cmpd="sng" algn="ctr">
+                      <a:noFill/>
+                      <a:prstDash val="solid"/>
+                      <a:round/>
+                      <a:headEnd type="none" w="med" len="med"/>
+                      <a:tailEnd type="none" w="med" len="med"/>
+                    </a:lnR>
+                    <a:lnT w="12700" cap="flat" cmpd="sng" algn="ctr">
+                      <a:solidFill>
+                        <a:schemeClr val="tx1"/>
+                      </a:solidFill>
+                      <a:prstDash val="solid"/>
+                      <a:round/>
+                      <a:headEnd type="none" w="med" len="med"/>
+                      <a:tailEnd type="none" w="med" len="med"/>
+                    </a:lnT>
+                    <a:lnB w="12700" cap="flat" cmpd="sng" algn="ctr">
+                      <a:noFill/>
+                      <a:prstDash val="solid"/>
+                      <a:round/>
+                      <a:headEnd type="none" w="med" len="med"/>
+                      <a:tailEnd type="none" w="med" len="med"/>
+                    </a:lnB>
+                    <a:solidFill>
+                      <a:schemeClr val="accent1">
+                        <a:lumMod val="20000"/>
+                        <a:lumOff val="80000"/>
+                      </a:schemeClr>
+                    </a:solidFill>
+                  </a:tcPr>
+                </a:tc>
+                <a:tc>
+                  <a:txBody>
+                    <a:bodyPr/>
+                    <a:lstStyle/>
+                    <a:p>
+                      <a:endParaRPr lang="en-US" dirty="0"/>
+                    </a:p>
+                  </a:txBody>
+                  <a:tcPr>
+                    <a:lnL w="12700" cap="flat" cmpd="sng" algn="ctr">
+                      <a:noFill/>
+                      <a:prstDash val="solid"/>
+                      <a:round/>
+                      <a:headEnd type="none" w="med" len="med"/>
+                      <a:tailEnd type="none" w="med" len="med"/>
+                    </a:lnL>
+                    <a:lnR w="12700" cap="flat" cmpd="sng" algn="ctr">
+                      <a:noFill/>
+                      <a:prstDash val="solid"/>
+                      <a:round/>
+                      <a:headEnd type="none" w="med" len="med"/>
+                      <a:tailEnd type="none" w="med" len="med"/>
+                    </a:lnR>
+                    <a:lnT w="12700" cap="flat" cmpd="sng" algn="ctr">
+                      <a:solidFill>
+                        <a:schemeClr val="tx1"/>
+                      </a:solidFill>
+                      <a:prstDash val="solid"/>
+                      <a:round/>
+                      <a:headEnd type="none" w="med" len="med"/>
+                      <a:tailEnd type="none" w="med" len="med"/>
+                    </a:lnT>
+                    <a:lnB w="12700" cap="flat" cmpd="sng" algn="ctr">
+                      <a:noFill/>
+                      <a:prstDash val="solid"/>
+                      <a:round/>
+                      <a:headEnd type="none" w="med" len="med"/>
+                      <a:tailEnd type="none" w="med" len="med"/>
+                    </a:lnB>
+                    <a:solidFill>
+                      <a:schemeClr val="accent1">
+                        <a:lumMod val="20000"/>
+                        <a:lumOff val="80000"/>
+                      </a:schemeClr>
+                    </a:solidFill>
+                  </a:tcPr>
+                </a:tc>
+                <a:tc>
+                  <a:txBody>
+                    <a:bodyPr/>
+                    <a:lstStyle/>
+                    <a:p>
+                      <a:endParaRPr lang="en-US" dirty="0"/>
+                    </a:p>
+                  </a:txBody>
+                  <a:tcPr>
+                    <a:lnL w="12700" cap="flat" cmpd="sng" algn="ctr">
+                      <a:noFill/>
+                      <a:prstDash val="solid"/>
+                      <a:round/>
+                      <a:headEnd type="none" w="med" len="med"/>
+                      <a:tailEnd type="none" w="med" len="med"/>
+                    </a:lnL>
+                    <a:lnR w="12700" cap="flat" cmpd="sng" algn="ctr">
+                      <a:noFill/>
+                      <a:prstDash val="solid"/>
+                      <a:round/>
+                      <a:headEnd type="none" w="med" len="med"/>
+                      <a:tailEnd type="none" w="med" len="med"/>
+                    </a:lnR>
+                    <a:lnT w="12700" cap="flat" cmpd="sng" algn="ctr">
+                      <a:solidFill>
+                        <a:schemeClr val="tx1"/>
+                      </a:solidFill>
+                      <a:prstDash val="solid"/>
+                      <a:round/>
+                      <a:headEnd type="none" w="med" len="med"/>
+                      <a:tailEnd type="none" w="med" len="med"/>
+                    </a:lnT>
+                    <a:lnB w="12700" cap="flat" cmpd="sng" algn="ctr">
+                      <a:noFill/>
+                      <a:prstDash val="solid"/>
+                      <a:round/>
+                      <a:headEnd type="none" w="med" len="med"/>
+                      <a:tailEnd type="none" w="med" len="med"/>
+                    </a:lnB>
+                    <a:solidFill>
+                      <a:schemeClr val="accent1">
+                        <a:lumMod val="20000"/>
+                        <a:lumOff val="80000"/>
+                      </a:schemeClr>
+                    </a:solidFill>
+                  </a:tcPr>
+                </a:tc>
+                <a:tc>
+                  <a:txBody>
+                    <a:bodyPr/>
+                    <a:lstStyle/>
+                    <a:p>
+                      <a:endParaRPr lang="en-US" dirty="0"/>
+                    </a:p>
+                  </a:txBody>
+                  <a:tcPr>
+                    <a:lnL w="12700" cap="flat" cmpd="sng" algn="ctr">
+                      <a:noFill/>
+                      <a:prstDash val="solid"/>
+                      <a:round/>
+                      <a:headEnd type="none" w="med" len="med"/>
+                      <a:tailEnd type="none" w="med" len="med"/>
+                    </a:lnL>
+                    <a:lnR w="12700" cap="flat" cmpd="sng" algn="ctr">
+                      <a:noFill/>
+                      <a:prstDash val="solid"/>
+                      <a:round/>
+                      <a:headEnd type="none" w="med" len="med"/>
+                      <a:tailEnd type="none" w="med" len="med"/>
+                    </a:lnR>
+                    <a:lnT w="12700" cap="flat" cmpd="sng" algn="ctr">
+                      <a:solidFill>
+                        <a:schemeClr val="tx1"/>
+                      </a:solidFill>
+                      <a:prstDash val="solid"/>
+                      <a:round/>
+                      <a:headEnd type="none" w="med" len="med"/>
+                      <a:tailEnd type="none" w="med" len="med"/>
+                    </a:lnT>
+                    <a:lnB w="12700" cap="flat" cmpd="sng" algn="ctr">
+                      <a:noFill/>
+                      <a:prstDash val="solid"/>
+                      <a:round/>
+                      <a:headEnd type="none" w="med" len="med"/>
+                      <a:tailEnd type="none" w="med" len="med"/>
+                    </a:lnB>
+                    <a:solidFill>
+                      <a:schemeClr val="accent1">
+                        <a:lumMod val="20000"/>
+                        <a:lumOff val="80000"/>
+                      </a:schemeClr>
+                    </a:solidFill>
+                  </a:tcPr>
+                </a:tc>
+                <a:tc>
+                  <a:txBody>
+                    <a:bodyPr/>
+                    <a:lstStyle/>
+                    <a:p>
+                      <a:endParaRPr lang="en-US" dirty="0"/>
+                    </a:p>
+                  </a:txBody>
+                  <a:tcPr>
+                    <a:lnL w="12700" cap="flat" cmpd="sng" algn="ctr">
+                      <a:noFill/>
+                      <a:prstDash val="solid"/>
+                      <a:round/>
+                      <a:headEnd type="none" w="med" len="med"/>
+                      <a:tailEnd type="none" w="med" len="med"/>
+                    </a:lnL>
+                    <a:lnR w="12700" cap="flat" cmpd="sng" algn="ctr">
+                      <a:noFill/>
+                      <a:prstDash val="solid"/>
+                      <a:round/>
+                      <a:headEnd type="none" w="med" len="med"/>
+                      <a:tailEnd type="none" w="med" len="med"/>
+                    </a:lnR>
+                    <a:lnT w="12700" cap="flat" cmpd="sng" algn="ctr">
+                      <a:solidFill>
+                        <a:schemeClr val="tx1"/>
+                      </a:solidFill>
+                      <a:prstDash val="solid"/>
+                      <a:round/>
+                      <a:headEnd type="none" w="med" len="med"/>
+                      <a:tailEnd type="none" w="med" len="med"/>
+                    </a:lnT>
+                    <a:lnB w="12700" cap="flat" cmpd="sng" algn="ctr">
+                      <a:noFill/>
+                      <a:prstDash val="solid"/>
+                      <a:round/>
+                      <a:headEnd type="none" w="med" len="med"/>
+                      <a:tailEnd type="none" w="med" len="med"/>
+                    </a:lnB>
+                    <a:solidFill>
+                      <a:schemeClr val="accent1">
+                        <a:lumMod val="20000"/>
+                        <a:lumOff val="80000"/>
+                      </a:schemeClr>
+                    </a:solidFill>
+                  </a:tcPr>
+                </a:tc>
+                <a:tc>
+                  <a:txBody>
+                    <a:bodyPr/>
+                    <a:lstStyle/>
+                    <a:p>
+                      <a:endParaRPr lang="en-US" dirty="0"/>
+                    </a:p>
+                  </a:txBody>
+                  <a:tcPr>
+                    <a:lnL w="12700" cap="flat" cmpd="sng" algn="ctr">
+                      <a:noFill/>
+                      <a:prstDash val="solid"/>
+                      <a:round/>
+                      <a:headEnd type="none" w="med" len="med"/>
+                      <a:tailEnd type="none" w="med" len="med"/>
+                    </a:lnL>
+                    <a:lnR w="12700" cap="flat" cmpd="sng" algn="ctr">
+                      <a:noFill/>
+                      <a:prstDash val="solid"/>
+                      <a:round/>
+                      <a:headEnd type="none" w="med" len="med"/>
+                      <a:tailEnd type="none" w="med" len="med"/>
+                    </a:lnR>
+                    <a:lnT w="12700" cap="flat" cmpd="sng" algn="ctr">
+                      <a:solidFill>
+                        <a:schemeClr val="tx1"/>
+                      </a:solidFill>
+                      <a:prstDash val="solid"/>
+                      <a:round/>
+                      <a:headEnd type="none" w="med" len="med"/>
+                      <a:tailEnd type="none" w="med" len="med"/>
+                    </a:lnT>
+                    <a:lnB w="12700" cap="flat" cmpd="sng" algn="ctr">
+                      <a:noFill/>
+                      <a:prstDash val="solid"/>
+                      <a:round/>
+                      <a:headEnd type="none" w="med" len="med"/>
+                      <a:tailEnd type="none" w="med" len="med"/>
+                    </a:lnB>
+                    <a:solidFill>
+                      <a:schemeClr val="accent1">
+                        <a:lumMod val="20000"/>
+                        <a:lumOff val="80000"/>
+                      </a:schemeClr>
+                    </a:solidFill>
+                  </a:tcPr>
+                </a:tc>
+                <a:extLst>
+                  <a:ext uri="{0D108BD9-81ED-4DB2-BD59-A6C34878D82A}">
+                    <a16:rowId xmlns:a16="http://schemas.microsoft.com/office/drawing/2014/main" val="1318717153"/>
+                  </a:ext>
+                </a:extLst>
+              </a:tr>
+              <a:tr h="370840">
+                <a:tc>
+                  <a:txBody>
+                    <a:bodyPr/>
+                    <a:lstStyle/>
+                    <a:p>
+                      <a:endParaRPr lang="en-US" dirty="0"/>
+                    </a:p>
+                  </a:txBody>
+                  <a:tcPr>
+                    <a:lnL w="12700" cap="flat" cmpd="sng" algn="ctr">
+                      <a:noFill/>
+                      <a:prstDash val="solid"/>
+                      <a:round/>
+                      <a:headEnd type="none" w="med" len="med"/>
+                      <a:tailEnd type="none" w="med" len="med"/>
+                    </a:lnL>
+                    <a:lnR w="12700" cap="flat" cmpd="sng" algn="ctr">
+                      <a:noFill/>
+                      <a:prstDash val="solid"/>
+                      <a:round/>
+                      <a:headEnd type="none" w="med" len="med"/>
+                      <a:tailEnd type="none" w="med" len="med"/>
+                    </a:lnR>
+                    <a:lnT w="12700" cap="flat" cmpd="sng" algn="ctr">
+                      <a:noFill/>
+                      <a:prstDash val="solid"/>
+                      <a:round/>
+                      <a:headEnd type="none" w="med" len="med"/>
+                      <a:tailEnd type="none" w="med" len="med"/>
+                    </a:lnT>
+                    <a:lnB w="12700" cap="flat" cmpd="sng" algn="ctr">
+                      <a:noFill/>
+                      <a:prstDash val="solid"/>
+                      <a:round/>
+                      <a:headEnd type="none" w="med" len="med"/>
+                      <a:tailEnd type="none" w="med" len="med"/>
+                    </a:lnB>
+                    <a:solidFill>
+                      <a:schemeClr val="accent1">
+                        <a:lumMod val="20000"/>
+                        <a:lumOff val="80000"/>
+                      </a:schemeClr>
+                    </a:solidFill>
+                  </a:tcPr>
+                </a:tc>
+                <a:tc>
+                  <a:txBody>
+                    <a:bodyPr/>
+                    <a:lstStyle/>
+                    <a:p>
+                      <a:endParaRPr lang="en-US" dirty="0"/>
+                    </a:p>
+                  </a:txBody>
+                  <a:tcPr>
+                    <a:lnL w="12700" cap="flat" cmpd="sng" algn="ctr">
+                      <a:noFill/>
+                      <a:prstDash val="solid"/>
+                      <a:round/>
+                      <a:headEnd type="none" w="med" len="med"/>
+                      <a:tailEnd type="none" w="med" len="med"/>
+                    </a:lnL>
+                    <a:lnR w="12700" cap="flat" cmpd="sng" algn="ctr">
+                      <a:noFill/>
+                      <a:prstDash val="solid"/>
+                      <a:round/>
+                      <a:headEnd type="none" w="med" len="med"/>
+                      <a:tailEnd type="none" w="med" len="med"/>
+                    </a:lnR>
+                    <a:lnT w="12700" cap="flat" cmpd="sng" algn="ctr">
+                      <a:noFill/>
+                      <a:prstDash val="solid"/>
+                      <a:round/>
+                      <a:headEnd type="none" w="med" len="med"/>
+                      <a:tailEnd type="none" w="med" len="med"/>
+                    </a:lnT>
+                    <a:lnB w="12700" cap="flat" cmpd="sng" algn="ctr">
+                      <a:noFill/>
+                      <a:prstDash val="solid"/>
+                      <a:round/>
+                      <a:headEnd type="none" w="med" len="med"/>
+                      <a:tailEnd type="none" w="med" len="med"/>
+                    </a:lnB>
+                    <a:solidFill>
+                      <a:schemeClr val="accent1">
+                        <a:lumMod val="20000"/>
+                        <a:lumOff val="80000"/>
+                      </a:schemeClr>
+                    </a:solidFill>
+                  </a:tcPr>
+                </a:tc>
+                <a:tc>
+                  <a:txBody>
+                    <a:bodyPr/>
+                    <a:lstStyle/>
+                    <a:p>
+                      <a:endParaRPr lang="en-US" dirty="0"/>
+                    </a:p>
+                  </a:txBody>
+                  <a:tcPr>
+                    <a:lnL w="12700" cap="flat" cmpd="sng" algn="ctr">
+                      <a:noFill/>
+                      <a:prstDash val="solid"/>
+                      <a:round/>
+                      <a:headEnd type="none" w="med" len="med"/>
+                      <a:tailEnd type="none" w="med" len="med"/>
+                    </a:lnL>
+                    <a:lnR w="12700" cap="flat" cmpd="sng" algn="ctr">
+                      <a:noFill/>
+                      <a:prstDash val="solid"/>
+                      <a:round/>
+                      <a:headEnd type="none" w="med" len="med"/>
+                      <a:tailEnd type="none" w="med" len="med"/>
+                    </a:lnR>
+                    <a:lnT w="12700" cap="flat" cmpd="sng" algn="ctr">
+                      <a:noFill/>
+                      <a:prstDash val="solid"/>
+                      <a:round/>
+                      <a:headEnd type="none" w="med" len="med"/>
+                      <a:tailEnd type="none" w="med" len="med"/>
+                    </a:lnT>
+                    <a:lnB w="12700" cap="flat" cmpd="sng" algn="ctr">
+                      <a:noFill/>
+                      <a:prstDash val="solid"/>
+                      <a:round/>
+                      <a:headEnd type="none" w="med" len="med"/>
+                      <a:tailEnd type="none" w="med" len="med"/>
+                    </a:lnB>
+                    <a:solidFill>
+                      <a:schemeClr val="accent1">
+                        <a:lumMod val="20000"/>
+                        <a:lumOff val="80000"/>
+                      </a:schemeClr>
+                    </a:solidFill>
+                  </a:tcPr>
+                </a:tc>
+                <a:tc>
+                  <a:txBody>
+                    <a:bodyPr/>
+                    <a:lstStyle/>
+                    <a:p>
+                      <a:endParaRPr lang="en-US" dirty="0"/>
+                    </a:p>
+                  </a:txBody>
+                  <a:tcPr>
+                    <a:lnL w="12700" cap="flat" cmpd="sng" algn="ctr">
+                      <a:noFill/>
+                      <a:prstDash val="solid"/>
+                      <a:round/>
+                      <a:headEnd type="none" w="med" len="med"/>
+                      <a:tailEnd type="none" w="med" len="med"/>
+                    </a:lnL>
+                    <a:lnR w="12700" cap="flat" cmpd="sng" algn="ctr">
+                      <a:noFill/>
+                      <a:prstDash val="solid"/>
+                      <a:round/>
+                      <a:headEnd type="none" w="med" len="med"/>
+                      <a:tailEnd type="none" w="med" len="med"/>
+                    </a:lnR>
+                    <a:lnT w="12700" cap="flat" cmpd="sng" algn="ctr">
+                      <a:noFill/>
+                      <a:prstDash val="solid"/>
+                      <a:round/>
+                      <a:headEnd type="none" w="med" len="med"/>
+                      <a:tailEnd type="none" w="med" len="med"/>
+                    </a:lnT>
+                    <a:lnB w="12700" cap="flat" cmpd="sng" algn="ctr">
+                      <a:noFill/>
+                      <a:prstDash val="solid"/>
+                      <a:round/>
+                      <a:headEnd type="none" w="med" len="med"/>
+                      <a:tailEnd type="none" w="med" len="med"/>
+                    </a:lnB>
+                    <a:solidFill>
+                      <a:schemeClr val="accent1">
+                        <a:lumMod val="20000"/>
+                        <a:lumOff val="80000"/>
+                      </a:schemeClr>
+                    </a:solidFill>
+                  </a:tcPr>
+                </a:tc>
+                <a:tc>
+                  <a:txBody>
+                    <a:bodyPr/>
+                    <a:lstStyle/>
+                    <a:p>
+                      <a:endParaRPr lang="en-US" dirty="0"/>
+                    </a:p>
+                  </a:txBody>
+                  <a:tcPr>
+                    <a:lnL w="12700" cap="flat" cmpd="sng" algn="ctr">
+                      <a:noFill/>
+                      <a:prstDash val="solid"/>
+                      <a:round/>
+                      <a:headEnd type="none" w="med" len="med"/>
+                      <a:tailEnd type="none" w="med" len="med"/>
+                    </a:lnL>
+                    <a:lnR w="12700" cap="flat" cmpd="sng" algn="ctr">
+                      <a:noFill/>
+                      <a:prstDash val="solid"/>
+                      <a:round/>
+                      <a:headEnd type="none" w="med" len="med"/>
+                      <a:tailEnd type="none" w="med" len="med"/>
+                    </a:lnR>
+                    <a:lnT w="12700" cap="flat" cmpd="sng" algn="ctr">
+                      <a:noFill/>
+                      <a:prstDash val="solid"/>
+                      <a:round/>
+                      <a:headEnd type="none" w="med" len="med"/>
+                      <a:tailEnd type="none" w="med" len="med"/>
+                    </a:lnT>
+                    <a:lnB w="12700" cap="flat" cmpd="sng" algn="ctr">
+                      <a:noFill/>
+                      <a:prstDash val="solid"/>
+                      <a:round/>
+                      <a:headEnd type="none" w="med" len="med"/>
+                      <a:tailEnd type="none" w="med" len="med"/>
+                    </a:lnB>
+                    <a:solidFill>
+                      <a:schemeClr val="accent1">
+                        <a:lumMod val="20000"/>
+                        <a:lumOff val="80000"/>
+                      </a:schemeClr>
+                    </a:solidFill>
+                  </a:tcPr>
+                </a:tc>
+                <a:tc>
+                  <a:txBody>
+                    <a:bodyPr/>
+                    <a:lstStyle/>
+                    <a:p>
+                      <a:endParaRPr lang="en-US" dirty="0"/>
+                    </a:p>
+                  </a:txBody>
+                  <a:tcPr>
+                    <a:lnL w="12700" cap="flat" cmpd="sng" algn="ctr">
+                      <a:noFill/>
+                      <a:prstDash val="solid"/>
+                      <a:round/>
+                      <a:headEnd type="none" w="med" len="med"/>
+                      <a:tailEnd type="none" w="med" len="med"/>
+                    </a:lnL>
+                    <a:lnR w="12700" cap="flat" cmpd="sng" algn="ctr">
+                      <a:noFill/>
+                      <a:prstDash val="solid"/>
+                      <a:round/>
+                      <a:headEnd type="none" w="med" len="med"/>
+                      <a:tailEnd type="none" w="med" len="med"/>
+                    </a:lnR>
+                    <a:lnT w="12700" cap="flat" cmpd="sng" algn="ctr">
+                      <a:noFill/>
+                      <a:prstDash val="solid"/>
+                      <a:round/>
+                      <a:headEnd type="none" w="med" len="med"/>
+                      <a:tailEnd type="none" w="med" len="med"/>
+                    </a:lnT>
+                    <a:lnB w="12700" cap="flat" cmpd="sng" algn="ctr">
+                      <a:noFill/>
+                      <a:prstDash val="solid"/>
+                      <a:round/>
+                      <a:headEnd type="none" w="med" len="med"/>
+                      <a:tailEnd type="none" w="med" len="med"/>
+                    </a:lnB>
+                    <a:solidFill>
+                      <a:schemeClr val="accent1">
+                        <a:lumMod val="20000"/>
+                        <a:lumOff val="80000"/>
+                      </a:schemeClr>
+                    </a:solidFill>
+                  </a:tcPr>
+                </a:tc>
+                <a:tc>
+                  <a:txBody>
+                    <a:bodyPr/>
+                    <a:lstStyle/>
+                    <a:p>
+                      <a:endParaRPr lang="en-US" dirty="0"/>
+                    </a:p>
+                  </a:txBody>
+                  <a:tcPr>
+                    <a:lnL w="12700" cap="flat" cmpd="sng" algn="ctr">
+                      <a:noFill/>
+                      <a:prstDash val="solid"/>
+                      <a:round/>
+                      <a:headEnd type="none" w="med" len="med"/>
+                      <a:tailEnd type="none" w="med" len="med"/>
+                    </a:lnL>
+                    <a:lnR w="12700" cap="flat" cmpd="sng" algn="ctr">
+                      <a:noFill/>
+                      <a:prstDash val="solid"/>
+                      <a:round/>
+                      <a:headEnd type="none" w="med" len="med"/>
+                      <a:tailEnd type="none" w="med" len="med"/>
+                    </a:lnR>
+                    <a:lnT w="12700" cap="flat" cmpd="sng" algn="ctr">
+                      <a:noFill/>
+                      <a:prstDash val="solid"/>
+                      <a:round/>
+                      <a:headEnd type="none" w="med" len="med"/>
+                      <a:tailEnd type="none" w="med" len="med"/>
+                    </a:lnT>
+                    <a:lnB w="12700" cap="flat" cmpd="sng" algn="ctr">
+                      <a:noFill/>
+                      <a:prstDash val="solid"/>
+                      <a:round/>
+                      <a:headEnd type="none" w="med" len="med"/>
+                      <a:tailEnd type="none" w="med" len="med"/>
+                    </a:lnB>
+                    <a:solidFill>
+                      <a:schemeClr val="accent1">
+                        <a:lumMod val="20000"/>
+                        <a:lumOff val="80000"/>
+                      </a:schemeClr>
+                    </a:solidFill>
+                  </a:tcPr>
+                </a:tc>
+                <a:extLst>
+                  <a:ext uri="{0D108BD9-81ED-4DB2-BD59-A6C34878D82A}">
+                    <a16:rowId xmlns:a16="http://schemas.microsoft.com/office/drawing/2014/main" val="598262584"/>
+                  </a:ext>
+                </a:extLst>
+              </a:tr>
+              <a:tr h="370840">
+                <a:tc>
+                  <a:txBody>
+                    <a:bodyPr/>
+                    <a:lstStyle/>
+                    <a:p>
+                      <a:endParaRPr lang="en-US" dirty="0"/>
+                    </a:p>
+                  </a:txBody>
+                  <a:tcPr>
+                    <a:lnL w="12700" cap="flat" cmpd="sng" algn="ctr">
+                      <a:noFill/>
+                      <a:prstDash val="solid"/>
+                      <a:round/>
+                      <a:headEnd type="none" w="med" len="med"/>
+                      <a:tailEnd type="none" w="med" len="med"/>
+                    </a:lnL>
+                    <a:lnR w="12700" cap="flat" cmpd="sng" algn="ctr">
+                      <a:noFill/>
+                      <a:prstDash val="solid"/>
+                      <a:round/>
+                      <a:headEnd type="none" w="med" len="med"/>
+                      <a:tailEnd type="none" w="med" len="med"/>
+                    </a:lnR>
+                    <a:lnT w="12700" cap="flat" cmpd="sng" algn="ctr">
+                      <a:noFill/>
+                      <a:prstDash val="solid"/>
+                      <a:round/>
+                      <a:headEnd type="none" w="med" len="med"/>
+                      <a:tailEnd type="none" w="med" len="med"/>
+                    </a:lnT>
+                    <a:lnB w="12700" cap="flat" cmpd="sng" algn="ctr">
+                      <a:noFill/>
+                      <a:prstDash val="solid"/>
+                      <a:round/>
+                      <a:headEnd type="none" w="med" len="med"/>
+                      <a:tailEnd type="none" w="med" len="med"/>
+                    </a:lnB>
+                    <a:solidFill>
+                      <a:schemeClr val="accent1">
+                        <a:lumMod val="20000"/>
+                        <a:lumOff val="80000"/>
+                      </a:schemeClr>
+                    </a:solidFill>
+                  </a:tcPr>
+                </a:tc>
+                <a:tc>
+                  <a:txBody>
+                    <a:bodyPr/>
+                    <a:lstStyle/>
+                    <a:p>
+                      <a:endParaRPr lang="en-US" dirty="0"/>
+                    </a:p>
+                  </a:txBody>
+                  <a:tcPr>
+                    <a:lnL w="12700" cap="flat" cmpd="sng" algn="ctr">
+                      <a:noFill/>
+                      <a:prstDash val="solid"/>
+                      <a:round/>
+                      <a:headEnd type="none" w="med" len="med"/>
+                      <a:tailEnd type="none" w="med" len="med"/>
+                    </a:lnL>
+                    <a:lnR w="12700" cap="flat" cmpd="sng" algn="ctr">
+                      <a:noFill/>
+                      <a:prstDash val="solid"/>
+                      <a:round/>
+                      <a:headEnd type="none" w="med" len="med"/>
+                      <a:tailEnd type="none" w="med" len="med"/>
+                    </a:lnR>
+                    <a:lnT w="12700" cap="flat" cmpd="sng" algn="ctr">
+                      <a:noFill/>
+                      <a:prstDash val="solid"/>
+                      <a:round/>
+                      <a:headEnd type="none" w="med" len="med"/>
+                      <a:tailEnd type="none" w="med" len="med"/>
+                    </a:lnT>
+                    <a:lnB w="12700" cap="flat" cmpd="sng" algn="ctr">
+                      <a:noFill/>
+                      <a:prstDash val="solid"/>
+                      <a:round/>
+                      <a:headEnd type="none" w="med" len="med"/>
+                      <a:tailEnd type="none" w="med" len="med"/>
+                    </a:lnB>
+                    <a:solidFill>
+                      <a:schemeClr val="accent1">
+                        <a:lumMod val="20000"/>
+                        <a:lumOff val="80000"/>
+                      </a:schemeClr>
+                    </a:solidFill>
+                  </a:tcPr>
+                </a:tc>
+                <a:tc>
+                  <a:txBody>
+                    <a:bodyPr/>
+                    <a:lstStyle/>
+                    <a:p>
+                      <a:endParaRPr lang="en-US" dirty="0"/>
+                    </a:p>
+                  </a:txBody>
+                  <a:tcPr>
+                    <a:lnL w="12700" cap="flat" cmpd="sng" algn="ctr">
+                      <a:noFill/>
+                      <a:prstDash val="solid"/>
+                      <a:round/>
+                      <a:headEnd type="none" w="med" len="med"/>
+                      <a:tailEnd type="none" w="med" len="med"/>
+                    </a:lnL>
+                    <a:lnR w="12700" cap="flat" cmpd="sng" algn="ctr">
+                      <a:noFill/>
+                      <a:prstDash val="solid"/>
+                      <a:round/>
+                      <a:headEnd type="none" w="med" len="med"/>
+                      <a:tailEnd type="none" w="med" len="med"/>
+                    </a:lnR>
+                    <a:lnT w="12700" cap="flat" cmpd="sng" algn="ctr">
+                      <a:noFill/>
+                      <a:prstDash val="solid"/>
+                      <a:round/>
+                      <a:headEnd type="none" w="med" len="med"/>
+                      <a:tailEnd type="none" w="med" len="med"/>
+                    </a:lnT>
+                    <a:lnB w="12700" cap="flat" cmpd="sng" algn="ctr">
+                      <a:noFill/>
+                      <a:prstDash val="solid"/>
+                      <a:round/>
+                      <a:headEnd type="none" w="med" len="med"/>
+                      <a:tailEnd type="none" w="med" len="med"/>
+                    </a:lnB>
+                    <a:solidFill>
+                      <a:schemeClr val="accent1">
+                        <a:lumMod val="20000"/>
+                        <a:lumOff val="80000"/>
+                      </a:schemeClr>
+                    </a:solidFill>
+                  </a:tcPr>
+                </a:tc>
+                <a:tc>
+                  <a:txBody>
+                    <a:bodyPr/>
+                    <a:lstStyle/>
+                    <a:p>
+                      <a:endParaRPr lang="en-US" dirty="0"/>
+                    </a:p>
+                  </a:txBody>
+                  <a:tcPr>
+                    <a:lnL w="12700" cap="flat" cmpd="sng" algn="ctr">
+                      <a:noFill/>
+                      <a:prstDash val="solid"/>
+                      <a:round/>
+                      <a:headEnd type="none" w="med" len="med"/>
+                      <a:tailEnd type="none" w="med" len="med"/>
+                    </a:lnL>
+                    <a:lnR w="12700" cap="flat" cmpd="sng" algn="ctr">
+                      <a:noFill/>
+                      <a:prstDash val="solid"/>
+                      <a:round/>
+                      <a:headEnd type="none" w="med" len="med"/>
+                      <a:tailEnd type="none" w="med" len="med"/>
+                    </a:lnR>
+                    <a:lnT w="12700" cap="flat" cmpd="sng" algn="ctr">
+                      <a:noFill/>
+                      <a:prstDash val="solid"/>
+                      <a:round/>
+                      <a:headEnd type="none" w="med" len="med"/>
+                      <a:tailEnd type="none" w="med" len="med"/>
+                    </a:lnT>
+                    <a:lnB w="12700" cap="flat" cmpd="sng" algn="ctr">
+                      <a:noFill/>
+                      <a:prstDash val="solid"/>
+                      <a:round/>
+                      <a:headEnd type="none" w="med" len="med"/>
+                      <a:tailEnd type="none" w="med" len="med"/>
+                    </a:lnB>
+                    <a:solidFill>
+                      <a:schemeClr val="accent1">
+                        <a:lumMod val="20000"/>
+                        <a:lumOff val="80000"/>
+                      </a:schemeClr>
+                    </a:solidFill>
+                  </a:tcPr>
+                </a:tc>
+                <a:tc>
+                  <a:txBody>
+                    <a:bodyPr/>
+                    <a:lstStyle/>
+                    <a:p>
+                      <a:endParaRPr lang="en-US" dirty="0"/>
+                    </a:p>
+                  </a:txBody>
+                  <a:tcPr>
+                    <a:lnL w="12700" cap="flat" cmpd="sng" algn="ctr">
+                      <a:noFill/>
+                      <a:prstDash val="solid"/>
+                      <a:round/>
+                      <a:headEnd type="none" w="med" len="med"/>
+                      <a:tailEnd type="none" w="med" len="med"/>
+                    </a:lnL>
+                    <a:lnR w="12700" cap="flat" cmpd="sng" algn="ctr">
+                      <a:noFill/>
+                      <a:prstDash val="solid"/>
+                      <a:round/>
+                      <a:headEnd type="none" w="med" len="med"/>
+                      <a:tailEnd type="none" w="med" len="med"/>
+                    </a:lnR>
+                    <a:lnT w="12700" cap="flat" cmpd="sng" algn="ctr">
+                      <a:noFill/>
+                      <a:prstDash val="solid"/>
+                      <a:round/>
+                      <a:headEnd type="none" w="med" len="med"/>
+                      <a:tailEnd type="none" w="med" len="med"/>
+                    </a:lnT>
+                    <a:lnB w="12700" cap="flat" cmpd="sng" algn="ctr">
+                      <a:noFill/>
+                      <a:prstDash val="solid"/>
+                      <a:round/>
+                      <a:headEnd type="none" w="med" len="med"/>
+                      <a:tailEnd type="none" w="med" len="med"/>
+                    </a:lnB>
+                    <a:solidFill>
+                      <a:schemeClr val="accent1">
+                        <a:lumMod val="20000"/>
+                        <a:lumOff val="80000"/>
+                      </a:schemeClr>
+                    </a:solidFill>
+                  </a:tcPr>
+                </a:tc>
+                <a:tc>
+                  <a:txBody>
+                    <a:bodyPr/>
+                    <a:lstStyle/>
+                    <a:p>
+                      <a:endParaRPr lang="en-US" dirty="0"/>
+                    </a:p>
+                  </a:txBody>
+                  <a:tcPr>
+                    <a:lnL w="12700" cap="flat" cmpd="sng" algn="ctr">
+                      <a:noFill/>
+                      <a:prstDash val="solid"/>
+                      <a:round/>
+                      <a:headEnd type="none" w="med" len="med"/>
+                      <a:tailEnd type="none" w="med" len="med"/>
+                    </a:lnL>
+                    <a:lnR w="12700" cap="flat" cmpd="sng" algn="ctr">
+                      <a:noFill/>
+                      <a:prstDash val="solid"/>
+                      <a:round/>
+                      <a:headEnd type="none" w="med" len="med"/>
+                      <a:tailEnd type="none" w="med" len="med"/>
+                    </a:lnR>
+                    <a:lnT w="12700" cap="flat" cmpd="sng" algn="ctr">
+                      <a:noFill/>
+                      <a:prstDash val="solid"/>
+                      <a:round/>
+                      <a:headEnd type="none" w="med" len="med"/>
+                      <a:tailEnd type="none" w="med" len="med"/>
+                    </a:lnT>
+                    <a:lnB w="12700" cap="flat" cmpd="sng" algn="ctr">
+                      <a:noFill/>
+                      <a:prstDash val="solid"/>
+                      <a:round/>
+                      <a:headEnd type="none" w="med" len="med"/>
+                      <a:tailEnd type="none" w="med" len="med"/>
+                    </a:lnB>
+                    <a:solidFill>
+                      <a:schemeClr val="accent1">
+                        <a:lumMod val="20000"/>
+                        <a:lumOff val="80000"/>
+                      </a:schemeClr>
+                    </a:solidFill>
+                  </a:tcPr>
+                </a:tc>
+                <a:tc>
+                  <a:txBody>
+                    <a:bodyPr/>
+                    <a:lstStyle/>
+                    <a:p>
+                      <a:endParaRPr lang="en-US" dirty="0"/>
+                    </a:p>
+                  </a:txBody>
+                  <a:tcPr>
+                    <a:lnL w="12700" cap="flat" cmpd="sng" algn="ctr">
+                      <a:noFill/>
+                      <a:prstDash val="solid"/>
+                      <a:round/>
+                      <a:headEnd type="none" w="med" len="med"/>
+                      <a:tailEnd type="none" w="med" len="med"/>
+                    </a:lnL>
+                    <a:lnR w="12700" cap="flat" cmpd="sng" algn="ctr">
+                      <a:noFill/>
+                      <a:prstDash val="solid"/>
+                      <a:round/>
+                      <a:headEnd type="none" w="med" len="med"/>
+                      <a:tailEnd type="none" w="med" len="med"/>
+                    </a:lnR>
+                    <a:lnT w="12700" cap="flat" cmpd="sng" algn="ctr">
+                      <a:noFill/>
+                      <a:prstDash val="solid"/>
+                      <a:round/>
+                      <a:headEnd type="none" w="med" len="med"/>
+                      <a:tailEnd type="none" w="med" len="med"/>
+                    </a:lnT>
+                    <a:lnB w="12700" cap="flat" cmpd="sng" algn="ctr">
+                      <a:noFill/>
+                      <a:prstDash val="solid"/>
+                      <a:round/>
+                      <a:headEnd type="none" w="med" len="med"/>
+                      <a:tailEnd type="none" w="med" len="med"/>
+                    </a:lnB>
+                    <a:solidFill>
+                      <a:schemeClr val="accent1">
+                        <a:lumMod val="20000"/>
+                        <a:lumOff val="80000"/>
+                      </a:schemeClr>
+                    </a:solidFill>
+                  </a:tcPr>
+                </a:tc>
+                <a:extLst>
+                  <a:ext uri="{0D108BD9-81ED-4DB2-BD59-A6C34878D82A}">
+                    <a16:rowId xmlns:a16="http://schemas.microsoft.com/office/drawing/2014/main" val="2499338161"/>
+                  </a:ext>
+                </a:extLst>
+              </a:tr>
+              <a:tr h="370840">
+                <a:tc>
+                  <a:txBody>
+                    <a:bodyPr/>
+                    <a:lstStyle/>
+                    <a:p>
+                      <a:endParaRPr lang="en-US" dirty="0"/>
+                    </a:p>
+                  </a:txBody>
+                  <a:tcPr>
+                    <a:lnL w="12700" cap="flat" cmpd="sng" algn="ctr">
+                      <a:noFill/>
+                      <a:prstDash val="solid"/>
+                      <a:round/>
+                      <a:headEnd type="none" w="med" len="med"/>
+                      <a:tailEnd type="none" w="med" len="med"/>
+                    </a:lnL>
+                    <a:lnR w="12700" cap="flat" cmpd="sng" algn="ctr">
+                      <a:noFill/>
+                      <a:prstDash val="solid"/>
+                      <a:round/>
+                      <a:headEnd type="none" w="med" len="med"/>
+                      <a:tailEnd type="none" w="med" len="med"/>
+                    </a:lnR>
+                    <a:lnT w="12700" cap="flat" cmpd="sng" algn="ctr">
+                      <a:noFill/>
+                      <a:prstDash val="solid"/>
+                      <a:round/>
+                      <a:headEnd type="none" w="med" len="med"/>
+                      <a:tailEnd type="none" w="med" len="med"/>
+                    </a:lnT>
+                    <a:lnB w="12700" cap="flat" cmpd="sng" algn="ctr">
+                      <a:solidFill>
+                        <a:schemeClr val="tx1"/>
+                      </a:solidFill>
+                      <a:prstDash val="solid"/>
+                      <a:round/>
+                      <a:headEnd type="none" w="med" len="med"/>
+                      <a:tailEnd type="none" w="med" len="med"/>
+                    </a:lnB>
+                    <a:solidFill>
+                      <a:schemeClr val="accent1">
+                        <a:lumMod val="20000"/>
+                        <a:lumOff val="80000"/>
+                      </a:schemeClr>
+                    </a:solidFill>
+                  </a:tcPr>
+                </a:tc>
+                <a:tc>
+                  <a:txBody>
+                    <a:bodyPr/>
+                    <a:lstStyle/>
+                    <a:p>
+                      <a:endParaRPr lang="en-US" dirty="0"/>
+                    </a:p>
+                  </a:txBody>
+                  <a:tcPr>
+                    <a:lnL w="12700" cap="flat" cmpd="sng" algn="ctr">
+                      <a:noFill/>
+                      <a:prstDash val="solid"/>
+                      <a:round/>
+                      <a:headEnd type="none" w="med" len="med"/>
+                      <a:tailEnd type="none" w="med" len="med"/>
+                    </a:lnL>
+                    <a:lnR w="12700" cap="flat" cmpd="sng" algn="ctr">
+                      <a:noFill/>
+                      <a:prstDash val="solid"/>
+                      <a:round/>
+                      <a:headEnd type="none" w="med" len="med"/>
+                      <a:tailEnd type="none" w="med" len="med"/>
+                    </a:lnR>
+                    <a:lnT w="12700" cap="flat" cmpd="sng" algn="ctr">
+                      <a:noFill/>
+                      <a:prstDash val="solid"/>
+                      <a:round/>
+                      <a:headEnd type="none" w="med" len="med"/>
+                      <a:tailEnd type="none" w="med" len="med"/>
+                    </a:lnT>
+                    <a:lnB w="12700" cap="flat" cmpd="sng" algn="ctr">
+                      <a:solidFill>
+                        <a:schemeClr val="tx1"/>
+                      </a:solidFill>
+                      <a:prstDash val="solid"/>
+                      <a:round/>
+                      <a:headEnd type="none" w="med" len="med"/>
+                      <a:tailEnd type="none" w="med" len="med"/>
+                    </a:lnB>
+                    <a:solidFill>
+                      <a:schemeClr val="accent1">
+                        <a:lumMod val="20000"/>
+                        <a:lumOff val="80000"/>
+                      </a:schemeClr>
+                    </a:solidFill>
+                  </a:tcPr>
+                </a:tc>
+                <a:tc>
+                  <a:txBody>
+                    <a:bodyPr/>
+                    <a:lstStyle/>
+                    <a:p>
+                      <a:endParaRPr lang="en-US" dirty="0"/>
+                    </a:p>
+                  </a:txBody>
+                  <a:tcPr>
+                    <a:lnL w="12700" cap="flat" cmpd="sng" algn="ctr">
+                      <a:noFill/>
+                      <a:prstDash val="solid"/>
+                      <a:round/>
+                      <a:headEnd type="none" w="med" len="med"/>
+                      <a:tailEnd type="none" w="med" len="med"/>
+                    </a:lnL>
+                    <a:lnR w="12700" cap="flat" cmpd="sng" algn="ctr">
+                      <a:noFill/>
+                      <a:prstDash val="solid"/>
+                      <a:round/>
+                      <a:headEnd type="none" w="med" len="med"/>
+                      <a:tailEnd type="none" w="med" len="med"/>
+                    </a:lnR>
+                    <a:lnT w="12700" cap="flat" cmpd="sng" algn="ctr">
+                      <a:noFill/>
+                      <a:prstDash val="solid"/>
+                      <a:round/>
+                      <a:headEnd type="none" w="med" len="med"/>
+                      <a:tailEnd type="none" w="med" len="med"/>
+                    </a:lnT>
+                    <a:lnB w="12700" cap="flat" cmpd="sng" algn="ctr">
+                      <a:solidFill>
+                        <a:schemeClr val="tx1"/>
+                      </a:solidFill>
+                      <a:prstDash val="solid"/>
+                      <a:round/>
+                      <a:headEnd type="none" w="med" len="med"/>
+                      <a:tailEnd type="none" w="med" len="med"/>
+                    </a:lnB>
+                    <a:solidFill>
+                      <a:schemeClr val="accent1">
+                        <a:lumMod val="20000"/>
+                        <a:lumOff val="80000"/>
+                      </a:schemeClr>
+                    </a:solidFill>
+                  </a:tcPr>
+                </a:tc>
+                <a:tc>
+                  <a:txBody>
+                    <a:bodyPr/>
+                    <a:lstStyle/>
+                    <a:p>
+                      <a:endParaRPr lang="en-US" dirty="0"/>
+                    </a:p>
+                  </a:txBody>
+                  <a:tcPr>
+                    <a:lnL w="12700" cap="flat" cmpd="sng" algn="ctr">
+                      <a:noFill/>
+                      <a:prstDash val="solid"/>
+                      <a:round/>
+                      <a:headEnd type="none" w="med" len="med"/>
+                      <a:tailEnd type="none" w="med" len="med"/>
+                    </a:lnL>
+                    <a:lnR w="12700" cap="flat" cmpd="sng" algn="ctr">
+                      <a:noFill/>
+                      <a:prstDash val="solid"/>
+                      <a:round/>
+                      <a:headEnd type="none" w="med" len="med"/>
+                      <a:tailEnd type="none" w="med" len="med"/>
+                    </a:lnR>
+                    <a:lnT w="12700" cap="flat" cmpd="sng" algn="ctr">
+                      <a:noFill/>
+                      <a:prstDash val="solid"/>
+                      <a:round/>
+                      <a:headEnd type="none" w="med" len="med"/>
+                      <a:tailEnd type="none" w="med" len="med"/>
+                    </a:lnT>
+                    <a:lnB w="12700" cap="flat" cmpd="sng" algn="ctr">
+                      <a:solidFill>
+                        <a:schemeClr val="tx1"/>
+                      </a:solidFill>
+                      <a:prstDash val="solid"/>
+                      <a:round/>
+                      <a:headEnd type="none" w="med" len="med"/>
+                      <a:tailEnd type="none" w="med" len="med"/>
+                    </a:lnB>
+                    <a:solidFill>
+                      <a:schemeClr val="accent1">
+                        <a:lumMod val="20000"/>
+                        <a:lumOff val="80000"/>
+                      </a:schemeClr>
+                    </a:solidFill>
+                  </a:tcPr>
+                </a:tc>
+                <a:tc>
+                  <a:txBody>
+                    <a:bodyPr/>
+                    <a:lstStyle/>
+                    <a:p>
+                      <a:endParaRPr lang="en-US" dirty="0"/>
+                    </a:p>
+                  </a:txBody>
+                  <a:tcPr>
+                    <a:lnL w="12700" cap="flat" cmpd="sng" algn="ctr">
+                      <a:noFill/>
+                      <a:prstDash val="solid"/>
+                      <a:round/>
+                      <a:headEnd type="none" w="med" len="med"/>
+                      <a:tailEnd type="none" w="med" len="med"/>
+                    </a:lnL>
+                    <a:lnR w="12700" cap="flat" cmpd="sng" algn="ctr">
+                      <a:noFill/>
+                      <a:prstDash val="solid"/>
+                      <a:round/>
+                      <a:headEnd type="none" w="med" len="med"/>
+                      <a:tailEnd type="none" w="med" len="med"/>
+                    </a:lnR>
+                    <a:lnT w="12700" cap="flat" cmpd="sng" algn="ctr">
+                      <a:noFill/>
+                      <a:prstDash val="solid"/>
+                      <a:round/>
+                      <a:headEnd type="none" w="med" len="med"/>
+                      <a:tailEnd type="none" w="med" len="med"/>
+                    </a:lnT>
+                    <a:lnB w="12700" cap="flat" cmpd="sng" algn="ctr">
+                      <a:solidFill>
+                        <a:schemeClr val="tx1"/>
+                      </a:solidFill>
+                      <a:prstDash val="solid"/>
+                      <a:round/>
+                      <a:headEnd type="none" w="med" len="med"/>
+                      <a:tailEnd type="none" w="med" len="med"/>
+                    </a:lnB>
+                    <a:solidFill>
+                      <a:schemeClr val="accent1">
+                        <a:lumMod val="20000"/>
+                        <a:lumOff val="80000"/>
+                      </a:schemeClr>
+                    </a:solidFill>
+                  </a:tcPr>
+                </a:tc>
+                <a:tc>
+                  <a:txBody>
+                    <a:bodyPr/>
+                    <a:lstStyle/>
+                    <a:p>
+                      <a:endParaRPr lang="en-US" dirty="0"/>
+                    </a:p>
+                  </a:txBody>
+                  <a:tcPr>
+                    <a:lnL w="12700" cap="flat" cmpd="sng" algn="ctr">
+                      <a:noFill/>
+                      <a:prstDash val="solid"/>
+                      <a:round/>
+                      <a:headEnd type="none" w="med" len="med"/>
+                      <a:tailEnd type="none" w="med" len="med"/>
+                    </a:lnL>
+                    <a:lnR w="12700" cap="flat" cmpd="sng" algn="ctr">
+                      <a:noFill/>
+                      <a:prstDash val="solid"/>
+                      <a:round/>
+                      <a:headEnd type="none" w="med" len="med"/>
+                      <a:tailEnd type="none" w="med" len="med"/>
+                    </a:lnR>
+                    <a:lnT w="12700" cap="flat" cmpd="sng" algn="ctr">
+                      <a:noFill/>
+                      <a:prstDash val="solid"/>
+                      <a:round/>
+                      <a:headEnd type="none" w="med" len="med"/>
+                      <a:tailEnd type="none" w="med" len="med"/>
+                    </a:lnT>
+                    <a:lnB w="12700" cap="flat" cmpd="sng" algn="ctr">
+                      <a:solidFill>
+                        <a:schemeClr val="tx1"/>
+                      </a:solidFill>
+                      <a:prstDash val="solid"/>
+                      <a:round/>
+                      <a:headEnd type="none" w="med" len="med"/>
+                      <a:tailEnd type="none" w="med" len="med"/>
+                    </a:lnB>
+                    <a:solidFill>
+                      <a:schemeClr val="accent1">
+                        <a:lumMod val="20000"/>
+                        <a:lumOff val="80000"/>
+                      </a:schemeClr>
+                    </a:solidFill>
+                  </a:tcPr>
+                </a:tc>
+                <a:tc>
+                  <a:txBody>
+                    <a:bodyPr/>
+                    <a:lstStyle/>
+                    <a:p>
+                      <a:endParaRPr lang="en-US" dirty="0"/>
+                    </a:p>
+                  </a:txBody>
+                  <a:tcPr>
+                    <a:lnL w="12700" cap="flat" cmpd="sng" algn="ctr">
+                      <a:noFill/>
+                      <a:prstDash val="solid"/>
+                      <a:round/>
+                      <a:headEnd type="none" w="med" len="med"/>
+                      <a:tailEnd type="none" w="med" len="med"/>
+                    </a:lnL>
+                    <a:lnR w="12700" cap="flat" cmpd="sng" algn="ctr">
+                      <a:noFill/>
+                      <a:prstDash val="solid"/>
+                      <a:round/>
+                      <a:headEnd type="none" w="med" len="med"/>
+                      <a:tailEnd type="none" w="med" len="med"/>
+                    </a:lnR>
+                    <a:lnT w="12700" cap="flat" cmpd="sng" algn="ctr">
+                      <a:noFill/>
+                      <a:prstDash val="solid"/>
+                      <a:round/>
+                      <a:headEnd type="none" w="med" len="med"/>
+                      <a:tailEnd type="none" w="med" len="med"/>
+                    </a:lnT>
+                    <a:lnB w="12700" cap="flat" cmpd="sng" algn="ctr">
+                      <a:solidFill>
+                        <a:schemeClr val="tx1"/>
+                      </a:solidFill>
+                      <a:prstDash val="solid"/>
+                      <a:round/>
+                      <a:headEnd type="none" w="med" len="med"/>
+                      <a:tailEnd type="none" w="med" len="med"/>
+                    </a:lnB>
+                    <a:solidFill>
+                      <a:schemeClr val="accent1">
+                        <a:lumMod val="20000"/>
+                        <a:lumOff val="80000"/>
+                      </a:schemeClr>
+                    </a:solidFill>
+                  </a:tcPr>
+                </a:tc>
+                <a:extLst>
+                  <a:ext uri="{0D108BD9-81ED-4DB2-BD59-A6C34878D82A}">
+                    <a16:rowId xmlns:a16="http://schemas.microsoft.com/office/drawing/2014/main" val="2260372004"/>
+                  </a:ext>
+                </a:extLst>
+              </a:tr>
+              <a:tr h="370840">
+                <a:tc>
+                  <a:txBody>
+                    <a:bodyPr/>
+                    <a:lstStyle/>
+                    <a:p>
+                      <a:endParaRPr lang="en-US" dirty="0"/>
+                    </a:p>
+                  </a:txBody>
+                  <a:tcPr>
+                    <a:lnL w="12700" cap="flat" cmpd="sng" algn="ctr">
+                      <a:noFill/>
+                      <a:prstDash val="solid"/>
+                      <a:round/>
+                      <a:headEnd type="none" w="med" len="med"/>
+                      <a:tailEnd type="none" w="med" len="med"/>
+                    </a:lnL>
+                    <a:lnR w="12700" cap="flat" cmpd="sng" algn="ctr">
+                      <a:noFill/>
+                      <a:prstDash val="solid"/>
+                      <a:round/>
+                      <a:headEnd type="none" w="med" len="med"/>
+                      <a:tailEnd type="none" w="med" len="med"/>
+                    </a:lnR>
+                    <a:lnT w="12700" cap="flat" cmpd="sng" algn="ctr">
+                      <a:solidFill>
+                        <a:schemeClr val="tx1"/>
+                      </a:solidFill>
+                      <a:prstDash val="solid"/>
+                      <a:round/>
+                      <a:headEnd type="none" w="med" len="med"/>
+                      <a:tailEnd type="none" w="med" len="med"/>
+                    </a:lnT>
+                    <a:lnB w="12700" cap="flat" cmpd="sng" algn="ctr">
+                      <a:noFill/>
+                      <a:prstDash val="solid"/>
+                      <a:round/>
+                      <a:headEnd type="none" w="med" len="med"/>
+                      <a:tailEnd type="none" w="med" len="med"/>
+                    </a:lnB>
+                    <a:solidFill>
+                      <a:schemeClr val="accent1">
+                        <a:lumMod val="20000"/>
+                        <a:lumOff val="80000"/>
+                      </a:schemeClr>
+                    </a:solidFill>
+                  </a:tcPr>
+                </a:tc>
+                <a:tc>
+                  <a:txBody>
+                    <a:bodyPr/>
+                    <a:lstStyle/>
+                    <a:p>
+                      <a:endParaRPr lang="en-US" dirty="0"/>
+                    </a:p>
+                  </a:txBody>
+                  <a:tcPr>
+                    <a:lnL w="12700" cap="flat" cmpd="sng" algn="ctr">
+                      <a:noFill/>
+                      <a:prstDash val="solid"/>
+                      <a:round/>
+                      <a:headEnd type="none" w="med" len="med"/>
+                      <a:tailEnd type="none" w="med" len="med"/>
+                    </a:lnL>
+                    <a:lnR w="12700" cap="flat" cmpd="sng" algn="ctr">
+                      <a:noFill/>
+                      <a:prstDash val="solid"/>
+                      <a:round/>
+                      <a:headEnd type="none" w="med" len="med"/>
+                      <a:tailEnd type="none" w="med" len="med"/>
+                    </a:lnR>
+                    <a:lnT w="12700" cap="flat" cmpd="sng" algn="ctr">
+                      <a:solidFill>
+                        <a:schemeClr val="tx1"/>
+                      </a:solidFill>
+                      <a:prstDash val="solid"/>
+                      <a:round/>
+                      <a:headEnd type="none" w="med" len="med"/>
+                      <a:tailEnd type="none" w="med" len="med"/>
+                    </a:lnT>
+                    <a:lnB w="12700" cap="flat" cmpd="sng" algn="ctr">
+                      <a:noFill/>
+                      <a:prstDash val="solid"/>
+                      <a:round/>
+                      <a:headEnd type="none" w="med" len="med"/>
+                      <a:tailEnd type="none" w="med" len="med"/>
+                    </a:lnB>
+                    <a:solidFill>
+                      <a:schemeClr val="accent1">
+                        <a:lumMod val="20000"/>
+                        <a:lumOff val="80000"/>
+                      </a:schemeClr>
+                    </a:solidFill>
+                  </a:tcPr>
+                </a:tc>
+                <a:tc>
+                  <a:txBody>
+                    <a:bodyPr/>
+                    <a:lstStyle/>
+                    <a:p>
+                      <a:endParaRPr lang="en-US" dirty="0"/>
+                    </a:p>
+                  </a:txBody>
+                  <a:tcPr>
+                    <a:lnL w="12700" cap="flat" cmpd="sng" algn="ctr">
+                      <a:noFill/>
+                      <a:prstDash val="solid"/>
+                      <a:round/>
+                      <a:headEnd type="none" w="med" len="med"/>
+                      <a:tailEnd type="none" w="med" len="med"/>
+                    </a:lnL>
+                    <a:lnR w="12700" cap="flat" cmpd="sng" algn="ctr">
+                      <a:noFill/>
+                      <a:prstDash val="solid"/>
+                      <a:round/>
+                      <a:headEnd type="none" w="med" len="med"/>
+                      <a:tailEnd type="none" w="med" len="med"/>
+                    </a:lnR>
+                    <a:lnT w="12700" cap="flat" cmpd="sng" algn="ctr">
+                      <a:solidFill>
+                        <a:schemeClr val="tx1"/>
+                      </a:solidFill>
+                      <a:prstDash val="solid"/>
+                      <a:round/>
+                      <a:headEnd type="none" w="med" len="med"/>
+                      <a:tailEnd type="none" w="med" len="med"/>
+                    </a:lnT>
+                    <a:lnB w="12700" cap="flat" cmpd="sng" algn="ctr">
+                      <a:noFill/>
+                      <a:prstDash val="solid"/>
+                      <a:round/>
+                      <a:headEnd type="none" w="med" len="med"/>
+                      <a:tailEnd type="none" w="med" len="med"/>
+                    </a:lnB>
+                    <a:solidFill>
+                      <a:schemeClr val="accent1">
+                        <a:lumMod val="20000"/>
+                        <a:lumOff val="80000"/>
+                      </a:schemeClr>
+                    </a:solidFill>
+                  </a:tcPr>
+                </a:tc>
+                <a:tc>
+                  <a:txBody>
+                    <a:bodyPr/>
+                    <a:lstStyle/>
+                    <a:p>
+                      <a:endParaRPr lang="en-US" dirty="0"/>
+                    </a:p>
+                  </a:txBody>
+                  <a:tcPr>
+                    <a:lnL w="12700" cap="flat" cmpd="sng" algn="ctr">
+                      <a:noFill/>
+                      <a:prstDash val="solid"/>
+                      <a:round/>
+                      <a:headEnd type="none" w="med" len="med"/>
+                      <a:tailEnd type="none" w="med" len="med"/>
+                    </a:lnL>
+                    <a:lnR w="12700" cap="flat" cmpd="sng" algn="ctr">
+                      <a:noFill/>
+                      <a:prstDash val="solid"/>
+                      <a:round/>
+                      <a:headEnd type="none" w="med" len="med"/>
+                      <a:tailEnd type="none" w="med" len="med"/>
+                    </a:lnR>
+                    <a:lnT w="12700" cap="flat" cmpd="sng" algn="ctr">
+                      <a:solidFill>
+                        <a:schemeClr val="tx1"/>
+                      </a:solidFill>
+                      <a:prstDash val="solid"/>
+                      <a:round/>
+                      <a:headEnd type="none" w="med" len="med"/>
+                      <a:tailEnd type="none" w="med" len="med"/>
+                    </a:lnT>
+                    <a:lnB w="12700" cap="flat" cmpd="sng" algn="ctr">
+                      <a:noFill/>
+                      <a:prstDash val="solid"/>
+                      <a:round/>
+                      <a:headEnd type="none" w="med" len="med"/>
+                      <a:tailEnd type="none" w="med" len="med"/>
+                    </a:lnB>
+                    <a:solidFill>
+                      <a:schemeClr val="accent1">
+                        <a:lumMod val="20000"/>
+                        <a:lumOff val="80000"/>
+                      </a:schemeClr>
+                    </a:solidFill>
+                  </a:tcPr>
+                </a:tc>
+                <a:tc>
+                  <a:txBody>
+                    <a:bodyPr/>
+                    <a:lstStyle/>
+                    <a:p>
+                      <a:endParaRPr lang="en-US" dirty="0"/>
+                    </a:p>
+                  </a:txBody>
+                  <a:tcPr>
+                    <a:lnL w="12700" cap="flat" cmpd="sng" algn="ctr">
+                      <a:noFill/>
+                      <a:prstDash val="solid"/>
+                      <a:round/>
+                      <a:headEnd type="none" w="med" len="med"/>
+                      <a:tailEnd type="none" w="med" len="med"/>
+                    </a:lnL>
+                    <a:lnR w="12700" cap="flat" cmpd="sng" algn="ctr">
+                      <a:noFill/>
+                      <a:prstDash val="solid"/>
+                      <a:round/>
+                      <a:headEnd type="none" w="med" len="med"/>
+                      <a:tailEnd type="none" w="med" len="med"/>
+                    </a:lnR>
+                    <a:lnT w="12700" cap="flat" cmpd="sng" algn="ctr">
+                      <a:solidFill>
+                        <a:schemeClr val="tx1"/>
+                      </a:solidFill>
+                      <a:prstDash val="solid"/>
+                      <a:round/>
+                      <a:headEnd type="none" w="med" len="med"/>
+                      <a:tailEnd type="none" w="med" len="med"/>
+                    </a:lnT>
+                    <a:lnB w="12700" cap="flat" cmpd="sng" algn="ctr">
+                      <a:noFill/>
+                      <a:prstDash val="solid"/>
+                      <a:round/>
+                      <a:headEnd type="none" w="med" len="med"/>
+                      <a:tailEnd type="none" w="med" len="med"/>
+                    </a:lnB>
+                    <a:solidFill>
+                      <a:schemeClr val="accent1">
+                        <a:lumMod val="20000"/>
+                        <a:lumOff val="80000"/>
+                      </a:schemeClr>
+                    </a:solidFill>
+                  </a:tcPr>
+                </a:tc>
+                <a:tc>
+                  <a:txBody>
+                    <a:bodyPr/>
+                    <a:lstStyle/>
+                    <a:p>
+                      <a:endParaRPr lang="en-US" dirty="0"/>
+                    </a:p>
+                  </a:txBody>
+                  <a:tcPr>
+                    <a:lnL w="12700" cap="flat" cmpd="sng" algn="ctr">
+                      <a:noFill/>
+                      <a:prstDash val="solid"/>
+                      <a:round/>
+                      <a:headEnd type="none" w="med" len="med"/>
+                      <a:tailEnd type="none" w="med" len="med"/>
+                    </a:lnL>
+                    <a:lnR w="12700" cap="flat" cmpd="sng" algn="ctr">
+                      <a:noFill/>
+                      <a:prstDash val="solid"/>
+                      <a:round/>
+                      <a:headEnd type="none" w="med" len="med"/>
+                      <a:tailEnd type="none" w="med" len="med"/>
+                    </a:lnR>
+                    <a:lnT w="12700" cap="flat" cmpd="sng" algn="ctr">
+                      <a:solidFill>
+                        <a:schemeClr val="tx1"/>
+                      </a:solidFill>
+                      <a:prstDash val="solid"/>
+                      <a:round/>
+                      <a:headEnd type="none" w="med" len="med"/>
+                      <a:tailEnd type="none" w="med" len="med"/>
+                    </a:lnT>
+                    <a:lnB w="12700" cap="flat" cmpd="sng" algn="ctr">
+                      <a:noFill/>
+                      <a:prstDash val="solid"/>
+                      <a:round/>
+                      <a:headEnd type="none" w="med" len="med"/>
+                      <a:tailEnd type="none" w="med" len="med"/>
+                    </a:lnB>
+                    <a:solidFill>
+                      <a:schemeClr val="accent1">
+                        <a:lumMod val="20000"/>
+                        <a:lumOff val="80000"/>
+                      </a:schemeClr>
+                    </a:solidFill>
+                  </a:tcPr>
+                </a:tc>
+                <a:tc>
+                  <a:txBody>
+                    <a:bodyPr/>
+                    <a:lstStyle/>
+                    <a:p>
+                      <a:endParaRPr lang="en-US" dirty="0"/>
+                    </a:p>
+                  </a:txBody>
+                  <a:tcPr>
+                    <a:lnL w="12700" cap="flat" cmpd="sng" algn="ctr">
+                      <a:noFill/>
+                      <a:prstDash val="solid"/>
+                      <a:round/>
+                      <a:headEnd type="none" w="med" len="med"/>
+                      <a:tailEnd type="none" w="med" len="med"/>
+                    </a:lnL>
+                    <a:lnR w="12700" cap="flat" cmpd="sng" algn="ctr">
+                      <a:noFill/>
+                      <a:prstDash val="solid"/>
+                      <a:round/>
+                      <a:headEnd type="none" w="med" len="med"/>
+                      <a:tailEnd type="none" w="med" len="med"/>
+                    </a:lnR>
+                    <a:lnT w="12700" cap="flat" cmpd="sng" algn="ctr">
+                      <a:solidFill>
+                        <a:schemeClr val="tx1"/>
+                      </a:solidFill>
+                      <a:prstDash val="solid"/>
+                      <a:round/>
+                      <a:headEnd type="none" w="med" len="med"/>
+                      <a:tailEnd type="none" w="med" len="med"/>
+                    </a:lnT>
+                    <a:lnB w="12700" cap="flat" cmpd="sng" algn="ctr">
+                      <a:noFill/>
+                      <a:prstDash val="solid"/>
+                      <a:round/>
+                      <a:headEnd type="none" w="med" len="med"/>
+                      <a:tailEnd type="none" w="med" len="med"/>
+                    </a:lnB>
+                    <a:solidFill>
+                      <a:schemeClr val="accent1">
+                        <a:lumMod val="20000"/>
+                        <a:lumOff val="80000"/>
+                      </a:schemeClr>
+                    </a:solidFill>
+                  </a:tcPr>
+                </a:tc>
+                <a:extLst>
+                  <a:ext uri="{0D108BD9-81ED-4DB2-BD59-A6C34878D82A}">
+                    <a16:rowId xmlns:a16="http://schemas.microsoft.com/office/drawing/2014/main" val="1448555206"/>
+                  </a:ext>
+                </a:extLst>
+              </a:tr>
+              <a:tr h="370840">
+                <a:tc>
+                  <a:txBody>
+                    <a:bodyPr/>
+                    <a:lstStyle/>
+                    <a:p>
+                      <a:r>
+                        <a:rPr lang="en-US" dirty="0"/>
+                        <a:t>           0</a:t>
+                      </a:r>
+                    </a:p>
+                  </a:txBody>
+                  <a:tcPr>
+                    <a:lnL w="12700" cap="flat" cmpd="sng" algn="ctr">
+                      <a:noFill/>
+                      <a:prstDash val="solid"/>
+                      <a:round/>
+                      <a:headEnd type="none" w="med" len="med"/>
+                      <a:tailEnd type="none" w="med" len="med"/>
+                    </a:lnL>
+                    <a:lnR w="12700" cap="flat" cmpd="sng" algn="ctr">
+                      <a:noFill/>
+                      <a:prstDash val="solid"/>
+                      <a:round/>
+                      <a:headEnd type="none" w="med" len="med"/>
+                      <a:tailEnd type="none" w="med" len="med"/>
+                    </a:lnR>
+                    <a:lnT w="12700" cap="flat" cmpd="sng" algn="ctr">
+                      <a:noFill/>
+                      <a:prstDash val="solid"/>
+                      <a:round/>
+                      <a:headEnd type="none" w="med" len="med"/>
+                      <a:tailEnd type="none" w="med" len="med"/>
+                    </a:lnT>
+                    <a:lnB w="12700" cap="flat" cmpd="sng" algn="ctr">
+                      <a:solidFill>
+                        <a:schemeClr val="tx1"/>
+                      </a:solidFill>
+                      <a:prstDash val="solid"/>
+                      <a:round/>
+                      <a:headEnd type="none" w="med" len="med"/>
+                      <a:tailEnd type="none" w="med" len="med"/>
+                    </a:lnB>
+                    <a:solidFill>
+                      <a:schemeClr val="accent1">
+                        <a:lumMod val="20000"/>
+                        <a:lumOff val="80000"/>
+                      </a:schemeClr>
+                    </a:solidFill>
+                  </a:tcPr>
+                </a:tc>
+                <a:tc>
+                  <a:txBody>
+                    <a:bodyPr/>
+                    <a:lstStyle/>
+                    <a:p>
+                      <a:r>
+                        <a:rPr lang="en-US" dirty="0"/>
+                        <a:t> 1           0</a:t>
+                      </a:r>
+                    </a:p>
+                  </a:txBody>
+                  <a:tcPr>
+                    <a:lnL w="12700" cap="flat" cmpd="sng" algn="ctr">
+                      <a:noFill/>
+                      <a:prstDash val="solid"/>
+                      <a:round/>
+                      <a:headEnd type="none" w="med" len="med"/>
+                      <a:tailEnd type="none" w="med" len="med"/>
+                    </a:lnL>
+                    <a:lnR w="12700" cap="flat" cmpd="sng" algn="ctr">
+                      <a:noFill/>
+                      <a:prstDash val="solid"/>
+                      <a:round/>
+                      <a:headEnd type="none" w="med" len="med"/>
+                      <a:tailEnd type="none" w="med" len="med"/>
+                    </a:lnR>
+                    <a:lnT w="12700" cap="flat" cmpd="sng" algn="ctr">
+                      <a:noFill/>
+                      <a:prstDash val="solid"/>
+                      <a:round/>
+                      <a:headEnd type="none" w="med" len="med"/>
+                      <a:tailEnd type="none" w="med" len="med"/>
+                    </a:lnT>
+                    <a:lnB w="12700" cap="flat" cmpd="sng" algn="ctr">
+                      <a:solidFill>
+                        <a:schemeClr val="tx1"/>
+                      </a:solidFill>
+                      <a:prstDash val="solid"/>
+                      <a:round/>
+                      <a:headEnd type="none" w="med" len="med"/>
+                      <a:tailEnd type="none" w="med" len="med"/>
+                    </a:lnB>
+                    <a:solidFill>
+                      <a:schemeClr val="accent1">
+                        <a:lumMod val="20000"/>
+                        <a:lumOff val="80000"/>
+                      </a:schemeClr>
+                    </a:solidFill>
+                  </a:tcPr>
+                </a:tc>
+                <a:tc>
+                  <a:txBody>
+                    <a:bodyPr/>
+                    <a:lstStyle/>
+                    <a:p>
+                      <a:r>
+                        <a:rPr lang="en-US" dirty="0"/>
+                        <a:t>.7          .5</a:t>
+                      </a:r>
+                    </a:p>
+                  </a:txBody>
+                  <a:tcPr>
+                    <a:lnL w="12700" cap="flat" cmpd="sng" algn="ctr">
+                      <a:noFill/>
+                      <a:prstDash val="solid"/>
+                      <a:round/>
+                      <a:headEnd type="none" w="med" len="med"/>
+                      <a:tailEnd type="none" w="med" len="med"/>
+                    </a:lnL>
+                    <a:lnR w="12700" cap="flat" cmpd="sng" algn="ctr">
+                      <a:noFill/>
+                      <a:prstDash val="solid"/>
+                      <a:round/>
+                      <a:headEnd type="none" w="med" len="med"/>
+                      <a:tailEnd type="none" w="med" len="med"/>
+                    </a:lnR>
+                    <a:lnT w="12700" cap="flat" cmpd="sng" algn="ctr">
+                      <a:noFill/>
+                      <a:prstDash val="solid"/>
+                      <a:round/>
+                      <a:headEnd type="none" w="med" len="med"/>
+                      <a:tailEnd type="none" w="med" len="med"/>
+                    </a:lnT>
+                    <a:lnB w="12700" cap="flat" cmpd="sng" algn="ctr">
+                      <a:solidFill>
+                        <a:schemeClr val="tx1"/>
+                      </a:solidFill>
+                      <a:prstDash val="solid"/>
+                      <a:round/>
+                      <a:headEnd type="none" w="med" len="med"/>
+                      <a:tailEnd type="none" w="med" len="med"/>
+                    </a:lnB>
+                    <a:solidFill>
+                      <a:schemeClr val="accent1">
+                        <a:lumMod val="20000"/>
+                        <a:lumOff val="80000"/>
+                      </a:schemeClr>
+                    </a:solidFill>
+                  </a:tcPr>
+                </a:tc>
+                <a:tc>
+                  <a:txBody>
+                    <a:bodyPr/>
+                    <a:lstStyle/>
+                    <a:p>
+                      <a:r>
+                        <a:rPr lang="en-US" dirty="0"/>
+                        <a:t>0          0</a:t>
+                      </a:r>
+                    </a:p>
+                  </a:txBody>
+                  <a:tcPr>
+                    <a:lnL w="12700" cap="flat" cmpd="sng" algn="ctr">
+                      <a:noFill/>
+                      <a:prstDash val="solid"/>
+                      <a:round/>
+                      <a:headEnd type="none" w="med" len="med"/>
+                      <a:tailEnd type="none" w="med" len="med"/>
+                    </a:lnL>
+                    <a:lnR w="12700" cap="flat" cmpd="sng" algn="ctr">
+                      <a:noFill/>
+                      <a:prstDash val="solid"/>
+                      <a:round/>
+                      <a:headEnd type="none" w="med" len="med"/>
+                      <a:tailEnd type="none" w="med" len="med"/>
+                    </a:lnR>
+                    <a:lnT w="12700" cap="flat" cmpd="sng" algn="ctr">
+                      <a:noFill/>
+                      <a:prstDash val="solid"/>
+                      <a:round/>
+                      <a:headEnd type="none" w="med" len="med"/>
+                      <a:tailEnd type="none" w="med" len="med"/>
+                    </a:lnT>
+                    <a:lnB w="12700" cap="flat" cmpd="sng" algn="ctr">
+                      <a:solidFill>
+                        <a:schemeClr val="tx1"/>
+                      </a:solidFill>
+                      <a:prstDash val="solid"/>
+                      <a:round/>
+                      <a:headEnd type="none" w="med" len="med"/>
+                      <a:tailEnd type="none" w="med" len="med"/>
+                    </a:lnB>
+                    <a:solidFill>
+                      <a:schemeClr val="accent1">
+                        <a:lumMod val="20000"/>
+                        <a:lumOff val="80000"/>
+                      </a:schemeClr>
+                    </a:solidFill>
+                  </a:tcPr>
+                </a:tc>
+                <a:tc>
+                  <a:txBody>
+                    <a:bodyPr/>
+                    <a:lstStyle/>
+                    <a:p>
+                      <a:r>
+                        <a:rPr lang="en-US" dirty="0"/>
+                        <a:t>  0           </a:t>
+                      </a:r>
+                    </a:p>
+                  </a:txBody>
+                  <a:tcPr>
+                    <a:lnL w="12700" cap="flat" cmpd="sng" algn="ctr">
+                      <a:noFill/>
+                      <a:prstDash val="solid"/>
+                      <a:round/>
+                      <a:headEnd type="none" w="med" len="med"/>
+                      <a:tailEnd type="none" w="med" len="med"/>
+                    </a:lnL>
+                    <a:lnR w="12700" cap="flat" cmpd="sng" algn="ctr">
+                      <a:noFill/>
+                      <a:prstDash val="solid"/>
+                      <a:round/>
+                      <a:headEnd type="none" w="med" len="med"/>
+                      <a:tailEnd type="none" w="med" len="med"/>
+                    </a:lnR>
+                    <a:lnT w="12700" cap="flat" cmpd="sng" algn="ctr">
+                      <a:noFill/>
+                      <a:prstDash val="solid"/>
+                      <a:round/>
+                      <a:headEnd type="none" w="med" len="med"/>
+                      <a:tailEnd type="none" w="med" len="med"/>
+                    </a:lnT>
+                    <a:lnB w="12700" cap="flat" cmpd="sng" algn="ctr">
+                      <a:solidFill>
+                        <a:schemeClr val="tx1"/>
+                      </a:solidFill>
+                      <a:prstDash val="solid"/>
+                      <a:round/>
+                      <a:headEnd type="none" w="med" len="med"/>
+                      <a:tailEnd type="none" w="med" len="med"/>
+                    </a:lnB>
+                    <a:solidFill>
+                      <a:schemeClr val="accent1">
+                        <a:lumMod val="20000"/>
+                        <a:lumOff val="80000"/>
+                      </a:schemeClr>
+                    </a:solidFill>
+                  </a:tcPr>
+                </a:tc>
+                <a:tc>
+                  <a:txBody>
+                    <a:bodyPr/>
+                    <a:lstStyle/>
+                    <a:p>
+                      <a:r>
+                        <a:rPr lang="en-US" dirty="0"/>
+                        <a:t>  0           .2</a:t>
+                      </a:r>
+                    </a:p>
+                  </a:txBody>
+                  <a:tcPr>
+                    <a:lnL w="12700" cap="flat" cmpd="sng" algn="ctr">
+                      <a:noFill/>
+                      <a:prstDash val="solid"/>
+                      <a:round/>
+                      <a:headEnd type="none" w="med" len="med"/>
+                      <a:tailEnd type="none" w="med" len="med"/>
+                    </a:lnL>
+                    <a:lnR w="12700" cap="flat" cmpd="sng" algn="ctr">
+                      <a:noFill/>
+                      <a:prstDash val="solid"/>
+                      <a:round/>
+                      <a:headEnd type="none" w="med" len="med"/>
+                      <a:tailEnd type="none" w="med" len="med"/>
+                    </a:lnR>
+                    <a:lnT w="12700" cap="flat" cmpd="sng" algn="ctr">
+                      <a:noFill/>
+                      <a:prstDash val="solid"/>
+                      <a:round/>
+                      <a:headEnd type="none" w="med" len="med"/>
+                      <a:tailEnd type="none" w="med" len="med"/>
+                    </a:lnT>
+                    <a:lnB w="12700" cap="flat" cmpd="sng" algn="ctr">
+                      <a:solidFill>
+                        <a:schemeClr val="tx1"/>
+                      </a:solidFill>
+                      <a:prstDash val="solid"/>
+                      <a:round/>
+                      <a:headEnd type="none" w="med" len="med"/>
+                      <a:tailEnd type="none" w="med" len="med"/>
+                    </a:lnB>
+                    <a:solidFill>
+                      <a:schemeClr val="accent1">
+                        <a:lumMod val="20000"/>
+                        <a:lumOff val="80000"/>
+                      </a:schemeClr>
+                    </a:solidFill>
+                  </a:tcPr>
+                </a:tc>
+                <a:tc>
+                  <a:txBody>
+                    <a:bodyPr/>
+                    <a:lstStyle/>
+                    <a:p>
+                      <a:r>
+                        <a:rPr lang="en-US" dirty="0"/>
+                        <a:t>.8</a:t>
+                      </a:r>
+                    </a:p>
+                  </a:txBody>
+                  <a:tcPr>
+                    <a:lnL w="12700" cap="flat" cmpd="sng" algn="ctr">
+                      <a:noFill/>
+                      <a:prstDash val="solid"/>
+                      <a:round/>
+                      <a:headEnd type="none" w="med" len="med"/>
+                      <a:tailEnd type="none" w="med" len="med"/>
+                    </a:lnL>
+                    <a:lnR w="12700" cap="flat" cmpd="sng" algn="ctr">
+                      <a:noFill/>
+                      <a:prstDash val="solid"/>
+                      <a:round/>
+                      <a:headEnd type="none" w="med" len="med"/>
+                      <a:tailEnd type="none" w="med" len="med"/>
+                    </a:lnR>
+                    <a:lnT w="12700" cap="flat" cmpd="sng" algn="ctr">
+                      <a:noFill/>
+                      <a:prstDash val="solid"/>
+                      <a:round/>
+                      <a:headEnd type="none" w="med" len="med"/>
+                      <a:tailEnd type="none" w="med" len="med"/>
+                    </a:lnT>
+                    <a:lnB w="12700" cap="flat" cmpd="sng" algn="ctr">
+                      <a:solidFill>
+                        <a:schemeClr val="tx1"/>
+                      </a:solidFill>
+                      <a:prstDash val="solid"/>
+                      <a:round/>
+                      <a:headEnd type="none" w="med" len="med"/>
+                      <a:tailEnd type="none" w="med" len="med"/>
+                    </a:lnB>
+                    <a:solidFill>
+                      <a:schemeClr val="accent1">
+                        <a:lumMod val="20000"/>
+                        <a:lumOff val="80000"/>
+                      </a:schemeClr>
+                    </a:solidFill>
+                  </a:tcPr>
+                </a:tc>
+                <a:extLst>
+                  <a:ext uri="{0D108BD9-81ED-4DB2-BD59-A6C34878D82A}">
+                    <a16:rowId xmlns:a16="http://schemas.microsoft.com/office/drawing/2014/main" val="3907963640"/>
+                  </a:ext>
+                </a:extLst>
+              </a:tr>
+              <a:tr h="370840">
+                <a:tc>
+                  <a:txBody>
+                    <a:bodyPr/>
+                    <a:lstStyle/>
+                    <a:p>
+                      <a:endParaRPr lang="en-US" dirty="0"/>
+                    </a:p>
+                  </a:txBody>
+                  <a:tcPr>
+                    <a:lnL w="12700" cap="flat" cmpd="sng" algn="ctr">
+                      <a:noFill/>
+                      <a:prstDash val="solid"/>
+                      <a:round/>
+                      <a:headEnd type="none" w="med" len="med"/>
+                      <a:tailEnd type="none" w="med" len="med"/>
+                    </a:lnL>
+                    <a:lnR w="12700" cap="flat" cmpd="sng" algn="ctr">
+                      <a:noFill/>
+                      <a:prstDash val="solid"/>
+                      <a:round/>
+                      <a:headEnd type="none" w="med" len="med"/>
+                      <a:tailEnd type="none" w="med" len="med"/>
+                    </a:lnR>
+                    <a:lnT w="12700" cap="flat" cmpd="sng" algn="ctr">
+                      <a:solidFill>
+                        <a:schemeClr val="tx1"/>
+                      </a:solidFill>
+                      <a:prstDash val="solid"/>
+                      <a:round/>
+                      <a:headEnd type="none" w="med" len="med"/>
+                      <a:tailEnd type="none" w="med" len="med"/>
+                    </a:lnT>
+                    <a:lnB w="12700" cap="flat" cmpd="sng" algn="ctr">
+                      <a:noFill/>
+                      <a:prstDash val="solid"/>
+                      <a:round/>
+                      <a:headEnd type="none" w="med" len="med"/>
+                      <a:tailEnd type="none" w="med" len="med"/>
+                    </a:lnB>
+                    <a:solidFill>
+                      <a:schemeClr val="accent1">
+                        <a:lumMod val="20000"/>
+                        <a:lumOff val="80000"/>
+                      </a:schemeClr>
+                    </a:solidFill>
+                  </a:tcPr>
+                </a:tc>
+                <a:tc>
+                  <a:txBody>
+                    <a:bodyPr/>
+                    <a:lstStyle/>
+                    <a:p>
+                      <a:endParaRPr lang="en-US" dirty="0"/>
+                    </a:p>
+                  </a:txBody>
+                  <a:tcPr>
+                    <a:lnL w="12700" cap="flat" cmpd="sng" algn="ctr">
+                      <a:noFill/>
+                      <a:prstDash val="solid"/>
+                      <a:round/>
+                      <a:headEnd type="none" w="med" len="med"/>
+                      <a:tailEnd type="none" w="med" len="med"/>
+                    </a:lnL>
+                    <a:lnR w="12700" cap="flat" cmpd="sng" algn="ctr">
+                      <a:noFill/>
+                      <a:prstDash val="solid"/>
+                      <a:round/>
+                      <a:headEnd type="none" w="med" len="med"/>
+                      <a:tailEnd type="none" w="med" len="med"/>
+                    </a:lnR>
+                    <a:lnT w="12700" cap="flat" cmpd="sng" algn="ctr">
+                      <a:solidFill>
+                        <a:schemeClr val="tx1"/>
+                      </a:solidFill>
+                      <a:prstDash val="solid"/>
+                      <a:round/>
+                      <a:headEnd type="none" w="med" len="med"/>
+                      <a:tailEnd type="none" w="med" len="med"/>
+                    </a:lnT>
+                    <a:lnB w="12700" cap="flat" cmpd="sng" algn="ctr">
+                      <a:noFill/>
+                      <a:prstDash val="solid"/>
+                      <a:round/>
+                      <a:headEnd type="none" w="med" len="med"/>
+                      <a:tailEnd type="none" w="med" len="med"/>
+                    </a:lnB>
+                    <a:solidFill>
+                      <a:schemeClr val="accent1">
+                        <a:lumMod val="20000"/>
+                        <a:lumOff val="80000"/>
+                      </a:schemeClr>
+                    </a:solidFill>
+                  </a:tcPr>
+                </a:tc>
+                <a:tc>
+                  <a:txBody>
+                    <a:bodyPr/>
+                    <a:lstStyle/>
+                    <a:p>
+                      <a:endParaRPr lang="en-US" dirty="0"/>
+                    </a:p>
+                  </a:txBody>
+                  <a:tcPr>
+                    <a:lnL w="12700" cap="flat" cmpd="sng" algn="ctr">
+                      <a:noFill/>
+                      <a:prstDash val="solid"/>
+                      <a:round/>
+                      <a:headEnd type="none" w="med" len="med"/>
+                      <a:tailEnd type="none" w="med" len="med"/>
+                    </a:lnL>
+                    <a:lnR w="12700" cap="flat" cmpd="sng" algn="ctr">
+                      <a:noFill/>
+                      <a:prstDash val="solid"/>
+                      <a:round/>
+                      <a:headEnd type="none" w="med" len="med"/>
+                      <a:tailEnd type="none" w="med" len="med"/>
+                    </a:lnR>
+                    <a:lnT w="12700" cap="flat" cmpd="sng" algn="ctr">
+                      <a:solidFill>
+                        <a:schemeClr val="tx1"/>
+                      </a:solidFill>
+                      <a:prstDash val="solid"/>
+                      <a:round/>
+                      <a:headEnd type="none" w="med" len="med"/>
+                      <a:tailEnd type="none" w="med" len="med"/>
+                    </a:lnT>
+                    <a:lnB w="12700" cap="flat" cmpd="sng" algn="ctr">
+                      <a:noFill/>
+                      <a:prstDash val="solid"/>
+                      <a:round/>
+                      <a:headEnd type="none" w="med" len="med"/>
+                      <a:tailEnd type="none" w="med" len="med"/>
+                    </a:lnB>
+                    <a:solidFill>
+                      <a:schemeClr val="accent1">
+                        <a:lumMod val="20000"/>
+                        <a:lumOff val="80000"/>
+                      </a:schemeClr>
+                    </a:solidFill>
+                  </a:tcPr>
+                </a:tc>
+                <a:tc>
+                  <a:txBody>
+                    <a:bodyPr/>
+                    <a:lstStyle/>
+                    <a:p>
+                      <a:endParaRPr lang="en-US" dirty="0"/>
+                    </a:p>
+                  </a:txBody>
+                  <a:tcPr>
+                    <a:lnL w="12700" cap="flat" cmpd="sng" algn="ctr">
+                      <a:noFill/>
+                      <a:prstDash val="solid"/>
+                      <a:round/>
+                      <a:headEnd type="none" w="med" len="med"/>
+                      <a:tailEnd type="none" w="med" len="med"/>
+                    </a:lnL>
+                    <a:lnR w="12700" cap="flat" cmpd="sng" algn="ctr">
+                      <a:noFill/>
+                      <a:prstDash val="solid"/>
+                      <a:round/>
+                      <a:headEnd type="none" w="med" len="med"/>
+                      <a:tailEnd type="none" w="med" len="med"/>
+                    </a:lnR>
+                    <a:lnT w="12700" cap="flat" cmpd="sng" algn="ctr">
+                      <a:solidFill>
+                        <a:schemeClr val="tx1"/>
+                      </a:solidFill>
+                      <a:prstDash val="solid"/>
+                      <a:round/>
+                      <a:headEnd type="none" w="med" len="med"/>
+                      <a:tailEnd type="none" w="med" len="med"/>
+                    </a:lnT>
+                    <a:lnB w="12700" cap="flat" cmpd="sng" algn="ctr">
+                      <a:noFill/>
+                      <a:prstDash val="solid"/>
+                      <a:round/>
+                      <a:headEnd type="none" w="med" len="med"/>
+                      <a:tailEnd type="none" w="med" len="med"/>
+                    </a:lnB>
+                    <a:solidFill>
+                      <a:schemeClr val="accent1">
+                        <a:lumMod val="20000"/>
+                        <a:lumOff val="80000"/>
+                      </a:schemeClr>
+                    </a:solidFill>
+                  </a:tcPr>
+                </a:tc>
+                <a:tc>
+                  <a:txBody>
+                    <a:bodyPr/>
+                    <a:lstStyle/>
+                    <a:p>
+                      <a:endParaRPr lang="en-US" dirty="0"/>
+                    </a:p>
+                  </a:txBody>
+                  <a:tcPr>
+                    <a:lnL w="12700" cap="flat" cmpd="sng" algn="ctr">
+                      <a:noFill/>
+                      <a:prstDash val="solid"/>
+                      <a:round/>
+                      <a:headEnd type="none" w="med" len="med"/>
+                      <a:tailEnd type="none" w="med" len="med"/>
+                    </a:lnL>
+                    <a:lnR w="12700" cap="flat" cmpd="sng" algn="ctr">
+                      <a:noFill/>
+                      <a:prstDash val="solid"/>
+                      <a:round/>
+                      <a:headEnd type="none" w="med" len="med"/>
+                      <a:tailEnd type="none" w="med" len="med"/>
+                    </a:lnR>
+                    <a:lnT w="12700" cap="flat" cmpd="sng" algn="ctr">
+                      <a:solidFill>
+                        <a:schemeClr val="tx1"/>
+                      </a:solidFill>
+                      <a:prstDash val="solid"/>
+                      <a:round/>
+                      <a:headEnd type="none" w="med" len="med"/>
+                      <a:tailEnd type="none" w="med" len="med"/>
+                    </a:lnT>
+                    <a:lnB w="12700" cap="flat" cmpd="sng" algn="ctr">
+                      <a:noFill/>
+                      <a:prstDash val="solid"/>
+                      <a:round/>
+                      <a:headEnd type="none" w="med" len="med"/>
+                      <a:tailEnd type="none" w="med" len="med"/>
+                    </a:lnB>
+                    <a:solidFill>
+                      <a:schemeClr val="accent1">
+                        <a:lumMod val="20000"/>
+                        <a:lumOff val="80000"/>
+                      </a:schemeClr>
+                    </a:solidFill>
+                  </a:tcPr>
+                </a:tc>
+                <a:tc>
+                  <a:txBody>
+                    <a:bodyPr/>
+                    <a:lstStyle/>
+                    <a:p>
+                      <a:endParaRPr lang="en-US" dirty="0"/>
+                    </a:p>
+                  </a:txBody>
+                  <a:tcPr>
+                    <a:lnL w="12700" cap="flat" cmpd="sng" algn="ctr">
+                      <a:noFill/>
+                      <a:prstDash val="solid"/>
+                      <a:round/>
+                      <a:headEnd type="none" w="med" len="med"/>
+                      <a:tailEnd type="none" w="med" len="med"/>
+                    </a:lnL>
+                    <a:lnR w="12700" cap="flat" cmpd="sng" algn="ctr">
+                      <a:noFill/>
+                      <a:prstDash val="solid"/>
+                      <a:round/>
+                      <a:headEnd type="none" w="med" len="med"/>
+                      <a:tailEnd type="none" w="med" len="med"/>
+                    </a:lnR>
+                    <a:lnT w="12700" cap="flat" cmpd="sng" algn="ctr">
+                      <a:solidFill>
+                        <a:schemeClr val="tx1"/>
+                      </a:solidFill>
+                      <a:prstDash val="solid"/>
+                      <a:round/>
+                      <a:headEnd type="none" w="med" len="med"/>
+                      <a:tailEnd type="none" w="med" len="med"/>
+                    </a:lnT>
+                    <a:lnB w="12700" cap="flat" cmpd="sng" algn="ctr">
+                      <a:noFill/>
+                      <a:prstDash val="solid"/>
+                      <a:round/>
+                      <a:headEnd type="none" w="med" len="med"/>
+                      <a:tailEnd type="none" w="med" len="med"/>
+                    </a:lnB>
+                    <a:solidFill>
+                      <a:schemeClr val="accent1">
+                        <a:lumMod val="20000"/>
+                        <a:lumOff val="80000"/>
+                      </a:schemeClr>
+                    </a:solidFill>
+                  </a:tcPr>
+                </a:tc>
+                <a:tc>
+                  <a:txBody>
+                    <a:bodyPr/>
+                    <a:lstStyle/>
+                    <a:p>
+                      <a:endParaRPr lang="en-US" dirty="0"/>
+                    </a:p>
+                  </a:txBody>
+                  <a:tcPr>
+                    <a:lnL w="12700" cap="flat" cmpd="sng" algn="ctr">
+                      <a:noFill/>
+                      <a:prstDash val="solid"/>
+                      <a:round/>
+                      <a:headEnd type="none" w="med" len="med"/>
+                      <a:tailEnd type="none" w="med" len="med"/>
+                    </a:lnL>
+                    <a:lnR w="12700" cap="flat" cmpd="sng" algn="ctr">
+                      <a:noFill/>
+                      <a:prstDash val="solid"/>
+                      <a:round/>
+                      <a:headEnd type="none" w="med" len="med"/>
+                      <a:tailEnd type="none" w="med" len="med"/>
+                    </a:lnR>
+                    <a:lnT w="12700" cap="flat" cmpd="sng" algn="ctr">
+                      <a:solidFill>
+                        <a:schemeClr val="tx1"/>
+                      </a:solidFill>
+                      <a:prstDash val="solid"/>
+                      <a:round/>
+                      <a:headEnd type="none" w="med" len="med"/>
+                      <a:tailEnd type="none" w="med" len="med"/>
+                    </a:lnT>
+                    <a:lnB w="12700" cap="flat" cmpd="sng" algn="ctr">
+                      <a:noFill/>
+                      <a:prstDash val="solid"/>
+                      <a:round/>
+                      <a:headEnd type="none" w="med" len="med"/>
+                      <a:tailEnd type="none" w="med" len="med"/>
+                    </a:lnB>
+                    <a:solidFill>
+                      <a:schemeClr val="accent1">
+                        <a:lumMod val="20000"/>
+                        <a:lumOff val="80000"/>
+                      </a:schemeClr>
+                    </a:solidFill>
+                  </a:tcPr>
+                </a:tc>
+                <a:extLst>
+                  <a:ext uri="{0D108BD9-81ED-4DB2-BD59-A6C34878D82A}">
+                    <a16:rowId xmlns:a16="http://schemas.microsoft.com/office/drawing/2014/main" val="81524654"/>
+                  </a:ext>
+                </a:extLst>
+              </a:tr>
+              <a:tr h="370840">
+                <a:tc>
+                  <a:txBody>
+                    <a:bodyPr/>
+                    <a:lstStyle/>
+                    <a:p>
+                      <a:r>
+                        <a:rPr lang="en-US" dirty="0"/>
+                        <a:t>           1</a:t>
+                      </a:r>
+                    </a:p>
+                  </a:txBody>
+                  <a:tcPr>
+                    <a:lnL w="12700" cap="flat" cmpd="sng" algn="ctr">
+                      <a:noFill/>
+                      <a:prstDash val="solid"/>
+                      <a:round/>
+                      <a:headEnd type="none" w="med" len="med"/>
+                      <a:tailEnd type="none" w="med" len="med"/>
+                    </a:lnL>
+                    <a:lnR w="12700" cap="flat" cmpd="sng" algn="ctr">
+                      <a:noFill/>
+                      <a:prstDash val="solid"/>
+                      <a:round/>
+                      <a:headEnd type="none" w="med" len="med"/>
+                      <a:tailEnd type="none" w="med" len="med"/>
+                    </a:lnR>
+                    <a:lnT w="12700" cap="flat" cmpd="sng" algn="ctr">
+                      <a:noFill/>
+                      <a:prstDash val="solid"/>
+                      <a:round/>
+                      <a:headEnd type="none" w="med" len="med"/>
+                      <a:tailEnd type="none" w="med" len="med"/>
+                    </a:lnT>
+                    <a:lnB w="12700" cap="flat" cmpd="sng" algn="ctr">
+                      <a:solidFill>
+                        <a:schemeClr val="tx1"/>
+                      </a:solidFill>
+                      <a:prstDash val="solid"/>
+                      <a:round/>
+                      <a:headEnd type="none" w="med" len="med"/>
+                      <a:tailEnd type="none" w="med" len="med"/>
+                    </a:lnB>
+                    <a:solidFill>
+                      <a:schemeClr val="accent1">
+                        <a:lumMod val="20000"/>
+                        <a:lumOff val="80000"/>
+                      </a:schemeClr>
+                    </a:solidFill>
+                  </a:tcPr>
+                </a:tc>
+                <a:tc>
+                  <a:txBody>
+                    <a:bodyPr/>
+                    <a:lstStyle/>
+                    <a:p>
+                      <a:r>
+                        <a:rPr lang="en-US" dirty="0"/>
+                        <a:t> 0           1 </a:t>
+                      </a:r>
+                    </a:p>
+                  </a:txBody>
+                  <a:tcPr>
+                    <a:lnL w="12700" cap="flat" cmpd="sng" algn="ctr">
+                      <a:noFill/>
+                      <a:prstDash val="solid"/>
+                      <a:round/>
+                      <a:headEnd type="none" w="med" len="med"/>
+                      <a:tailEnd type="none" w="med" len="med"/>
+                    </a:lnL>
+                    <a:lnR w="12700" cap="flat" cmpd="sng" algn="ctr">
+                      <a:noFill/>
+                      <a:prstDash val="solid"/>
+                      <a:round/>
+                      <a:headEnd type="none" w="med" len="med"/>
+                      <a:tailEnd type="none" w="med" len="med"/>
+                    </a:lnR>
+                    <a:lnT w="12700" cap="flat" cmpd="sng" algn="ctr">
+                      <a:noFill/>
+                      <a:prstDash val="solid"/>
+                      <a:round/>
+                      <a:headEnd type="none" w="med" len="med"/>
+                      <a:tailEnd type="none" w="med" len="med"/>
+                    </a:lnT>
+                    <a:lnB w="12700" cap="flat" cmpd="sng" algn="ctr">
+                      <a:solidFill>
+                        <a:schemeClr val="tx1"/>
+                      </a:solidFill>
+                      <a:prstDash val="solid"/>
+                      <a:round/>
+                      <a:headEnd type="none" w="med" len="med"/>
+                      <a:tailEnd type="none" w="med" len="med"/>
+                    </a:lnB>
+                    <a:solidFill>
+                      <a:schemeClr val="accent1">
+                        <a:lumMod val="20000"/>
+                        <a:lumOff val="80000"/>
+                      </a:schemeClr>
+                    </a:solidFill>
+                  </a:tcPr>
+                </a:tc>
+                <a:tc>
+                  <a:txBody>
+                    <a:bodyPr/>
+                    <a:lstStyle/>
+                    <a:p>
+                      <a:r>
+                        <a:rPr lang="en-US" dirty="0"/>
+                        <a:t>0           0</a:t>
+                      </a:r>
+                    </a:p>
+                  </a:txBody>
+                  <a:tcPr>
+                    <a:lnL w="12700" cap="flat" cmpd="sng" algn="ctr">
+                      <a:noFill/>
+                      <a:prstDash val="solid"/>
+                      <a:round/>
+                      <a:headEnd type="none" w="med" len="med"/>
+                      <a:tailEnd type="none" w="med" len="med"/>
+                    </a:lnL>
+                    <a:lnR w="12700" cap="flat" cmpd="sng" algn="ctr">
+                      <a:noFill/>
+                      <a:prstDash val="solid"/>
+                      <a:round/>
+                      <a:headEnd type="none" w="med" len="med"/>
+                      <a:tailEnd type="none" w="med" len="med"/>
+                    </a:lnR>
+                    <a:lnT w="12700" cap="flat" cmpd="sng" algn="ctr">
+                      <a:noFill/>
+                      <a:prstDash val="solid"/>
+                      <a:round/>
+                      <a:headEnd type="none" w="med" len="med"/>
+                      <a:tailEnd type="none" w="med" len="med"/>
+                    </a:lnT>
+                    <a:lnB w="12700" cap="flat" cmpd="sng" algn="ctr">
+                      <a:solidFill>
+                        <a:schemeClr val="tx1"/>
+                      </a:solidFill>
+                      <a:prstDash val="solid"/>
+                      <a:round/>
+                      <a:headEnd type="none" w="med" len="med"/>
+                      <a:tailEnd type="none" w="med" len="med"/>
+                    </a:lnB>
+                    <a:solidFill>
+                      <a:schemeClr val="accent1">
+                        <a:lumMod val="20000"/>
+                        <a:lumOff val="80000"/>
+                      </a:schemeClr>
+                    </a:solidFill>
+                  </a:tcPr>
+                </a:tc>
+                <a:tc>
+                  <a:txBody>
+                    <a:bodyPr/>
+                    <a:lstStyle/>
+                    <a:p>
+                      <a:r>
+                        <a:rPr lang="en-US" dirty="0"/>
+                        <a:t>1           2</a:t>
+                      </a:r>
+                    </a:p>
+                  </a:txBody>
+                  <a:tcPr>
+                    <a:lnL w="12700" cap="flat" cmpd="sng" algn="ctr">
+                      <a:noFill/>
+                      <a:prstDash val="solid"/>
+                      <a:round/>
+                      <a:headEnd type="none" w="med" len="med"/>
+                      <a:tailEnd type="none" w="med" len="med"/>
+                    </a:lnL>
+                    <a:lnR w="12700" cap="flat" cmpd="sng" algn="ctr">
+                      <a:noFill/>
+                      <a:prstDash val="solid"/>
+                      <a:round/>
+                      <a:headEnd type="none" w="med" len="med"/>
+                      <a:tailEnd type="none" w="med" len="med"/>
+                    </a:lnR>
+                    <a:lnT w="12700" cap="flat" cmpd="sng" algn="ctr">
+                      <a:noFill/>
+                      <a:prstDash val="solid"/>
+                      <a:round/>
+                      <a:headEnd type="none" w="med" len="med"/>
+                      <a:tailEnd type="none" w="med" len="med"/>
+                    </a:lnT>
+                    <a:lnB w="12700" cap="flat" cmpd="sng" algn="ctr">
+                      <a:solidFill>
+                        <a:schemeClr val="tx1"/>
+                      </a:solidFill>
+                      <a:prstDash val="solid"/>
+                      <a:round/>
+                      <a:headEnd type="none" w="med" len="med"/>
+                      <a:tailEnd type="none" w="med" len="med"/>
+                    </a:lnB>
+                    <a:solidFill>
+                      <a:schemeClr val="accent1">
+                        <a:lumMod val="20000"/>
+                        <a:lumOff val="80000"/>
+                      </a:schemeClr>
+                    </a:solidFill>
+                  </a:tcPr>
+                </a:tc>
+                <a:tc>
+                  <a:txBody>
+                    <a:bodyPr/>
+                    <a:lstStyle/>
+                    <a:p>
+                      <a:r>
+                        <a:rPr lang="en-US" dirty="0"/>
+                        <a:t>  3           </a:t>
+                      </a:r>
+                    </a:p>
+                  </a:txBody>
+                  <a:tcPr>
+                    <a:lnL w="12700" cap="flat" cmpd="sng" algn="ctr">
+                      <a:noFill/>
+                      <a:prstDash val="solid"/>
+                      <a:round/>
+                      <a:headEnd type="none" w="med" len="med"/>
+                      <a:tailEnd type="none" w="med" len="med"/>
+                    </a:lnL>
+                    <a:lnR w="12700" cap="flat" cmpd="sng" algn="ctr">
+                      <a:noFill/>
+                      <a:prstDash val="solid"/>
+                      <a:round/>
+                      <a:headEnd type="none" w="med" len="med"/>
+                      <a:tailEnd type="none" w="med" len="med"/>
+                    </a:lnR>
+                    <a:lnT w="12700" cap="flat" cmpd="sng" algn="ctr">
+                      <a:noFill/>
+                      <a:prstDash val="solid"/>
+                      <a:round/>
+                      <a:headEnd type="none" w="med" len="med"/>
+                      <a:tailEnd type="none" w="med" len="med"/>
+                    </a:lnT>
+                    <a:lnB w="12700" cap="flat" cmpd="sng" algn="ctr">
+                      <a:solidFill>
+                        <a:schemeClr val="tx1"/>
+                      </a:solidFill>
+                      <a:prstDash val="solid"/>
+                      <a:round/>
+                      <a:headEnd type="none" w="med" len="med"/>
+                      <a:tailEnd type="none" w="med" len="med"/>
+                    </a:lnB>
+                    <a:solidFill>
+                      <a:schemeClr val="accent1">
+                        <a:lumMod val="20000"/>
+                        <a:lumOff val="80000"/>
+                      </a:schemeClr>
+                    </a:solidFill>
+                  </a:tcPr>
+                </a:tc>
+                <a:tc>
+                  <a:txBody>
+                    <a:bodyPr/>
+                    <a:lstStyle/>
+                    <a:p>
+                      <a:r>
+                        <a:rPr lang="en-US" dirty="0"/>
+                        <a:t> 1           0</a:t>
+                      </a:r>
+                    </a:p>
+                  </a:txBody>
+                  <a:tcPr>
+                    <a:lnL w="12700" cap="flat" cmpd="sng" algn="ctr">
+                      <a:noFill/>
+                      <a:prstDash val="solid"/>
+                      <a:round/>
+                      <a:headEnd type="none" w="med" len="med"/>
+                      <a:tailEnd type="none" w="med" len="med"/>
+                    </a:lnL>
+                    <a:lnR w="12700" cap="flat" cmpd="sng" algn="ctr">
+                      <a:noFill/>
+                      <a:prstDash val="solid"/>
+                      <a:round/>
+                      <a:headEnd type="none" w="med" len="med"/>
+                      <a:tailEnd type="none" w="med" len="med"/>
+                    </a:lnR>
+                    <a:lnT w="12700" cap="flat" cmpd="sng" algn="ctr">
+                      <a:noFill/>
+                      <a:prstDash val="solid"/>
+                      <a:round/>
+                      <a:headEnd type="none" w="med" len="med"/>
+                      <a:tailEnd type="none" w="med" len="med"/>
+                    </a:lnT>
+                    <a:lnB w="12700" cap="flat" cmpd="sng" algn="ctr">
+                      <a:solidFill>
+                        <a:schemeClr val="tx1"/>
+                      </a:solidFill>
+                      <a:prstDash val="solid"/>
+                      <a:round/>
+                      <a:headEnd type="none" w="med" len="med"/>
+                      <a:tailEnd type="none" w="med" len="med"/>
+                    </a:lnB>
+                    <a:solidFill>
+                      <a:schemeClr val="accent1">
+                        <a:lumMod val="20000"/>
+                        <a:lumOff val="80000"/>
+                      </a:schemeClr>
+                    </a:solidFill>
+                  </a:tcPr>
+                </a:tc>
+                <a:tc>
+                  <a:txBody>
+                    <a:bodyPr/>
+                    <a:lstStyle/>
+                    <a:p>
+                      <a:r>
+                        <a:rPr lang="en-US" dirty="0"/>
+                        <a:t>0</a:t>
+                      </a:r>
+                    </a:p>
+                  </a:txBody>
+                  <a:tcPr>
+                    <a:lnL w="12700" cap="flat" cmpd="sng" algn="ctr">
+                      <a:noFill/>
+                      <a:prstDash val="solid"/>
+                      <a:round/>
+                      <a:headEnd type="none" w="med" len="med"/>
+                      <a:tailEnd type="none" w="med" len="med"/>
+                    </a:lnL>
+                    <a:lnR w="12700" cap="flat" cmpd="sng" algn="ctr">
+                      <a:noFill/>
+                      <a:prstDash val="solid"/>
+                      <a:round/>
+                      <a:headEnd type="none" w="med" len="med"/>
+                      <a:tailEnd type="none" w="med" len="med"/>
+                    </a:lnR>
+                    <a:lnT w="12700" cap="flat" cmpd="sng" algn="ctr">
+                      <a:noFill/>
+                      <a:prstDash val="solid"/>
+                      <a:round/>
+                      <a:headEnd type="none" w="med" len="med"/>
+                      <a:tailEnd type="none" w="med" len="med"/>
+                    </a:lnT>
+                    <a:lnB w="12700" cap="flat" cmpd="sng" algn="ctr">
+                      <a:solidFill>
+                        <a:schemeClr val="tx1"/>
+                      </a:solidFill>
+                      <a:prstDash val="solid"/>
+                      <a:round/>
+                      <a:headEnd type="none" w="med" len="med"/>
+                      <a:tailEnd type="none" w="med" len="med"/>
+                    </a:lnB>
+                    <a:solidFill>
+                      <a:schemeClr val="accent1">
+                        <a:lumMod val="20000"/>
+                        <a:lumOff val="80000"/>
+                      </a:schemeClr>
+                    </a:solidFill>
+                  </a:tcPr>
+                </a:tc>
+                <a:extLst>
+                  <a:ext uri="{0D108BD9-81ED-4DB2-BD59-A6C34878D82A}">
+                    <a16:rowId xmlns:a16="http://schemas.microsoft.com/office/drawing/2014/main" val="1895869310"/>
+                  </a:ext>
+                </a:extLst>
+              </a:tr>
+              <a:tr h="370840">
+                <a:tc>
+                  <a:txBody>
+                    <a:bodyPr/>
+                    <a:lstStyle/>
+                    <a:p>
+                      <a:endParaRPr lang="en-US" dirty="0"/>
+                    </a:p>
+                  </a:txBody>
+                  <a:tcPr>
+                    <a:lnL w="12700" cap="flat" cmpd="sng" algn="ctr">
+                      <a:noFill/>
+                      <a:prstDash val="solid"/>
+                      <a:round/>
+                      <a:headEnd type="none" w="med" len="med"/>
+                      <a:tailEnd type="none" w="med" len="med"/>
+                    </a:lnL>
+                    <a:lnR w="12700" cap="flat" cmpd="sng" algn="ctr">
+                      <a:noFill/>
+                      <a:prstDash val="solid"/>
+                      <a:round/>
+                      <a:headEnd type="none" w="med" len="med"/>
+                      <a:tailEnd type="none" w="med" len="med"/>
+                    </a:lnR>
+                    <a:lnT w="12700" cap="flat" cmpd="sng" algn="ctr">
+                      <a:solidFill>
+                        <a:schemeClr val="tx1"/>
+                      </a:solidFill>
+                      <a:prstDash val="solid"/>
+                      <a:round/>
+                      <a:headEnd type="none" w="med" len="med"/>
+                      <a:tailEnd type="none" w="med" len="med"/>
+                    </a:lnT>
+                    <a:lnB w="12700" cap="flat" cmpd="sng" algn="ctr">
+                      <a:noFill/>
+                      <a:prstDash val="solid"/>
+                      <a:round/>
+                      <a:headEnd type="none" w="med" len="med"/>
+                      <a:tailEnd type="none" w="med" len="med"/>
+                    </a:lnB>
+                    <a:solidFill>
+                      <a:schemeClr val="accent1">
+                        <a:lumMod val="20000"/>
+                        <a:lumOff val="80000"/>
+                      </a:schemeClr>
+                    </a:solidFill>
+                  </a:tcPr>
+                </a:tc>
+                <a:tc>
+                  <a:txBody>
+                    <a:bodyPr/>
+                    <a:lstStyle/>
+                    <a:p>
+                      <a:endParaRPr lang="en-US" dirty="0"/>
+                    </a:p>
+                  </a:txBody>
+                  <a:tcPr>
+                    <a:lnL w="12700" cap="flat" cmpd="sng" algn="ctr">
+                      <a:noFill/>
+                      <a:prstDash val="solid"/>
+                      <a:round/>
+                      <a:headEnd type="none" w="med" len="med"/>
+                      <a:tailEnd type="none" w="med" len="med"/>
+                    </a:lnL>
+                    <a:lnR w="12700" cap="flat" cmpd="sng" algn="ctr">
+                      <a:noFill/>
+                      <a:prstDash val="solid"/>
+                      <a:round/>
+                      <a:headEnd type="none" w="med" len="med"/>
+                      <a:tailEnd type="none" w="med" len="med"/>
+                    </a:lnR>
+                    <a:lnT w="12700" cap="flat" cmpd="sng" algn="ctr">
+                      <a:solidFill>
+                        <a:schemeClr val="tx1"/>
+                      </a:solidFill>
+                      <a:prstDash val="solid"/>
+                      <a:round/>
+                      <a:headEnd type="none" w="med" len="med"/>
+                      <a:tailEnd type="none" w="med" len="med"/>
+                    </a:lnT>
+                    <a:lnB w="12700" cap="flat" cmpd="sng" algn="ctr">
+                      <a:noFill/>
+                      <a:prstDash val="solid"/>
+                      <a:round/>
+                      <a:headEnd type="none" w="med" len="med"/>
+                      <a:tailEnd type="none" w="med" len="med"/>
+                    </a:lnB>
+                    <a:solidFill>
+                      <a:schemeClr val="accent1">
+                        <a:lumMod val="20000"/>
+                        <a:lumOff val="80000"/>
+                      </a:schemeClr>
+                    </a:solidFill>
+                  </a:tcPr>
+                </a:tc>
+                <a:tc>
+                  <a:txBody>
+                    <a:bodyPr/>
+                    <a:lstStyle/>
+                    <a:p>
+                      <a:endParaRPr lang="en-US" dirty="0"/>
+                    </a:p>
+                  </a:txBody>
+                  <a:tcPr>
+                    <a:lnL w="12700" cap="flat" cmpd="sng" algn="ctr">
+                      <a:noFill/>
+                      <a:prstDash val="solid"/>
+                      <a:round/>
+                      <a:headEnd type="none" w="med" len="med"/>
+                      <a:tailEnd type="none" w="med" len="med"/>
+                    </a:lnL>
+                    <a:lnR w="12700" cap="flat" cmpd="sng" algn="ctr">
+                      <a:noFill/>
+                      <a:prstDash val="solid"/>
+                      <a:round/>
+                      <a:headEnd type="none" w="med" len="med"/>
+                      <a:tailEnd type="none" w="med" len="med"/>
+                    </a:lnR>
+                    <a:lnT w="12700" cap="flat" cmpd="sng" algn="ctr">
+                      <a:solidFill>
+                        <a:schemeClr val="tx1"/>
+                      </a:solidFill>
+                      <a:prstDash val="solid"/>
+                      <a:round/>
+                      <a:headEnd type="none" w="med" len="med"/>
+                      <a:tailEnd type="none" w="med" len="med"/>
+                    </a:lnT>
+                    <a:lnB w="12700" cap="flat" cmpd="sng" algn="ctr">
+                      <a:noFill/>
+                      <a:prstDash val="solid"/>
+                      <a:round/>
+                      <a:headEnd type="none" w="med" len="med"/>
+                      <a:tailEnd type="none" w="med" len="med"/>
+                    </a:lnB>
+                    <a:solidFill>
+                      <a:schemeClr val="accent1">
+                        <a:lumMod val="20000"/>
+                        <a:lumOff val="80000"/>
+                      </a:schemeClr>
+                    </a:solidFill>
+                  </a:tcPr>
+                </a:tc>
+                <a:tc>
+                  <a:txBody>
+                    <a:bodyPr/>
+                    <a:lstStyle/>
+                    <a:p>
+                      <a:endParaRPr lang="en-US" dirty="0"/>
+                    </a:p>
+                  </a:txBody>
+                  <a:tcPr>
+                    <a:lnL w="12700" cap="flat" cmpd="sng" algn="ctr">
+                      <a:noFill/>
+                      <a:prstDash val="solid"/>
+                      <a:round/>
+                      <a:headEnd type="none" w="med" len="med"/>
+                      <a:tailEnd type="none" w="med" len="med"/>
+                    </a:lnL>
+                    <a:lnR w="12700" cap="flat" cmpd="sng" algn="ctr">
+                      <a:noFill/>
+                      <a:prstDash val="solid"/>
+                      <a:round/>
+                      <a:headEnd type="none" w="med" len="med"/>
+                      <a:tailEnd type="none" w="med" len="med"/>
+                    </a:lnR>
+                    <a:lnT w="12700" cap="flat" cmpd="sng" algn="ctr">
+                      <a:solidFill>
+                        <a:schemeClr val="tx1"/>
+                      </a:solidFill>
+                      <a:prstDash val="solid"/>
+                      <a:round/>
+                      <a:headEnd type="none" w="med" len="med"/>
+                      <a:tailEnd type="none" w="med" len="med"/>
+                    </a:lnT>
+                    <a:lnB w="12700" cap="flat" cmpd="sng" algn="ctr">
+                      <a:noFill/>
+                      <a:prstDash val="solid"/>
+                      <a:round/>
+                      <a:headEnd type="none" w="med" len="med"/>
+                      <a:tailEnd type="none" w="med" len="med"/>
+                    </a:lnB>
+                    <a:solidFill>
+                      <a:schemeClr val="accent1">
+                        <a:lumMod val="20000"/>
+                        <a:lumOff val="80000"/>
+                      </a:schemeClr>
+                    </a:solidFill>
+                  </a:tcPr>
+                </a:tc>
+                <a:tc>
+                  <a:txBody>
+                    <a:bodyPr/>
+                    <a:lstStyle/>
+                    <a:p>
+                      <a:endParaRPr lang="en-US" dirty="0"/>
+                    </a:p>
+                  </a:txBody>
+                  <a:tcPr>
+                    <a:lnL w="12700" cap="flat" cmpd="sng" algn="ctr">
+                      <a:noFill/>
+                      <a:prstDash val="solid"/>
+                      <a:round/>
+                      <a:headEnd type="none" w="med" len="med"/>
+                      <a:tailEnd type="none" w="med" len="med"/>
+                    </a:lnL>
+                    <a:lnR w="12700" cap="flat" cmpd="sng" algn="ctr">
+                      <a:noFill/>
+                      <a:prstDash val="solid"/>
+                      <a:round/>
+                      <a:headEnd type="none" w="med" len="med"/>
+                      <a:tailEnd type="none" w="med" len="med"/>
+                    </a:lnR>
+                    <a:lnT w="12700" cap="flat" cmpd="sng" algn="ctr">
+                      <a:solidFill>
+                        <a:schemeClr val="tx1"/>
+                      </a:solidFill>
+                      <a:prstDash val="solid"/>
+                      <a:round/>
+                      <a:headEnd type="none" w="med" len="med"/>
+                      <a:tailEnd type="none" w="med" len="med"/>
+                    </a:lnT>
+                    <a:lnB w="12700" cap="flat" cmpd="sng" algn="ctr">
+                      <a:noFill/>
+                      <a:prstDash val="solid"/>
+                      <a:round/>
+                      <a:headEnd type="none" w="med" len="med"/>
+                      <a:tailEnd type="none" w="med" len="med"/>
+                    </a:lnB>
+                    <a:solidFill>
+                      <a:schemeClr val="accent1">
+                        <a:lumMod val="20000"/>
+                        <a:lumOff val="80000"/>
+                      </a:schemeClr>
+                    </a:solidFill>
+                  </a:tcPr>
+                </a:tc>
+                <a:tc>
+                  <a:txBody>
+                    <a:bodyPr/>
+                    <a:lstStyle/>
+                    <a:p>
+                      <a:endParaRPr lang="en-US" dirty="0"/>
+                    </a:p>
+                  </a:txBody>
+                  <a:tcPr>
+                    <a:lnL w="12700" cap="flat" cmpd="sng" algn="ctr">
+                      <a:noFill/>
+                      <a:prstDash val="solid"/>
+                      <a:round/>
+                      <a:headEnd type="none" w="med" len="med"/>
+                      <a:tailEnd type="none" w="med" len="med"/>
+                    </a:lnL>
+                    <a:lnR w="12700" cap="flat" cmpd="sng" algn="ctr">
+                      <a:noFill/>
+                      <a:prstDash val="solid"/>
+                      <a:round/>
+                      <a:headEnd type="none" w="med" len="med"/>
+                      <a:tailEnd type="none" w="med" len="med"/>
+                    </a:lnR>
+                    <a:lnT w="12700" cap="flat" cmpd="sng" algn="ctr">
+                      <a:solidFill>
+                        <a:schemeClr val="tx1"/>
+                      </a:solidFill>
+                      <a:prstDash val="solid"/>
+                      <a:round/>
+                      <a:headEnd type="none" w="med" len="med"/>
+                      <a:tailEnd type="none" w="med" len="med"/>
+                    </a:lnT>
+                    <a:lnB w="12700" cap="flat" cmpd="sng" algn="ctr">
+                      <a:noFill/>
+                      <a:prstDash val="solid"/>
+                      <a:round/>
+                      <a:headEnd type="none" w="med" len="med"/>
+                      <a:tailEnd type="none" w="med" len="med"/>
+                    </a:lnB>
+                    <a:solidFill>
+                      <a:schemeClr val="accent1">
+                        <a:lumMod val="20000"/>
+                        <a:lumOff val="80000"/>
+                      </a:schemeClr>
+                    </a:solidFill>
+                  </a:tcPr>
+                </a:tc>
+                <a:tc>
+                  <a:txBody>
+                    <a:bodyPr/>
+                    <a:lstStyle/>
+                    <a:p>
+                      <a:endParaRPr lang="en-US" dirty="0"/>
+                    </a:p>
+                  </a:txBody>
+                  <a:tcPr>
+                    <a:lnL w="12700" cap="flat" cmpd="sng" algn="ctr">
+                      <a:noFill/>
+                      <a:prstDash val="solid"/>
+                      <a:round/>
+                      <a:headEnd type="none" w="med" len="med"/>
+                      <a:tailEnd type="none" w="med" len="med"/>
+                    </a:lnL>
+                    <a:lnR w="12700" cap="flat" cmpd="sng" algn="ctr">
+                      <a:noFill/>
+                      <a:prstDash val="solid"/>
+                      <a:round/>
+                      <a:headEnd type="none" w="med" len="med"/>
+                      <a:tailEnd type="none" w="med" len="med"/>
+                    </a:lnR>
+                    <a:lnT w="12700" cap="flat" cmpd="sng" algn="ctr">
+                      <a:solidFill>
+                        <a:schemeClr val="tx1"/>
+                      </a:solidFill>
+                      <a:prstDash val="solid"/>
+                      <a:round/>
+                      <a:headEnd type="none" w="med" len="med"/>
+                      <a:tailEnd type="none" w="med" len="med"/>
+                    </a:lnT>
+                    <a:lnB w="12700" cap="flat" cmpd="sng" algn="ctr">
+                      <a:noFill/>
+                      <a:prstDash val="solid"/>
+                      <a:round/>
+                      <a:headEnd type="none" w="med" len="med"/>
+                      <a:tailEnd type="none" w="med" len="med"/>
+                    </a:lnB>
+                    <a:solidFill>
+                      <a:schemeClr val="accent1">
+                        <a:lumMod val="20000"/>
+                        <a:lumOff val="80000"/>
+                      </a:schemeClr>
+                    </a:solidFill>
+                  </a:tcPr>
+                </a:tc>
+                <a:extLst>
+                  <a:ext uri="{0D108BD9-81ED-4DB2-BD59-A6C34878D82A}">
+                    <a16:rowId xmlns:a16="http://schemas.microsoft.com/office/drawing/2014/main" val="3951605750"/>
+                  </a:ext>
+                </a:extLst>
+              </a:tr>
+              <a:tr h="370840">
+                <a:tc>
+                  <a:txBody>
+                    <a:bodyPr/>
+                    <a:lstStyle/>
+                    <a:p>
+                      <a:r>
+                        <a:rPr lang="en-US" dirty="0"/>
+                        <a:t>           0</a:t>
+                      </a:r>
+                    </a:p>
+                  </a:txBody>
+                  <a:tcPr>
+                    <a:lnL w="12700" cap="flat" cmpd="sng" algn="ctr">
+                      <a:noFill/>
+                      <a:prstDash val="solid"/>
+                      <a:round/>
+                      <a:headEnd type="none" w="med" len="med"/>
+                      <a:tailEnd type="none" w="med" len="med"/>
+                    </a:lnL>
+                    <a:lnR w="12700" cap="flat" cmpd="sng" algn="ctr">
+                      <a:noFill/>
+                      <a:prstDash val="solid"/>
+                      <a:round/>
+                      <a:headEnd type="none" w="med" len="med"/>
+                      <a:tailEnd type="none" w="med" len="med"/>
+                    </a:lnR>
+                    <a:lnT w="12700" cap="flat" cmpd="sng" algn="ctr">
+                      <a:noFill/>
+                      <a:prstDash val="solid"/>
+                      <a:round/>
+                      <a:headEnd type="none" w="med" len="med"/>
+                      <a:tailEnd type="none" w="med" len="med"/>
+                    </a:lnT>
+                    <a:lnB w="12700" cap="flat" cmpd="sng" algn="ctr">
+                      <a:solidFill>
+                        <a:schemeClr val="tx1"/>
+                      </a:solidFill>
+                      <a:prstDash val="solid"/>
+                      <a:round/>
+                      <a:headEnd type="none" w="med" len="med"/>
+                      <a:tailEnd type="none" w="med" len="med"/>
+                    </a:lnB>
+                    <a:solidFill>
+                      <a:schemeClr val="accent1">
+                        <a:lumMod val="20000"/>
+                        <a:lumOff val="80000"/>
+                      </a:schemeClr>
+                    </a:solidFill>
+                  </a:tcPr>
+                </a:tc>
+                <a:tc>
+                  <a:txBody>
+                    <a:bodyPr/>
+                    <a:lstStyle/>
+                    <a:p>
+                      <a:r>
+                        <a:rPr lang="en-US" dirty="0"/>
+                        <a:t> 9           0</a:t>
+                      </a:r>
+                    </a:p>
+                  </a:txBody>
+                  <a:tcPr>
+                    <a:lnL w="12700" cap="flat" cmpd="sng" algn="ctr">
+                      <a:noFill/>
+                      <a:prstDash val="solid"/>
+                      <a:round/>
+                      <a:headEnd type="none" w="med" len="med"/>
+                      <a:tailEnd type="none" w="med" len="med"/>
+                    </a:lnL>
+                    <a:lnR w="12700" cap="flat" cmpd="sng" algn="ctr">
+                      <a:noFill/>
+                      <a:prstDash val="solid"/>
+                      <a:round/>
+                      <a:headEnd type="none" w="med" len="med"/>
+                      <a:tailEnd type="none" w="med" len="med"/>
+                    </a:lnR>
+                    <a:lnT w="12700" cap="flat" cmpd="sng" algn="ctr">
+                      <a:noFill/>
+                      <a:prstDash val="solid"/>
+                      <a:round/>
+                      <a:headEnd type="none" w="med" len="med"/>
+                      <a:tailEnd type="none" w="med" len="med"/>
+                    </a:lnT>
+                    <a:lnB w="12700" cap="flat" cmpd="sng" algn="ctr">
+                      <a:solidFill>
+                        <a:schemeClr val="tx1"/>
+                      </a:solidFill>
+                      <a:prstDash val="solid"/>
+                      <a:round/>
+                      <a:headEnd type="none" w="med" len="med"/>
+                      <a:tailEnd type="none" w="med" len="med"/>
+                    </a:lnB>
+                    <a:solidFill>
+                      <a:schemeClr val="accent1">
+                        <a:lumMod val="20000"/>
+                        <a:lumOff val="80000"/>
+                      </a:schemeClr>
+                    </a:solidFill>
+                  </a:tcPr>
+                </a:tc>
+                <a:tc>
+                  <a:txBody>
+                    <a:bodyPr/>
+                    <a:lstStyle/>
+                    <a:p>
+                      <a:r>
+                        <a:rPr lang="en-US" dirty="0"/>
+                        <a:t> 7          5</a:t>
+                      </a:r>
+                    </a:p>
+                  </a:txBody>
+                  <a:tcPr>
+                    <a:lnL w="12700" cap="flat" cmpd="sng" algn="ctr">
+                      <a:noFill/>
+                      <a:prstDash val="solid"/>
+                      <a:round/>
+                      <a:headEnd type="none" w="med" len="med"/>
+                      <a:tailEnd type="none" w="med" len="med"/>
+                    </a:lnL>
+                    <a:lnR w="12700" cap="flat" cmpd="sng" algn="ctr">
+                      <a:noFill/>
+                      <a:prstDash val="solid"/>
+                      <a:round/>
+                      <a:headEnd type="none" w="med" len="med"/>
+                      <a:tailEnd type="none" w="med" len="med"/>
+                    </a:lnR>
+                    <a:lnT w="12700" cap="flat" cmpd="sng" algn="ctr">
+                      <a:noFill/>
+                      <a:prstDash val="solid"/>
+                      <a:round/>
+                      <a:headEnd type="none" w="med" len="med"/>
+                      <a:tailEnd type="none" w="med" len="med"/>
+                    </a:lnT>
+                    <a:lnB w="12700" cap="flat" cmpd="sng" algn="ctr">
+                      <a:solidFill>
+                        <a:schemeClr val="tx1"/>
+                      </a:solidFill>
+                      <a:prstDash val="solid"/>
+                      <a:round/>
+                      <a:headEnd type="none" w="med" len="med"/>
+                      <a:tailEnd type="none" w="med" len="med"/>
+                    </a:lnB>
+                    <a:solidFill>
+                      <a:schemeClr val="accent1">
+                        <a:lumMod val="20000"/>
+                        <a:lumOff val="80000"/>
+                      </a:schemeClr>
+                    </a:solidFill>
+                  </a:tcPr>
+                </a:tc>
+                <a:tc>
+                  <a:txBody>
+                    <a:bodyPr/>
+                    <a:lstStyle/>
+                    <a:p>
+                      <a:r>
+                        <a:rPr lang="en-US" dirty="0"/>
+                        <a:t>0          0</a:t>
+                      </a:r>
+                    </a:p>
+                  </a:txBody>
+                  <a:tcPr>
+                    <a:lnL w="12700" cap="flat" cmpd="sng" algn="ctr">
+                      <a:noFill/>
+                      <a:prstDash val="solid"/>
+                      <a:round/>
+                      <a:headEnd type="none" w="med" len="med"/>
+                      <a:tailEnd type="none" w="med" len="med"/>
+                    </a:lnL>
+                    <a:lnR w="12700" cap="flat" cmpd="sng" algn="ctr">
+                      <a:noFill/>
+                      <a:prstDash val="solid"/>
+                      <a:round/>
+                      <a:headEnd type="none" w="med" len="med"/>
+                      <a:tailEnd type="none" w="med" len="med"/>
+                    </a:lnR>
+                    <a:lnT w="12700" cap="flat" cmpd="sng" algn="ctr">
+                      <a:noFill/>
+                      <a:prstDash val="solid"/>
+                      <a:round/>
+                      <a:headEnd type="none" w="med" len="med"/>
+                      <a:tailEnd type="none" w="med" len="med"/>
+                    </a:lnT>
+                    <a:lnB w="12700" cap="flat" cmpd="sng" algn="ctr">
+                      <a:solidFill>
+                        <a:schemeClr val="tx1"/>
+                      </a:solidFill>
+                      <a:prstDash val="solid"/>
+                      <a:round/>
+                      <a:headEnd type="none" w="med" len="med"/>
+                      <a:tailEnd type="none" w="med" len="med"/>
+                    </a:lnB>
+                    <a:solidFill>
+                      <a:schemeClr val="accent1">
+                        <a:lumMod val="20000"/>
+                        <a:lumOff val="80000"/>
+                      </a:schemeClr>
+                    </a:solidFill>
+                  </a:tcPr>
+                </a:tc>
+                <a:tc>
+                  <a:txBody>
+                    <a:bodyPr/>
+                    <a:lstStyle/>
+                    <a:p>
+                      <a:r>
+                        <a:rPr lang="en-US" dirty="0"/>
+                        <a:t>  0           </a:t>
+                      </a:r>
+                    </a:p>
+                  </a:txBody>
+                  <a:tcPr>
+                    <a:lnL w="12700" cap="flat" cmpd="sng" algn="ctr">
+                      <a:noFill/>
+                      <a:prstDash val="solid"/>
+                      <a:round/>
+                      <a:headEnd type="none" w="med" len="med"/>
+                      <a:tailEnd type="none" w="med" len="med"/>
+                    </a:lnL>
+                    <a:lnR w="12700" cap="flat" cmpd="sng" algn="ctr">
+                      <a:noFill/>
+                      <a:prstDash val="solid"/>
+                      <a:round/>
+                      <a:headEnd type="none" w="med" len="med"/>
+                      <a:tailEnd type="none" w="med" len="med"/>
+                    </a:lnR>
+                    <a:lnT w="12700" cap="flat" cmpd="sng" algn="ctr">
+                      <a:noFill/>
+                      <a:prstDash val="solid"/>
+                      <a:round/>
+                      <a:headEnd type="none" w="med" len="med"/>
+                      <a:tailEnd type="none" w="med" len="med"/>
+                    </a:lnT>
+                    <a:lnB w="12700" cap="flat" cmpd="sng" algn="ctr">
+                      <a:solidFill>
+                        <a:schemeClr val="tx1"/>
+                      </a:solidFill>
+                      <a:prstDash val="solid"/>
+                      <a:round/>
+                      <a:headEnd type="none" w="med" len="med"/>
+                      <a:tailEnd type="none" w="med" len="med"/>
+                    </a:lnB>
+                    <a:solidFill>
+                      <a:schemeClr val="accent1">
+                        <a:lumMod val="20000"/>
+                        <a:lumOff val="80000"/>
+                      </a:schemeClr>
+                    </a:solidFill>
+                  </a:tcPr>
+                </a:tc>
+                <a:tc>
+                  <a:txBody>
+                    <a:bodyPr/>
+                    <a:lstStyle/>
+                    <a:p>
+                      <a:r>
+                        <a:rPr lang="en-US" dirty="0"/>
+                        <a:t>  0           2</a:t>
+                      </a:r>
+                    </a:p>
+                  </a:txBody>
+                  <a:tcPr>
+                    <a:lnL w="12700" cap="flat" cmpd="sng" algn="ctr">
+                      <a:noFill/>
+                      <a:prstDash val="solid"/>
+                      <a:round/>
+                      <a:headEnd type="none" w="med" len="med"/>
+                      <a:tailEnd type="none" w="med" len="med"/>
+                    </a:lnL>
+                    <a:lnR w="12700" cap="flat" cmpd="sng" algn="ctr">
+                      <a:noFill/>
+                      <a:prstDash val="solid"/>
+                      <a:round/>
+                      <a:headEnd type="none" w="med" len="med"/>
+                      <a:tailEnd type="none" w="med" len="med"/>
+                    </a:lnR>
+                    <a:lnT w="12700" cap="flat" cmpd="sng" algn="ctr">
+                      <a:noFill/>
+                      <a:prstDash val="solid"/>
+                      <a:round/>
+                      <a:headEnd type="none" w="med" len="med"/>
+                      <a:tailEnd type="none" w="med" len="med"/>
+                    </a:lnT>
+                    <a:lnB w="12700" cap="flat" cmpd="sng" algn="ctr">
+                      <a:solidFill>
+                        <a:schemeClr val="tx1"/>
+                      </a:solidFill>
+                      <a:prstDash val="solid"/>
+                      <a:round/>
+                      <a:headEnd type="none" w="med" len="med"/>
+                      <a:tailEnd type="none" w="med" len="med"/>
+                    </a:lnB>
+                    <a:solidFill>
+                      <a:schemeClr val="accent1">
+                        <a:lumMod val="20000"/>
+                        <a:lumOff val="80000"/>
+                      </a:schemeClr>
+                    </a:solidFill>
+                  </a:tcPr>
+                </a:tc>
+                <a:tc>
+                  <a:txBody>
+                    <a:bodyPr/>
+                    <a:lstStyle/>
+                    <a:p>
+                      <a:r>
+                        <a:rPr lang="en-US" dirty="0"/>
+                        <a:t>8</a:t>
+                      </a:r>
+                    </a:p>
+                  </a:txBody>
+                  <a:tcPr>
+                    <a:lnL w="12700" cap="flat" cmpd="sng" algn="ctr">
+                      <a:noFill/>
+                      <a:prstDash val="solid"/>
+                      <a:round/>
+                      <a:headEnd type="none" w="med" len="med"/>
+                      <a:tailEnd type="none" w="med" len="med"/>
+                    </a:lnL>
+                    <a:lnR w="12700" cap="flat" cmpd="sng" algn="ctr">
+                      <a:noFill/>
+                      <a:prstDash val="solid"/>
+                      <a:round/>
+                      <a:headEnd type="none" w="med" len="med"/>
+                      <a:tailEnd type="none" w="med" len="med"/>
+                    </a:lnR>
+                    <a:lnT w="12700" cap="flat" cmpd="sng" algn="ctr">
+                      <a:noFill/>
+                      <a:prstDash val="solid"/>
+                      <a:round/>
+                      <a:headEnd type="none" w="med" len="med"/>
+                      <a:tailEnd type="none" w="med" len="med"/>
+                    </a:lnT>
+                    <a:lnB w="12700" cap="flat" cmpd="sng" algn="ctr">
+                      <a:solidFill>
+                        <a:schemeClr val="tx1"/>
+                      </a:solidFill>
+                      <a:prstDash val="solid"/>
+                      <a:round/>
+                      <a:headEnd type="none" w="med" len="med"/>
+                      <a:tailEnd type="none" w="med" len="med"/>
+                    </a:lnB>
+                    <a:solidFill>
+                      <a:schemeClr val="accent1">
+                        <a:lumMod val="20000"/>
+                        <a:lumOff val="80000"/>
+                      </a:schemeClr>
+                    </a:solidFill>
+                  </a:tcPr>
+                </a:tc>
+                <a:extLst>
+                  <a:ext uri="{0D108BD9-81ED-4DB2-BD59-A6C34878D82A}">
+                    <a16:rowId xmlns:a16="http://schemas.microsoft.com/office/drawing/2014/main" val="653266801"/>
+                  </a:ext>
+                </a:extLst>
+              </a:tr>
+            </a:tbl>
+          </a:graphicData>
+        </a:graphic>
+      </p:graphicFrame>
+      <p:sp>
+        <p:nvSpPr>
+          <p:cNvPr id="5" name="Isosceles Triangle 4">
+            <a:extLst>
+              <a:ext uri="{FF2B5EF4-FFF2-40B4-BE49-F238E27FC236}">
+                <a16:creationId xmlns:a16="http://schemas.microsoft.com/office/drawing/2014/main" id="{77905C40-121C-4B57-9B6B-28AC0905AB19}"/>
+              </a:ext>
+            </a:extLst>
+          </p:cNvPr>
+          <p:cNvSpPr/>
+          <p:nvPr/>
+        </p:nvSpPr>
+        <p:spPr>
+          <a:xfrm>
+            <a:off x="3403606" y="1741582"/>
+            <a:ext cx="1386113" cy="384266"/>
+          </a:xfrm>
+          <a:prstGeom prst="triangle">
+            <a:avLst/>
+          </a:prstGeom>
+          <a:solidFill>
+            <a:srgbClr val="FF0000"/>
+          </a:solidFill>
+        </p:spPr>
+        <p:style>
+          <a:lnRef idx="2">
+            <a:schemeClr val="accent1">
+              <a:shade val="50000"/>
+            </a:schemeClr>
+          </a:lnRef>
+          <a:fillRef idx="1">
+            <a:schemeClr val="accent1"/>
+          </a:fillRef>
+          <a:effectRef idx="0">
+            <a:schemeClr val="accent1"/>
+          </a:effectRef>
+          <a:fontRef idx="minor">
+            <a:schemeClr val="lt1"/>
+          </a:fontRef>
+        </p:style>
+        <p:txBody>
+          <a:bodyPr rtlCol="0" anchor="ctr"/>
+          <a:lstStyle/>
+          <a:p>
+            <a:pPr algn="ctr"/>
+            <a:endParaRPr lang="en-US"/>
+          </a:p>
+        </p:txBody>
+      </p:sp>
+      <p:sp>
+        <p:nvSpPr>
+          <p:cNvPr id="6" name="Isosceles Triangle 5">
+            <a:extLst>
+              <a:ext uri="{FF2B5EF4-FFF2-40B4-BE49-F238E27FC236}">
+                <a16:creationId xmlns:a16="http://schemas.microsoft.com/office/drawing/2014/main" id="{7109C343-7C4A-4E36-B316-D3C998C68C1A}"/>
+              </a:ext>
+            </a:extLst>
+          </p:cNvPr>
+          <p:cNvSpPr/>
+          <p:nvPr/>
+        </p:nvSpPr>
+        <p:spPr>
+          <a:xfrm>
+            <a:off x="4824764" y="1323513"/>
+            <a:ext cx="2642832" cy="807720"/>
+          </a:xfrm>
+          <a:prstGeom prst="triangle">
+            <a:avLst/>
+          </a:prstGeom>
+          <a:solidFill>
+            <a:srgbClr val="FF0000"/>
+          </a:solidFill>
+        </p:spPr>
+        <p:style>
+          <a:lnRef idx="2">
+            <a:schemeClr val="accent1">
+              <a:shade val="50000"/>
+            </a:schemeClr>
+          </a:lnRef>
+          <a:fillRef idx="1">
+            <a:schemeClr val="accent1"/>
+          </a:fillRef>
+          <a:effectRef idx="0">
+            <a:schemeClr val="accent1"/>
+          </a:effectRef>
+          <a:fontRef idx="minor">
+            <a:schemeClr val="lt1"/>
+          </a:fontRef>
+        </p:style>
+        <p:txBody>
+          <a:bodyPr rtlCol="0" anchor="ctr"/>
+          <a:lstStyle/>
+          <a:p>
+            <a:pPr algn="ctr"/>
+            <a:endParaRPr lang="en-US"/>
+          </a:p>
+        </p:txBody>
+      </p:sp>
+      <p:sp>
+        <p:nvSpPr>
+          <p:cNvPr id="7" name="Isosceles Triangle 6">
+            <a:extLst>
+              <a:ext uri="{FF2B5EF4-FFF2-40B4-BE49-F238E27FC236}">
+                <a16:creationId xmlns:a16="http://schemas.microsoft.com/office/drawing/2014/main" id="{23D1DC61-6993-41FC-83F6-9158E0778C79}"/>
+              </a:ext>
+            </a:extLst>
+          </p:cNvPr>
+          <p:cNvSpPr/>
+          <p:nvPr/>
+        </p:nvSpPr>
+        <p:spPr>
+          <a:xfrm>
+            <a:off x="8844968" y="1746967"/>
+            <a:ext cx="1335321" cy="384266"/>
+          </a:xfrm>
+          <a:prstGeom prst="triangle">
+            <a:avLst/>
+          </a:prstGeom>
+          <a:solidFill>
+            <a:srgbClr val="FF0000"/>
+          </a:solidFill>
+        </p:spPr>
+        <p:style>
+          <a:lnRef idx="2">
+            <a:schemeClr val="accent1">
+              <a:shade val="50000"/>
+            </a:schemeClr>
+          </a:lnRef>
+          <a:fillRef idx="1">
+            <a:schemeClr val="accent1"/>
+          </a:fillRef>
+          <a:effectRef idx="0">
+            <a:schemeClr val="accent1"/>
+          </a:effectRef>
+          <a:fontRef idx="minor">
+            <a:schemeClr val="lt1"/>
+          </a:fontRef>
+        </p:style>
+        <p:txBody>
+          <a:bodyPr rtlCol="0" anchor="ctr"/>
+          <a:lstStyle/>
+          <a:p>
+            <a:pPr algn="ctr"/>
+            <a:endParaRPr lang="en-US"/>
+          </a:p>
+        </p:txBody>
+      </p:sp>
+      <p:cxnSp>
+        <p:nvCxnSpPr>
+          <p:cNvPr id="8" name="Straight Connector 7">
+            <a:extLst>
+              <a:ext uri="{FF2B5EF4-FFF2-40B4-BE49-F238E27FC236}">
+                <a16:creationId xmlns:a16="http://schemas.microsoft.com/office/drawing/2014/main" id="{2D22C309-CE1B-434A-A44F-B7E058AF6B4E}"/>
+              </a:ext>
+            </a:extLst>
+          </p:cNvPr>
+          <p:cNvCxnSpPr>
+            <a:cxnSpLocks/>
+          </p:cNvCxnSpPr>
+          <p:nvPr/>
+        </p:nvCxnSpPr>
+        <p:spPr>
+          <a:xfrm>
+            <a:off x="3106058" y="1771457"/>
+            <a:ext cx="0" cy="4820922"/>
+          </a:xfrm>
+          <a:prstGeom prst="line">
+            <a:avLst/>
+          </a:prstGeom>
+          <a:ln w="9525" cap="flat" cmpd="sng" algn="ctr">
+            <a:solidFill>
+              <a:schemeClr val="accent1"/>
+            </a:solidFill>
+            <a:prstDash val="dash"/>
+            <a:round/>
+            <a:headEnd type="none" w="med" len="med"/>
+            <a:tailEnd type="none" w="med" len="med"/>
+          </a:ln>
+        </p:spPr>
+        <p:style>
+          <a:lnRef idx="0">
+            <a:scrgbClr r="0" g="0" b="0"/>
+          </a:lnRef>
+          <a:fillRef idx="0">
+            <a:scrgbClr r="0" g="0" b="0"/>
+          </a:fillRef>
+          <a:effectRef idx="0">
+            <a:scrgbClr r="0" g="0" b="0"/>
+          </a:effectRef>
+          <a:fontRef idx="minor">
+            <a:schemeClr val="tx1"/>
+          </a:fontRef>
+        </p:style>
+      </p:cxnSp>
+      <p:cxnSp>
+        <p:nvCxnSpPr>
+          <p:cNvPr id="9" name="Straight Connector 8">
+            <a:extLst>
+              <a:ext uri="{FF2B5EF4-FFF2-40B4-BE49-F238E27FC236}">
+                <a16:creationId xmlns:a16="http://schemas.microsoft.com/office/drawing/2014/main" id="{70862673-CD63-4783-A664-9D22FB9D9835}"/>
+              </a:ext>
+            </a:extLst>
+          </p:cNvPr>
+          <p:cNvCxnSpPr>
+            <a:cxnSpLocks/>
+          </p:cNvCxnSpPr>
+          <p:nvPr/>
+        </p:nvCxnSpPr>
+        <p:spPr>
+          <a:xfrm>
+            <a:off x="3751945" y="1771457"/>
+            <a:ext cx="0" cy="4820922"/>
+          </a:xfrm>
+          <a:prstGeom prst="line">
+            <a:avLst/>
+          </a:prstGeom>
+          <a:ln w="9525" cap="flat" cmpd="sng" algn="ctr">
+            <a:solidFill>
+              <a:schemeClr val="accent1"/>
+            </a:solidFill>
+            <a:prstDash val="dash"/>
+            <a:round/>
+            <a:headEnd type="none" w="med" len="med"/>
+            <a:tailEnd type="none" w="med" len="med"/>
+          </a:ln>
+        </p:spPr>
+        <p:style>
+          <a:lnRef idx="0">
+            <a:scrgbClr r="0" g="0" b="0"/>
+          </a:lnRef>
+          <a:fillRef idx="0">
+            <a:scrgbClr r="0" g="0" b="0"/>
+          </a:fillRef>
+          <a:effectRef idx="0">
+            <a:scrgbClr r="0" g="0" b="0"/>
+          </a:effectRef>
+          <a:fontRef idx="minor">
+            <a:schemeClr val="tx1"/>
+          </a:fontRef>
+        </p:style>
+      </p:cxnSp>
+      <p:cxnSp>
+        <p:nvCxnSpPr>
+          <p:cNvPr id="10" name="Straight Connector 9">
+            <a:extLst>
+              <a:ext uri="{FF2B5EF4-FFF2-40B4-BE49-F238E27FC236}">
+                <a16:creationId xmlns:a16="http://schemas.microsoft.com/office/drawing/2014/main" id="{02E57493-3F95-410A-A4A0-982F34B2D81D}"/>
+              </a:ext>
+            </a:extLst>
+          </p:cNvPr>
+          <p:cNvCxnSpPr>
+            <a:cxnSpLocks/>
+          </p:cNvCxnSpPr>
+          <p:nvPr/>
+        </p:nvCxnSpPr>
+        <p:spPr>
+          <a:xfrm>
+            <a:off x="4397830" y="1771457"/>
+            <a:ext cx="0" cy="4820922"/>
+          </a:xfrm>
+          <a:prstGeom prst="line">
+            <a:avLst/>
+          </a:prstGeom>
+          <a:ln w="9525" cap="flat" cmpd="sng" algn="ctr">
+            <a:solidFill>
+              <a:schemeClr val="accent1"/>
+            </a:solidFill>
+            <a:prstDash val="dash"/>
+            <a:round/>
+            <a:headEnd type="none" w="med" len="med"/>
+            <a:tailEnd type="none" w="med" len="med"/>
+          </a:ln>
+        </p:spPr>
+        <p:style>
+          <a:lnRef idx="0">
+            <a:scrgbClr r="0" g="0" b="0"/>
+          </a:lnRef>
+          <a:fillRef idx="0">
+            <a:scrgbClr r="0" g="0" b="0"/>
+          </a:fillRef>
+          <a:effectRef idx="0">
+            <a:scrgbClr r="0" g="0" b="0"/>
+          </a:effectRef>
+          <a:fontRef idx="minor">
+            <a:schemeClr val="tx1"/>
+          </a:fontRef>
+        </p:style>
+      </p:cxnSp>
+      <p:cxnSp>
+        <p:nvCxnSpPr>
+          <p:cNvPr id="11" name="Straight Connector 10">
+            <a:extLst>
+              <a:ext uri="{FF2B5EF4-FFF2-40B4-BE49-F238E27FC236}">
+                <a16:creationId xmlns:a16="http://schemas.microsoft.com/office/drawing/2014/main" id="{3F792615-88C3-4332-9AE1-A5E0E173EFA6}"/>
+              </a:ext>
+            </a:extLst>
+          </p:cNvPr>
+          <p:cNvCxnSpPr>
+            <a:cxnSpLocks/>
+          </p:cNvCxnSpPr>
+          <p:nvPr/>
+        </p:nvCxnSpPr>
+        <p:spPr>
+          <a:xfrm>
+            <a:off x="5138058" y="1771457"/>
+            <a:ext cx="0" cy="4820922"/>
+          </a:xfrm>
+          <a:prstGeom prst="line">
+            <a:avLst/>
+          </a:prstGeom>
+          <a:ln w="9525" cap="flat" cmpd="sng" algn="ctr">
+            <a:solidFill>
+              <a:schemeClr val="accent1"/>
+            </a:solidFill>
+            <a:prstDash val="dash"/>
+            <a:round/>
+            <a:headEnd type="none" w="med" len="med"/>
+            <a:tailEnd type="none" w="med" len="med"/>
+          </a:ln>
+        </p:spPr>
+        <p:style>
+          <a:lnRef idx="0">
+            <a:scrgbClr r="0" g="0" b="0"/>
+          </a:lnRef>
+          <a:fillRef idx="0">
+            <a:scrgbClr r="0" g="0" b="0"/>
+          </a:fillRef>
+          <a:effectRef idx="0">
+            <a:scrgbClr r="0" g="0" b="0"/>
+          </a:effectRef>
+          <a:fontRef idx="minor">
+            <a:schemeClr val="tx1"/>
+          </a:fontRef>
+        </p:style>
+      </p:cxnSp>
+      <p:cxnSp>
+        <p:nvCxnSpPr>
+          <p:cNvPr id="12" name="Straight Connector 11">
+            <a:extLst>
+              <a:ext uri="{FF2B5EF4-FFF2-40B4-BE49-F238E27FC236}">
+                <a16:creationId xmlns:a16="http://schemas.microsoft.com/office/drawing/2014/main" id="{49F3DA42-8FCE-4854-8E9B-B2D0A995BCCB}"/>
+              </a:ext>
+            </a:extLst>
+          </p:cNvPr>
+          <p:cNvCxnSpPr>
+            <a:cxnSpLocks/>
+          </p:cNvCxnSpPr>
+          <p:nvPr/>
+        </p:nvCxnSpPr>
+        <p:spPr>
+          <a:xfrm>
+            <a:off x="2481944" y="1771457"/>
+            <a:ext cx="0" cy="4820922"/>
+          </a:xfrm>
+          <a:prstGeom prst="line">
+            <a:avLst/>
+          </a:prstGeom>
+          <a:ln w="9525" cap="flat" cmpd="sng" algn="ctr">
+            <a:solidFill>
+              <a:schemeClr val="accent5"/>
+            </a:solidFill>
+            <a:prstDash val="dash"/>
+            <a:round/>
+            <a:headEnd type="none" w="med" len="med"/>
+            <a:tailEnd type="none" w="med" len="med"/>
+          </a:ln>
+        </p:spPr>
+        <p:style>
+          <a:lnRef idx="0">
+            <a:scrgbClr r="0" g="0" b="0"/>
+          </a:lnRef>
+          <a:fillRef idx="0">
+            <a:scrgbClr r="0" g="0" b="0"/>
+          </a:fillRef>
+          <a:effectRef idx="0">
+            <a:scrgbClr r="0" g="0" b="0"/>
+          </a:effectRef>
+          <a:fontRef idx="minor">
+            <a:schemeClr val="tx1"/>
+          </a:fontRef>
+        </p:style>
+      </p:cxnSp>
+      <p:cxnSp>
+        <p:nvCxnSpPr>
+          <p:cNvPr id="13" name="Straight Connector 12">
+            <a:extLst>
+              <a:ext uri="{FF2B5EF4-FFF2-40B4-BE49-F238E27FC236}">
+                <a16:creationId xmlns:a16="http://schemas.microsoft.com/office/drawing/2014/main" id="{4AAEAA3A-F874-4A67-92B7-17AEE2732565}"/>
+              </a:ext>
+            </a:extLst>
+          </p:cNvPr>
+          <p:cNvCxnSpPr>
+            <a:cxnSpLocks/>
+          </p:cNvCxnSpPr>
+          <p:nvPr/>
+        </p:nvCxnSpPr>
+        <p:spPr>
+          <a:xfrm flipH="1">
+            <a:off x="9216571" y="1771457"/>
+            <a:ext cx="2" cy="4820922"/>
+          </a:xfrm>
+          <a:prstGeom prst="line">
+            <a:avLst/>
+          </a:prstGeom>
+          <a:ln w="9525" cap="flat" cmpd="sng" algn="ctr">
+            <a:solidFill>
+              <a:schemeClr val="accent1"/>
+            </a:solidFill>
+            <a:prstDash val="dash"/>
+            <a:round/>
+            <a:headEnd type="none" w="med" len="med"/>
+            <a:tailEnd type="none" w="med" len="med"/>
+          </a:ln>
+        </p:spPr>
+        <p:style>
+          <a:lnRef idx="0">
+            <a:scrgbClr r="0" g="0" b="0"/>
+          </a:lnRef>
+          <a:fillRef idx="0">
+            <a:scrgbClr r="0" g="0" b="0"/>
+          </a:fillRef>
+          <a:effectRef idx="0">
+            <a:scrgbClr r="0" g="0" b="0"/>
+          </a:effectRef>
+          <a:fontRef idx="minor">
+            <a:schemeClr val="tx1"/>
+          </a:fontRef>
+        </p:style>
+      </p:cxnSp>
+      <p:cxnSp>
+        <p:nvCxnSpPr>
+          <p:cNvPr id="14" name="Straight Connector 13">
+            <a:extLst>
+              <a:ext uri="{FF2B5EF4-FFF2-40B4-BE49-F238E27FC236}">
+                <a16:creationId xmlns:a16="http://schemas.microsoft.com/office/drawing/2014/main" id="{1DFB2C73-48CD-4F2C-9C98-277161BC1317}"/>
+              </a:ext>
+            </a:extLst>
+          </p:cNvPr>
+          <p:cNvCxnSpPr>
+            <a:cxnSpLocks/>
+          </p:cNvCxnSpPr>
+          <p:nvPr/>
+        </p:nvCxnSpPr>
+        <p:spPr>
+          <a:xfrm>
+            <a:off x="8425544" y="1771457"/>
+            <a:ext cx="0" cy="4820922"/>
+          </a:xfrm>
+          <a:prstGeom prst="line">
+            <a:avLst/>
+          </a:prstGeom>
+          <a:ln w="9525" cap="flat" cmpd="sng" algn="ctr">
+            <a:solidFill>
+              <a:schemeClr val="accent1"/>
+            </a:solidFill>
+            <a:prstDash val="dash"/>
+            <a:round/>
+            <a:headEnd type="none" w="med" len="med"/>
+            <a:tailEnd type="none" w="med" len="med"/>
+          </a:ln>
+        </p:spPr>
+        <p:style>
+          <a:lnRef idx="0">
+            <a:scrgbClr r="0" g="0" b="0"/>
+          </a:lnRef>
+          <a:fillRef idx="0">
+            <a:scrgbClr r="0" g="0" b="0"/>
+          </a:fillRef>
+          <a:effectRef idx="0">
+            <a:scrgbClr r="0" g="0" b="0"/>
+          </a:effectRef>
+          <a:fontRef idx="minor">
+            <a:schemeClr val="tx1"/>
+          </a:fontRef>
+        </p:style>
+      </p:cxnSp>
+      <p:cxnSp>
+        <p:nvCxnSpPr>
+          <p:cNvPr id="15" name="Straight Connector 14">
+            <a:extLst>
+              <a:ext uri="{FF2B5EF4-FFF2-40B4-BE49-F238E27FC236}">
+                <a16:creationId xmlns:a16="http://schemas.microsoft.com/office/drawing/2014/main" id="{1F4B5D31-7597-4BE6-BD81-3BE171616DC3}"/>
+              </a:ext>
+            </a:extLst>
+          </p:cNvPr>
+          <p:cNvCxnSpPr>
+            <a:cxnSpLocks/>
+          </p:cNvCxnSpPr>
+          <p:nvPr/>
+        </p:nvCxnSpPr>
+        <p:spPr>
+          <a:xfrm>
+            <a:off x="7808687" y="1771457"/>
+            <a:ext cx="0" cy="4820922"/>
+          </a:xfrm>
+          <a:prstGeom prst="line">
+            <a:avLst/>
+          </a:prstGeom>
+          <a:ln w="9525" cap="flat" cmpd="sng" algn="ctr">
+            <a:solidFill>
+              <a:schemeClr val="accent1"/>
+            </a:solidFill>
+            <a:prstDash val="dash"/>
+            <a:round/>
+            <a:headEnd type="none" w="med" len="med"/>
+            <a:tailEnd type="none" w="med" len="med"/>
+          </a:ln>
+        </p:spPr>
+        <p:style>
+          <a:lnRef idx="0">
+            <a:scrgbClr r="0" g="0" b="0"/>
+          </a:lnRef>
+          <a:fillRef idx="0">
+            <a:scrgbClr r="0" g="0" b="0"/>
+          </a:fillRef>
+          <a:effectRef idx="0">
+            <a:scrgbClr r="0" g="0" b="0"/>
+          </a:effectRef>
+          <a:fontRef idx="minor">
+            <a:schemeClr val="tx1"/>
+          </a:fontRef>
+        </p:style>
+      </p:cxnSp>
+      <p:cxnSp>
+        <p:nvCxnSpPr>
+          <p:cNvPr id="16" name="Straight Connector 15">
+            <a:extLst>
+              <a:ext uri="{FF2B5EF4-FFF2-40B4-BE49-F238E27FC236}">
+                <a16:creationId xmlns:a16="http://schemas.microsoft.com/office/drawing/2014/main" id="{B472E03B-7387-4A99-9EA7-99C8EC9B43E2}"/>
+              </a:ext>
+            </a:extLst>
+          </p:cNvPr>
+          <p:cNvCxnSpPr>
+            <a:cxnSpLocks/>
+          </p:cNvCxnSpPr>
+          <p:nvPr/>
+        </p:nvCxnSpPr>
+        <p:spPr>
+          <a:xfrm>
+            <a:off x="7075716" y="1771457"/>
+            <a:ext cx="0" cy="4820922"/>
+          </a:xfrm>
+          <a:prstGeom prst="line">
+            <a:avLst/>
+          </a:prstGeom>
+          <a:ln w="9525" cap="flat" cmpd="sng" algn="ctr">
+            <a:solidFill>
+              <a:schemeClr val="accent1"/>
+            </a:solidFill>
+            <a:prstDash val="dash"/>
+            <a:round/>
+            <a:headEnd type="none" w="med" len="med"/>
+            <a:tailEnd type="none" w="med" len="med"/>
+          </a:ln>
+        </p:spPr>
+        <p:style>
+          <a:lnRef idx="0">
+            <a:scrgbClr r="0" g="0" b="0"/>
+          </a:lnRef>
+          <a:fillRef idx="0">
+            <a:scrgbClr r="0" g="0" b="0"/>
+          </a:fillRef>
+          <a:effectRef idx="0">
+            <a:scrgbClr r="0" g="0" b="0"/>
+          </a:effectRef>
+          <a:fontRef idx="minor">
+            <a:schemeClr val="tx1"/>
+          </a:fontRef>
+        </p:style>
+      </p:cxnSp>
+      <p:cxnSp>
+        <p:nvCxnSpPr>
+          <p:cNvPr id="17" name="Straight Connector 16">
+            <a:extLst>
+              <a:ext uri="{FF2B5EF4-FFF2-40B4-BE49-F238E27FC236}">
+                <a16:creationId xmlns:a16="http://schemas.microsoft.com/office/drawing/2014/main" id="{E00BA1DE-DBBF-4FBA-B6E4-31FCB6B236AD}"/>
+              </a:ext>
+            </a:extLst>
+          </p:cNvPr>
+          <p:cNvCxnSpPr>
+            <a:cxnSpLocks/>
+          </p:cNvCxnSpPr>
+          <p:nvPr/>
+        </p:nvCxnSpPr>
+        <p:spPr>
+          <a:xfrm>
+            <a:off x="6444344" y="1771457"/>
+            <a:ext cx="0" cy="4820922"/>
+          </a:xfrm>
+          <a:prstGeom prst="line">
+            <a:avLst/>
+          </a:prstGeom>
+          <a:ln w="9525" cap="flat" cmpd="sng" algn="ctr">
+            <a:solidFill>
+              <a:schemeClr val="accent1"/>
+            </a:solidFill>
+            <a:prstDash val="dash"/>
+            <a:round/>
+            <a:headEnd type="none" w="med" len="med"/>
+            <a:tailEnd type="none" w="med" len="med"/>
+          </a:ln>
+        </p:spPr>
+        <p:style>
+          <a:lnRef idx="0">
+            <a:scrgbClr r="0" g="0" b="0"/>
+          </a:lnRef>
+          <a:fillRef idx="0">
+            <a:scrgbClr r="0" g="0" b="0"/>
+          </a:fillRef>
+          <a:effectRef idx="0">
+            <a:scrgbClr r="0" g="0" b="0"/>
+          </a:effectRef>
+          <a:fontRef idx="minor">
+            <a:schemeClr val="tx1"/>
+          </a:fontRef>
+        </p:style>
+      </p:cxnSp>
+      <p:cxnSp>
+        <p:nvCxnSpPr>
+          <p:cNvPr id="18" name="Straight Connector 17">
+            <a:extLst>
+              <a:ext uri="{FF2B5EF4-FFF2-40B4-BE49-F238E27FC236}">
+                <a16:creationId xmlns:a16="http://schemas.microsoft.com/office/drawing/2014/main" id="{35F9B6B2-B445-49A5-8A80-A15C5A917714}"/>
+              </a:ext>
+            </a:extLst>
+          </p:cNvPr>
+          <p:cNvCxnSpPr>
+            <a:cxnSpLocks/>
+          </p:cNvCxnSpPr>
+          <p:nvPr/>
+        </p:nvCxnSpPr>
+        <p:spPr>
+          <a:xfrm>
+            <a:off x="5783944" y="1771457"/>
+            <a:ext cx="0" cy="4820922"/>
+          </a:xfrm>
+          <a:prstGeom prst="line">
+            <a:avLst/>
+          </a:prstGeom>
+          <a:ln w="9525" cap="flat" cmpd="sng" algn="ctr">
+            <a:solidFill>
+              <a:schemeClr val="accent1"/>
+            </a:solidFill>
+            <a:prstDash val="dash"/>
+            <a:round/>
+            <a:headEnd type="none" w="med" len="med"/>
+            <a:tailEnd type="none" w="med" len="med"/>
+          </a:ln>
+        </p:spPr>
+        <p:style>
+          <a:lnRef idx="0">
+            <a:scrgbClr r="0" g="0" b="0"/>
+          </a:lnRef>
+          <a:fillRef idx="0">
+            <a:scrgbClr r="0" g="0" b="0"/>
+          </a:fillRef>
+          <a:effectRef idx="0">
+            <a:scrgbClr r="0" g="0" b="0"/>
+          </a:effectRef>
+          <a:fontRef idx="minor">
+            <a:schemeClr val="tx1"/>
+          </a:fontRef>
+        </p:style>
+      </p:cxnSp>
+      <p:cxnSp>
+        <p:nvCxnSpPr>
+          <p:cNvPr id="19" name="Straight Connector 18">
+            <a:extLst>
+              <a:ext uri="{FF2B5EF4-FFF2-40B4-BE49-F238E27FC236}">
+                <a16:creationId xmlns:a16="http://schemas.microsoft.com/office/drawing/2014/main" id="{67EC8C76-9E2D-429A-A678-7A5A04FA1E7D}"/>
+              </a:ext>
+            </a:extLst>
+          </p:cNvPr>
+          <p:cNvCxnSpPr>
+            <a:cxnSpLocks/>
+          </p:cNvCxnSpPr>
+          <p:nvPr/>
+        </p:nvCxnSpPr>
+        <p:spPr>
+          <a:xfrm>
+            <a:off x="10551886" y="1771457"/>
+            <a:ext cx="0" cy="4820922"/>
+          </a:xfrm>
+          <a:prstGeom prst="line">
+            <a:avLst/>
+          </a:prstGeom>
+          <a:ln w="9525" cap="flat" cmpd="sng" algn="ctr">
+            <a:solidFill>
+              <a:schemeClr val="accent1"/>
+            </a:solidFill>
+            <a:prstDash val="dash"/>
+            <a:round/>
+            <a:headEnd type="none" w="med" len="med"/>
+            <a:tailEnd type="none" w="med" len="med"/>
+          </a:ln>
+        </p:spPr>
+        <p:style>
+          <a:lnRef idx="0">
+            <a:scrgbClr r="0" g="0" b="0"/>
+          </a:lnRef>
+          <a:fillRef idx="0">
+            <a:scrgbClr r="0" g="0" b="0"/>
+          </a:fillRef>
+          <a:effectRef idx="0">
+            <a:scrgbClr r="0" g="0" b="0"/>
+          </a:effectRef>
+          <a:fontRef idx="minor">
+            <a:schemeClr val="tx1"/>
+          </a:fontRef>
+        </p:style>
+      </p:cxnSp>
+      <p:cxnSp>
+        <p:nvCxnSpPr>
+          <p:cNvPr id="20" name="Straight Connector 19">
+            <a:extLst>
+              <a:ext uri="{FF2B5EF4-FFF2-40B4-BE49-F238E27FC236}">
+                <a16:creationId xmlns:a16="http://schemas.microsoft.com/office/drawing/2014/main" id="{C96F5A66-7824-4ABE-979A-C57C176BEEAF}"/>
+              </a:ext>
+            </a:extLst>
+          </p:cNvPr>
+          <p:cNvCxnSpPr>
+            <a:cxnSpLocks/>
+          </p:cNvCxnSpPr>
+          <p:nvPr/>
+        </p:nvCxnSpPr>
+        <p:spPr>
+          <a:xfrm>
+            <a:off x="9847944" y="1771457"/>
+            <a:ext cx="0" cy="4820922"/>
+          </a:xfrm>
+          <a:prstGeom prst="line">
+            <a:avLst/>
+          </a:prstGeom>
+          <a:ln w="9525" cap="flat" cmpd="sng" algn="ctr">
+            <a:solidFill>
+              <a:schemeClr val="accent1"/>
+            </a:solidFill>
+            <a:prstDash val="dash"/>
+            <a:round/>
+            <a:headEnd type="none" w="med" len="med"/>
+            <a:tailEnd type="none" w="med" len="med"/>
+          </a:ln>
+        </p:spPr>
+        <p:style>
+          <a:lnRef idx="0">
+            <a:scrgbClr r="0" g="0" b="0"/>
+          </a:lnRef>
+          <a:fillRef idx="0">
+            <a:scrgbClr r="0" g="0" b="0"/>
+          </a:fillRef>
+          <a:effectRef idx="0">
+            <a:scrgbClr r="0" g="0" b="0"/>
+          </a:effectRef>
+          <a:fontRef idx="minor">
+            <a:schemeClr val="tx1"/>
+          </a:fontRef>
+        </p:style>
+      </p:cxnSp>
+      <p:sp>
+        <p:nvSpPr>
+          <p:cNvPr id="21" name="TextBox 20">
+            <a:extLst>
+              <a:ext uri="{FF2B5EF4-FFF2-40B4-BE49-F238E27FC236}">
+                <a16:creationId xmlns:a16="http://schemas.microsoft.com/office/drawing/2014/main" id="{6A5D2448-AD98-4833-8B9C-47F8FF9120FA}"/>
+              </a:ext>
+            </a:extLst>
+          </p:cNvPr>
+          <p:cNvSpPr txBox="1"/>
+          <p:nvPr/>
+        </p:nvSpPr>
+        <p:spPr>
+          <a:xfrm>
+            <a:off x="3026234" y="801219"/>
+            <a:ext cx="2140855" cy="646331"/>
+          </a:xfrm>
+          <a:prstGeom prst="rect">
+            <a:avLst/>
+          </a:prstGeom>
+          <a:noFill/>
+        </p:spPr>
+        <p:txBody>
+          <a:bodyPr wrap="square" rtlCol="0">
+            <a:spAutoFit/>
+          </a:bodyPr>
+          <a:lstStyle/>
+          <a:p>
+            <a:pPr algn="ctr"/>
+            <a:r>
+              <a:rPr lang="en-US" dirty="0"/>
+              <a:t>TAD Boundary</a:t>
+            </a:r>
+          </a:p>
+          <a:p>
+            <a:pPr algn="ctr"/>
+            <a:r>
+              <a:rPr lang="en-US" dirty="0"/>
+              <a:t>Point</a:t>
+            </a:r>
+          </a:p>
+        </p:txBody>
+      </p:sp>
+      <p:cxnSp>
+        <p:nvCxnSpPr>
+          <p:cNvPr id="22" name="Straight Arrow Connector 21">
+            <a:extLst>
+              <a:ext uri="{FF2B5EF4-FFF2-40B4-BE49-F238E27FC236}">
+                <a16:creationId xmlns:a16="http://schemas.microsoft.com/office/drawing/2014/main" id="{36C6497E-290D-41C1-9887-5AEF1F32DDF7}"/>
+              </a:ext>
+            </a:extLst>
+          </p:cNvPr>
+          <p:cNvCxnSpPr>
+            <a:cxnSpLocks/>
+          </p:cNvCxnSpPr>
+          <p:nvPr/>
+        </p:nvCxnSpPr>
+        <p:spPr>
+          <a:xfrm>
+            <a:off x="4499839" y="1444709"/>
+            <a:ext cx="223327" cy="388300"/>
+          </a:xfrm>
+          <a:prstGeom prst="straightConnector1">
+            <a:avLst/>
+          </a:prstGeom>
+          <a:ln>
+            <a:tailEnd type="triangle"/>
+          </a:ln>
+        </p:spPr>
+        <p:style>
+          <a:lnRef idx="1">
+            <a:schemeClr val="accent1"/>
+          </a:lnRef>
+          <a:fillRef idx="0">
+            <a:schemeClr val="accent1"/>
+          </a:fillRef>
+          <a:effectRef idx="0">
+            <a:schemeClr val="accent1"/>
+          </a:effectRef>
+          <a:fontRef idx="minor">
+            <a:schemeClr val="tx1"/>
+          </a:fontRef>
+        </p:style>
+      </p:cxnSp>
+      <p:cxnSp>
+        <p:nvCxnSpPr>
+          <p:cNvPr id="23" name="Straight Arrow Connector 22">
+            <a:extLst>
+              <a:ext uri="{FF2B5EF4-FFF2-40B4-BE49-F238E27FC236}">
+                <a16:creationId xmlns:a16="http://schemas.microsoft.com/office/drawing/2014/main" id="{7851E91D-CCC7-479E-8154-619B55FF6FA5}"/>
+              </a:ext>
+            </a:extLst>
+          </p:cNvPr>
+          <p:cNvCxnSpPr>
+            <a:cxnSpLocks/>
+          </p:cNvCxnSpPr>
+          <p:nvPr/>
+        </p:nvCxnSpPr>
+        <p:spPr>
+          <a:xfrm flipH="1">
+            <a:off x="3491930" y="1429676"/>
+            <a:ext cx="224970" cy="396057"/>
+          </a:xfrm>
+          <a:prstGeom prst="straightConnector1">
+            <a:avLst/>
+          </a:prstGeom>
+          <a:ln>
+            <a:tailEnd type="triangle"/>
+          </a:ln>
+        </p:spPr>
+        <p:style>
+          <a:lnRef idx="1">
+            <a:schemeClr val="accent1"/>
+          </a:lnRef>
+          <a:fillRef idx="0">
+            <a:schemeClr val="accent1"/>
+          </a:fillRef>
+          <a:effectRef idx="0">
+            <a:schemeClr val="accent1"/>
+          </a:effectRef>
+          <a:fontRef idx="minor">
+            <a:schemeClr val="tx1"/>
+          </a:fontRef>
+        </p:style>
+      </p:cxnSp>
+      <p:sp>
+        <p:nvSpPr>
+          <p:cNvPr id="24" name="Right Brace 23">
+            <a:extLst>
+              <a:ext uri="{FF2B5EF4-FFF2-40B4-BE49-F238E27FC236}">
+                <a16:creationId xmlns:a16="http://schemas.microsoft.com/office/drawing/2014/main" id="{29DA4BB4-A692-426C-B9AF-3D32AE3CD90F}"/>
+              </a:ext>
+            </a:extLst>
+          </p:cNvPr>
+          <p:cNvSpPr/>
+          <p:nvPr/>
+        </p:nvSpPr>
+        <p:spPr>
+          <a:xfrm rot="16200000">
+            <a:off x="5843807" y="45892"/>
+            <a:ext cx="613235" cy="2184399"/>
+          </a:xfrm>
+          <a:prstGeom prst="rightBrace">
+            <a:avLst/>
+          </a:prstGeom>
+        </p:spPr>
+        <p:style>
+          <a:lnRef idx="1">
+            <a:schemeClr val="accent1"/>
+          </a:lnRef>
+          <a:fillRef idx="0">
+            <a:schemeClr val="accent1"/>
+          </a:fillRef>
+          <a:effectRef idx="0">
+            <a:schemeClr val="accent1"/>
+          </a:effectRef>
+          <a:fontRef idx="minor">
+            <a:schemeClr val="tx1"/>
+          </a:fontRef>
+        </p:style>
+        <p:txBody>
+          <a:bodyPr rtlCol="0" anchor="ctr"/>
+          <a:lstStyle/>
+          <a:p>
+            <a:pPr algn="ctr"/>
+            <a:endParaRPr lang="en-US"/>
+          </a:p>
+        </p:txBody>
+      </p:sp>
+      <p:sp>
+        <p:nvSpPr>
+          <p:cNvPr id="25" name="TextBox 24">
+            <a:extLst>
+              <a:ext uri="{FF2B5EF4-FFF2-40B4-BE49-F238E27FC236}">
+                <a16:creationId xmlns:a16="http://schemas.microsoft.com/office/drawing/2014/main" id="{C660856C-D71C-49BD-83D0-847A723FA96D}"/>
+              </a:ext>
+            </a:extLst>
+          </p:cNvPr>
+          <p:cNvSpPr txBox="1"/>
+          <p:nvPr/>
+        </p:nvSpPr>
+        <p:spPr>
+          <a:xfrm>
+            <a:off x="841834" y="1914544"/>
+            <a:ext cx="1436914" cy="369332"/>
+          </a:xfrm>
+          <a:prstGeom prst="rect">
+            <a:avLst/>
+          </a:prstGeom>
+          <a:noFill/>
+        </p:spPr>
+        <p:txBody>
+          <a:bodyPr wrap="square" rtlCol="0">
+            <a:spAutoFit/>
+          </a:bodyPr>
+          <a:lstStyle/>
+          <a:p>
+            <a:r>
+              <a:rPr lang="en-US" dirty="0"/>
+              <a:t>Genome</a:t>
+            </a:r>
+          </a:p>
+        </p:txBody>
+      </p:sp>
+      <p:sp>
+        <p:nvSpPr>
+          <p:cNvPr id="26" name="Right Brace 25">
+            <a:extLst>
+              <a:ext uri="{FF2B5EF4-FFF2-40B4-BE49-F238E27FC236}">
+                <a16:creationId xmlns:a16="http://schemas.microsoft.com/office/drawing/2014/main" id="{B47FF4C8-D859-4700-92A0-F0923ADA1EBD}"/>
+              </a:ext>
+            </a:extLst>
+          </p:cNvPr>
+          <p:cNvSpPr/>
+          <p:nvPr/>
+        </p:nvSpPr>
+        <p:spPr>
+          <a:xfrm rot="5400000" flipH="1">
+            <a:off x="2711497" y="1215157"/>
+            <a:ext cx="165008" cy="624114"/>
+          </a:xfrm>
+          <a:prstGeom prst="rightBrace">
+            <a:avLst/>
+          </a:prstGeom>
+        </p:spPr>
+        <p:style>
+          <a:lnRef idx="1">
+            <a:schemeClr val="accent1"/>
+          </a:lnRef>
+          <a:fillRef idx="0">
+            <a:schemeClr val="accent1"/>
+          </a:fillRef>
+          <a:effectRef idx="0">
+            <a:schemeClr val="accent1"/>
+          </a:effectRef>
+          <a:fontRef idx="minor">
+            <a:schemeClr val="tx1"/>
+          </a:fontRef>
+        </p:style>
+        <p:txBody>
+          <a:bodyPr rtlCol="0" anchor="ctr"/>
+          <a:lstStyle/>
+          <a:p>
+            <a:pPr algn="ctr"/>
+            <a:endParaRPr lang="en-US"/>
+          </a:p>
+        </p:txBody>
+      </p:sp>
+      <p:sp>
+        <p:nvSpPr>
+          <p:cNvPr id="27" name="TextBox 26">
+            <a:extLst>
+              <a:ext uri="{FF2B5EF4-FFF2-40B4-BE49-F238E27FC236}">
+                <a16:creationId xmlns:a16="http://schemas.microsoft.com/office/drawing/2014/main" id="{72DE0E5B-7DFF-4F86-8916-21AA829A8271}"/>
+              </a:ext>
+            </a:extLst>
+          </p:cNvPr>
+          <p:cNvSpPr txBox="1"/>
+          <p:nvPr/>
+        </p:nvSpPr>
+        <p:spPr>
+          <a:xfrm>
+            <a:off x="2380346" y="790153"/>
+            <a:ext cx="827310" cy="646331"/>
+          </a:xfrm>
+          <a:prstGeom prst="rect">
+            <a:avLst/>
+          </a:prstGeom>
+          <a:noFill/>
+        </p:spPr>
+        <p:txBody>
+          <a:bodyPr wrap="square" rtlCol="0">
+            <a:spAutoFit/>
+          </a:bodyPr>
+          <a:lstStyle/>
+          <a:p>
+            <a:pPr algn="ctr"/>
+            <a:r>
+              <a:rPr lang="en-US" dirty="0"/>
+              <a:t>10 kb bin</a:t>
+            </a:r>
+          </a:p>
+        </p:txBody>
+      </p:sp>
+      <p:sp>
+        <p:nvSpPr>
+          <p:cNvPr id="28" name="TextBox 27">
+            <a:extLst>
+              <a:ext uri="{FF2B5EF4-FFF2-40B4-BE49-F238E27FC236}">
+                <a16:creationId xmlns:a16="http://schemas.microsoft.com/office/drawing/2014/main" id="{A70D3786-3853-4993-876F-9E16DBF4A5EC}"/>
+              </a:ext>
+            </a:extLst>
+          </p:cNvPr>
+          <p:cNvSpPr txBox="1"/>
+          <p:nvPr/>
+        </p:nvSpPr>
+        <p:spPr>
+          <a:xfrm>
+            <a:off x="635001" y="2658198"/>
+            <a:ext cx="1436914" cy="369332"/>
+          </a:xfrm>
+          <a:prstGeom prst="rect">
+            <a:avLst/>
+          </a:prstGeom>
+          <a:noFill/>
+        </p:spPr>
+        <p:txBody>
+          <a:bodyPr wrap="square" rtlCol="0">
+            <a:spAutoFit/>
+          </a:bodyPr>
+          <a:lstStyle/>
+          <a:p>
+            <a:r>
+              <a:rPr lang="en-US" dirty="0"/>
+              <a:t>Outcome Y</a:t>
+            </a:r>
+          </a:p>
+        </p:txBody>
+      </p:sp>
+      <p:sp>
+        <p:nvSpPr>
+          <p:cNvPr id="29" name="TextBox 28">
+            <a:extLst>
+              <a:ext uri="{FF2B5EF4-FFF2-40B4-BE49-F238E27FC236}">
+                <a16:creationId xmlns:a16="http://schemas.microsoft.com/office/drawing/2014/main" id="{352D982F-8E9C-4916-848A-E8523C28AD34}"/>
+              </a:ext>
+            </a:extLst>
+          </p:cNvPr>
+          <p:cNvSpPr txBox="1"/>
+          <p:nvPr/>
+        </p:nvSpPr>
+        <p:spPr>
+          <a:xfrm>
+            <a:off x="573313" y="3359910"/>
+            <a:ext cx="1436914" cy="646331"/>
+          </a:xfrm>
+          <a:prstGeom prst="rect">
+            <a:avLst/>
+          </a:prstGeom>
+          <a:noFill/>
+        </p:spPr>
+        <p:txBody>
+          <a:bodyPr wrap="square" rtlCol="0">
+            <a:spAutoFit/>
+          </a:bodyPr>
+          <a:lstStyle/>
+          <a:p>
+            <a:pPr algn="ctr"/>
+            <a:r>
+              <a:rPr lang="en-US" dirty="0"/>
+              <a:t>Feature Xᵢ Region</a:t>
+            </a:r>
+          </a:p>
+        </p:txBody>
+      </p:sp>
+      <p:sp>
+        <p:nvSpPr>
+          <p:cNvPr id="30" name="Rectangle 29">
+            <a:extLst>
+              <a:ext uri="{FF2B5EF4-FFF2-40B4-BE49-F238E27FC236}">
+                <a16:creationId xmlns:a16="http://schemas.microsoft.com/office/drawing/2014/main" id="{04C2CD36-F769-4FA0-9D25-8BFFEDCAD484}"/>
+              </a:ext>
+            </a:extLst>
+          </p:cNvPr>
+          <p:cNvSpPr/>
+          <p:nvPr/>
+        </p:nvSpPr>
+        <p:spPr>
+          <a:xfrm>
+            <a:off x="4688117" y="3552447"/>
+            <a:ext cx="763484" cy="130629"/>
+          </a:xfrm>
+          <a:prstGeom prst="rect">
+            <a:avLst/>
+          </a:prstGeom>
+          <a:solidFill>
+            <a:schemeClr val="accent6"/>
+          </a:solidFill>
+        </p:spPr>
+        <p:style>
+          <a:lnRef idx="2">
+            <a:schemeClr val="accent1">
+              <a:shade val="50000"/>
+            </a:schemeClr>
+          </a:lnRef>
+          <a:fillRef idx="1">
+            <a:schemeClr val="accent1"/>
+          </a:fillRef>
+          <a:effectRef idx="0">
+            <a:schemeClr val="accent1"/>
+          </a:effectRef>
+          <a:fontRef idx="minor">
+            <a:schemeClr val="lt1"/>
+          </a:fontRef>
+        </p:style>
+        <p:txBody>
+          <a:bodyPr rtlCol="0" anchor="ctr"/>
+          <a:lstStyle/>
+          <a:p>
+            <a:pPr algn="ctr"/>
+            <a:endParaRPr lang="en-US"/>
+          </a:p>
+        </p:txBody>
+      </p:sp>
+      <p:sp>
+        <p:nvSpPr>
+          <p:cNvPr id="31" name="Rectangle 30">
+            <a:extLst>
+              <a:ext uri="{FF2B5EF4-FFF2-40B4-BE49-F238E27FC236}">
+                <a16:creationId xmlns:a16="http://schemas.microsoft.com/office/drawing/2014/main" id="{5C7258F4-A19C-432F-BBB1-5E757C2132E4}"/>
+              </a:ext>
+            </a:extLst>
+          </p:cNvPr>
+          <p:cNvSpPr/>
+          <p:nvPr/>
+        </p:nvSpPr>
+        <p:spPr>
+          <a:xfrm>
+            <a:off x="3214920" y="3568241"/>
+            <a:ext cx="449940" cy="114835"/>
+          </a:xfrm>
+          <a:prstGeom prst="rect">
+            <a:avLst/>
+          </a:prstGeom>
+          <a:solidFill>
+            <a:schemeClr val="accent6"/>
+          </a:solidFill>
+        </p:spPr>
+        <p:style>
+          <a:lnRef idx="2">
+            <a:schemeClr val="accent1">
+              <a:shade val="50000"/>
+            </a:schemeClr>
+          </a:lnRef>
+          <a:fillRef idx="1">
+            <a:schemeClr val="accent1"/>
+          </a:fillRef>
+          <a:effectRef idx="0">
+            <a:schemeClr val="accent1"/>
+          </a:effectRef>
+          <a:fontRef idx="minor">
+            <a:schemeClr val="lt1"/>
+          </a:fontRef>
+        </p:style>
+        <p:txBody>
+          <a:bodyPr rtlCol="0" anchor="ctr"/>
+          <a:lstStyle/>
+          <a:p>
+            <a:pPr algn="ctr"/>
+            <a:endParaRPr lang="en-US"/>
+          </a:p>
+        </p:txBody>
+      </p:sp>
+      <p:sp>
+        <p:nvSpPr>
+          <p:cNvPr id="32" name="Rectangle 31">
+            <a:extLst>
+              <a:ext uri="{FF2B5EF4-FFF2-40B4-BE49-F238E27FC236}">
+                <a16:creationId xmlns:a16="http://schemas.microsoft.com/office/drawing/2014/main" id="{71672D53-3C87-4748-8263-93B426D99CA3}"/>
+              </a:ext>
+            </a:extLst>
+          </p:cNvPr>
+          <p:cNvSpPr/>
+          <p:nvPr/>
+        </p:nvSpPr>
+        <p:spPr>
+          <a:xfrm>
+            <a:off x="9727578" y="3568241"/>
+            <a:ext cx="590845" cy="114835"/>
+          </a:xfrm>
+          <a:prstGeom prst="rect">
+            <a:avLst/>
+          </a:prstGeom>
+          <a:solidFill>
+            <a:schemeClr val="accent6"/>
+          </a:solidFill>
+        </p:spPr>
+        <p:style>
+          <a:lnRef idx="2">
+            <a:schemeClr val="accent1">
+              <a:shade val="50000"/>
+            </a:schemeClr>
+          </a:lnRef>
+          <a:fillRef idx="1">
+            <a:schemeClr val="accent1"/>
+          </a:fillRef>
+          <a:effectRef idx="0">
+            <a:schemeClr val="accent1"/>
+          </a:effectRef>
+          <a:fontRef idx="minor">
+            <a:schemeClr val="lt1"/>
+          </a:fontRef>
+        </p:style>
+        <p:txBody>
+          <a:bodyPr rtlCol="0" anchor="ctr"/>
+          <a:lstStyle/>
+          <a:p>
+            <a:pPr algn="ctr"/>
+            <a:endParaRPr lang="en-US"/>
+          </a:p>
+        </p:txBody>
+      </p:sp>
+      <p:sp>
+        <p:nvSpPr>
+          <p:cNvPr id="33" name="TextBox 32">
+            <a:extLst>
+              <a:ext uri="{FF2B5EF4-FFF2-40B4-BE49-F238E27FC236}">
+                <a16:creationId xmlns:a16="http://schemas.microsoft.com/office/drawing/2014/main" id="{B64ADC39-DCC1-4494-9685-CE9DA34CD0A3}"/>
+              </a:ext>
+            </a:extLst>
+          </p:cNvPr>
+          <p:cNvSpPr txBox="1"/>
+          <p:nvPr/>
+        </p:nvSpPr>
+        <p:spPr>
+          <a:xfrm>
+            <a:off x="573313" y="5138955"/>
+            <a:ext cx="1436914" cy="646331"/>
+          </a:xfrm>
+          <a:prstGeom prst="rect">
+            <a:avLst/>
+          </a:prstGeom>
+          <a:noFill/>
+        </p:spPr>
+        <p:txBody>
+          <a:bodyPr wrap="square" rtlCol="0">
+            <a:spAutoFit/>
+          </a:bodyPr>
+          <a:lstStyle/>
+          <a:p>
+            <a:pPr algn="ctr"/>
+            <a:r>
+              <a:rPr lang="en-US" dirty="0"/>
+              <a:t>Distance Predictor Xᵢ</a:t>
+            </a:r>
+            <a:r>
+              <a:rPr lang="en-US" baseline="-25000" dirty="0"/>
+              <a:t>1</a:t>
+            </a:r>
+          </a:p>
+        </p:txBody>
+      </p:sp>
+      <p:pic>
+        <p:nvPicPr>
+          <p:cNvPr id="34" name="Picture 33">
+            <a:extLst>
+              <a:ext uri="{FF2B5EF4-FFF2-40B4-BE49-F238E27FC236}">
+                <a16:creationId xmlns:a16="http://schemas.microsoft.com/office/drawing/2014/main" id="{D7C06D28-B2B3-45A3-A2C2-B8F959F7A9D8}"/>
+              </a:ext>
+            </a:extLst>
+          </p:cNvPr>
+          <p:cNvPicPr>
+            <a:picLocks noChangeAspect="1"/>
+          </p:cNvPicPr>
+          <p:nvPr/>
+        </p:nvPicPr>
+        <p:blipFill>
+          <a:blip r:embed="rId2"/>
+          <a:stretch>
+            <a:fillRect/>
+          </a:stretch>
+        </p:blipFill>
+        <p:spPr>
+          <a:xfrm>
+            <a:off x="10081406" y="1995980"/>
+            <a:ext cx="237019" cy="248307"/>
+          </a:xfrm>
+          <a:prstGeom prst="rect">
+            <a:avLst/>
+          </a:prstGeom>
+        </p:spPr>
+      </p:pic>
+      <p:pic>
+        <p:nvPicPr>
+          <p:cNvPr id="35" name="Picture 34">
+            <a:extLst>
+              <a:ext uri="{FF2B5EF4-FFF2-40B4-BE49-F238E27FC236}">
+                <a16:creationId xmlns:a16="http://schemas.microsoft.com/office/drawing/2014/main" id="{4A2EC13D-441C-4734-8028-6A597243660B}"/>
+              </a:ext>
+            </a:extLst>
+          </p:cNvPr>
+          <p:cNvPicPr>
+            <a:picLocks noChangeAspect="1"/>
+          </p:cNvPicPr>
+          <p:nvPr/>
+        </p:nvPicPr>
+        <p:blipFill>
+          <a:blip r:embed="rId3"/>
+          <a:stretch>
+            <a:fillRect/>
+          </a:stretch>
+        </p:blipFill>
+        <p:spPr>
+          <a:xfrm>
+            <a:off x="3284723" y="1983914"/>
+            <a:ext cx="260720" cy="274090"/>
+          </a:xfrm>
+          <a:prstGeom prst="rect">
+            <a:avLst/>
+          </a:prstGeom>
+        </p:spPr>
+      </p:pic>
+      <p:pic>
+        <p:nvPicPr>
+          <p:cNvPr id="36" name="Picture 35">
+            <a:extLst>
+              <a:ext uri="{FF2B5EF4-FFF2-40B4-BE49-F238E27FC236}">
+                <a16:creationId xmlns:a16="http://schemas.microsoft.com/office/drawing/2014/main" id="{3CFC28BB-1B49-4F1C-9BD2-F8245272BFC8}"/>
+              </a:ext>
+            </a:extLst>
+          </p:cNvPr>
+          <p:cNvPicPr>
+            <a:picLocks noChangeAspect="1"/>
+          </p:cNvPicPr>
+          <p:nvPr/>
+        </p:nvPicPr>
+        <p:blipFill>
+          <a:blip r:embed="rId3"/>
+          <a:stretch>
+            <a:fillRect/>
+          </a:stretch>
+        </p:blipFill>
+        <p:spPr>
+          <a:xfrm>
+            <a:off x="4688116" y="1995980"/>
+            <a:ext cx="237765" cy="249958"/>
+          </a:xfrm>
+          <a:prstGeom prst="rect">
+            <a:avLst/>
+          </a:prstGeom>
+        </p:spPr>
+      </p:pic>
+      <p:pic>
+        <p:nvPicPr>
+          <p:cNvPr id="37" name="Picture 36">
+            <a:extLst>
+              <a:ext uri="{FF2B5EF4-FFF2-40B4-BE49-F238E27FC236}">
+                <a16:creationId xmlns:a16="http://schemas.microsoft.com/office/drawing/2014/main" id="{25410316-DD51-4A7A-85F7-DB2E40739FF8}"/>
+              </a:ext>
+            </a:extLst>
+          </p:cNvPr>
+          <p:cNvPicPr>
+            <a:picLocks noChangeAspect="1"/>
+          </p:cNvPicPr>
+          <p:nvPr/>
+        </p:nvPicPr>
+        <p:blipFill>
+          <a:blip r:embed="rId3"/>
+          <a:stretch>
+            <a:fillRect/>
+          </a:stretch>
+        </p:blipFill>
+        <p:spPr>
+          <a:xfrm>
+            <a:off x="7362902" y="1995980"/>
+            <a:ext cx="237765" cy="249958"/>
+          </a:xfrm>
+          <a:prstGeom prst="rect">
+            <a:avLst/>
+          </a:prstGeom>
+        </p:spPr>
+      </p:pic>
+      <p:pic>
+        <p:nvPicPr>
+          <p:cNvPr id="38" name="Picture 37">
+            <a:extLst>
+              <a:ext uri="{FF2B5EF4-FFF2-40B4-BE49-F238E27FC236}">
+                <a16:creationId xmlns:a16="http://schemas.microsoft.com/office/drawing/2014/main" id="{700D60CB-38BB-40B3-B1D1-7313E047E279}"/>
+              </a:ext>
+            </a:extLst>
+          </p:cNvPr>
+          <p:cNvPicPr>
+            <a:picLocks noChangeAspect="1"/>
+          </p:cNvPicPr>
+          <p:nvPr/>
+        </p:nvPicPr>
+        <p:blipFill>
+          <a:blip r:embed="rId3"/>
+          <a:stretch>
+            <a:fillRect/>
+          </a:stretch>
+        </p:blipFill>
+        <p:spPr>
+          <a:xfrm>
+            <a:off x="8663120" y="1995980"/>
+            <a:ext cx="237765" cy="249958"/>
+          </a:xfrm>
+          <a:prstGeom prst="rect">
+            <a:avLst/>
+          </a:prstGeom>
+        </p:spPr>
+      </p:pic>
+      <p:sp>
+        <p:nvSpPr>
+          <p:cNvPr id="39" name="TextBox 38">
+            <a:extLst>
+              <a:ext uri="{FF2B5EF4-FFF2-40B4-BE49-F238E27FC236}">
+                <a16:creationId xmlns:a16="http://schemas.microsoft.com/office/drawing/2014/main" id="{EA3D1C81-DFFC-492B-9EB6-CD6005C7D456}"/>
+              </a:ext>
+            </a:extLst>
+          </p:cNvPr>
+          <p:cNvSpPr txBox="1"/>
+          <p:nvPr/>
+        </p:nvSpPr>
+        <p:spPr>
+          <a:xfrm>
+            <a:off x="573313" y="5946048"/>
+            <a:ext cx="1436914" cy="646331"/>
+          </a:xfrm>
+          <a:prstGeom prst="rect">
+            <a:avLst/>
+          </a:prstGeom>
+          <a:noFill/>
+        </p:spPr>
+        <p:txBody>
+          <a:bodyPr wrap="square" rtlCol="0">
+            <a:spAutoFit/>
+          </a:bodyPr>
+          <a:lstStyle/>
+          <a:p>
+            <a:pPr algn="ctr"/>
+            <a:r>
+              <a:rPr lang="en-US" dirty="0"/>
+              <a:t>Overlap Predictor Xᵢ</a:t>
+            </a:r>
+            <a:r>
+              <a:rPr lang="en-US" baseline="-25000" dirty="0"/>
+              <a:t>2</a:t>
+            </a:r>
+          </a:p>
+        </p:txBody>
+      </p:sp>
+      <p:sp>
+        <p:nvSpPr>
+          <p:cNvPr id="40" name="TextBox 39">
+            <a:extLst>
+              <a:ext uri="{FF2B5EF4-FFF2-40B4-BE49-F238E27FC236}">
+                <a16:creationId xmlns:a16="http://schemas.microsoft.com/office/drawing/2014/main" id="{525AC58F-4255-48C5-B655-4C8DE1ED3598}"/>
+              </a:ext>
+            </a:extLst>
+          </p:cNvPr>
+          <p:cNvSpPr txBox="1"/>
+          <p:nvPr/>
+        </p:nvSpPr>
+        <p:spPr>
+          <a:xfrm>
+            <a:off x="573313" y="4367339"/>
+            <a:ext cx="1436914" cy="646331"/>
+          </a:xfrm>
+          <a:prstGeom prst="rect">
+            <a:avLst/>
+          </a:prstGeom>
+          <a:noFill/>
+        </p:spPr>
+        <p:txBody>
+          <a:bodyPr wrap="square" rtlCol="0">
+            <a:spAutoFit/>
+          </a:bodyPr>
+          <a:lstStyle/>
+          <a:p>
+            <a:pPr algn="ctr"/>
+            <a:r>
+              <a:rPr lang="en-US" dirty="0"/>
+              <a:t>Mourad Predictor Xᵢ</a:t>
+            </a:r>
+            <a:endParaRPr lang="en-US" baseline="-25000" dirty="0"/>
+          </a:p>
+        </p:txBody>
+      </p:sp>
+      <p:sp>
+        <p:nvSpPr>
+          <p:cNvPr id="41" name="TextBox 40">
+            <a:extLst>
+              <a:ext uri="{FF2B5EF4-FFF2-40B4-BE49-F238E27FC236}">
+                <a16:creationId xmlns:a16="http://schemas.microsoft.com/office/drawing/2014/main" id="{8FFA933C-2CDD-4FED-944F-C208FD8C6895}"/>
+              </a:ext>
+            </a:extLst>
+          </p:cNvPr>
+          <p:cNvSpPr txBox="1"/>
+          <p:nvPr/>
+        </p:nvSpPr>
+        <p:spPr>
+          <a:xfrm>
+            <a:off x="5177351" y="436353"/>
+            <a:ext cx="1937658" cy="369332"/>
+          </a:xfrm>
+          <a:prstGeom prst="rect">
+            <a:avLst/>
+          </a:prstGeom>
+          <a:noFill/>
+        </p:spPr>
+        <p:txBody>
+          <a:bodyPr wrap="square" rtlCol="0">
+            <a:spAutoFit/>
+          </a:bodyPr>
+          <a:lstStyle/>
+          <a:p>
+            <a:pPr algn="ctr"/>
+            <a:r>
+              <a:rPr lang="en-US" dirty="0"/>
+              <a:t>TAD</a:t>
+            </a:r>
+          </a:p>
+        </p:txBody>
+      </p:sp>
+    </p:spTree>
+    <p:extLst>
+      <p:ext uri="{BB962C8B-B14F-4D97-AF65-F5344CB8AC3E}">
+        <p14:creationId xmlns:p14="http://schemas.microsoft.com/office/powerpoint/2010/main" val="1668493400"/>
+      </p:ext>
+    </p:extLst>
+  </p:cSld>
+  <p:clrMapOvr>
+    <a:masterClrMapping/>
+  </p:clrMapOvr>
+</p:sld>
+</file>
+
+<file path=ppt/slides/slide4.xml><?xml version="1.0" encoding="utf-8"?>
+<p:sld xmlns:a="http://schemas.openxmlformats.org/drawingml/2006/main" xmlns:r="http://schemas.openxmlformats.org/officeDocument/2006/relationships" xmlns:p="http://schemas.openxmlformats.org/presentationml/2006/main">
+  <p:cSld>
+    <p:spTree>
+      <p:nvGrpSpPr>
+        <p:cNvPr id="1" name=""/>
+        <p:cNvGrpSpPr/>
+        <p:nvPr/>
+      </p:nvGrpSpPr>
+      <p:grpSpPr>
+        <a:xfrm>
+          <a:off x="0" y="0"/>
+          <a:ext cx="0" cy="0"/>
+          <a:chOff x="0" y="0"/>
+          <a:chExt cx="0" cy="0"/>
+        </a:xfrm>
+      </p:grpSpPr>
+      <p:pic>
+        <p:nvPicPr>
+          <p:cNvPr id="4" name="Picture 3">
+            <a:extLst>
+              <a:ext uri="{FF2B5EF4-FFF2-40B4-BE49-F238E27FC236}">
+                <a16:creationId xmlns:a16="http://schemas.microsoft.com/office/drawing/2014/main" id="{B2DE5CB5-7C47-4978-8D30-17CA602CE46E}"/>
+              </a:ext>
+            </a:extLst>
+          </p:cNvPr>
+          <p:cNvPicPr>
+            <a:picLocks noChangeAspect="1"/>
+          </p:cNvPicPr>
+          <p:nvPr/>
+        </p:nvPicPr>
+        <p:blipFill>
+          <a:blip r:embed="rId2"/>
+          <a:stretch>
+            <a:fillRect/>
+          </a:stretch>
+        </p:blipFill>
+        <p:spPr>
+          <a:xfrm>
+            <a:off x="3509962" y="852487"/>
+            <a:ext cx="5172075" cy="5153025"/>
+          </a:xfrm>
+          <a:prstGeom prst="rect">
+            <a:avLst/>
+          </a:prstGeom>
+        </p:spPr>
+      </p:pic>
+    </p:spTree>
+    <p:extLst>
+      <p:ext uri="{BB962C8B-B14F-4D97-AF65-F5344CB8AC3E}">
+        <p14:creationId xmlns:p14="http://schemas.microsoft.com/office/powerpoint/2010/main" val="3609576945"/>
+      </p:ext>
+    </p:extLst>
+  </p:cSld>
+  <p:clrMapOvr>
+    <a:masterClrMapping/>
+  </p:clrMapOvr>
+</p:sld>
+</file>
+
+<file path=ppt/slides/slide5.xml><?xml version="1.0" encoding="utf-8"?>
+<p:sld xmlns:a="http://schemas.openxmlformats.org/drawingml/2006/main" xmlns:r="http://schemas.openxmlformats.org/officeDocument/2006/relationships" xmlns:p="http://schemas.openxmlformats.org/presentationml/2006/main">
+  <p:cSld>
+    <p:spTree>
+      <p:nvGrpSpPr>
+        <p:cNvPr id="1" name=""/>
+        <p:cNvGrpSpPr/>
+        <p:nvPr/>
+      </p:nvGrpSpPr>
+      <p:grpSpPr>
+        <a:xfrm>
+          <a:off x="0" y="0"/>
+          <a:ext cx="0" cy="0"/>
+          <a:chOff x="0" y="0"/>
+          <a:chExt cx="0" cy="0"/>
+        </a:xfrm>
+      </p:grpSpPr>
+      <p:grpSp>
+        <p:nvGrpSpPr>
+          <p:cNvPr id="37" name="Group 36">
+            <a:extLst>
+              <a:ext uri="{FF2B5EF4-FFF2-40B4-BE49-F238E27FC236}">
+                <a16:creationId xmlns:a16="http://schemas.microsoft.com/office/drawing/2014/main" id="{1C6EFFB2-034E-4190-915A-97C086FC17D9}"/>
+              </a:ext>
+            </a:extLst>
+          </p:cNvPr>
+          <p:cNvGrpSpPr/>
+          <p:nvPr/>
+        </p:nvGrpSpPr>
+        <p:grpSpPr>
+          <a:xfrm>
+            <a:off x="3766229" y="852487"/>
+            <a:ext cx="5153025" cy="5153025"/>
+            <a:chOff x="3766229" y="852487"/>
+            <a:chExt cx="5153025" cy="5153025"/>
+          </a:xfrm>
+        </p:grpSpPr>
+        <p:pic>
+          <p:nvPicPr>
+            <p:cNvPr id="4" name="Picture 3">
+              <a:extLst>
+                <a:ext uri="{FF2B5EF4-FFF2-40B4-BE49-F238E27FC236}">
+                  <a16:creationId xmlns:a16="http://schemas.microsoft.com/office/drawing/2014/main" id="{97920AB6-6068-406E-BCCD-D8551C96A312}"/>
+                </a:ext>
+              </a:extLst>
+            </p:cNvPr>
+            <p:cNvPicPr>
+              <a:picLocks noChangeAspect="1"/>
+            </p:cNvPicPr>
+            <p:nvPr/>
+          </p:nvPicPr>
+          <p:blipFill>
+            <a:blip r:embed="rId2"/>
+            <a:stretch>
+              <a:fillRect/>
+            </a:stretch>
+          </p:blipFill>
+          <p:spPr>
+            <a:xfrm>
+              <a:off x="3766229" y="852487"/>
+              <a:ext cx="5153025" cy="5153025"/>
+            </a:xfrm>
+            <a:prstGeom prst="rect">
+              <a:avLst/>
+            </a:prstGeom>
+          </p:spPr>
+        </p:pic>
+        <p:cxnSp>
+          <p:nvCxnSpPr>
+            <p:cNvPr id="6" name="Straight Connector 5">
+              <a:extLst>
+                <a:ext uri="{FF2B5EF4-FFF2-40B4-BE49-F238E27FC236}">
+                  <a16:creationId xmlns:a16="http://schemas.microsoft.com/office/drawing/2014/main" id="{780C2CBA-AD36-4BD2-A2B9-AB957631FE00}"/>
+                </a:ext>
+              </a:extLst>
+            </p:cNvPr>
+            <p:cNvCxnSpPr/>
+            <p:nvPr/>
+          </p:nvCxnSpPr>
+          <p:spPr>
+            <a:xfrm>
+              <a:off x="3766229" y="852487"/>
+              <a:ext cx="816986" cy="0"/>
+            </a:xfrm>
+            <a:prstGeom prst="line">
+              <a:avLst/>
+            </a:prstGeom>
+            <a:ln w="57150"/>
+          </p:spPr>
+          <p:style>
+            <a:lnRef idx="3">
+              <a:schemeClr val="dk1"/>
+            </a:lnRef>
+            <a:fillRef idx="0">
+              <a:schemeClr val="dk1"/>
+            </a:fillRef>
+            <a:effectRef idx="2">
+              <a:schemeClr val="dk1"/>
+            </a:effectRef>
+            <a:fontRef idx="minor">
+              <a:schemeClr val="tx1"/>
+            </a:fontRef>
+          </p:style>
+        </p:cxnSp>
+        <p:cxnSp>
+          <p:nvCxnSpPr>
+            <p:cNvPr id="8" name="Straight Connector 7">
+              <a:extLst>
+                <a:ext uri="{FF2B5EF4-FFF2-40B4-BE49-F238E27FC236}">
+                  <a16:creationId xmlns:a16="http://schemas.microsoft.com/office/drawing/2014/main" id="{2C432EF4-8277-4411-BF74-8678CCC0DD91}"/>
+                </a:ext>
+              </a:extLst>
+            </p:cNvPr>
+            <p:cNvCxnSpPr/>
+            <p:nvPr/>
+          </p:nvCxnSpPr>
+          <p:spPr>
+            <a:xfrm>
+              <a:off x="4610924" y="852487"/>
+              <a:ext cx="0" cy="851622"/>
+            </a:xfrm>
+            <a:prstGeom prst="line">
+              <a:avLst/>
+            </a:prstGeom>
+            <a:ln w="57150">
+              <a:solidFill>
+                <a:schemeClr val="tx1"/>
+              </a:solidFill>
+            </a:ln>
+          </p:spPr>
+          <p:style>
+            <a:lnRef idx="1">
+              <a:schemeClr val="accent1"/>
+            </a:lnRef>
+            <a:fillRef idx="0">
+              <a:schemeClr val="accent1"/>
+            </a:fillRef>
+            <a:effectRef idx="0">
+              <a:schemeClr val="accent1"/>
+            </a:effectRef>
+            <a:fontRef idx="minor">
+              <a:schemeClr val="tx1"/>
+            </a:fontRef>
+          </p:style>
+        </p:cxnSp>
+        <p:cxnSp>
+          <p:nvCxnSpPr>
+            <p:cNvPr id="10" name="Straight Connector 9">
+              <a:extLst>
+                <a:ext uri="{FF2B5EF4-FFF2-40B4-BE49-F238E27FC236}">
+                  <a16:creationId xmlns:a16="http://schemas.microsoft.com/office/drawing/2014/main" id="{9F8E221B-24D2-4D57-9AA9-61ACFB172141}"/>
+                </a:ext>
+              </a:extLst>
+            </p:cNvPr>
+            <p:cNvCxnSpPr/>
+            <p:nvPr/>
+          </p:nvCxnSpPr>
+          <p:spPr>
+            <a:xfrm>
+              <a:off x="4763324" y="1842655"/>
+              <a:ext cx="1163782" cy="0"/>
+            </a:xfrm>
+            <a:prstGeom prst="line">
+              <a:avLst/>
+            </a:prstGeom>
+            <a:ln w="57150">
+              <a:solidFill>
+                <a:schemeClr val="tx1"/>
+              </a:solidFill>
+            </a:ln>
+          </p:spPr>
+          <p:style>
+            <a:lnRef idx="1">
+              <a:schemeClr val="accent1"/>
+            </a:lnRef>
+            <a:fillRef idx="0">
+              <a:schemeClr val="accent1"/>
+            </a:fillRef>
+            <a:effectRef idx="0">
+              <a:schemeClr val="accent1"/>
+            </a:effectRef>
+            <a:fontRef idx="minor">
+              <a:schemeClr val="tx1"/>
+            </a:fontRef>
+          </p:style>
+        </p:cxnSp>
+        <p:cxnSp>
+          <p:nvCxnSpPr>
+            <p:cNvPr id="12" name="Straight Connector 11">
+              <a:extLst>
+                <a:ext uri="{FF2B5EF4-FFF2-40B4-BE49-F238E27FC236}">
+                  <a16:creationId xmlns:a16="http://schemas.microsoft.com/office/drawing/2014/main" id="{A551BB34-10DE-4B29-B05E-DCCAF6ECFDFC}"/>
+                </a:ext>
+              </a:extLst>
+            </p:cNvPr>
+            <p:cNvCxnSpPr/>
+            <p:nvPr/>
+          </p:nvCxnSpPr>
+          <p:spPr>
+            <a:xfrm>
+              <a:off x="5927106" y="1856509"/>
+              <a:ext cx="0" cy="1122218"/>
+            </a:xfrm>
+            <a:prstGeom prst="line">
+              <a:avLst/>
+            </a:prstGeom>
+            <a:ln w="57150">
+              <a:solidFill>
+                <a:schemeClr val="tx1"/>
+              </a:solidFill>
+            </a:ln>
+          </p:spPr>
+          <p:style>
+            <a:lnRef idx="1">
+              <a:schemeClr val="accent1"/>
+            </a:lnRef>
+            <a:fillRef idx="0">
+              <a:schemeClr val="accent1"/>
+            </a:fillRef>
+            <a:effectRef idx="0">
+              <a:schemeClr val="accent1"/>
+            </a:effectRef>
+            <a:fontRef idx="minor">
+              <a:schemeClr val="tx1"/>
+            </a:fontRef>
+          </p:style>
+        </p:cxnSp>
+        <p:cxnSp>
+          <p:nvCxnSpPr>
+            <p:cNvPr id="14" name="Straight Connector 13">
+              <a:extLst>
+                <a:ext uri="{FF2B5EF4-FFF2-40B4-BE49-F238E27FC236}">
+                  <a16:creationId xmlns:a16="http://schemas.microsoft.com/office/drawing/2014/main" id="{A49F13DF-CEBC-42A4-BCC9-5883D65BB6F1}"/>
+                </a:ext>
+              </a:extLst>
+            </p:cNvPr>
+            <p:cNvCxnSpPr/>
+            <p:nvPr/>
+          </p:nvCxnSpPr>
+          <p:spPr>
+            <a:xfrm>
+              <a:off x="5927106" y="3075709"/>
+              <a:ext cx="277091" cy="0"/>
+            </a:xfrm>
+            <a:prstGeom prst="line">
+              <a:avLst/>
+            </a:prstGeom>
+            <a:ln w="57150">
+              <a:solidFill>
+                <a:schemeClr val="tx1"/>
+              </a:solidFill>
+            </a:ln>
+          </p:spPr>
+          <p:style>
+            <a:lnRef idx="1">
+              <a:schemeClr val="accent1"/>
+            </a:lnRef>
+            <a:fillRef idx="0">
+              <a:schemeClr val="accent1"/>
+            </a:fillRef>
+            <a:effectRef idx="0">
+              <a:schemeClr val="accent1"/>
+            </a:effectRef>
+            <a:fontRef idx="minor">
+              <a:schemeClr val="tx1"/>
+            </a:fontRef>
+          </p:style>
+        </p:cxnSp>
+        <p:cxnSp>
+          <p:nvCxnSpPr>
+            <p:cNvPr id="16" name="Straight Connector 15">
+              <a:extLst>
+                <a:ext uri="{FF2B5EF4-FFF2-40B4-BE49-F238E27FC236}">
+                  <a16:creationId xmlns:a16="http://schemas.microsoft.com/office/drawing/2014/main" id="{83819792-8C58-483A-814D-D6D5253C9EEB}"/>
+                </a:ext>
+              </a:extLst>
+            </p:cNvPr>
+            <p:cNvCxnSpPr/>
+            <p:nvPr/>
+          </p:nvCxnSpPr>
+          <p:spPr>
+            <a:xfrm>
+              <a:off x="6204197" y="3089564"/>
+              <a:ext cx="0" cy="207818"/>
+            </a:xfrm>
+            <a:prstGeom prst="line">
+              <a:avLst/>
+            </a:prstGeom>
+            <a:ln w="57150">
+              <a:solidFill>
+                <a:schemeClr val="tx1"/>
+              </a:solidFill>
+            </a:ln>
+          </p:spPr>
+          <p:style>
+            <a:lnRef idx="1">
+              <a:schemeClr val="accent1"/>
+            </a:lnRef>
+            <a:fillRef idx="0">
+              <a:schemeClr val="accent1"/>
+            </a:fillRef>
+            <a:effectRef idx="0">
+              <a:schemeClr val="accent1"/>
+            </a:effectRef>
+            <a:fontRef idx="minor">
+              <a:schemeClr val="tx1"/>
+            </a:fontRef>
+          </p:style>
+        </p:cxnSp>
+        <p:cxnSp>
+          <p:nvCxnSpPr>
+            <p:cNvPr id="18" name="Straight Connector 17">
+              <a:extLst>
+                <a:ext uri="{FF2B5EF4-FFF2-40B4-BE49-F238E27FC236}">
+                  <a16:creationId xmlns:a16="http://schemas.microsoft.com/office/drawing/2014/main" id="{D7AB618D-9F9B-4B71-AB5D-6002BC839935}"/>
+                </a:ext>
+              </a:extLst>
+            </p:cNvPr>
+            <p:cNvCxnSpPr>
+              <a:cxnSpLocks/>
+            </p:cNvCxnSpPr>
+            <p:nvPr/>
+          </p:nvCxnSpPr>
+          <p:spPr>
+            <a:xfrm>
+              <a:off x="6342742" y="3429000"/>
+              <a:ext cx="845127" cy="0"/>
+            </a:xfrm>
+            <a:prstGeom prst="line">
+              <a:avLst/>
+            </a:prstGeom>
+            <a:ln w="57150">
+              <a:solidFill>
+                <a:schemeClr val="tx1"/>
+              </a:solidFill>
+            </a:ln>
+          </p:spPr>
+          <p:style>
+            <a:lnRef idx="1">
+              <a:schemeClr val="accent1"/>
+            </a:lnRef>
+            <a:fillRef idx="0">
+              <a:schemeClr val="accent1"/>
+            </a:fillRef>
+            <a:effectRef idx="0">
+              <a:schemeClr val="accent1"/>
+            </a:effectRef>
+            <a:fontRef idx="minor">
+              <a:schemeClr val="tx1"/>
+            </a:fontRef>
+          </p:style>
+        </p:cxnSp>
+        <p:cxnSp>
+          <p:nvCxnSpPr>
+            <p:cNvPr id="23" name="Straight Connector 22">
+              <a:extLst>
+                <a:ext uri="{FF2B5EF4-FFF2-40B4-BE49-F238E27FC236}">
+                  <a16:creationId xmlns:a16="http://schemas.microsoft.com/office/drawing/2014/main" id="{C5B564C5-CD5D-4E77-9C49-8E4281A369DA}"/>
+                </a:ext>
+              </a:extLst>
+            </p:cNvPr>
+            <p:cNvCxnSpPr/>
+            <p:nvPr/>
+          </p:nvCxnSpPr>
+          <p:spPr>
+            <a:xfrm>
+              <a:off x="7201724" y="3429000"/>
+              <a:ext cx="0" cy="824345"/>
+            </a:xfrm>
+            <a:prstGeom prst="line">
+              <a:avLst/>
+            </a:prstGeom>
+            <a:ln w="57150">
+              <a:solidFill>
+                <a:schemeClr val="tx1"/>
+              </a:solidFill>
+            </a:ln>
+          </p:spPr>
+          <p:style>
+            <a:lnRef idx="1">
+              <a:schemeClr val="accent1"/>
+            </a:lnRef>
+            <a:fillRef idx="0">
+              <a:schemeClr val="accent1"/>
+            </a:fillRef>
+            <a:effectRef idx="0">
+              <a:schemeClr val="accent1"/>
+            </a:effectRef>
+            <a:fontRef idx="minor">
+              <a:schemeClr val="tx1"/>
+            </a:fontRef>
+          </p:style>
+        </p:cxnSp>
+        <p:cxnSp>
+          <p:nvCxnSpPr>
+            <p:cNvPr id="25" name="Straight Connector 24">
+              <a:extLst>
+                <a:ext uri="{FF2B5EF4-FFF2-40B4-BE49-F238E27FC236}">
+                  <a16:creationId xmlns:a16="http://schemas.microsoft.com/office/drawing/2014/main" id="{C78F18C0-1A0A-4483-B10E-D5B70112A5B1}"/>
+                </a:ext>
+              </a:extLst>
+            </p:cNvPr>
+            <p:cNvCxnSpPr/>
+            <p:nvPr/>
+          </p:nvCxnSpPr>
+          <p:spPr>
+            <a:xfrm>
+              <a:off x="7187869" y="4281055"/>
+              <a:ext cx="207818" cy="0"/>
+            </a:xfrm>
+            <a:prstGeom prst="line">
+              <a:avLst/>
+            </a:prstGeom>
+            <a:ln w="57150">
+              <a:solidFill>
+                <a:schemeClr val="tx1"/>
+              </a:solidFill>
+            </a:ln>
+          </p:spPr>
+          <p:style>
+            <a:lnRef idx="1">
+              <a:schemeClr val="accent1"/>
+            </a:lnRef>
+            <a:fillRef idx="0">
+              <a:schemeClr val="accent1"/>
+            </a:fillRef>
+            <a:effectRef idx="0">
+              <a:schemeClr val="accent1"/>
+            </a:effectRef>
+            <a:fontRef idx="minor">
+              <a:schemeClr val="tx1"/>
+            </a:fontRef>
+          </p:style>
+        </p:cxnSp>
+        <p:cxnSp>
+          <p:nvCxnSpPr>
+            <p:cNvPr id="27" name="Straight Connector 26">
+              <a:extLst>
+                <a:ext uri="{FF2B5EF4-FFF2-40B4-BE49-F238E27FC236}">
+                  <a16:creationId xmlns:a16="http://schemas.microsoft.com/office/drawing/2014/main" id="{858DE84E-B6E4-40AD-9F5D-601104367A65}"/>
+                </a:ext>
+              </a:extLst>
+            </p:cNvPr>
+            <p:cNvCxnSpPr/>
+            <p:nvPr/>
+          </p:nvCxnSpPr>
+          <p:spPr>
+            <a:xfrm>
+              <a:off x="7409542" y="4253345"/>
+              <a:ext cx="0" cy="235528"/>
+            </a:xfrm>
+            <a:prstGeom prst="line">
+              <a:avLst/>
+            </a:prstGeom>
+            <a:ln w="57150">
+              <a:solidFill>
+                <a:schemeClr val="tx1"/>
+              </a:solidFill>
+            </a:ln>
+          </p:spPr>
+          <p:style>
+            <a:lnRef idx="1">
+              <a:schemeClr val="accent1"/>
+            </a:lnRef>
+            <a:fillRef idx="0">
+              <a:schemeClr val="accent1"/>
+            </a:fillRef>
+            <a:effectRef idx="0">
+              <a:schemeClr val="accent1"/>
+            </a:effectRef>
+            <a:fontRef idx="minor">
+              <a:schemeClr val="tx1"/>
+            </a:fontRef>
+          </p:style>
+        </p:cxnSp>
+        <p:cxnSp>
+          <p:nvCxnSpPr>
+            <p:cNvPr id="29" name="Straight Connector 28">
+              <a:extLst>
+                <a:ext uri="{FF2B5EF4-FFF2-40B4-BE49-F238E27FC236}">
+                  <a16:creationId xmlns:a16="http://schemas.microsoft.com/office/drawing/2014/main" id="{E541B17C-4326-4139-90D0-825AD8A6AD2F}"/>
+                </a:ext>
+              </a:extLst>
+            </p:cNvPr>
+            <p:cNvCxnSpPr>
+              <a:cxnSpLocks/>
+            </p:cNvCxnSpPr>
+            <p:nvPr/>
+          </p:nvCxnSpPr>
+          <p:spPr>
+            <a:xfrm>
+              <a:off x="7395687" y="4488873"/>
+              <a:ext cx="1523567" cy="0"/>
+            </a:xfrm>
+            <a:prstGeom prst="line">
+              <a:avLst/>
+            </a:prstGeom>
+            <a:ln w="57150">
+              <a:solidFill>
+                <a:schemeClr val="tx1"/>
+              </a:solidFill>
+            </a:ln>
+          </p:spPr>
+          <p:style>
+            <a:lnRef idx="1">
+              <a:schemeClr val="accent1"/>
+            </a:lnRef>
+            <a:fillRef idx="0">
+              <a:schemeClr val="accent1"/>
+            </a:fillRef>
+            <a:effectRef idx="0">
+              <a:schemeClr val="accent1"/>
+            </a:effectRef>
+            <a:fontRef idx="minor">
+              <a:schemeClr val="tx1"/>
+            </a:fontRef>
+          </p:style>
+        </p:cxnSp>
+        <p:cxnSp>
+          <p:nvCxnSpPr>
+            <p:cNvPr id="36" name="Straight Connector 35">
+              <a:extLst>
+                <a:ext uri="{FF2B5EF4-FFF2-40B4-BE49-F238E27FC236}">
+                  <a16:creationId xmlns:a16="http://schemas.microsoft.com/office/drawing/2014/main" id="{B164570C-90A3-4CFB-A921-EAF97A5A55B2}"/>
+                </a:ext>
+              </a:extLst>
+            </p:cNvPr>
+            <p:cNvCxnSpPr/>
+            <p:nvPr/>
+          </p:nvCxnSpPr>
+          <p:spPr>
+            <a:xfrm>
+              <a:off x="8919254" y="4488873"/>
+              <a:ext cx="0" cy="1516639"/>
+            </a:xfrm>
+            <a:prstGeom prst="line">
+              <a:avLst/>
+            </a:prstGeom>
+            <a:ln w="57150">
+              <a:solidFill>
+                <a:schemeClr val="tx1"/>
+              </a:solidFill>
+            </a:ln>
+          </p:spPr>
+          <p:style>
+            <a:lnRef idx="1">
+              <a:schemeClr val="accent1"/>
+            </a:lnRef>
+            <a:fillRef idx="0">
+              <a:schemeClr val="accent1"/>
+            </a:fillRef>
+            <a:effectRef idx="0">
+              <a:schemeClr val="accent1"/>
+            </a:effectRef>
+            <a:fontRef idx="minor">
+              <a:schemeClr val="tx1"/>
+            </a:fontRef>
+          </p:style>
+        </p:cxnSp>
+      </p:grpSp>
+    </p:spTree>
+    <p:extLst>
+      <p:ext uri="{BB962C8B-B14F-4D97-AF65-F5344CB8AC3E}">
+        <p14:creationId xmlns:p14="http://schemas.microsoft.com/office/powerpoint/2010/main" val="106392071"/>
+      </p:ext>
+    </p:extLst>
+  </p:cSld>
+  <p:clrMapOvr>
+    <a:masterClrMapping/>
+  </p:clrMapOvr>
+</p:sld>
+</file>
+
+<file path=ppt/slides/slide6.xml><?xml version="1.0" encoding="utf-8"?>
+<p:sld xmlns:a="http://schemas.openxmlformats.org/drawingml/2006/main" xmlns:r="http://schemas.openxmlformats.org/officeDocument/2006/relationships" xmlns:p="http://schemas.openxmlformats.org/presentationml/2006/main">
+  <p:cSld>
+    <p:spTree>
+      <p:nvGrpSpPr>
+        <p:cNvPr id="1" name=""/>
+        <p:cNvGrpSpPr/>
+        <p:nvPr/>
+      </p:nvGrpSpPr>
+      <p:grpSpPr>
+        <a:xfrm>
+          <a:off x="0" y="0"/>
+          <a:ext cx="0" cy="0"/>
+          <a:chOff x="0" y="0"/>
+          <a:chExt cx="0" cy="0"/>
+        </a:xfrm>
+      </p:grpSpPr>
+      <p:grpSp>
+        <p:nvGrpSpPr>
+          <p:cNvPr id="8" name="Group 7">
+            <a:extLst>
+              <a:ext uri="{FF2B5EF4-FFF2-40B4-BE49-F238E27FC236}">
+                <a16:creationId xmlns:a16="http://schemas.microsoft.com/office/drawing/2014/main" id="{72B57404-19E3-4B91-8418-C4B31F324599}"/>
+              </a:ext>
+            </a:extLst>
+          </p:cNvPr>
+          <p:cNvGrpSpPr/>
+          <p:nvPr/>
+        </p:nvGrpSpPr>
+        <p:grpSpPr>
+          <a:xfrm>
+            <a:off x="3172592" y="992404"/>
+            <a:ext cx="6059345" cy="4541928"/>
+            <a:chOff x="3172592" y="992404"/>
+            <a:chExt cx="6059345" cy="4541928"/>
+          </a:xfrm>
+        </p:grpSpPr>
+        <p:grpSp>
+          <p:nvGrpSpPr>
+            <p:cNvPr id="6" name="Group 5">
+              <a:extLst>
+                <a:ext uri="{FF2B5EF4-FFF2-40B4-BE49-F238E27FC236}">
+                  <a16:creationId xmlns:a16="http://schemas.microsoft.com/office/drawing/2014/main" id="{1E9B2E99-6CCD-4F59-83C5-8B04ACB8B15F}"/>
+                </a:ext>
+              </a:extLst>
+            </p:cNvPr>
+            <p:cNvGrpSpPr/>
+            <p:nvPr/>
+          </p:nvGrpSpPr>
+          <p:grpSpPr>
+            <a:xfrm>
+              <a:off x="3172592" y="992404"/>
+              <a:ext cx="6059345" cy="4541928"/>
+              <a:chOff x="3300411" y="982572"/>
+              <a:chExt cx="6059345" cy="4541928"/>
+            </a:xfrm>
+          </p:grpSpPr>
+          <p:pic>
+            <p:nvPicPr>
+              <p:cNvPr id="4" name="Picture 3">
+                <a:extLst>
+                  <a:ext uri="{FF2B5EF4-FFF2-40B4-BE49-F238E27FC236}">
+                    <a16:creationId xmlns:a16="http://schemas.microsoft.com/office/drawing/2014/main" id="{3231D7E6-9A9C-436E-84F8-A45F1BFE1356}"/>
+                  </a:ext>
+                </a:extLst>
+              </p:cNvPr>
+              <p:cNvPicPr>
+                <a:picLocks noChangeAspect="1"/>
+              </p:cNvPicPr>
+              <p:nvPr/>
+            </p:nvPicPr>
+            <p:blipFill>
+              <a:blip r:embed="rId2"/>
+              <a:stretch>
+                <a:fillRect/>
+              </a:stretch>
+            </p:blipFill>
+            <p:spPr>
+              <a:xfrm>
+                <a:off x="3300411" y="982572"/>
+                <a:ext cx="6059345" cy="4541928"/>
+              </a:xfrm>
+              <a:prstGeom prst="rect">
+                <a:avLst/>
+              </a:prstGeom>
+            </p:spPr>
+          </p:pic>
+          <p:sp>
+            <p:nvSpPr>
+              <p:cNvPr id="5" name="Rectangle 4">
+                <a:extLst>
+                  <a:ext uri="{FF2B5EF4-FFF2-40B4-BE49-F238E27FC236}">
+                    <a16:creationId xmlns:a16="http://schemas.microsoft.com/office/drawing/2014/main" id="{E426EEDA-F6BC-449B-BAF9-795E5B4C3A1F}"/>
+                  </a:ext>
+                </a:extLst>
+              </p:cNvPr>
+              <p:cNvSpPr/>
+              <p:nvPr/>
+            </p:nvSpPr>
+            <p:spPr>
+              <a:xfrm>
+                <a:off x="3328827" y="1006867"/>
+                <a:ext cx="2671281" cy="1633591"/>
+              </a:xfrm>
+              <a:prstGeom prst="rect">
+                <a:avLst/>
+              </a:prstGeom>
+              <a:solidFill>
+                <a:schemeClr val="bg1"/>
+              </a:solidFill>
+              <a:ln>
+                <a:solidFill>
+                  <a:schemeClr val="bg1"/>
+                </a:solidFill>
+              </a:ln>
+            </p:spPr>
+            <p:style>
+              <a:lnRef idx="2">
+                <a:schemeClr val="accent1">
+                  <a:shade val="50000"/>
+                </a:schemeClr>
+              </a:lnRef>
+              <a:fillRef idx="1">
+                <a:schemeClr val="accent1"/>
+              </a:fillRef>
+              <a:effectRef idx="0">
+                <a:schemeClr val="accent1"/>
+              </a:effectRef>
+              <a:fontRef idx="minor">
+                <a:schemeClr val="lt1"/>
+              </a:fontRef>
+            </p:style>
+            <p:txBody>
+              <a:bodyPr rtlCol="0" anchor="ctr"/>
+              <a:lstStyle/>
+              <a:p>
+                <a:pPr algn="ctr"/>
+                <a:endParaRPr lang="en-US"/>
+              </a:p>
+            </p:txBody>
+          </p:sp>
+        </p:grpSp>
+        <p:sp>
+          <p:nvSpPr>
+            <p:cNvPr id="7" name="Rectangle 6">
+              <a:extLst>
+                <a:ext uri="{FF2B5EF4-FFF2-40B4-BE49-F238E27FC236}">
+                  <a16:creationId xmlns:a16="http://schemas.microsoft.com/office/drawing/2014/main" id="{65360FFC-4A3A-42CD-8CEC-28407B1C3B33}"/>
+                </a:ext>
+              </a:extLst>
+            </p:cNvPr>
+            <p:cNvSpPr/>
+            <p:nvPr/>
+          </p:nvSpPr>
+          <p:spPr>
+            <a:xfrm>
+              <a:off x="3201008" y="2650290"/>
+              <a:ext cx="1518476" cy="1076136"/>
+            </a:xfrm>
+            <a:prstGeom prst="rect">
+              <a:avLst/>
+            </a:prstGeom>
+            <a:solidFill>
+              <a:schemeClr val="bg1"/>
+            </a:solidFill>
+            <a:ln>
+              <a:solidFill>
+                <a:schemeClr val="bg1"/>
+              </a:solidFill>
+            </a:ln>
+          </p:spPr>
+          <p:style>
+            <a:lnRef idx="2">
+              <a:schemeClr val="accent1">
+                <a:shade val="50000"/>
+              </a:schemeClr>
+            </a:lnRef>
+            <a:fillRef idx="1">
+              <a:schemeClr val="accent1"/>
+            </a:fillRef>
+            <a:effectRef idx="0">
+              <a:schemeClr val="accent1"/>
+            </a:effectRef>
+            <a:fontRef idx="minor">
+              <a:schemeClr val="lt1"/>
+            </a:fontRef>
+          </p:style>
+          <p:txBody>
+            <a:bodyPr rtlCol="0" anchor="ctr"/>
+            <a:lstStyle/>
+            <a:p>
+              <a:pPr algn="ctr"/>
+              <a:endParaRPr lang="en-US"/>
+            </a:p>
+          </p:txBody>
+        </p:sp>
+      </p:grpSp>
+    </p:spTree>
+    <p:extLst>
+      <p:ext uri="{BB962C8B-B14F-4D97-AF65-F5344CB8AC3E}">
+        <p14:creationId xmlns:p14="http://schemas.microsoft.com/office/powerpoint/2010/main" val="1982314851"/>
       </p:ext>
     </p:extLst>
   </p:cSld>
